--- a/LCC/Python/00c_Spyder環境建置.pptx
+++ b/LCC/Python/00c_Spyder環境建置.pptx
@@ -5,18 +5,30 @@
     <p:sldMasterId id="2147483668" r:id="rId1"/>
   </p:sldMasterIdLst>
   <p:sldIdLst>
-    <p:sldId id="256" r:id="rId2"/>
-    <p:sldId id="257" r:id="rId3"/>
-    <p:sldId id="258" r:id="rId4"/>
-    <p:sldId id="259" r:id="rId5"/>
-    <p:sldId id="260" r:id="rId6"/>
-    <p:sldId id="261" r:id="rId7"/>
-    <p:sldId id="262" r:id="rId8"/>
-    <p:sldId id="267" r:id="rId9"/>
-    <p:sldId id="268" r:id="rId10"/>
-    <p:sldId id="269" r:id="rId11"/>
-    <p:sldId id="270" r:id="rId12"/>
-    <p:sldId id="271" r:id="rId13"/>
+    <p:sldId id="272" r:id="rId2"/>
+    <p:sldId id="273" r:id="rId3"/>
+    <p:sldId id="274" r:id="rId4"/>
+    <p:sldId id="275" r:id="rId5"/>
+    <p:sldId id="276" r:id="rId6"/>
+    <p:sldId id="277" r:id="rId7"/>
+    <p:sldId id="278" r:id="rId8"/>
+    <p:sldId id="279" r:id="rId9"/>
+    <p:sldId id="280" r:id="rId10"/>
+    <p:sldId id="281" r:id="rId11"/>
+    <p:sldId id="282" r:id="rId12"/>
+    <p:sldId id="283" r:id="rId13"/>
+    <p:sldId id="256" r:id="rId14"/>
+    <p:sldId id="257" r:id="rId15"/>
+    <p:sldId id="258" r:id="rId16"/>
+    <p:sldId id="259" r:id="rId17"/>
+    <p:sldId id="260" r:id="rId18"/>
+    <p:sldId id="261" r:id="rId19"/>
+    <p:sldId id="262" r:id="rId20"/>
+    <p:sldId id="267" r:id="rId21"/>
+    <p:sldId id="268" r:id="rId22"/>
+    <p:sldId id="269" r:id="rId23"/>
+    <p:sldId id="270" r:id="rId24"/>
+    <p:sldId id="271" r:id="rId25"/>
   </p:sldIdLst>
   <p:sldSz cx="12192000" cy="6858000"/>
   <p:notesSz cx="6858000" cy="9144000"/>
@@ -880,7 +892,7 @@
             <a:fld id="{B61BEF0D-F0BB-DE4B-95CE-6DB70DBA9567}" type="datetimeFigureOut">
               <a:rPr lang="en-US" smtClean="0"/>
               <a:pPr/>
-              <a:t>12/30/2020</a:t>
+              <a:t>1/21/2021</a:t>
             </a:fld>
             <a:endParaRPr lang="en-US" dirty="0"/>
           </a:p>
@@ -1133,7 +1145,7 @@
             <a:fld id="{B61BEF0D-F0BB-DE4B-95CE-6DB70DBA9567}" type="datetimeFigureOut">
               <a:rPr lang="en-US" smtClean="0"/>
               <a:pPr/>
-              <a:t>12/30/2020</a:t>
+              <a:t>1/21/2021</a:t>
             </a:fld>
             <a:endParaRPr lang="en-US" dirty="0"/>
           </a:p>
@@ -1449,7 +1461,7 @@
             <a:fld id="{B61BEF0D-F0BB-DE4B-95CE-6DB70DBA9567}" type="datetimeFigureOut">
               <a:rPr lang="en-US" smtClean="0"/>
               <a:pPr/>
-              <a:t>12/30/2020</a:t>
+              <a:t>1/21/2021</a:t>
             </a:fld>
             <a:endParaRPr lang="en-US" dirty="0"/>
           </a:p>
@@ -1784,7 +1796,7 @@
             <a:fld id="{B61BEF0D-F0BB-DE4B-95CE-6DB70DBA9567}" type="datetimeFigureOut">
               <a:rPr lang="en-US" smtClean="0"/>
               <a:pPr/>
-              <a:t>12/30/2020</a:t>
+              <a:t>1/21/2021</a:t>
             </a:fld>
             <a:endParaRPr lang="en-US" dirty="0"/>
           </a:p>
@@ -2100,7 +2112,7 @@
             <a:fld id="{B61BEF0D-F0BB-DE4B-95CE-6DB70DBA9567}" type="datetimeFigureOut">
               <a:rPr lang="en-US" smtClean="0"/>
               <a:pPr/>
-              <a:t>12/30/2020</a:t>
+              <a:t>1/21/2021</a:t>
             </a:fld>
             <a:endParaRPr lang="en-US" dirty="0"/>
           </a:p>
@@ -2495,7 +2507,7 @@
             <a:fld id="{B61BEF0D-F0BB-DE4B-95CE-6DB70DBA9567}" type="datetimeFigureOut">
               <a:rPr lang="en-US" smtClean="0"/>
               <a:pPr/>
-              <a:t>12/30/2020</a:t>
+              <a:t>1/21/2021</a:t>
             </a:fld>
             <a:endParaRPr lang="en-US" dirty="0"/>
           </a:p>
@@ -2666,7 +2678,7 @@
           <a:p>
             <a:fld id="{55C6B4A9-1611-4792-9094-5F34BCA07E0B}" type="datetimeFigureOut">
               <a:rPr lang="en-US" smtClean="0"/>
-              <a:t>12/30/2020</a:t>
+              <a:t>1/21/2021</a:t>
             </a:fld>
             <a:endParaRPr lang="en-US" dirty="0"/>
           </a:p>
@@ -2847,7 +2859,7 @@
             <a:fld id="{B61BEF0D-F0BB-DE4B-95CE-6DB70DBA9567}" type="datetimeFigureOut">
               <a:rPr lang="en-US" smtClean="0"/>
               <a:pPr/>
-              <a:t>12/30/2020</a:t>
+              <a:t>1/21/2021</a:t>
             </a:fld>
             <a:endParaRPr lang="en-US" dirty="0"/>
           </a:p>
@@ -3019,7 +3031,7 @@
             <a:fld id="{B61BEF0D-F0BB-DE4B-95CE-6DB70DBA9567}" type="datetimeFigureOut">
               <a:rPr lang="en-US" smtClean="0"/>
               <a:pPr/>
-              <a:t>12/30/2020</a:t>
+              <a:t>1/21/2021</a:t>
             </a:fld>
             <a:endParaRPr lang="en-US" dirty="0"/>
           </a:p>
@@ -3268,7 +3280,7 @@
             <a:fld id="{B61BEF0D-F0BB-DE4B-95CE-6DB70DBA9567}" type="datetimeFigureOut">
               <a:rPr lang="en-US" smtClean="0"/>
               <a:pPr/>
-              <a:t>12/30/2020</a:t>
+              <a:t>1/21/2021</a:t>
             </a:fld>
             <a:endParaRPr lang="en-US" dirty="0"/>
           </a:p>
@@ -3501,7 +3513,7 @@
           <a:p>
             <a:fld id="{EB712588-04B1-427B-82EE-E8DB90309F08}" type="datetimeFigureOut">
               <a:rPr lang="en-US" smtClean="0"/>
-              <a:t>12/30/2020</a:t>
+              <a:t>1/21/2021</a:t>
             </a:fld>
             <a:endParaRPr lang="en-US" dirty="0"/>
           </a:p>
@@ -3876,7 +3888,7 @@
             <a:fld id="{B61BEF0D-F0BB-DE4B-95CE-6DB70DBA9567}" type="datetimeFigureOut">
               <a:rPr lang="en-US" smtClean="0"/>
               <a:pPr/>
-              <a:t>12/30/2020</a:t>
+              <a:t>1/21/2021</a:t>
             </a:fld>
             <a:endParaRPr lang="en-US" dirty="0"/>
           </a:p>
@@ -4001,7 +4013,7 @@
             <a:fld id="{B61BEF0D-F0BB-DE4B-95CE-6DB70DBA9567}" type="datetimeFigureOut">
               <a:rPr lang="en-US" smtClean="0"/>
               <a:pPr/>
-              <a:t>12/30/2020</a:t>
+              <a:t>1/21/2021</a:t>
             </a:fld>
             <a:endParaRPr lang="en-US" dirty="0"/>
           </a:p>
@@ -4098,7 +4110,7 @@
             <a:fld id="{B61BEF0D-F0BB-DE4B-95CE-6DB70DBA9567}" type="datetimeFigureOut">
               <a:rPr lang="en-US" smtClean="0"/>
               <a:pPr/>
-              <a:t>12/30/2020</a:t>
+              <a:t>1/21/2021</a:t>
             </a:fld>
             <a:endParaRPr lang="en-US" dirty="0"/>
           </a:p>
@@ -4354,7 +4366,7 @@
           <a:p>
             <a:fld id="{42A54C80-263E-416B-A8E0-580EDEADCBDC}" type="datetimeFigureOut">
               <a:rPr lang="en-US" smtClean="0"/>
-              <a:t>12/30/2020</a:t>
+              <a:t>1/21/2021</a:t>
             </a:fld>
             <a:endParaRPr lang="en-US" dirty="0"/>
           </a:p>
@@ -4661,7 +4673,7 @@
             <a:fld id="{B61BEF0D-F0BB-DE4B-95CE-6DB70DBA9567}" type="datetimeFigureOut">
               <a:rPr lang="en-US" smtClean="0"/>
               <a:pPr/>
-              <a:t>12/30/2020</a:t>
+              <a:t>1/21/2021</a:t>
             </a:fld>
             <a:endParaRPr lang="en-US" dirty="0"/>
           </a:p>
@@ -5364,7 +5376,7 @@
             <a:fld id="{B61BEF0D-F0BB-DE4B-95CE-6DB70DBA9567}" type="datetimeFigureOut">
               <a:rPr lang="en-US" smtClean="0"/>
               <a:pPr/>
-              <a:t>12/30/2020</a:t>
+              <a:t>1/21/2021</a:t>
             </a:fld>
             <a:endParaRPr lang="en-US" dirty="0"/>
           </a:p>
@@ -5940,40 +5952,52 @@
           <a:lstStyle/>
           <a:p>
             <a:r>
+              <a:rPr lang="en-US" altLang="zh-TW" dirty="0" smtClean="0"/>
+              <a:t>Anaconda</a:t>
+            </a:r>
+            <a:r>
+              <a:rPr lang="zh-TW" altLang="en-US" dirty="0" smtClean="0"/>
+              <a:t>環境建置</a:t>
+            </a:r>
+            <a:endParaRPr lang="zh-TW" altLang="en-US" dirty="0"/>
+          </a:p>
+        </p:txBody>
+      </p:sp>
+      <p:sp>
+        <p:nvSpPr>
+          <p:cNvPr id="3" name="副標題 2"/>
+          <p:cNvSpPr>
+            <a:spLocks noGrp="1"/>
+          </p:cNvSpPr>
+          <p:nvPr>
+            <p:ph type="subTitle" idx="1"/>
+          </p:nvPr>
+        </p:nvSpPr>
+        <p:spPr/>
+        <p:txBody>
+          <a:bodyPr/>
+          <a:lstStyle/>
+          <a:p>
+            <a:r>
+              <a:rPr lang="zh-TW" altLang="en-US" dirty="0" smtClean="0"/>
+              <a:t>含</a:t>
+            </a:r>
+            <a:r>
               <a:rPr lang="en-US" altLang="zh-TW" dirty="0" err="1" smtClean="0"/>
               <a:t>Spyder</a:t>
             </a:r>
             <a:r>
               <a:rPr lang="zh-TW" altLang="en-US" dirty="0" smtClean="0"/>
-              <a:t>環境建置</a:t>
+              <a:t>的安裝與更新</a:t>
             </a:r>
             <a:endParaRPr lang="zh-TW" altLang="en-US" dirty="0"/>
-          </a:p>
-        </p:txBody>
-      </p:sp>
-      <p:sp>
-        <p:nvSpPr>
-          <p:cNvPr id="3" name="副標題 2"/>
-          <p:cNvSpPr>
-            <a:spLocks noGrp="1"/>
-          </p:cNvSpPr>
-          <p:nvPr>
-            <p:ph type="subTitle" idx="1"/>
-          </p:nvPr>
-        </p:nvSpPr>
-        <p:spPr/>
-        <p:txBody>
-          <a:bodyPr/>
-          <a:lstStyle/>
-          <a:p>
-            <a:endParaRPr lang="zh-TW" altLang="en-US"/>
           </a:p>
         </p:txBody>
       </p:sp>
     </p:spTree>
     <p:extLst>
       <p:ext uri="{BB962C8B-B14F-4D97-AF65-F5344CB8AC3E}">
-        <p14:creationId xmlns:p14="http://schemas.microsoft.com/office/powerpoint/2010/main" val="990491748"/>
+        <p14:creationId xmlns:p14="http://schemas.microsoft.com/office/powerpoint/2010/main" val="1037792930"/>
       </p:ext>
     </p:extLst>
   </p:cSld>
@@ -6023,70 +6047,12 @@
           <a:lstStyle/>
           <a:p>
             <a:r>
+              <a:rPr lang="zh-TW" altLang="en-US" dirty="0" smtClean="0"/>
+              <a:t>增加一個</a:t>
+            </a:r>
+            <a:r>
               <a:rPr lang="en-US" altLang="zh-TW" dirty="0" smtClean="0"/>
-              <a:t>Hello World</a:t>
-            </a:r>
-            <a:br>
-              <a:rPr lang="en-US" altLang="zh-TW" dirty="0" smtClean="0"/>
-            </a:br>
-            <a:r>
-              <a:rPr lang="zh-TW" altLang="en-US" dirty="0"/>
-              <a:t>步驟</a:t>
-            </a:r>
-            <a:r>
-              <a:rPr lang="en-US" altLang="zh-TW" dirty="0"/>
-              <a:t>1</a:t>
-            </a:r>
-            <a:endParaRPr lang="zh-TW" altLang="en-US" dirty="0"/>
-          </a:p>
-        </p:txBody>
-      </p:sp>
-      <p:sp>
-        <p:nvSpPr>
-          <p:cNvPr id="3" name="內容版面配置區 2"/>
-          <p:cNvSpPr>
-            <a:spLocks noGrp="1"/>
-          </p:cNvSpPr>
-          <p:nvPr>
-            <p:ph idx="1"/>
-          </p:nvPr>
-        </p:nvSpPr>
-        <p:spPr/>
-        <p:txBody>
-          <a:bodyPr/>
-          <a:lstStyle/>
-          <a:p>
-            <a:r>
-              <a:rPr lang="zh-TW" altLang="en-US" dirty="0" smtClean="0"/>
-              <a:t>在於</a:t>
-            </a:r>
-            <a:r>
-              <a:rPr lang="en-US" altLang="zh-TW" dirty="0" err="1" smtClean="0"/>
-              <a:t>Spyder</a:t>
-            </a:r>
-            <a:r>
-              <a:rPr lang="zh-TW" altLang="en-US" dirty="0" smtClean="0"/>
-              <a:t>的程式編輯視窗中，輸入第三者</a:t>
-            </a:r>
-            <a:r>
-              <a:rPr lang="en-US" altLang="zh-TW" dirty="0" smtClean="0"/>
-              <a:t>7</a:t>
-            </a:r>
-            <a:r>
-              <a:rPr lang="zh-TW" altLang="en-US" dirty="0" smtClean="0"/>
-              <a:t>行，紅框的那些程式碼：</a:t>
-            </a:r>
-            <a:endParaRPr lang="en-US" altLang="zh-TW" dirty="0" smtClean="0"/>
-          </a:p>
-          <a:p>
-            <a:pPr lvl="1"/>
-            <a:r>
-              <a:rPr lang="en-US" altLang="zh-TW" dirty="0" smtClean="0"/>
-              <a:t>print</a:t>
-            </a:r>
-            <a:r>
-              <a:rPr lang="en-US" altLang="zh-TW" dirty="0" smtClean="0"/>
-              <a:t>(“Hello World!”)</a:t>
+              <a:t>Channel</a:t>
             </a:r>
             <a:endParaRPr lang="zh-TW" altLang="en-US" dirty="0"/>
           </a:p>
@@ -6108,8 +6074,8 @@
         </p:blipFill>
         <p:spPr>
           <a:xfrm>
-            <a:off x="1343118" y="3005419"/>
-            <a:ext cx="7265099" cy="3531308"/>
+            <a:off x="417005" y="1647444"/>
+            <a:ext cx="5846636" cy="1652505"/>
           </a:xfrm>
           <a:prstGeom prst="rect">
             <a:avLst/>
@@ -6121,282 +6087,24 @@
           </a:ln>
         </p:spPr>
       </p:pic>
-      <p:sp>
-        <p:nvSpPr>
-          <p:cNvPr id="5" name="矩形 4"/>
-          <p:cNvSpPr/>
-          <p:nvPr/>
-        </p:nvSpPr>
-        <p:spPr>
-          <a:xfrm>
-            <a:off x="1939859" y="5593306"/>
-            <a:ext cx="3035808" cy="466344"/>
-          </a:xfrm>
-          <a:prstGeom prst="rect">
-            <a:avLst/>
-          </a:prstGeom>
-          <a:noFill/>
-          <a:ln w="38100">
-            <a:solidFill>
-              <a:srgbClr val="FF0000"/>
-            </a:solidFill>
-          </a:ln>
-        </p:spPr>
-        <p:style>
-          <a:lnRef idx="2">
-            <a:schemeClr val="accent1">
-              <a:shade val="50000"/>
-            </a:schemeClr>
-          </a:lnRef>
-          <a:fillRef idx="1">
-            <a:schemeClr val="accent1"/>
-          </a:fillRef>
-          <a:effectRef idx="0">
-            <a:schemeClr val="accent1"/>
-          </a:effectRef>
-          <a:fontRef idx="minor">
-            <a:schemeClr val="lt1"/>
-          </a:fontRef>
-        </p:style>
-        <p:txBody>
-          <a:bodyPr rtlCol="0" anchor="ctr"/>
-          <a:lstStyle/>
-          <a:p>
-            <a:pPr algn="ctr"/>
-            <a:endParaRPr lang="zh-TW" altLang="en-US"/>
-          </a:p>
-        </p:txBody>
-      </p:sp>
-      <p:sp>
-        <p:nvSpPr>
-          <p:cNvPr id="6" name="文字方塊 5"/>
-          <p:cNvSpPr txBox="1"/>
-          <p:nvPr/>
-        </p:nvSpPr>
-        <p:spPr>
-          <a:xfrm>
-            <a:off x="5908497" y="5593306"/>
-            <a:ext cx="2492990" cy="400110"/>
-          </a:xfrm>
-          <a:prstGeom prst="rect">
-            <a:avLst/>
-          </a:prstGeom>
-          <a:noFill/>
-        </p:spPr>
-        <p:txBody>
-          <a:bodyPr wrap="none" rtlCol="0">
-            <a:spAutoFit/>
-          </a:bodyPr>
-          <a:lstStyle/>
-          <a:p>
-            <a:r>
-              <a:rPr lang="zh-TW" altLang="en-US" sz="2000" b="1" dirty="0" smtClean="0">
-                <a:solidFill>
-                  <a:schemeClr val="accent5">
-                    <a:lumMod val="40000"/>
-                    <a:lumOff val="60000"/>
-                  </a:schemeClr>
-                </a:solidFill>
-              </a:rPr>
-              <a:t>沒錯，就一行程式！</a:t>
-            </a:r>
-            <a:endParaRPr lang="zh-TW" altLang="en-US" sz="2000" b="1" dirty="0">
-              <a:solidFill>
-                <a:schemeClr val="accent5">
-                  <a:lumMod val="40000"/>
-                  <a:lumOff val="60000"/>
-                </a:schemeClr>
-              </a:solidFill>
-            </a:endParaRPr>
-          </a:p>
-        </p:txBody>
-      </p:sp>
-    </p:spTree>
-    <p:extLst>
-      <p:ext uri="{BB962C8B-B14F-4D97-AF65-F5344CB8AC3E}">
-        <p14:creationId xmlns:p14="http://schemas.microsoft.com/office/powerpoint/2010/main" val="4119131964"/>
-      </p:ext>
-    </p:extLst>
-  </p:cSld>
-  <p:clrMapOvr>
-    <a:masterClrMapping/>
-  </p:clrMapOvr>
-  <p:timing>
-    <p:tnLst>
-      <p:par>
-        <p:cTn id="1" dur="indefinite" restart="never" nodeType="tmRoot">
-          <p:childTnLst>
-            <p:seq concurrent="1" nextAc="seek">
-              <p:cTn id="2" dur="indefinite" nodeType="mainSeq">
-                <p:childTnLst>
-                  <p:par>
-                    <p:cTn id="3" fill="hold">
-                      <p:stCondLst>
-                        <p:cond delay="indefinite"/>
-                      </p:stCondLst>
-                      <p:childTnLst>
-                        <p:par>
-                          <p:cTn id="4" fill="hold">
-                            <p:stCondLst>
-                              <p:cond delay="0"/>
-                            </p:stCondLst>
-                            <p:childTnLst>
-                              <p:par>
-                                <p:cTn id="5" presetID="1" presetClass="entr" presetSubtype="0" fill="hold" grpId="0" nodeType="clickEffect">
-                                  <p:stCondLst>
-                                    <p:cond delay="0"/>
-                                  </p:stCondLst>
-                                  <p:childTnLst>
-                                    <p:set>
-                                      <p:cBhvr>
-                                        <p:cTn id="6" dur="1" fill="hold">
-                                          <p:stCondLst>
-                                            <p:cond delay="0"/>
-                                          </p:stCondLst>
-                                        </p:cTn>
-                                        <p:tgtEl>
-                                          <p:spTgt spid="6"/>
-                                        </p:tgtEl>
-                                        <p:attrNameLst>
-                                          <p:attrName>style.visibility</p:attrName>
-                                        </p:attrNameLst>
-                                      </p:cBhvr>
-                                      <p:to>
-                                        <p:strVal val="visible"/>
-                                      </p:to>
-                                    </p:set>
-                                  </p:childTnLst>
-                                </p:cTn>
-                              </p:par>
-                            </p:childTnLst>
-                          </p:cTn>
-                        </p:par>
-                      </p:childTnLst>
-                    </p:cTn>
-                  </p:par>
-                </p:childTnLst>
-              </p:cTn>
-              <p:prevCondLst>
-                <p:cond evt="onPrev" delay="0">
-                  <p:tgtEl>
-                    <p:sldTgt/>
-                  </p:tgtEl>
-                </p:cond>
-              </p:prevCondLst>
-              <p:nextCondLst>
-                <p:cond evt="onNext" delay="0">
-                  <p:tgtEl>
-                    <p:sldTgt/>
-                  </p:tgtEl>
-                </p:cond>
-              </p:nextCondLst>
-            </p:seq>
-          </p:childTnLst>
-        </p:cTn>
-      </p:par>
-    </p:tnLst>
-    <p:bldLst>
-      <p:bldP spid="6" grpId="0"/>
-    </p:bldLst>
-  </p:timing>
-</p:sld>
-</file>
-
-<file path=ppt/slides/slide11.xml><?xml version="1.0" encoding="utf-8"?>
-<p:sld xmlns:a="http://schemas.openxmlformats.org/drawingml/2006/main" xmlns:r="http://schemas.openxmlformats.org/officeDocument/2006/relationships" xmlns:p="http://schemas.openxmlformats.org/presentationml/2006/main">
-  <p:cSld>
-    <p:spTree>
-      <p:nvGrpSpPr>
-        <p:cNvPr id="1" name=""/>
-        <p:cNvGrpSpPr/>
-        <p:nvPr/>
-      </p:nvGrpSpPr>
-      <p:grpSpPr>
-        <a:xfrm>
-          <a:off x="0" y="0"/>
-          <a:ext cx="0" cy="0"/>
-          <a:chOff x="0" y="0"/>
-          <a:chExt cx="0" cy="0"/>
-        </a:xfrm>
-      </p:grpSpPr>
-      <p:sp>
-        <p:nvSpPr>
-          <p:cNvPr id="2" name="標題 1"/>
-          <p:cNvSpPr>
-            <a:spLocks noGrp="1"/>
-          </p:cNvSpPr>
-          <p:nvPr>
-            <p:ph type="title"/>
-          </p:nvPr>
-        </p:nvSpPr>
-        <p:spPr/>
-        <p:txBody>
-          <a:bodyPr/>
-          <a:lstStyle/>
-          <a:p>
-            <a:r>
-              <a:rPr lang="en-US" altLang="zh-TW" dirty="0"/>
-              <a:t>Hello World</a:t>
-            </a:r>
-            <a:br>
-              <a:rPr lang="en-US" altLang="zh-TW" dirty="0"/>
-            </a:br>
-            <a:r>
-              <a:rPr lang="zh-TW" altLang="en-US" dirty="0" smtClean="0"/>
-              <a:t>步驟</a:t>
-            </a:r>
-            <a:r>
-              <a:rPr lang="en-US" altLang="zh-TW" dirty="0" smtClean="0"/>
-              <a:t>2</a:t>
-            </a:r>
-            <a:endParaRPr lang="zh-TW" altLang="en-US" dirty="0"/>
-          </a:p>
-        </p:txBody>
-      </p:sp>
-      <p:sp>
-        <p:nvSpPr>
-          <p:cNvPr id="3" name="內容版面配置區 2"/>
-          <p:cNvSpPr>
-            <a:spLocks noGrp="1"/>
-          </p:cNvSpPr>
-          <p:nvPr>
-            <p:ph idx="1"/>
-          </p:nvPr>
-        </p:nvSpPr>
-        <p:spPr/>
-        <p:txBody>
-          <a:bodyPr/>
-          <a:lstStyle/>
-          <a:p>
-            <a:r>
-              <a:rPr lang="zh-TW" altLang="en-US" dirty="0" smtClean="0"/>
-              <a:t>點選綠色小三角形按鈕，執行剛剛的程式！</a:t>
-            </a:r>
-            <a:endParaRPr lang="en-US" altLang="zh-TW" dirty="0" smtClean="0"/>
-          </a:p>
-          <a:p>
-            <a:endParaRPr lang="zh-TW" altLang="en-US" dirty="0"/>
-          </a:p>
-        </p:txBody>
-      </p:sp>
       <p:pic>
         <p:nvPicPr>
-          <p:cNvPr id="4" name="圖片 3"/>
+          <p:cNvPr id="5" name="圖片 4"/>
           <p:cNvPicPr>
             <a:picLocks noChangeAspect="1"/>
           </p:cNvPicPr>
           <p:nvPr/>
         </p:nvPicPr>
         <p:blipFill>
-          <a:blip r:embed="rId2"/>
+          <a:blip r:embed="rId3"/>
           <a:stretch>
             <a:fillRect/>
           </a:stretch>
         </p:blipFill>
         <p:spPr>
           <a:xfrm>
-            <a:off x="1004695" y="2897124"/>
-            <a:ext cx="7667625" cy="1447800"/>
+            <a:off x="5359908" y="3157529"/>
+            <a:ext cx="4018976" cy="2758639"/>
           </a:xfrm>
           <a:prstGeom prst="rect">
             <a:avLst/>
@@ -6410,14 +6118,14 @@
       </p:pic>
       <p:sp>
         <p:nvSpPr>
-          <p:cNvPr id="5" name="向右箭號 4"/>
+          <p:cNvPr id="6" name="向右箭號 5"/>
           <p:cNvSpPr/>
           <p:nvPr/>
         </p:nvSpPr>
         <p:spPr>
-          <a:xfrm rot="19168050">
-            <a:off x="2567624" y="3852373"/>
-            <a:ext cx="539496" cy="237440"/>
+          <a:xfrm rot="1528218">
+            <a:off x="4910544" y="2682274"/>
+            <a:ext cx="516225" cy="202661"/>
           </a:xfrm>
           <a:prstGeom prst="rightArrow">
             <a:avLst/>
@@ -6456,220 +6164,16 @@
           </a:p>
         </p:txBody>
       </p:sp>
-    </p:spTree>
-    <p:extLst>
-      <p:ext uri="{BB962C8B-B14F-4D97-AF65-F5344CB8AC3E}">
-        <p14:creationId xmlns:p14="http://schemas.microsoft.com/office/powerpoint/2010/main" val="627756226"/>
-      </p:ext>
-    </p:extLst>
-  </p:cSld>
-  <p:clrMapOvr>
-    <a:masterClrMapping/>
-  </p:clrMapOvr>
-  <p:timing>
-    <p:tnLst>
-      <p:par>
-        <p:cTn id="1" dur="indefinite" restart="never" nodeType="tmRoot">
-          <p:childTnLst>
-            <p:seq concurrent="1" nextAc="seek">
-              <p:cTn id="2" dur="indefinite" nodeType="mainSeq">
-                <p:childTnLst>
-                  <p:par>
-                    <p:cTn id="3" fill="hold">
-                      <p:stCondLst>
-                        <p:cond delay="indefinite"/>
-                      </p:stCondLst>
-                      <p:childTnLst>
-                        <p:par>
-                          <p:cTn id="4" fill="hold">
-                            <p:stCondLst>
-                              <p:cond delay="0"/>
-                            </p:stCondLst>
-                            <p:childTnLst>
-                              <p:par>
-                                <p:cTn id="5" presetID="1" presetClass="entr" presetSubtype="0" fill="hold" grpId="0" nodeType="clickEffect">
-                                  <p:stCondLst>
-                                    <p:cond delay="0"/>
-                                  </p:stCondLst>
-                                  <p:childTnLst>
-                                    <p:set>
-                                      <p:cBhvr>
-                                        <p:cTn id="6" dur="1" fill="hold">
-                                          <p:stCondLst>
-                                            <p:cond delay="0"/>
-                                          </p:stCondLst>
-                                        </p:cTn>
-                                        <p:tgtEl>
-                                          <p:spTgt spid="5"/>
-                                        </p:tgtEl>
-                                        <p:attrNameLst>
-                                          <p:attrName>style.visibility</p:attrName>
-                                        </p:attrNameLst>
-                                      </p:cBhvr>
-                                      <p:to>
-                                        <p:strVal val="visible"/>
-                                      </p:to>
-                                    </p:set>
-                                  </p:childTnLst>
-                                </p:cTn>
-                              </p:par>
-                            </p:childTnLst>
-                          </p:cTn>
-                        </p:par>
-                      </p:childTnLst>
-                    </p:cTn>
-                  </p:par>
-                </p:childTnLst>
-              </p:cTn>
-              <p:prevCondLst>
-                <p:cond evt="onPrev" delay="0">
-                  <p:tgtEl>
-                    <p:sldTgt/>
-                  </p:tgtEl>
-                </p:cond>
-              </p:prevCondLst>
-              <p:nextCondLst>
-                <p:cond evt="onNext" delay="0">
-                  <p:tgtEl>
-                    <p:sldTgt/>
-                  </p:tgtEl>
-                </p:cond>
-              </p:nextCondLst>
-            </p:seq>
-          </p:childTnLst>
-        </p:cTn>
-      </p:par>
-    </p:tnLst>
-    <p:bldLst>
-      <p:bldP spid="5" grpId="0" animBg="1"/>
-    </p:bldLst>
-  </p:timing>
-</p:sld>
-</file>
-
-<file path=ppt/slides/slide12.xml><?xml version="1.0" encoding="utf-8"?>
-<p:sld xmlns:a="http://schemas.openxmlformats.org/drawingml/2006/main" xmlns:r="http://schemas.openxmlformats.org/officeDocument/2006/relationships" xmlns:p="http://schemas.openxmlformats.org/presentationml/2006/main">
-  <p:cSld>
-    <p:spTree>
-      <p:nvGrpSpPr>
-        <p:cNvPr id="1" name=""/>
-        <p:cNvGrpSpPr/>
-        <p:nvPr/>
-      </p:nvGrpSpPr>
-      <p:grpSpPr>
-        <a:xfrm>
-          <a:off x="0" y="0"/>
-          <a:ext cx="0" cy="0"/>
-          <a:chOff x="0" y="0"/>
-          <a:chExt cx="0" cy="0"/>
-        </a:xfrm>
-      </p:grpSpPr>
-      <p:sp>
-        <p:nvSpPr>
-          <p:cNvPr id="2" name="標題 1"/>
-          <p:cNvSpPr>
-            <a:spLocks noGrp="1"/>
-          </p:cNvSpPr>
-          <p:nvPr>
-            <p:ph type="title"/>
-          </p:nvPr>
-        </p:nvSpPr>
-        <p:spPr/>
-        <p:txBody>
-          <a:bodyPr/>
-          <a:lstStyle/>
-          <a:p>
-            <a:r>
-              <a:rPr lang="en-US" altLang="zh-TW" dirty="0"/>
-              <a:t>Hello World</a:t>
-            </a:r>
-            <a:br>
-              <a:rPr lang="en-US" altLang="zh-TW" dirty="0"/>
-            </a:br>
-            <a:r>
-              <a:rPr lang="zh-TW" altLang="en-US" dirty="0" smtClean="0"/>
-              <a:t>步驟</a:t>
-            </a:r>
-            <a:r>
-              <a:rPr lang="en-US" altLang="zh-TW" dirty="0" smtClean="0"/>
-              <a:t>3</a:t>
-            </a:r>
-            <a:endParaRPr lang="zh-TW" altLang="en-US" dirty="0"/>
-          </a:p>
-        </p:txBody>
-      </p:sp>
-      <p:sp>
-        <p:nvSpPr>
-          <p:cNvPr id="3" name="內容版面配置區 2"/>
-          <p:cNvSpPr>
-            <a:spLocks noGrp="1"/>
-          </p:cNvSpPr>
-          <p:nvPr>
-            <p:ph idx="1"/>
-          </p:nvPr>
-        </p:nvSpPr>
-        <p:spPr/>
-        <p:txBody>
-          <a:bodyPr/>
-          <a:lstStyle/>
-          <a:p>
-            <a:r>
-              <a:rPr lang="zh-TW" altLang="en-US" dirty="0" smtClean="0"/>
-              <a:t>在右下角的</a:t>
-            </a:r>
-            <a:r>
-              <a:rPr lang="en-US" altLang="zh-TW" dirty="0" err="1" smtClean="0"/>
-              <a:t>IPython</a:t>
-            </a:r>
-            <a:r>
-              <a:rPr lang="en-US" altLang="zh-TW" dirty="0" smtClean="0"/>
-              <a:t> Console</a:t>
-            </a:r>
-            <a:r>
-              <a:rPr lang="zh-TW" altLang="en-US" dirty="0" smtClean="0"/>
-              <a:t>看結果。</a:t>
-            </a:r>
-            <a:endParaRPr lang="en-US" altLang="zh-TW" dirty="0" smtClean="0"/>
-          </a:p>
-          <a:p>
-            <a:endParaRPr lang="zh-TW" altLang="en-US" dirty="0"/>
-          </a:p>
-        </p:txBody>
-      </p:sp>
-      <p:pic>
-        <p:nvPicPr>
-          <p:cNvPr id="4" name="圖片 3"/>
-          <p:cNvPicPr>
-            <a:picLocks noChangeAspect="1"/>
-          </p:cNvPicPr>
-          <p:nvPr/>
-        </p:nvPicPr>
-        <p:blipFill>
-          <a:blip r:embed="rId2"/>
-          <a:stretch>
-            <a:fillRect/>
-          </a:stretch>
-        </p:blipFill>
-        <p:spPr>
-          <a:xfrm>
-            <a:off x="1209484" y="2724340"/>
-            <a:ext cx="7724775" cy="3457575"/>
-          </a:xfrm>
-          <a:prstGeom prst="rect">
-            <a:avLst/>
-          </a:prstGeom>
-        </p:spPr>
-      </p:pic>
-      <p:sp>
-        <p:nvSpPr>
-          <p:cNvPr id="5" name="向右箭號 4"/>
+      <p:sp>
+        <p:nvSpPr>
+          <p:cNvPr id="7" name="向右箭號 6"/>
           <p:cNvSpPr/>
           <p:nvPr/>
         </p:nvSpPr>
         <p:spPr>
-          <a:xfrm rot="12839048">
-            <a:off x="2339023" y="5813974"/>
-            <a:ext cx="539496" cy="237440"/>
+          <a:xfrm rot="1528218">
+            <a:off x="8280101" y="3133486"/>
+            <a:ext cx="516225" cy="202661"/>
           </a:xfrm>
           <a:prstGeom prst="rightArrow">
             <a:avLst/>
@@ -6710,14 +6214,14 @@
       </p:sp>
       <p:sp>
         <p:nvSpPr>
-          <p:cNvPr id="6" name="文字方塊 5"/>
+          <p:cNvPr id="8" name="文字方塊 7"/>
           <p:cNvSpPr txBox="1"/>
           <p:nvPr/>
         </p:nvSpPr>
         <p:spPr>
           <a:xfrm>
-            <a:off x="2898805" y="5711529"/>
-            <a:ext cx="1723549" cy="400110"/>
+            <a:off x="4892053" y="2321269"/>
+            <a:ext cx="319318" cy="369332"/>
           </a:xfrm>
           <a:prstGeom prst="rect">
             <a:avLst/>
@@ -6731,44 +6235,16 @@
           <a:lstStyle/>
           <a:p>
             <a:r>
-              <a:rPr lang="zh-TW" altLang="en-US" sz="2000" b="1" dirty="0" smtClean="0">
+              <a:rPr lang="en-US" altLang="zh-TW" b="1" dirty="0" smtClean="0">
                 <a:solidFill>
-                  <a:schemeClr val="accent5">
-                    <a:lumMod val="40000"/>
-                    <a:lumOff val="60000"/>
-                  </a:schemeClr>
+                  <a:srgbClr val="FF0000"/>
                 </a:solidFill>
               </a:rPr>
-              <a:t>就</a:t>
-            </a:r>
-            <a:r>
-              <a:rPr lang="zh-TW" altLang="en-US" sz="2000" b="1" dirty="0">
-                <a:solidFill>
-                  <a:schemeClr val="accent5">
-                    <a:lumMod val="40000"/>
-                    <a:lumOff val="60000"/>
-                  </a:schemeClr>
-                </a:solidFill>
-              </a:rPr>
-              <a:t>在這裡啦</a:t>
-            </a:r>
-            <a:r>
-              <a:rPr lang="zh-TW" altLang="en-US" sz="2000" b="1" dirty="0" smtClean="0">
-                <a:solidFill>
-                  <a:schemeClr val="accent5">
-                    <a:lumMod val="40000"/>
-                    <a:lumOff val="60000"/>
-                  </a:schemeClr>
-                </a:solidFill>
-              </a:rPr>
-              <a:t>！</a:t>
-            </a:r>
-            <a:endParaRPr lang="zh-TW" altLang="en-US" sz="2000" b="1" dirty="0">
+              <a:t>1</a:t>
+            </a:r>
+            <a:endParaRPr lang="zh-TW" altLang="en-US" b="1" dirty="0">
               <a:solidFill>
-                <a:schemeClr val="accent5">
-                  <a:lumMod val="40000"/>
-                  <a:lumOff val="60000"/>
-                </a:schemeClr>
+                <a:srgbClr val="FF0000"/>
               </a:solidFill>
             </a:endParaRPr>
           </a:p>
@@ -6776,14 +6252,14 @@
       </p:sp>
       <p:sp>
         <p:nvSpPr>
-          <p:cNvPr id="7" name="矩形 6"/>
-          <p:cNvSpPr/>
+          <p:cNvPr id="9" name="文字方塊 8"/>
+          <p:cNvSpPr txBox="1"/>
           <p:nvPr/>
         </p:nvSpPr>
         <p:spPr>
           <a:xfrm>
-            <a:off x="3594543" y="3845159"/>
-            <a:ext cx="2954656" cy="923330"/>
+            <a:off x="8378554" y="2832736"/>
+            <a:ext cx="319318" cy="369332"/>
           </a:xfrm>
           <a:prstGeom prst="rect">
             <a:avLst/>
@@ -6791,48 +6267,357 @@
           <a:noFill/>
         </p:spPr>
         <p:txBody>
-          <a:bodyPr wrap="none" lIns="91440" tIns="45720" rIns="91440" bIns="45720">
+          <a:bodyPr wrap="none" rtlCol="0">
             <a:spAutoFit/>
-            <a:scene3d>
-              <a:camera prst="orthographicFront"/>
-              <a:lightRig rig="harsh" dir="t"/>
-            </a:scene3d>
-            <a:sp3d extrusionH="57150" prstMaterial="matte">
-              <a:bevelT w="63500" h="12700" prst="angle"/>
-              <a:contourClr>
-                <a:schemeClr val="bg1">
-                  <a:lumMod val="65000"/>
-                </a:schemeClr>
-              </a:contourClr>
-            </a:sp3d>
           </a:bodyPr>
           <a:lstStyle/>
           <a:p>
+            <a:r>
+              <a:rPr lang="en-US" altLang="zh-TW" b="1" dirty="0" smtClean="0">
+                <a:solidFill>
+                  <a:srgbClr val="FF0000"/>
+                </a:solidFill>
+              </a:rPr>
+              <a:t>2</a:t>
+            </a:r>
+            <a:endParaRPr lang="zh-TW" altLang="en-US" b="1" dirty="0">
+              <a:solidFill>
+                <a:srgbClr val="FF0000"/>
+              </a:solidFill>
+            </a:endParaRPr>
+          </a:p>
+        </p:txBody>
+      </p:sp>
+      <p:pic>
+        <p:nvPicPr>
+          <p:cNvPr id="10" name="內容版面配置區 9"/>
+          <p:cNvPicPr>
+            <a:picLocks noGrp="1" noChangeAspect="1"/>
+          </p:cNvPicPr>
+          <p:nvPr>
+            <p:ph idx="1"/>
+          </p:nvPr>
+        </p:nvPicPr>
+        <p:blipFill>
+          <a:blip r:embed="rId4"/>
+          <a:stretch>
+            <a:fillRect/>
+          </a:stretch>
+        </p:blipFill>
+        <p:spPr>
+          <a:xfrm>
+            <a:off x="5359908" y="3152304"/>
+            <a:ext cx="4018976" cy="2774160"/>
+          </a:xfrm>
+          <a:prstGeom prst="rect">
+            <a:avLst/>
+          </a:prstGeom>
+          <a:ln>
+            <a:solidFill>
+              <a:schemeClr val="tx1"/>
+            </a:solidFill>
+          </a:ln>
+        </p:spPr>
+      </p:pic>
+      <p:sp>
+        <p:nvSpPr>
+          <p:cNvPr id="11" name="向右箭號 10"/>
+          <p:cNvSpPr/>
+          <p:nvPr/>
+        </p:nvSpPr>
+        <p:spPr>
+          <a:xfrm rot="1528218">
+            <a:off x="5101796" y="4051822"/>
+            <a:ext cx="516225" cy="202661"/>
+          </a:xfrm>
+          <a:prstGeom prst="rightArrow">
+            <a:avLst/>
+          </a:prstGeom>
+          <a:solidFill>
+            <a:srgbClr val="FF0000"/>
+          </a:solidFill>
+          <a:ln>
+            <a:solidFill>
+              <a:srgbClr val="FF0000"/>
+            </a:solidFill>
+          </a:ln>
+        </p:spPr>
+        <p:style>
+          <a:lnRef idx="2">
+            <a:schemeClr val="accent1">
+              <a:shade val="50000"/>
+            </a:schemeClr>
+          </a:lnRef>
+          <a:fillRef idx="1">
+            <a:schemeClr val="accent1"/>
+          </a:fillRef>
+          <a:effectRef idx="0">
+            <a:schemeClr val="accent1"/>
+          </a:effectRef>
+          <a:fontRef idx="minor">
+            <a:schemeClr val="lt1"/>
+          </a:fontRef>
+        </p:style>
+        <p:txBody>
+          <a:bodyPr rtlCol="0" anchor="ctr"/>
+          <a:lstStyle/>
+          <a:p>
             <a:pPr algn="ctr"/>
-            <a:r>
-              <a:rPr lang="zh-TW" altLang="en-US" sz="5400" b="1" cap="none" spc="0" dirty="0" smtClean="0">
-                <a:ln/>
+            <a:endParaRPr lang="zh-TW" altLang="en-US"/>
+          </a:p>
+        </p:txBody>
+      </p:sp>
+      <p:sp>
+        <p:nvSpPr>
+          <p:cNvPr id="12" name="文字方塊 11"/>
+          <p:cNvSpPr txBox="1"/>
+          <p:nvPr/>
+        </p:nvSpPr>
+        <p:spPr>
+          <a:xfrm>
+            <a:off x="5083305" y="3690817"/>
+            <a:ext cx="319318" cy="369332"/>
+          </a:xfrm>
+          <a:prstGeom prst="rect">
+            <a:avLst/>
+          </a:prstGeom>
+          <a:noFill/>
+        </p:spPr>
+        <p:txBody>
+          <a:bodyPr wrap="none" rtlCol="0">
+            <a:spAutoFit/>
+          </a:bodyPr>
+          <a:lstStyle/>
+          <a:p>
+            <a:r>
+              <a:rPr lang="en-US" altLang="zh-TW" b="1" dirty="0" smtClean="0">
                 <a:solidFill>
-                  <a:schemeClr val="accent3"/>
+                  <a:srgbClr val="FF0000"/>
                 </a:solidFill>
-                <a:effectLst/>
               </a:rPr>
-              <a:t>完成了！</a:t>
-            </a:r>
-            <a:endParaRPr lang="zh-TW" altLang="en-US" sz="5400" b="1" cap="none" spc="0" dirty="0">
-              <a:ln/>
+              <a:t>3</a:t>
+            </a:r>
+            <a:endParaRPr lang="zh-TW" altLang="en-US" b="1" dirty="0">
               <a:solidFill>
-                <a:schemeClr val="accent3"/>
+                <a:srgbClr val="FF0000"/>
               </a:solidFill>
-              <a:effectLst/>
             </a:endParaRPr>
+          </a:p>
+        </p:txBody>
+      </p:sp>
+      <p:sp>
+        <p:nvSpPr>
+          <p:cNvPr id="13" name="圓角矩形圖說文字 12"/>
+          <p:cNvSpPr/>
+          <p:nvPr/>
+        </p:nvSpPr>
+        <p:spPr>
+          <a:xfrm>
+            <a:off x="3479958" y="4609322"/>
+            <a:ext cx="1495710" cy="727788"/>
+          </a:xfrm>
+          <a:prstGeom prst="wedgeRoundRectCallout">
+            <a:avLst>
+              <a:gd name="adj1" fmla="val 93327"/>
+              <a:gd name="adj2" fmla="val -77243"/>
+              <a:gd name="adj3" fmla="val 16667"/>
+            </a:avLst>
+          </a:prstGeom>
+        </p:spPr>
+        <p:style>
+          <a:lnRef idx="2">
+            <a:schemeClr val="accent1">
+              <a:shade val="50000"/>
+            </a:schemeClr>
+          </a:lnRef>
+          <a:fillRef idx="1">
+            <a:schemeClr val="accent1"/>
+          </a:fillRef>
+          <a:effectRef idx="0">
+            <a:schemeClr val="accent1"/>
+          </a:effectRef>
+          <a:fontRef idx="minor">
+            <a:schemeClr val="lt1"/>
+          </a:fontRef>
+        </p:style>
+        <p:txBody>
+          <a:bodyPr rtlCol="0" anchor="ctr"/>
+          <a:lstStyle/>
+          <a:p>
+            <a:pPr algn="ctr"/>
+            <a:r>
+              <a:rPr lang="zh-TW" altLang="en-US" smtClean="0">
+                <a:solidFill>
+                  <a:schemeClr val="tx1"/>
+                </a:solidFill>
+              </a:rPr>
+              <a:t>輸入完按</a:t>
+            </a:r>
+            <a:r>
+              <a:rPr lang="en-US" altLang="zh-TW" dirty="0" smtClean="0">
+                <a:solidFill>
+                  <a:schemeClr val="tx1"/>
+                </a:solidFill>
+              </a:rPr>
+              <a:t>Enter</a:t>
+            </a:r>
+            <a:endParaRPr lang="zh-TW" altLang="en-US" dirty="0">
+              <a:solidFill>
+                <a:schemeClr val="tx1"/>
+              </a:solidFill>
+            </a:endParaRPr>
+          </a:p>
+        </p:txBody>
+      </p:sp>
+      <p:pic>
+        <p:nvPicPr>
+          <p:cNvPr id="14" name="圖片 13"/>
+          <p:cNvPicPr>
+            <a:picLocks noChangeAspect="1"/>
+          </p:cNvPicPr>
+          <p:nvPr/>
+        </p:nvPicPr>
+        <p:blipFill>
+          <a:blip r:embed="rId5"/>
+          <a:stretch>
+            <a:fillRect/>
+          </a:stretch>
+        </p:blipFill>
+        <p:spPr>
+          <a:xfrm>
+            <a:off x="5359811" y="3152305"/>
+            <a:ext cx="4019073" cy="2789290"/>
+          </a:xfrm>
+          <a:prstGeom prst="rect">
+            <a:avLst/>
+          </a:prstGeom>
+          <a:ln>
+            <a:solidFill>
+              <a:schemeClr val="tx1"/>
+            </a:solidFill>
+          </a:ln>
+        </p:spPr>
+      </p:pic>
+      <p:sp>
+        <p:nvSpPr>
+          <p:cNvPr id="15" name="向右箭號 14"/>
+          <p:cNvSpPr/>
+          <p:nvPr/>
+        </p:nvSpPr>
+        <p:spPr>
+          <a:xfrm rot="1528218">
+            <a:off x="7726896" y="5312940"/>
+            <a:ext cx="516225" cy="202661"/>
+          </a:xfrm>
+          <a:prstGeom prst="rightArrow">
+            <a:avLst/>
+          </a:prstGeom>
+          <a:solidFill>
+            <a:srgbClr val="FF0000"/>
+          </a:solidFill>
+          <a:ln>
+            <a:solidFill>
+              <a:srgbClr val="FF0000"/>
+            </a:solidFill>
+          </a:ln>
+        </p:spPr>
+        <p:style>
+          <a:lnRef idx="2">
+            <a:schemeClr val="accent1">
+              <a:shade val="50000"/>
+            </a:schemeClr>
+          </a:lnRef>
+          <a:fillRef idx="1">
+            <a:schemeClr val="accent1"/>
+          </a:fillRef>
+          <a:effectRef idx="0">
+            <a:schemeClr val="accent1"/>
+          </a:effectRef>
+          <a:fontRef idx="minor">
+            <a:schemeClr val="lt1"/>
+          </a:fontRef>
+        </p:style>
+        <p:txBody>
+          <a:bodyPr rtlCol="0" anchor="ctr"/>
+          <a:lstStyle/>
+          <a:p>
+            <a:pPr algn="ctr"/>
+            <a:endParaRPr lang="zh-TW" altLang="en-US"/>
+          </a:p>
+        </p:txBody>
+      </p:sp>
+      <p:sp>
+        <p:nvSpPr>
+          <p:cNvPr id="16" name="文字方塊 15"/>
+          <p:cNvSpPr txBox="1"/>
+          <p:nvPr/>
+        </p:nvSpPr>
+        <p:spPr>
+          <a:xfrm>
+            <a:off x="7708405" y="4951935"/>
+            <a:ext cx="319318" cy="369332"/>
+          </a:xfrm>
+          <a:prstGeom prst="rect">
+            <a:avLst/>
+          </a:prstGeom>
+          <a:noFill/>
+        </p:spPr>
+        <p:txBody>
+          <a:bodyPr wrap="none" rtlCol="0">
+            <a:spAutoFit/>
+          </a:bodyPr>
+          <a:lstStyle/>
+          <a:p>
+            <a:r>
+              <a:rPr lang="en-US" altLang="zh-TW" b="1" dirty="0" smtClean="0">
+                <a:solidFill>
+                  <a:srgbClr val="FF0000"/>
+                </a:solidFill>
+              </a:rPr>
+              <a:t>4</a:t>
+            </a:r>
+            <a:endParaRPr lang="zh-TW" altLang="en-US" b="1" dirty="0">
+              <a:solidFill>
+                <a:srgbClr val="FF0000"/>
+              </a:solidFill>
+            </a:endParaRPr>
+          </a:p>
+        </p:txBody>
+      </p:sp>
+      <p:sp>
+        <p:nvSpPr>
+          <p:cNvPr id="17" name="文字方塊 16"/>
+          <p:cNvSpPr txBox="1"/>
+          <p:nvPr/>
+        </p:nvSpPr>
+        <p:spPr>
+          <a:xfrm>
+            <a:off x="3212150" y="5572263"/>
+            <a:ext cx="2031325" cy="369332"/>
+          </a:xfrm>
+          <a:prstGeom prst="rect">
+            <a:avLst/>
+          </a:prstGeom>
+          <a:noFill/>
+        </p:spPr>
+        <p:txBody>
+          <a:bodyPr wrap="none" rtlCol="0">
+            <a:spAutoFit/>
+          </a:bodyPr>
+          <a:lstStyle/>
+          <a:p>
+            <a:r>
+              <a:rPr lang="zh-TW" altLang="en-US" b="1" dirty="0" smtClean="0"/>
+              <a:t>會花一點時間更新</a:t>
+            </a:r>
+            <a:endParaRPr lang="zh-TW" altLang="en-US" b="1" dirty="0"/>
           </a:p>
         </p:txBody>
       </p:sp>
     </p:spTree>
     <p:extLst>
       <p:ext uri="{BB962C8B-B14F-4D97-AF65-F5344CB8AC3E}">
-        <p14:creationId xmlns:p14="http://schemas.microsoft.com/office/powerpoint/2010/main" val="643901471"/>
+        <p14:creationId xmlns:p14="http://schemas.microsoft.com/office/powerpoint/2010/main" val="2402042048"/>
       </p:ext>
     </p:extLst>
   </p:cSld>
@@ -6900,7 +6685,7 @@
                                           </p:stCondLst>
                                         </p:cTn>
                                         <p:tgtEl>
-                                          <p:spTgt spid="5"/>
+                                          <p:spTgt spid="8"/>
                                         </p:tgtEl>
                                         <p:attrNameLst>
                                           <p:attrName>style.visibility</p:attrName>
@@ -6932,7 +6717,7 @@
                             </p:stCondLst>
                             <p:childTnLst>
                               <p:par>
-                                <p:cTn id="11" presetID="1" presetClass="entr" presetSubtype="0" fill="hold" grpId="0" nodeType="clickEffect">
+                                <p:cTn id="11" presetID="1" presetClass="entr" presetSubtype="0" fill="hold" nodeType="clickEffect">
                                   <p:stCondLst>
                                     <p:cond delay="0"/>
                                   </p:stCondLst>
@@ -6945,7 +6730,425 @@
                                           </p:stCondLst>
                                         </p:cTn>
                                         <p:tgtEl>
+                                          <p:spTgt spid="5"/>
+                                        </p:tgtEl>
+                                        <p:attrNameLst>
+                                          <p:attrName>style.visibility</p:attrName>
+                                        </p:attrNameLst>
+                                      </p:cBhvr>
+                                      <p:to>
+                                        <p:strVal val="visible"/>
+                                      </p:to>
+                                    </p:set>
+                                  </p:childTnLst>
+                                  <p:subTnLst>
+                                    <p:set>
+                                      <p:cBhvr override="childStyle">
+                                        <p:cTn dur="1" fill="hold" display="0" masterRel="nextClick" afterEffect="1"/>
+                                        <p:tgtEl>
+                                          <p:spTgt spid="5"/>
+                                        </p:tgtEl>
+                                        <p:attrNameLst>
+                                          <p:attrName>style.visibility</p:attrName>
+                                        </p:attrNameLst>
+                                      </p:cBhvr>
+                                      <p:to>
+                                        <p:strVal val="hidden"/>
+                                      </p:to>
+                                    </p:set>
+                                  </p:subTnLst>
+                                </p:cTn>
+                              </p:par>
+                              <p:par>
+                                <p:cTn id="13" presetID="1" presetClass="entr" presetSubtype="0" fill="hold" grpId="0" nodeType="withEffect">
+                                  <p:stCondLst>
+                                    <p:cond delay="0"/>
+                                  </p:stCondLst>
+                                  <p:childTnLst>
+                                    <p:set>
+                                      <p:cBhvr>
+                                        <p:cTn id="14" dur="1" fill="hold">
+                                          <p:stCondLst>
+                                            <p:cond delay="0"/>
+                                          </p:stCondLst>
+                                        </p:cTn>
+                                        <p:tgtEl>
                                           <p:spTgt spid="7"/>
+                                        </p:tgtEl>
+                                        <p:attrNameLst>
+                                          <p:attrName>style.visibility</p:attrName>
+                                        </p:attrNameLst>
+                                      </p:cBhvr>
+                                      <p:to>
+                                        <p:strVal val="visible"/>
+                                      </p:to>
+                                    </p:set>
+                                  </p:childTnLst>
+                                  <p:subTnLst>
+                                    <p:set>
+                                      <p:cBhvr override="childStyle">
+                                        <p:cTn dur="1" fill="hold" display="0" masterRel="nextClick" afterEffect="1"/>
+                                        <p:tgtEl>
+                                          <p:spTgt spid="7"/>
+                                        </p:tgtEl>
+                                        <p:attrNameLst>
+                                          <p:attrName>style.visibility</p:attrName>
+                                        </p:attrNameLst>
+                                      </p:cBhvr>
+                                      <p:to>
+                                        <p:strVal val="hidden"/>
+                                      </p:to>
+                                    </p:set>
+                                  </p:subTnLst>
+                                </p:cTn>
+                              </p:par>
+                              <p:par>
+                                <p:cTn id="15" presetID="1" presetClass="entr" presetSubtype="0" fill="hold" grpId="0" nodeType="withEffect">
+                                  <p:stCondLst>
+                                    <p:cond delay="0"/>
+                                  </p:stCondLst>
+                                  <p:childTnLst>
+                                    <p:set>
+                                      <p:cBhvr>
+                                        <p:cTn id="16" dur="1" fill="hold">
+                                          <p:stCondLst>
+                                            <p:cond delay="0"/>
+                                          </p:stCondLst>
+                                        </p:cTn>
+                                        <p:tgtEl>
+                                          <p:spTgt spid="9"/>
+                                        </p:tgtEl>
+                                        <p:attrNameLst>
+                                          <p:attrName>style.visibility</p:attrName>
+                                        </p:attrNameLst>
+                                      </p:cBhvr>
+                                      <p:to>
+                                        <p:strVal val="visible"/>
+                                      </p:to>
+                                    </p:set>
+                                  </p:childTnLst>
+                                  <p:subTnLst>
+                                    <p:set>
+                                      <p:cBhvr override="childStyle">
+                                        <p:cTn dur="1" fill="hold" display="0" masterRel="nextClick" afterEffect="1"/>
+                                        <p:tgtEl>
+                                          <p:spTgt spid="9"/>
+                                        </p:tgtEl>
+                                        <p:attrNameLst>
+                                          <p:attrName>style.visibility</p:attrName>
+                                        </p:attrNameLst>
+                                      </p:cBhvr>
+                                      <p:to>
+                                        <p:strVal val="hidden"/>
+                                      </p:to>
+                                    </p:set>
+                                  </p:subTnLst>
+                                </p:cTn>
+                              </p:par>
+                            </p:childTnLst>
+                          </p:cTn>
+                        </p:par>
+                      </p:childTnLst>
+                    </p:cTn>
+                  </p:par>
+                  <p:par>
+                    <p:cTn id="17" fill="hold">
+                      <p:stCondLst>
+                        <p:cond delay="indefinite"/>
+                      </p:stCondLst>
+                      <p:childTnLst>
+                        <p:par>
+                          <p:cTn id="18" fill="hold">
+                            <p:stCondLst>
+                              <p:cond delay="0"/>
+                            </p:stCondLst>
+                            <p:childTnLst>
+                              <p:par>
+                                <p:cTn id="19" presetID="1" presetClass="entr" presetSubtype="0" fill="hold" grpId="0" nodeType="clickEffect">
+                                  <p:stCondLst>
+                                    <p:cond delay="0"/>
+                                  </p:stCondLst>
+                                  <p:childTnLst>
+                                    <p:set>
+                                      <p:cBhvr>
+                                        <p:cTn id="20" dur="1" fill="hold">
+                                          <p:stCondLst>
+                                            <p:cond delay="0"/>
+                                          </p:stCondLst>
+                                        </p:cTn>
+                                        <p:tgtEl>
+                                          <p:spTgt spid="11"/>
+                                        </p:tgtEl>
+                                        <p:attrNameLst>
+                                          <p:attrName>style.visibility</p:attrName>
+                                        </p:attrNameLst>
+                                      </p:cBhvr>
+                                      <p:to>
+                                        <p:strVal val="visible"/>
+                                      </p:to>
+                                    </p:set>
+                                  </p:childTnLst>
+                                  <p:subTnLst>
+                                    <p:set>
+                                      <p:cBhvr override="childStyle">
+                                        <p:cTn dur="1" fill="hold" display="0" masterRel="nextClick" afterEffect="1"/>
+                                        <p:tgtEl>
+                                          <p:spTgt spid="11"/>
+                                        </p:tgtEl>
+                                        <p:attrNameLst>
+                                          <p:attrName>style.visibility</p:attrName>
+                                        </p:attrNameLst>
+                                      </p:cBhvr>
+                                      <p:to>
+                                        <p:strVal val="hidden"/>
+                                      </p:to>
+                                    </p:set>
+                                  </p:subTnLst>
+                                </p:cTn>
+                              </p:par>
+                              <p:par>
+                                <p:cTn id="21" presetID="1" presetClass="entr" presetSubtype="0" fill="hold" grpId="0" nodeType="withEffect">
+                                  <p:stCondLst>
+                                    <p:cond delay="0"/>
+                                  </p:stCondLst>
+                                  <p:childTnLst>
+                                    <p:set>
+                                      <p:cBhvr>
+                                        <p:cTn id="22" dur="1" fill="hold">
+                                          <p:stCondLst>
+                                            <p:cond delay="0"/>
+                                          </p:stCondLst>
+                                        </p:cTn>
+                                        <p:tgtEl>
+                                          <p:spTgt spid="12"/>
+                                        </p:tgtEl>
+                                        <p:attrNameLst>
+                                          <p:attrName>style.visibility</p:attrName>
+                                        </p:attrNameLst>
+                                      </p:cBhvr>
+                                      <p:to>
+                                        <p:strVal val="visible"/>
+                                      </p:to>
+                                    </p:set>
+                                  </p:childTnLst>
+                                  <p:subTnLst>
+                                    <p:set>
+                                      <p:cBhvr override="childStyle">
+                                        <p:cTn dur="1" fill="hold" display="0" masterRel="nextClick" afterEffect="1"/>
+                                        <p:tgtEl>
+                                          <p:spTgt spid="12"/>
+                                        </p:tgtEl>
+                                        <p:attrNameLst>
+                                          <p:attrName>style.visibility</p:attrName>
+                                        </p:attrNameLst>
+                                      </p:cBhvr>
+                                      <p:to>
+                                        <p:strVal val="hidden"/>
+                                      </p:to>
+                                    </p:set>
+                                  </p:subTnLst>
+                                </p:cTn>
+                              </p:par>
+                              <p:par>
+                                <p:cTn id="23" presetID="1" presetClass="entr" presetSubtype="0" fill="hold" nodeType="withEffect">
+                                  <p:stCondLst>
+                                    <p:cond delay="0"/>
+                                  </p:stCondLst>
+                                  <p:childTnLst>
+                                    <p:set>
+                                      <p:cBhvr>
+                                        <p:cTn id="24" dur="1" fill="hold">
+                                          <p:stCondLst>
+                                            <p:cond delay="0"/>
+                                          </p:stCondLst>
+                                        </p:cTn>
+                                        <p:tgtEl>
+                                          <p:spTgt spid="10"/>
+                                        </p:tgtEl>
+                                        <p:attrNameLst>
+                                          <p:attrName>style.visibility</p:attrName>
+                                        </p:attrNameLst>
+                                      </p:cBhvr>
+                                      <p:to>
+                                        <p:strVal val="visible"/>
+                                      </p:to>
+                                    </p:set>
+                                  </p:childTnLst>
+                                  <p:subTnLst>
+                                    <p:set>
+                                      <p:cBhvr override="childStyle">
+                                        <p:cTn dur="1" fill="hold" display="0" masterRel="nextClick" afterEffect="1"/>
+                                        <p:tgtEl>
+                                          <p:spTgt spid="10"/>
+                                        </p:tgtEl>
+                                        <p:attrNameLst>
+                                          <p:attrName>style.visibility</p:attrName>
+                                        </p:attrNameLst>
+                                      </p:cBhvr>
+                                      <p:to>
+                                        <p:strVal val="hidden"/>
+                                      </p:to>
+                                    </p:set>
+                                  </p:subTnLst>
+                                </p:cTn>
+                              </p:par>
+                              <p:par>
+                                <p:cTn id="25" presetID="1" presetClass="entr" presetSubtype="0" fill="hold" grpId="0" nodeType="withEffect">
+                                  <p:stCondLst>
+                                    <p:cond delay="0"/>
+                                  </p:stCondLst>
+                                  <p:childTnLst>
+                                    <p:set>
+                                      <p:cBhvr>
+                                        <p:cTn id="26" dur="1" fill="hold">
+                                          <p:stCondLst>
+                                            <p:cond delay="0"/>
+                                          </p:stCondLst>
+                                        </p:cTn>
+                                        <p:tgtEl>
+                                          <p:spTgt spid="13"/>
+                                        </p:tgtEl>
+                                        <p:attrNameLst>
+                                          <p:attrName>style.visibility</p:attrName>
+                                        </p:attrNameLst>
+                                      </p:cBhvr>
+                                      <p:to>
+                                        <p:strVal val="visible"/>
+                                      </p:to>
+                                    </p:set>
+                                  </p:childTnLst>
+                                  <p:subTnLst>
+                                    <p:set>
+                                      <p:cBhvr override="childStyle">
+                                        <p:cTn dur="1" fill="hold" display="0" masterRel="nextClick" afterEffect="1"/>
+                                        <p:tgtEl>
+                                          <p:spTgt spid="13"/>
+                                        </p:tgtEl>
+                                        <p:attrNameLst>
+                                          <p:attrName>style.visibility</p:attrName>
+                                        </p:attrNameLst>
+                                      </p:cBhvr>
+                                      <p:to>
+                                        <p:strVal val="hidden"/>
+                                      </p:to>
+                                    </p:set>
+                                  </p:subTnLst>
+                                </p:cTn>
+                              </p:par>
+                            </p:childTnLst>
+                          </p:cTn>
+                        </p:par>
+                      </p:childTnLst>
+                    </p:cTn>
+                  </p:par>
+                  <p:par>
+                    <p:cTn id="27" fill="hold">
+                      <p:stCondLst>
+                        <p:cond delay="indefinite"/>
+                      </p:stCondLst>
+                      <p:childTnLst>
+                        <p:par>
+                          <p:cTn id="28" fill="hold">
+                            <p:stCondLst>
+                              <p:cond delay="0"/>
+                            </p:stCondLst>
+                            <p:childTnLst>
+                              <p:par>
+                                <p:cTn id="29" presetID="1" presetClass="entr" presetSubtype="0" fill="hold" grpId="0" nodeType="clickEffect">
+                                  <p:stCondLst>
+                                    <p:cond delay="0"/>
+                                  </p:stCondLst>
+                                  <p:childTnLst>
+                                    <p:set>
+                                      <p:cBhvr>
+                                        <p:cTn id="30" dur="1" fill="hold">
+                                          <p:stCondLst>
+                                            <p:cond delay="0"/>
+                                          </p:stCondLst>
+                                        </p:cTn>
+                                        <p:tgtEl>
+                                          <p:spTgt spid="15"/>
+                                        </p:tgtEl>
+                                        <p:attrNameLst>
+                                          <p:attrName>style.visibility</p:attrName>
+                                        </p:attrNameLst>
+                                      </p:cBhvr>
+                                      <p:to>
+                                        <p:strVal val="visible"/>
+                                      </p:to>
+                                    </p:set>
+                                  </p:childTnLst>
+                                </p:cTn>
+                              </p:par>
+                              <p:par>
+                                <p:cTn id="31" presetID="1" presetClass="entr" presetSubtype="0" fill="hold" grpId="0" nodeType="withEffect">
+                                  <p:stCondLst>
+                                    <p:cond delay="0"/>
+                                  </p:stCondLst>
+                                  <p:childTnLst>
+                                    <p:set>
+                                      <p:cBhvr>
+                                        <p:cTn id="32" dur="1" fill="hold">
+                                          <p:stCondLst>
+                                            <p:cond delay="0"/>
+                                          </p:stCondLst>
+                                        </p:cTn>
+                                        <p:tgtEl>
+                                          <p:spTgt spid="16"/>
+                                        </p:tgtEl>
+                                        <p:attrNameLst>
+                                          <p:attrName>style.visibility</p:attrName>
+                                        </p:attrNameLst>
+                                      </p:cBhvr>
+                                      <p:to>
+                                        <p:strVal val="visible"/>
+                                      </p:to>
+                                    </p:set>
+                                  </p:childTnLst>
+                                </p:cTn>
+                              </p:par>
+                              <p:par>
+                                <p:cTn id="33" presetID="1" presetClass="entr" presetSubtype="0" fill="hold" nodeType="withEffect">
+                                  <p:stCondLst>
+                                    <p:cond delay="0"/>
+                                  </p:stCondLst>
+                                  <p:childTnLst>
+                                    <p:set>
+                                      <p:cBhvr>
+                                        <p:cTn id="34" dur="1" fill="hold">
+                                          <p:stCondLst>
+                                            <p:cond delay="0"/>
+                                          </p:stCondLst>
+                                        </p:cTn>
+                                        <p:tgtEl>
+                                          <p:spTgt spid="14"/>
+                                        </p:tgtEl>
+                                        <p:attrNameLst>
+                                          <p:attrName>style.visibility</p:attrName>
+                                        </p:attrNameLst>
+                                      </p:cBhvr>
+                                      <p:to>
+                                        <p:strVal val="visible"/>
+                                      </p:to>
+                                    </p:set>
+                                  </p:childTnLst>
+                                </p:cTn>
+                              </p:par>
+                              <p:par>
+                                <p:cTn id="35" presetID="1" presetClass="entr" presetSubtype="0" fill="hold" grpId="0" nodeType="withEffect">
+                                  <p:stCondLst>
+                                    <p:cond delay="0"/>
+                                  </p:stCondLst>
+                                  <p:childTnLst>
+                                    <p:set>
+                                      <p:cBhvr>
+                                        <p:cTn id="36" dur="1" fill="hold">
+                                          <p:stCondLst>
+                                            <p:cond delay="0"/>
+                                          </p:stCondLst>
+                                        </p:cTn>
+                                        <p:tgtEl>
+                                          <p:spTgt spid="17"/>
                                         </p:tgtEl>
                                         <p:attrNameLst>
                                           <p:attrName>style.visibility</p:attrName>
@@ -6986,15 +7189,1103 @@
       </p:par>
     </p:tnLst>
     <p:bldLst>
-      <p:bldP spid="5" grpId="0" animBg="1"/>
-      <p:bldP spid="6" grpId="0"/>
-      <p:bldP spid="7" grpId="0"/>
+      <p:bldP spid="6" grpId="0" animBg="1"/>
+      <p:bldP spid="7" grpId="0" animBg="1"/>
+      <p:bldP spid="8" grpId="0"/>
+      <p:bldP spid="9" grpId="0"/>
+      <p:bldP spid="11" grpId="0" animBg="1"/>
+      <p:bldP spid="12" grpId="0"/>
+      <p:bldP spid="13" grpId="0" animBg="1"/>
+      <p:bldP spid="15" grpId="0" animBg="1"/>
+      <p:bldP spid="16" grpId="0"/>
+      <p:bldP spid="17" grpId="0"/>
     </p:bldLst>
   </p:timing>
 </p:sld>
 </file>
 
-<file path=ppt/slides/slide2.xml><?xml version="1.0" encoding="utf-8"?>
+<file path=ppt/slides/slide11.xml><?xml version="1.0" encoding="utf-8"?>
+<p:sld xmlns:a="http://schemas.openxmlformats.org/drawingml/2006/main" xmlns:r="http://schemas.openxmlformats.org/officeDocument/2006/relationships" xmlns:p="http://schemas.openxmlformats.org/presentationml/2006/main">
+  <p:cSld>
+    <p:spTree>
+      <p:nvGrpSpPr>
+        <p:cNvPr id="1" name=""/>
+        <p:cNvGrpSpPr/>
+        <p:nvPr/>
+      </p:nvGrpSpPr>
+      <p:grpSpPr>
+        <a:xfrm>
+          <a:off x="0" y="0"/>
+          <a:ext cx="0" cy="0"/>
+          <a:chOff x="0" y="0"/>
+          <a:chExt cx="0" cy="0"/>
+        </a:xfrm>
+      </p:grpSpPr>
+      <p:sp>
+        <p:nvSpPr>
+          <p:cNvPr id="2" name="標題 1"/>
+          <p:cNvSpPr>
+            <a:spLocks noGrp="1"/>
+          </p:cNvSpPr>
+          <p:nvPr>
+            <p:ph type="title"/>
+          </p:nvPr>
+        </p:nvSpPr>
+        <p:spPr/>
+        <p:txBody>
+          <a:bodyPr/>
+          <a:lstStyle/>
+          <a:p>
+            <a:r>
+              <a:rPr lang="en-US" altLang="zh-TW" dirty="0" err="1" smtClean="0"/>
+              <a:t>Spyder</a:t>
+            </a:r>
+            <a:r>
+              <a:rPr lang="zh-TW" altLang="en-US" dirty="0" smtClean="0"/>
+              <a:t>更新</a:t>
+            </a:r>
+            <a:endParaRPr lang="zh-TW" altLang="en-US" dirty="0"/>
+          </a:p>
+        </p:txBody>
+      </p:sp>
+      <p:sp>
+        <p:nvSpPr>
+          <p:cNvPr id="3" name="內容版面配置區 2"/>
+          <p:cNvSpPr>
+            <a:spLocks noGrp="1"/>
+          </p:cNvSpPr>
+          <p:nvPr>
+            <p:ph idx="1"/>
+          </p:nvPr>
+        </p:nvSpPr>
+        <p:spPr>
+          <a:xfrm>
+            <a:off x="677334" y="2160589"/>
+            <a:ext cx="3766674" cy="3880773"/>
+          </a:xfrm>
+        </p:spPr>
+        <p:txBody>
+          <a:bodyPr/>
+          <a:lstStyle/>
+          <a:p>
+            <a:r>
+              <a:rPr lang="zh-TW" altLang="en-US" dirty="0" smtClean="0"/>
+              <a:t>請選擇最新版本。</a:t>
+            </a:r>
+            <a:endParaRPr lang="en-US" altLang="zh-TW" dirty="0" smtClean="0"/>
+          </a:p>
+          <a:p>
+            <a:r>
+              <a:rPr lang="zh-TW" altLang="en-US" dirty="0"/>
+              <a:t>需要跑一陣子</a:t>
+            </a:r>
+            <a:r>
+              <a:rPr lang="zh-TW" altLang="en-US" dirty="0" smtClean="0"/>
+              <a:t>。</a:t>
+            </a:r>
+            <a:endParaRPr lang="en-US" altLang="zh-TW" dirty="0" smtClean="0"/>
+          </a:p>
+          <a:p>
+            <a:pPr lvl="1"/>
+            <a:r>
+              <a:rPr lang="zh-TW" altLang="en-US" dirty="0"/>
+              <a:t>很久很</a:t>
+            </a:r>
+            <a:r>
+              <a:rPr lang="zh-TW" altLang="en-US" dirty="0" smtClean="0"/>
+              <a:t>久</a:t>
+            </a:r>
+            <a:r>
+              <a:rPr lang="en-US" altLang="zh-TW" dirty="0" smtClean="0"/>
+              <a:t>….</a:t>
+            </a:r>
+          </a:p>
+          <a:p>
+            <a:r>
+              <a:rPr lang="zh-TW" altLang="en-US" dirty="0"/>
+              <a:t>初學者</a:t>
+            </a:r>
+            <a:r>
+              <a:rPr lang="zh-TW" altLang="en-US" dirty="0" smtClean="0"/>
+              <a:t>可以直接看後面的只安裝</a:t>
+            </a:r>
+            <a:r>
+              <a:rPr lang="en-US" altLang="zh-TW" dirty="0" err="1" smtClean="0"/>
+              <a:t>Spyder</a:t>
+            </a:r>
+            <a:r>
+              <a:rPr lang="zh-TW" altLang="en-US" dirty="0" smtClean="0"/>
+              <a:t>的方式，比較快！</a:t>
+            </a:r>
+            <a:endParaRPr lang="en-US" altLang="zh-TW" dirty="0" smtClean="0"/>
+          </a:p>
+          <a:p>
+            <a:endParaRPr lang="zh-TW" altLang="en-US" dirty="0"/>
+          </a:p>
+        </p:txBody>
+      </p:sp>
+      <p:pic>
+        <p:nvPicPr>
+          <p:cNvPr id="4" name="圖片 3"/>
+          <p:cNvPicPr>
+            <a:picLocks noChangeAspect="1"/>
+          </p:cNvPicPr>
+          <p:nvPr/>
+        </p:nvPicPr>
+        <p:blipFill>
+          <a:blip r:embed="rId2"/>
+          <a:stretch>
+            <a:fillRect/>
+          </a:stretch>
+        </p:blipFill>
+        <p:spPr>
+          <a:xfrm>
+            <a:off x="4601837" y="2252584"/>
+            <a:ext cx="2409825" cy="2733675"/>
+          </a:xfrm>
+          <a:prstGeom prst="rect">
+            <a:avLst/>
+          </a:prstGeom>
+          <a:ln>
+            <a:solidFill>
+              <a:schemeClr val="tx1"/>
+            </a:solidFill>
+          </a:ln>
+        </p:spPr>
+      </p:pic>
+      <p:pic>
+        <p:nvPicPr>
+          <p:cNvPr id="5" name="圖片 4"/>
+          <p:cNvPicPr>
+            <a:picLocks noChangeAspect="1"/>
+          </p:cNvPicPr>
+          <p:nvPr/>
+        </p:nvPicPr>
+        <p:blipFill>
+          <a:blip r:embed="rId3"/>
+          <a:stretch>
+            <a:fillRect/>
+          </a:stretch>
+        </p:blipFill>
+        <p:spPr>
+          <a:xfrm>
+            <a:off x="7011662" y="2252584"/>
+            <a:ext cx="1638300" cy="1323975"/>
+          </a:xfrm>
+          <a:prstGeom prst="rect">
+            <a:avLst/>
+          </a:prstGeom>
+        </p:spPr>
+      </p:pic>
+      <p:pic>
+        <p:nvPicPr>
+          <p:cNvPr id="6" name="圖片 5"/>
+          <p:cNvPicPr>
+            <a:picLocks noChangeAspect="1"/>
+          </p:cNvPicPr>
+          <p:nvPr/>
+        </p:nvPicPr>
+        <p:blipFill>
+          <a:blip r:embed="rId4"/>
+          <a:stretch>
+            <a:fillRect/>
+          </a:stretch>
+        </p:blipFill>
+        <p:spPr>
+          <a:xfrm>
+            <a:off x="8649962" y="2252584"/>
+            <a:ext cx="771525" cy="3533775"/>
+          </a:xfrm>
+          <a:prstGeom prst="rect">
+            <a:avLst/>
+          </a:prstGeom>
+        </p:spPr>
+      </p:pic>
+      <p:sp>
+        <p:nvSpPr>
+          <p:cNvPr id="7" name="向右箭號 6"/>
+          <p:cNvSpPr/>
+          <p:nvPr/>
+        </p:nvSpPr>
+        <p:spPr>
+          <a:xfrm rot="1528218">
+            <a:off x="6258627" y="2151254"/>
+            <a:ext cx="516225" cy="202661"/>
+          </a:xfrm>
+          <a:prstGeom prst="rightArrow">
+            <a:avLst/>
+          </a:prstGeom>
+          <a:solidFill>
+            <a:srgbClr val="FF0000"/>
+          </a:solidFill>
+          <a:ln>
+            <a:solidFill>
+              <a:srgbClr val="FF0000"/>
+            </a:solidFill>
+          </a:ln>
+        </p:spPr>
+        <p:style>
+          <a:lnRef idx="2">
+            <a:schemeClr val="accent1">
+              <a:shade val="50000"/>
+            </a:schemeClr>
+          </a:lnRef>
+          <a:fillRef idx="1">
+            <a:schemeClr val="accent1"/>
+          </a:fillRef>
+          <a:effectRef idx="0">
+            <a:schemeClr val="accent1"/>
+          </a:effectRef>
+          <a:fontRef idx="minor">
+            <a:schemeClr val="lt1"/>
+          </a:fontRef>
+        </p:style>
+        <p:txBody>
+          <a:bodyPr rtlCol="0" anchor="ctr"/>
+          <a:lstStyle/>
+          <a:p>
+            <a:pPr algn="ctr"/>
+            <a:endParaRPr lang="zh-TW" altLang="en-US"/>
+          </a:p>
+        </p:txBody>
+      </p:sp>
+      <p:sp>
+        <p:nvSpPr>
+          <p:cNvPr id="8" name="文字方塊 7"/>
+          <p:cNvSpPr txBox="1"/>
+          <p:nvPr/>
+        </p:nvSpPr>
+        <p:spPr>
+          <a:xfrm>
+            <a:off x="6240136" y="1790249"/>
+            <a:ext cx="319318" cy="369332"/>
+          </a:xfrm>
+          <a:prstGeom prst="rect">
+            <a:avLst/>
+          </a:prstGeom>
+          <a:noFill/>
+        </p:spPr>
+        <p:txBody>
+          <a:bodyPr wrap="none" rtlCol="0">
+            <a:spAutoFit/>
+          </a:bodyPr>
+          <a:lstStyle/>
+          <a:p>
+            <a:r>
+              <a:rPr lang="en-US" altLang="zh-TW" b="1" dirty="0" smtClean="0">
+                <a:solidFill>
+                  <a:srgbClr val="FF0000"/>
+                </a:solidFill>
+              </a:rPr>
+              <a:t>1</a:t>
+            </a:r>
+            <a:endParaRPr lang="zh-TW" altLang="en-US" b="1" dirty="0">
+              <a:solidFill>
+                <a:srgbClr val="FF0000"/>
+              </a:solidFill>
+            </a:endParaRPr>
+          </a:p>
+        </p:txBody>
+      </p:sp>
+      <p:sp>
+        <p:nvSpPr>
+          <p:cNvPr id="9" name="向右箭號 8"/>
+          <p:cNvSpPr/>
+          <p:nvPr/>
+        </p:nvSpPr>
+        <p:spPr>
+          <a:xfrm rot="18425235">
+            <a:off x="7177602" y="3622097"/>
+            <a:ext cx="516225" cy="178573"/>
+          </a:xfrm>
+          <a:prstGeom prst="rightArrow">
+            <a:avLst/>
+          </a:prstGeom>
+          <a:solidFill>
+            <a:srgbClr val="FF0000"/>
+          </a:solidFill>
+          <a:ln>
+            <a:solidFill>
+              <a:srgbClr val="FF0000"/>
+            </a:solidFill>
+          </a:ln>
+        </p:spPr>
+        <p:style>
+          <a:lnRef idx="2">
+            <a:schemeClr val="accent1">
+              <a:shade val="50000"/>
+            </a:schemeClr>
+          </a:lnRef>
+          <a:fillRef idx="1">
+            <a:schemeClr val="accent1"/>
+          </a:fillRef>
+          <a:effectRef idx="0">
+            <a:schemeClr val="accent1"/>
+          </a:effectRef>
+          <a:fontRef idx="minor">
+            <a:schemeClr val="lt1"/>
+          </a:fontRef>
+        </p:style>
+        <p:txBody>
+          <a:bodyPr rtlCol="0" anchor="ctr"/>
+          <a:lstStyle/>
+          <a:p>
+            <a:pPr algn="ctr"/>
+            <a:endParaRPr lang="zh-TW" altLang="en-US"/>
+          </a:p>
+        </p:txBody>
+      </p:sp>
+      <p:sp>
+        <p:nvSpPr>
+          <p:cNvPr id="10" name="文字方塊 9"/>
+          <p:cNvSpPr txBox="1"/>
+          <p:nvPr/>
+        </p:nvSpPr>
+        <p:spPr>
+          <a:xfrm>
+            <a:off x="7322063" y="3786462"/>
+            <a:ext cx="340527" cy="369332"/>
+          </a:xfrm>
+          <a:prstGeom prst="rect">
+            <a:avLst/>
+          </a:prstGeom>
+          <a:noFill/>
+        </p:spPr>
+        <p:txBody>
+          <a:bodyPr wrap="square" rtlCol="0">
+            <a:spAutoFit/>
+          </a:bodyPr>
+          <a:lstStyle/>
+          <a:p>
+            <a:r>
+              <a:rPr lang="en-US" altLang="zh-TW" b="1" dirty="0" smtClean="0">
+                <a:solidFill>
+                  <a:srgbClr val="FF0000"/>
+                </a:solidFill>
+              </a:rPr>
+              <a:t>2</a:t>
+            </a:r>
+            <a:endParaRPr lang="zh-TW" altLang="en-US" b="1" dirty="0">
+              <a:solidFill>
+                <a:srgbClr val="FF0000"/>
+              </a:solidFill>
+            </a:endParaRPr>
+          </a:p>
+        </p:txBody>
+      </p:sp>
+      <p:sp>
+        <p:nvSpPr>
+          <p:cNvPr id="11" name="向右箭號 10"/>
+          <p:cNvSpPr/>
+          <p:nvPr/>
+        </p:nvSpPr>
+        <p:spPr>
+          <a:xfrm rot="10800000">
+            <a:off x="9270660" y="2365780"/>
+            <a:ext cx="516225" cy="178573"/>
+          </a:xfrm>
+          <a:prstGeom prst="rightArrow">
+            <a:avLst/>
+          </a:prstGeom>
+          <a:solidFill>
+            <a:srgbClr val="FF0000"/>
+          </a:solidFill>
+          <a:ln>
+            <a:solidFill>
+              <a:srgbClr val="FF0000"/>
+            </a:solidFill>
+          </a:ln>
+        </p:spPr>
+        <p:style>
+          <a:lnRef idx="2">
+            <a:schemeClr val="accent1">
+              <a:shade val="50000"/>
+            </a:schemeClr>
+          </a:lnRef>
+          <a:fillRef idx="1">
+            <a:schemeClr val="accent1"/>
+          </a:fillRef>
+          <a:effectRef idx="0">
+            <a:schemeClr val="accent1"/>
+          </a:effectRef>
+          <a:fontRef idx="minor">
+            <a:schemeClr val="lt1"/>
+          </a:fontRef>
+        </p:style>
+        <p:txBody>
+          <a:bodyPr rtlCol="0" anchor="ctr"/>
+          <a:lstStyle/>
+          <a:p>
+            <a:pPr algn="ctr"/>
+            <a:endParaRPr lang="zh-TW" altLang="en-US"/>
+          </a:p>
+        </p:txBody>
+      </p:sp>
+      <p:sp>
+        <p:nvSpPr>
+          <p:cNvPr id="12" name="文字方塊 11"/>
+          <p:cNvSpPr txBox="1"/>
+          <p:nvPr/>
+        </p:nvSpPr>
+        <p:spPr>
+          <a:xfrm>
+            <a:off x="9604187" y="2472883"/>
+            <a:ext cx="340527" cy="369332"/>
+          </a:xfrm>
+          <a:prstGeom prst="rect">
+            <a:avLst/>
+          </a:prstGeom>
+          <a:noFill/>
+        </p:spPr>
+        <p:txBody>
+          <a:bodyPr wrap="square" rtlCol="0">
+            <a:spAutoFit/>
+          </a:bodyPr>
+          <a:lstStyle/>
+          <a:p>
+            <a:r>
+              <a:rPr lang="en-US" altLang="zh-TW" b="1" dirty="0" smtClean="0">
+                <a:solidFill>
+                  <a:srgbClr val="FF0000"/>
+                </a:solidFill>
+              </a:rPr>
+              <a:t>3</a:t>
+            </a:r>
+            <a:endParaRPr lang="zh-TW" altLang="en-US" b="1" dirty="0">
+              <a:solidFill>
+                <a:srgbClr val="FF0000"/>
+              </a:solidFill>
+            </a:endParaRPr>
+          </a:p>
+        </p:txBody>
+      </p:sp>
+    </p:spTree>
+    <p:extLst>
+      <p:ext uri="{BB962C8B-B14F-4D97-AF65-F5344CB8AC3E}">
+        <p14:creationId xmlns:p14="http://schemas.microsoft.com/office/powerpoint/2010/main" val="2842102565"/>
+      </p:ext>
+    </p:extLst>
+  </p:cSld>
+  <p:clrMapOvr>
+    <a:masterClrMapping/>
+  </p:clrMapOvr>
+  <p:timing>
+    <p:tnLst>
+      <p:par>
+        <p:cTn id="1" dur="indefinite" restart="never" nodeType="tmRoot">
+          <p:childTnLst>
+            <p:seq concurrent="1" nextAc="seek">
+              <p:cTn id="2" dur="indefinite" nodeType="mainSeq">
+                <p:childTnLst>
+                  <p:par>
+                    <p:cTn id="3" fill="hold">
+                      <p:stCondLst>
+                        <p:cond delay="indefinite"/>
+                      </p:stCondLst>
+                      <p:childTnLst>
+                        <p:par>
+                          <p:cTn id="4" fill="hold">
+                            <p:stCondLst>
+                              <p:cond delay="0"/>
+                            </p:stCondLst>
+                            <p:childTnLst>
+                              <p:par>
+                                <p:cTn id="5" presetID="1" presetClass="entr" presetSubtype="0" fill="hold" grpId="0" nodeType="clickEffect">
+                                  <p:stCondLst>
+                                    <p:cond delay="0"/>
+                                  </p:stCondLst>
+                                  <p:childTnLst>
+                                    <p:set>
+                                      <p:cBhvr>
+                                        <p:cTn id="6" dur="1" fill="hold">
+                                          <p:stCondLst>
+                                            <p:cond delay="0"/>
+                                          </p:stCondLst>
+                                        </p:cTn>
+                                        <p:tgtEl>
+                                          <p:spTgt spid="7"/>
+                                        </p:tgtEl>
+                                        <p:attrNameLst>
+                                          <p:attrName>style.visibility</p:attrName>
+                                        </p:attrNameLst>
+                                      </p:cBhvr>
+                                      <p:to>
+                                        <p:strVal val="visible"/>
+                                      </p:to>
+                                    </p:set>
+                                  </p:childTnLst>
+                                </p:cTn>
+                              </p:par>
+                              <p:par>
+                                <p:cTn id="7" presetID="1" presetClass="entr" presetSubtype="0" fill="hold" grpId="0" nodeType="withEffect">
+                                  <p:stCondLst>
+                                    <p:cond delay="0"/>
+                                  </p:stCondLst>
+                                  <p:childTnLst>
+                                    <p:set>
+                                      <p:cBhvr>
+                                        <p:cTn id="8" dur="1" fill="hold">
+                                          <p:stCondLst>
+                                            <p:cond delay="0"/>
+                                          </p:stCondLst>
+                                        </p:cTn>
+                                        <p:tgtEl>
+                                          <p:spTgt spid="8"/>
+                                        </p:tgtEl>
+                                        <p:attrNameLst>
+                                          <p:attrName>style.visibility</p:attrName>
+                                        </p:attrNameLst>
+                                      </p:cBhvr>
+                                      <p:to>
+                                        <p:strVal val="visible"/>
+                                      </p:to>
+                                    </p:set>
+                                  </p:childTnLst>
+                                </p:cTn>
+                              </p:par>
+                            </p:childTnLst>
+                          </p:cTn>
+                        </p:par>
+                      </p:childTnLst>
+                    </p:cTn>
+                  </p:par>
+                  <p:par>
+                    <p:cTn id="9" fill="hold">
+                      <p:stCondLst>
+                        <p:cond delay="indefinite"/>
+                      </p:stCondLst>
+                      <p:childTnLst>
+                        <p:par>
+                          <p:cTn id="10" fill="hold">
+                            <p:stCondLst>
+                              <p:cond delay="0"/>
+                            </p:stCondLst>
+                            <p:childTnLst>
+                              <p:par>
+                                <p:cTn id="11" presetID="1" presetClass="entr" presetSubtype="0" fill="hold" nodeType="clickEffect">
+                                  <p:stCondLst>
+                                    <p:cond delay="0"/>
+                                  </p:stCondLst>
+                                  <p:childTnLst>
+                                    <p:set>
+                                      <p:cBhvr>
+                                        <p:cTn id="12" dur="1" fill="hold">
+                                          <p:stCondLst>
+                                            <p:cond delay="0"/>
+                                          </p:stCondLst>
+                                        </p:cTn>
+                                        <p:tgtEl>
+                                          <p:spTgt spid="5"/>
+                                        </p:tgtEl>
+                                        <p:attrNameLst>
+                                          <p:attrName>style.visibility</p:attrName>
+                                        </p:attrNameLst>
+                                      </p:cBhvr>
+                                      <p:to>
+                                        <p:strVal val="visible"/>
+                                      </p:to>
+                                    </p:set>
+                                  </p:childTnLst>
+                                </p:cTn>
+                              </p:par>
+                            </p:childTnLst>
+                          </p:cTn>
+                        </p:par>
+                      </p:childTnLst>
+                    </p:cTn>
+                  </p:par>
+                  <p:par>
+                    <p:cTn id="13" fill="hold">
+                      <p:stCondLst>
+                        <p:cond delay="indefinite"/>
+                      </p:stCondLst>
+                      <p:childTnLst>
+                        <p:par>
+                          <p:cTn id="14" fill="hold">
+                            <p:stCondLst>
+                              <p:cond delay="0"/>
+                            </p:stCondLst>
+                            <p:childTnLst>
+                              <p:par>
+                                <p:cTn id="15" presetID="1" presetClass="entr" presetSubtype="0" fill="hold" grpId="0" nodeType="clickEffect">
+                                  <p:stCondLst>
+                                    <p:cond delay="0"/>
+                                  </p:stCondLst>
+                                  <p:childTnLst>
+                                    <p:set>
+                                      <p:cBhvr>
+                                        <p:cTn id="16" dur="1" fill="hold">
+                                          <p:stCondLst>
+                                            <p:cond delay="0"/>
+                                          </p:stCondLst>
+                                        </p:cTn>
+                                        <p:tgtEl>
+                                          <p:spTgt spid="9"/>
+                                        </p:tgtEl>
+                                        <p:attrNameLst>
+                                          <p:attrName>style.visibility</p:attrName>
+                                        </p:attrNameLst>
+                                      </p:cBhvr>
+                                      <p:to>
+                                        <p:strVal val="visible"/>
+                                      </p:to>
+                                    </p:set>
+                                  </p:childTnLst>
+                                </p:cTn>
+                              </p:par>
+                              <p:par>
+                                <p:cTn id="17" presetID="1" presetClass="entr" presetSubtype="0" fill="hold" grpId="0" nodeType="withEffect">
+                                  <p:stCondLst>
+                                    <p:cond delay="0"/>
+                                  </p:stCondLst>
+                                  <p:childTnLst>
+                                    <p:set>
+                                      <p:cBhvr>
+                                        <p:cTn id="18" dur="1" fill="hold">
+                                          <p:stCondLst>
+                                            <p:cond delay="0"/>
+                                          </p:stCondLst>
+                                        </p:cTn>
+                                        <p:tgtEl>
+                                          <p:spTgt spid="10"/>
+                                        </p:tgtEl>
+                                        <p:attrNameLst>
+                                          <p:attrName>style.visibility</p:attrName>
+                                        </p:attrNameLst>
+                                      </p:cBhvr>
+                                      <p:to>
+                                        <p:strVal val="visible"/>
+                                      </p:to>
+                                    </p:set>
+                                  </p:childTnLst>
+                                </p:cTn>
+                              </p:par>
+                            </p:childTnLst>
+                          </p:cTn>
+                        </p:par>
+                      </p:childTnLst>
+                    </p:cTn>
+                  </p:par>
+                  <p:par>
+                    <p:cTn id="19" fill="hold">
+                      <p:stCondLst>
+                        <p:cond delay="indefinite"/>
+                      </p:stCondLst>
+                      <p:childTnLst>
+                        <p:par>
+                          <p:cTn id="20" fill="hold">
+                            <p:stCondLst>
+                              <p:cond delay="0"/>
+                            </p:stCondLst>
+                            <p:childTnLst>
+                              <p:par>
+                                <p:cTn id="21" presetID="1" presetClass="entr" presetSubtype="0" fill="hold" nodeType="clickEffect">
+                                  <p:stCondLst>
+                                    <p:cond delay="0"/>
+                                  </p:stCondLst>
+                                  <p:childTnLst>
+                                    <p:set>
+                                      <p:cBhvr>
+                                        <p:cTn id="22" dur="1" fill="hold">
+                                          <p:stCondLst>
+                                            <p:cond delay="0"/>
+                                          </p:stCondLst>
+                                        </p:cTn>
+                                        <p:tgtEl>
+                                          <p:spTgt spid="6"/>
+                                        </p:tgtEl>
+                                        <p:attrNameLst>
+                                          <p:attrName>style.visibility</p:attrName>
+                                        </p:attrNameLst>
+                                      </p:cBhvr>
+                                      <p:to>
+                                        <p:strVal val="visible"/>
+                                      </p:to>
+                                    </p:set>
+                                  </p:childTnLst>
+                                </p:cTn>
+                              </p:par>
+                            </p:childTnLst>
+                          </p:cTn>
+                        </p:par>
+                      </p:childTnLst>
+                    </p:cTn>
+                  </p:par>
+                  <p:par>
+                    <p:cTn id="23" fill="hold">
+                      <p:stCondLst>
+                        <p:cond delay="indefinite"/>
+                      </p:stCondLst>
+                      <p:childTnLst>
+                        <p:par>
+                          <p:cTn id="24" fill="hold">
+                            <p:stCondLst>
+                              <p:cond delay="0"/>
+                            </p:stCondLst>
+                            <p:childTnLst>
+                              <p:par>
+                                <p:cTn id="25" presetID="1" presetClass="entr" presetSubtype="0" fill="hold" grpId="0" nodeType="clickEffect">
+                                  <p:stCondLst>
+                                    <p:cond delay="0"/>
+                                  </p:stCondLst>
+                                  <p:childTnLst>
+                                    <p:set>
+                                      <p:cBhvr>
+                                        <p:cTn id="26" dur="1" fill="hold">
+                                          <p:stCondLst>
+                                            <p:cond delay="0"/>
+                                          </p:stCondLst>
+                                        </p:cTn>
+                                        <p:tgtEl>
+                                          <p:spTgt spid="11"/>
+                                        </p:tgtEl>
+                                        <p:attrNameLst>
+                                          <p:attrName>style.visibility</p:attrName>
+                                        </p:attrNameLst>
+                                      </p:cBhvr>
+                                      <p:to>
+                                        <p:strVal val="visible"/>
+                                      </p:to>
+                                    </p:set>
+                                  </p:childTnLst>
+                                </p:cTn>
+                              </p:par>
+                              <p:par>
+                                <p:cTn id="27" presetID="1" presetClass="entr" presetSubtype="0" fill="hold" grpId="0" nodeType="withEffect">
+                                  <p:stCondLst>
+                                    <p:cond delay="0"/>
+                                  </p:stCondLst>
+                                  <p:childTnLst>
+                                    <p:set>
+                                      <p:cBhvr>
+                                        <p:cTn id="28" dur="1" fill="hold">
+                                          <p:stCondLst>
+                                            <p:cond delay="0"/>
+                                          </p:stCondLst>
+                                        </p:cTn>
+                                        <p:tgtEl>
+                                          <p:spTgt spid="12"/>
+                                        </p:tgtEl>
+                                        <p:attrNameLst>
+                                          <p:attrName>style.visibility</p:attrName>
+                                        </p:attrNameLst>
+                                      </p:cBhvr>
+                                      <p:to>
+                                        <p:strVal val="visible"/>
+                                      </p:to>
+                                    </p:set>
+                                  </p:childTnLst>
+                                </p:cTn>
+                              </p:par>
+                            </p:childTnLst>
+                          </p:cTn>
+                        </p:par>
+                      </p:childTnLst>
+                    </p:cTn>
+                  </p:par>
+                </p:childTnLst>
+              </p:cTn>
+              <p:prevCondLst>
+                <p:cond evt="onPrev" delay="0">
+                  <p:tgtEl>
+                    <p:sldTgt/>
+                  </p:tgtEl>
+                </p:cond>
+              </p:prevCondLst>
+              <p:nextCondLst>
+                <p:cond evt="onNext" delay="0">
+                  <p:tgtEl>
+                    <p:sldTgt/>
+                  </p:tgtEl>
+                </p:cond>
+              </p:nextCondLst>
+            </p:seq>
+          </p:childTnLst>
+        </p:cTn>
+      </p:par>
+    </p:tnLst>
+    <p:bldLst>
+      <p:bldP spid="7" grpId="0" animBg="1"/>
+      <p:bldP spid="8" grpId="0"/>
+      <p:bldP spid="9" grpId="0" animBg="1"/>
+      <p:bldP spid="10" grpId="0"/>
+      <p:bldP spid="11" grpId="0" animBg="1"/>
+      <p:bldP spid="12" grpId="0"/>
+    </p:bldLst>
+  </p:timing>
+</p:sld>
+</file>
+
+<file path=ppt/slides/slide12.xml><?xml version="1.0" encoding="utf-8"?>
+<p:sld xmlns:a="http://schemas.openxmlformats.org/drawingml/2006/main" xmlns:r="http://schemas.openxmlformats.org/officeDocument/2006/relationships" xmlns:p="http://schemas.openxmlformats.org/presentationml/2006/main">
+  <p:cSld>
+    <p:spTree>
+      <p:nvGrpSpPr>
+        <p:cNvPr id="1" name=""/>
+        <p:cNvGrpSpPr/>
+        <p:nvPr/>
+      </p:nvGrpSpPr>
+      <p:grpSpPr>
+        <a:xfrm>
+          <a:off x="0" y="0"/>
+          <a:ext cx="0" cy="0"/>
+          <a:chOff x="0" y="0"/>
+          <a:chExt cx="0" cy="0"/>
+        </a:xfrm>
+      </p:grpSpPr>
+      <p:sp>
+        <p:nvSpPr>
+          <p:cNvPr id="2" name="標題 1"/>
+          <p:cNvSpPr>
+            <a:spLocks noGrp="1"/>
+          </p:cNvSpPr>
+          <p:nvPr>
+            <p:ph type="title"/>
+          </p:nvPr>
+        </p:nvSpPr>
+        <p:spPr/>
+        <p:txBody>
+          <a:bodyPr/>
+          <a:lstStyle/>
+          <a:p>
+            <a:r>
+              <a:rPr lang="zh-TW" altLang="en-US" dirty="0" smtClean="0"/>
+              <a:t>關於</a:t>
+            </a:r>
+            <a:r>
+              <a:rPr lang="en-US" altLang="zh-TW" dirty="0" smtClean="0"/>
+              <a:t>Anaconda</a:t>
+            </a:r>
+            <a:r>
+              <a:rPr lang="zh-TW" altLang="en-US" dirty="0" smtClean="0"/>
+              <a:t>環境</a:t>
+            </a:r>
+            <a:endParaRPr lang="zh-TW" altLang="en-US" dirty="0"/>
+          </a:p>
+        </p:txBody>
+      </p:sp>
+      <p:sp>
+        <p:nvSpPr>
+          <p:cNvPr id="3" name="內容版面配置區 2"/>
+          <p:cNvSpPr>
+            <a:spLocks noGrp="1"/>
+          </p:cNvSpPr>
+          <p:nvPr>
+            <p:ph idx="1"/>
+          </p:nvPr>
+        </p:nvSpPr>
+        <p:spPr/>
+        <p:txBody>
+          <a:bodyPr/>
+          <a:lstStyle/>
+          <a:p>
+            <a:r>
+              <a:rPr lang="en-US" altLang="zh-TW" dirty="0"/>
+              <a:t>Anaconda</a:t>
+            </a:r>
+            <a:r>
+              <a:rPr lang="zh-TW" altLang="en-US" dirty="0"/>
+              <a:t>是一套很大的工具，初學者建議先安裝</a:t>
+            </a:r>
+            <a:r>
+              <a:rPr lang="zh-TW" altLang="en-US" dirty="0" smtClean="0"/>
+              <a:t>後面接著說明</a:t>
+            </a:r>
+            <a:r>
+              <a:rPr lang="zh-TW" altLang="en-US" dirty="0"/>
+              <a:t>的單純版</a:t>
+            </a:r>
+            <a:r>
+              <a:rPr lang="en-US" altLang="zh-TW" dirty="0" err="1"/>
+              <a:t>Spyder</a:t>
+            </a:r>
+            <a:r>
+              <a:rPr lang="zh-TW" altLang="en-US" dirty="0" smtClean="0"/>
+              <a:t>即可</a:t>
+            </a:r>
+            <a:endParaRPr lang="en-US" altLang="zh-TW" dirty="0" smtClean="0"/>
+          </a:p>
+          <a:p>
+            <a:r>
+              <a:rPr lang="zh-TW" altLang="en-US" dirty="0"/>
+              <a:t>可以管理專案執行</a:t>
+            </a:r>
+            <a:r>
+              <a:rPr lang="zh-TW" altLang="en-US" dirty="0" smtClean="0"/>
+              <a:t>環境</a:t>
+            </a:r>
+            <a:endParaRPr lang="en-US" altLang="zh-TW" dirty="0" smtClean="0"/>
+          </a:p>
+          <a:p>
+            <a:pPr lvl="1"/>
+            <a:r>
+              <a:rPr lang="zh-TW" altLang="en-US" dirty="0"/>
+              <a:t>多種版本環境之建立與管理</a:t>
+            </a:r>
+            <a:endParaRPr lang="en-US" altLang="zh-TW" dirty="0" smtClean="0"/>
+          </a:p>
+          <a:p>
+            <a:r>
+              <a:rPr lang="zh-TW" altLang="en-US" dirty="0"/>
+              <a:t>可以管理相關工具如</a:t>
+            </a:r>
+            <a:r>
+              <a:rPr lang="en-US" altLang="zh-TW" dirty="0" err="1"/>
+              <a:t>pyinstaller</a:t>
+            </a:r>
+            <a:r>
+              <a:rPr lang="en-US" altLang="zh-TW" dirty="0" smtClean="0"/>
+              <a:t>, constructor, pip</a:t>
+            </a:r>
+            <a:r>
+              <a:rPr lang="zh-TW" altLang="en-US" dirty="0" smtClean="0"/>
+              <a:t>等</a:t>
+            </a:r>
+            <a:endParaRPr lang="en-US" altLang="zh-TW" dirty="0" smtClean="0"/>
+          </a:p>
+          <a:p>
+            <a:pPr lvl="1"/>
+            <a:r>
+              <a:rPr lang="zh-TW" altLang="en-US" dirty="0" smtClean="0"/>
+              <a:t>轉換成執行檔，模組管理等</a:t>
+            </a:r>
+            <a:endParaRPr lang="en-US" altLang="zh-TW" dirty="0" smtClean="0"/>
+          </a:p>
+          <a:p>
+            <a:r>
+              <a:rPr lang="zh-TW" altLang="en-US" dirty="0"/>
+              <a:t>還有</a:t>
+            </a:r>
+            <a:r>
+              <a:rPr lang="en-US" altLang="zh-TW" dirty="0"/>
+              <a:t>R</a:t>
+            </a:r>
+            <a:r>
+              <a:rPr lang="zh-TW" altLang="en-US" dirty="0"/>
+              <a:t>語言也可以用。</a:t>
+            </a:r>
+            <a:endParaRPr lang="en-US" altLang="zh-TW" dirty="0" smtClean="0"/>
+          </a:p>
+          <a:p>
+            <a:endParaRPr lang="zh-TW" altLang="en-US" dirty="0"/>
+          </a:p>
+          <a:p>
+            <a:endParaRPr lang="zh-TW" altLang="en-US" dirty="0"/>
+          </a:p>
+        </p:txBody>
+      </p:sp>
+    </p:spTree>
+    <p:extLst>
+      <p:ext uri="{BB962C8B-B14F-4D97-AF65-F5344CB8AC3E}">
+        <p14:creationId xmlns:p14="http://schemas.microsoft.com/office/powerpoint/2010/main" val="2508047565"/>
+      </p:ext>
+    </p:extLst>
+  </p:cSld>
+  <p:clrMapOvr>
+    <a:masterClrMapping/>
+  </p:clrMapOvr>
+  <p:timing>
+    <p:tnLst>
+      <p:par>
+        <p:cTn id="1" dur="indefinite" restart="never" nodeType="tmRoot"/>
+      </p:par>
+    </p:tnLst>
+  </p:timing>
+</p:sld>
+</file>
+
+<file path=ppt/slides/slide13.xml><?xml version="1.0" encoding="utf-8"?>
+<p:sld xmlns:a="http://schemas.openxmlformats.org/drawingml/2006/main" xmlns:r="http://schemas.openxmlformats.org/officeDocument/2006/relationships" xmlns:p="http://schemas.openxmlformats.org/presentationml/2006/main">
+  <p:cSld>
+    <p:spTree>
+      <p:nvGrpSpPr>
+        <p:cNvPr id="1" name=""/>
+        <p:cNvGrpSpPr/>
+        <p:nvPr/>
+      </p:nvGrpSpPr>
+      <p:grpSpPr>
+        <a:xfrm>
+          <a:off x="0" y="0"/>
+          <a:ext cx="0" cy="0"/>
+          <a:chOff x="0" y="0"/>
+          <a:chExt cx="0" cy="0"/>
+        </a:xfrm>
+      </p:grpSpPr>
+      <p:sp>
+        <p:nvSpPr>
+          <p:cNvPr id="2" name="標題 1"/>
+          <p:cNvSpPr>
+            <a:spLocks noGrp="1"/>
+          </p:cNvSpPr>
+          <p:nvPr>
+            <p:ph type="ctrTitle"/>
+          </p:nvPr>
+        </p:nvSpPr>
+        <p:spPr/>
+        <p:txBody>
+          <a:bodyPr/>
+          <a:lstStyle/>
+          <a:p>
+            <a:r>
+              <a:rPr lang="zh-TW" altLang="en-US" dirty="0" smtClean="0"/>
+              <a:t>單純</a:t>
+            </a:r>
+            <a:r>
+              <a:rPr lang="en-US" altLang="zh-TW" dirty="0" err="1" smtClean="0"/>
+              <a:t>Spyder</a:t>
+            </a:r>
+            <a:r>
+              <a:rPr lang="zh-TW" altLang="en-US" dirty="0" smtClean="0"/>
+              <a:t>環境</a:t>
+            </a:r>
+            <a:r>
+              <a:rPr lang="zh-TW" altLang="en-US" dirty="0" smtClean="0"/>
+              <a:t>建置</a:t>
+            </a:r>
+            <a:endParaRPr lang="zh-TW" altLang="en-US" dirty="0"/>
+          </a:p>
+        </p:txBody>
+      </p:sp>
+      <p:sp>
+        <p:nvSpPr>
+          <p:cNvPr id="3" name="副標題 2"/>
+          <p:cNvSpPr>
+            <a:spLocks noGrp="1"/>
+          </p:cNvSpPr>
+          <p:nvPr>
+            <p:ph type="subTitle" idx="1"/>
+          </p:nvPr>
+        </p:nvSpPr>
+        <p:spPr/>
+        <p:txBody>
+          <a:bodyPr/>
+          <a:lstStyle/>
+          <a:p>
+            <a:endParaRPr lang="zh-TW" altLang="en-US"/>
+          </a:p>
+        </p:txBody>
+      </p:sp>
+    </p:spTree>
+    <p:extLst>
+      <p:ext uri="{BB962C8B-B14F-4D97-AF65-F5344CB8AC3E}">
+        <p14:creationId xmlns:p14="http://schemas.microsoft.com/office/powerpoint/2010/main" val="990491748"/>
+      </p:ext>
+    </p:extLst>
+  </p:cSld>
+  <p:clrMapOvr>
+    <a:masterClrMapping/>
+  </p:clrMapOvr>
+  <p:timing>
+    <p:tnLst>
+      <p:par>
+        <p:cTn id="1" dur="indefinite" restart="never" nodeType="tmRoot"/>
+      </p:par>
+    </p:tnLst>
+  </p:timing>
+</p:sld>
+</file>
+
+<file path=ppt/slides/slide14.xml><?xml version="1.0" encoding="utf-8"?>
 <p:sld xmlns:a="http://schemas.openxmlformats.org/drawingml/2006/main" xmlns:r="http://schemas.openxmlformats.org/officeDocument/2006/relationships" xmlns:p="http://schemas.openxmlformats.org/presentationml/2006/main">
   <p:cSld>
     <p:spTree>
@@ -7217,7 +8508,7 @@
 </p:sld>
 </file>
 
-<file path=ppt/slides/slide3.xml><?xml version="1.0" encoding="utf-8"?>
+<file path=ppt/slides/slide15.xml><?xml version="1.0" encoding="utf-8"?>
 <p:sld xmlns:a="http://schemas.openxmlformats.org/drawingml/2006/main" xmlns:r="http://schemas.openxmlformats.org/officeDocument/2006/relationships" xmlns:p="http://schemas.openxmlformats.org/presentationml/2006/main">
   <p:cSld>
     <p:spTree>
@@ -7452,7 +8743,7 @@
 </p:sld>
 </file>
 
-<file path=ppt/slides/slide4.xml><?xml version="1.0" encoding="utf-8"?>
+<file path=ppt/slides/slide16.xml><?xml version="1.0" encoding="utf-8"?>
 <p:sld xmlns:a="http://schemas.openxmlformats.org/drawingml/2006/main" xmlns:r="http://schemas.openxmlformats.org/officeDocument/2006/relationships" xmlns:p="http://schemas.openxmlformats.org/presentationml/2006/main">
   <p:cSld>
     <p:spTree>
@@ -7697,7 +8988,7 @@
 </p:sld>
 </file>
 
-<file path=ppt/slides/slide5.xml><?xml version="1.0" encoding="utf-8"?>
+<file path=ppt/slides/slide17.xml><?xml version="1.0" encoding="utf-8"?>
 <p:sld xmlns:a="http://schemas.openxmlformats.org/drawingml/2006/main" xmlns:r="http://schemas.openxmlformats.org/officeDocument/2006/relationships" xmlns:p="http://schemas.openxmlformats.org/presentationml/2006/main">
   <p:cSld>
     <p:spTree>
@@ -7894,7 +9185,7 @@
 </p:sld>
 </file>
 
-<file path=ppt/slides/slide6.xml><?xml version="1.0" encoding="utf-8"?>
+<file path=ppt/slides/slide18.xml><?xml version="1.0" encoding="utf-8"?>
 <p:sld xmlns:a="http://schemas.openxmlformats.org/drawingml/2006/main" xmlns:r="http://schemas.openxmlformats.org/officeDocument/2006/relationships" xmlns:p="http://schemas.openxmlformats.org/presentationml/2006/main">
   <p:cSld>
     <p:spTree>
@@ -7977,7 +9268,7 @@
 </p:sld>
 </file>
 
-<file path=ppt/slides/slide7.xml><?xml version="1.0" encoding="utf-8"?>
+<file path=ppt/slides/slide19.xml><?xml version="1.0" encoding="utf-8"?>
 <p:sld xmlns:a="http://schemas.openxmlformats.org/drawingml/2006/main" xmlns:r="http://schemas.openxmlformats.org/officeDocument/2006/relationships" xmlns:p="http://schemas.openxmlformats.org/presentationml/2006/main">
   <p:cSld>
     <p:spTree>
@@ -8326,7 +9617,651 @@
 </p:sld>
 </file>
 
-<file path=ppt/slides/slide8.xml><?xml version="1.0" encoding="utf-8"?>
+<file path=ppt/slides/slide2.xml><?xml version="1.0" encoding="utf-8"?>
+<p:sld xmlns:a="http://schemas.openxmlformats.org/drawingml/2006/main" xmlns:r="http://schemas.openxmlformats.org/officeDocument/2006/relationships" xmlns:p="http://schemas.openxmlformats.org/presentationml/2006/main">
+  <p:cSld>
+    <p:spTree>
+      <p:nvGrpSpPr>
+        <p:cNvPr id="1" name=""/>
+        <p:cNvGrpSpPr/>
+        <p:nvPr/>
+      </p:nvGrpSpPr>
+      <p:grpSpPr>
+        <a:xfrm>
+          <a:off x="0" y="0"/>
+          <a:ext cx="0" cy="0"/>
+          <a:chOff x="0" y="0"/>
+          <a:chExt cx="0" cy="0"/>
+        </a:xfrm>
+      </p:grpSpPr>
+      <p:sp>
+        <p:nvSpPr>
+          <p:cNvPr id="2" name="標題 1"/>
+          <p:cNvSpPr>
+            <a:spLocks noGrp="1"/>
+          </p:cNvSpPr>
+          <p:nvPr>
+            <p:ph type="title"/>
+          </p:nvPr>
+        </p:nvSpPr>
+        <p:spPr/>
+        <p:txBody>
+          <a:bodyPr/>
+          <a:lstStyle/>
+          <a:p>
+            <a:r>
+              <a:rPr lang="zh-TW" altLang="en-US" dirty="0"/>
+              <a:t>下載安裝包</a:t>
+            </a:r>
+          </a:p>
+        </p:txBody>
+      </p:sp>
+      <p:sp>
+        <p:nvSpPr>
+          <p:cNvPr id="3" name="內容版面配置區 2"/>
+          <p:cNvSpPr>
+            <a:spLocks noGrp="1"/>
+          </p:cNvSpPr>
+          <p:nvPr>
+            <p:ph idx="1"/>
+          </p:nvPr>
+        </p:nvSpPr>
+        <p:spPr>
+          <a:xfrm>
+            <a:off x="677334" y="1746505"/>
+            <a:ext cx="8596668" cy="4294858"/>
+          </a:xfrm>
+        </p:spPr>
+        <p:txBody>
+          <a:bodyPr/>
+          <a:lstStyle/>
+          <a:p>
+            <a:r>
+              <a:rPr lang="en-US" altLang="zh-TW" dirty="0" smtClean="0"/>
+              <a:t>Anaconda</a:t>
+            </a:r>
+            <a:r>
+              <a:rPr lang="zh-TW" altLang="en-US" dirty="0" smtClean="0"/>
+              <a:t>官網：  </a:t>
+            </a:r>
+            <a:r>
+              <a:rPr lang="en-US" altLang="zh-TW" dirty="0" smtClean="0">
+                <a:solidFill>
+                  <a:srgbClr val="FF0000"/>
+                </a:solidFill>
+              </a:rPr>
+              <a:t>https</a:t>
+            </a:r>
+            <a:r>
+              <a:rPr lang="en-US" altLang="zh-TW" dirty="0">
+                <a:solidFill>
+                  <a:srgbClr val="FF0000"/>
+                </a:solidFill>
+              </a:rPr>
+              <a:t>://www.anaconda.com</a:t>
+            </a:r>
+            <a:r>
+              <a:rPr lang="en-US" altLang="zh-TW" dirty="0" smtClean="0">
+                <a:solidFill>
+                  <a:srgbClr val="FF0000"/>
+                </a:solidFill>
+              </a:rPr>
+              <a:t>/</a:t>
+            </a:r>
+            <a:endParaRPr lang="en-US" altLang="zh-TW" dirty="0">
+              <a:solidFill>
+                <a:srgbClr val="FF0000"/>
+              </a:solidFill>
+            </a:endParaRPr>
+          </a:p>
+          <a:p>
+            <a:r>
+              <a:rPr lang="zh-TW" altLang="en-US" dirty="0" smtClean="0"/>
+              <a:t>點選</a:t>
+            </a:r>
+            <a:r>
+              <a:rPr lang="en-US" altLang="zh-TW" dirty="0" smtClean="0"/>
+              <a:t>Products</a:t>
+            </a:r>
+            <a:r>
+              <a:rPr lang="zh-TW" altLang="en-US" dirty="0" smtClean="0"/>
+              <a:t>，</a:t>
+            </a:r>
+            <a:r>
+              <a:rPr lang="zh-TW" altLang="en-US" dirty="0"/>
+              <a:t>再往下</a:t>
+            </a:r>
+            <a:r>
+              <a:rPr lang="zh-TW" altLang="en-US" dirty="0" smtClean="0"/>
+              <a:t>找到</a:t>
+            </a:r>
+            <a:r>
+              <a:rPr lang="en-US" altLang="zh-TW" dirty="0" smtClean="0"/>
+              <a:t>Individual Edition</a:t>
+            </a:r>
+            <a:r>
+              <a:rPr lang="zh-TW" altLang="en-US" dirty="0" smtClean="0"/>
+              <a:t>，</a:t>
+            </a:r>
+            <a:r>
+              <a:rPr lang="zh-TW" altLang="en-US" dirty="0"/>
+              <a:t>點</a:t>
+            </a:r>
+            <a:r>
+              <a:rPr lang="zh-TW" altLang="en-US" dirty="0" smtClean="0"/>
+              <a:t>下去。</a:t>
+            </a:r>
+            <a:endParaRPr lang="en-US" altLang="zh-TW" dirty="0" smtClean="0"/>
+          </a:p>
+          <a:p>
+            <a:r>
+              <a:rPr lang="zh-TW" altLang="en-US" dirty="0"/>
+              <a:t>接著點選</a:t>
+            </a:r>
+            <a:r>
+              <a:rPr lang="en-US" altLang="zh-TW" dirty="0" smtClean="0"/>
+              <a:t>Download</a:t>
+            </a:r>
+            <a:r>
+              <a:rPr lang="zh-TW" altLang="en-US" dirty="0" smtClean="0"/>
+              <a:t>。</a:t>
+            </a:r>
+            <a:endParaRPr lang="en-US" altLang="zh-TW" dirty="0"/>
+          </a:p>
+          <a:p>
+            <a:r>
+              <a:rPr lang="zh-TW" altLang="en-US" dirty="0" smtClean="0"/>
+              <a:t>最後點選正確版本，就開始下載了。</a:t>
+            </a:r>
+            <a:endParaRPr lang="zh-TW" altLang="en-US" dirty="0"/>
+          </a:p>
+          <a:p>
+            <a:endParaRPr lang="zh-TW" altLang="en-US" dirty="0"/>
+          </a:p>
+        </p:txBody>
+      </p:sp>
+      <p:pic>
+        <p:nvPicPr>
+          <p:cNvPr id="4" name="圖片 3"/>
+          <p:cNvPicPr>
+            <a:picLocks noChangeAspect="1"/>
+          </p:cNvPicPr>
+          <p:nvPr/>
+        </p:nvPicPr>
+        <p:blipFill>
+          <a:blip r:embed="rId2"/>
+          <a:stretch>
+            <a:fillRect/>
+          </a:stretch>
+        </p:blipFill>
+        <p:spPr>
+          <a:xfrm>
+            <a:off x="483822" y="3781579"/>
+            <a:ext cx="3111738" cy="2671264"/>
+          </a:xfrm>
+          <a:prstGeom prst="rect">
+            <a:avLst/>
+          </a:prstGeom>
+          <a:ln>
+            <a:solidFill>
+              <a:schemeClr val="tx1"/>
+            </a:solidFill>
+          </a:ln>
+        </p:spPr>
+      </p:pic>
+      <p:pic>
+        <p:nvPicPr>
+          <p:cNvPr id="5" name="圖片 4"/>
+          <p:cNvPicPr>
+            <a:picLocks noChangeAspect="1"/>
+          </p:cNvPicPr>
+          <p:nvPr/>
+        </p:nvPicPr>
+        <p:blipFill>
+          <a:blip r:embed="rId3"/>
+          <a:stretch>
+            <a:fillRect/>
+          </a:stretch>
+        </p:blipFill>
+        <p:spPr>
+          <a:xfrm>
+            <a:off x="4477952" y="3838634"/>
+            <a:ext cx="3276160" cy="2632470"/>
+          </a:xfrm>
+          <a:prstGeom prst="rect">
+            <a:avLst/>
+          </a:prstGeom>
+          <a:ln>
+            <a:solidFill>
+              <a:schemeClr val="tx1"/>
+            </a:solidFill>
+          </a:ln>
+        </p:spPr>
+      </p:pic>
+      <p:sp>
+        <p:nvSpPr>
+          <p:cNvPr id="6" name="向右箭號 5"/>
+          <p:cNvSpPr/>
+          <p:nvPr/>
+        </p:nvSpPr>
+        <p:spPr>
+          <a:xfrm rot="19490402">
+            <a:off x="1197053" y="4123944"/>
+            <a:ext cx="507573" cy="228600"/>
+          </a:xfrm>
+          <a:prstGeom prst="rightArrow">
+            <a:avLst/>
+          </a:prstGeom>
+          <a:solidFill>
+            <a:srgbClr val="FF0000"/>
+          </a:solidFill>
+          <a:ln>
+            <a:solidFill>
+              <a:srgbClr val="FF0000"/>
+            </a:solidFill>
+          </a:ln>
+        </p:spPr>
+        <p:style>
+          <a:lnRef idx="2">
+            <a:schemeClr val="accent1">
+              <a:shade val="50000"/>
+            </a:schemeClr>
+          </a:lnRef>
+          <a:fillRef idx="1">
+            <a:schemeClr val="accent1"/>
+          </a:fillRef>
+          <a:effectRef idx="0">
+            <a:schemeClr val="accent1"/>
+          </a:effectRef>
+          <a:fontRef idx="minor">
+            <a:schemeClr val="lt1"/>
+          </a:fontRef>
+        </p:style>
+        <p:txBody>
+          <a:bodyPr rtlCol="0" anchor="ctr"/>
+          <a:lstStyle/>
+          <a:p>
+            <a:pPr algn="ctr"/>
+            <a:endParaRPr lang="zh-TW" altLang="en-US"/>
+          </a:p>
+        </p:txBody>
+      </p:sp>
+      <p:sp>
+        <p:nvSpPr>
+          <p:cNvPr id="7" name="向右箭號 6"/>
+          <p:cNvSpPr/>
+          <p:nvPr/>
+        </p:nvSpPr>
+        <p:spPr>
+          <a:xfrm rot="10800000">
+            <a:off x="2940706" y="4274212"/>
+            <a:ext cx="507573" cy="228600"/>
+          </a:xfrm>
+          <a:prstGeom prst="rightArrow">
+            <a:avLst/>
+          </a:prstGeom>
+          <a:solidFill>
+            <a:srgbClr val="FF0000"/>
+          </a:solidFill>
+          <a:ln>
+            <a:solidFill>
+              <a:srgbClr val="FF0000"/>
+            </a:solidFill>
+          </a:ln>
+        </p:spPr>
+        <p:style>
+          <a:lnRef idx="2">
+            <a:schemeClr val="accent1">
+              <a:shade val="50000"/>
+            </a:schemeClr>
+          </a:lnRef>
+          <a:fillRef idx="1">
+            <a:schemeClr val="accent1"/>
+          </a:fillRef>
+          <a:effectRef idx="0">
+            <a:schemeClr val="accent1"/>
+          </a:effectRef>
+          <a:fontRef idx="minor">
+            <a:schemeClr val="lt1"/>
+          </a:fontRef>
+        </p:style>
+        <p:txBody>
+          <a:bodyPr rtlCol="0" anchor="ctr"/>
+          <a:lstStyle/>
+          <a:p>
+            <a:pPr algn="ctr"/>
+            <a:endParaRPr lang="zh-TW" altLang="en-US"/>
+          </a:p>
+        </p:txBody>
+      </p:sp>
+      <p:sp>
+        <p:nvSpPr>
+          <p:cNvPr id="8" name="向右箭號 7"/>
+          <p:cNvSpPr/>
+          <p:nvPr/>
+        </p:nvSpPr>
+        <p:spPr>
+          <a:xfrm rot="1940742">
+            <a:off x="4143896" y="5927063"/>
+            <a:ext cx="507573" cy="228600"/>
+          </a:xfrm>
+          <a:prstGeom prst="rightArrow">
+            <a:avLst/>
+          </a:prstGeom>
+          <a:solidFill>
+            <a:srgbClr val="FF0000"/>
+          </a:solidFill>
+          <a:ln>
+            <a:solidFill>
+              <a:srgbClr val="FF0000"/>
+            </a:solidFill>
+          </a:ln>
+        </p:spPr>
+        <p:style>
+          <a:lnRef idx="2">
+            <a:schemeClr val="accent1">
+              <a:shade val="50000"/>
+            </a:schemeClr>
+          </a:lnRef>
+          <a:fillRef idx="1">
+            <a:schemeClr val="accent1"/>
+          </a:fillRef>
+          <a:effectRef idx="0">
+            <a:schemeClr val="accent1"/>
+          </a:effectRef>
+          <a:fontRef idx="minor">
+            <a:schemeClr val="lt1"/>
+          </a:fontRef>
+        </p:style>
+        <p:txBody>
+          <a:bodyPr rtlCol="0" anchor="ctr"/>
+          <a:lstStyle/>
+          <a:p>
+            <a:pPr algn="ctr"/>
+            <a:endParaRPr lang="zh-TW" altLang="en-US"/>
+          </a:p>
+        </p:txBody>
+      </p:sp>
+      <p:sp>
+        <p:nvSpPr>
+          <p:cNvPr id="9" name="向右箭號 8"/>
+          <p:cNvSpPr/>
+          <p:nvPr/>
+        </p:nvSpPr>
+        <p:spPr>
+          <a:xfrm>
+            <a:off x="3878741" y="4741428"/>
+            <a:ext cx="510732" cy="704088"/>
+          </a:xfrm>
+          <a:prstGeom prst="rightArrow">
+            <a:avLst/>
+          </a:prstGeom>
+        </p:spPr>
+        <p:style>
+          <a:lnRef idx="2">
+            <a:schemeClr val="accent1">
+              <a:shade val="50000"/>
+            </a:schemeClr>
+          </a:lnRef>
+          <a:fillRef idx="1">
+            <a:schemeClr val="accent1"/>
+          </a:fillRef>
+          <a:effectRef idx="0">
+            <a:schemeClr val="accent1"/>
+          </a:effectRef>
+          <a:fontRef idx="minor">
+            <a:schemeClr val="lt1"/>
+          </a:fontRef>
+        </p:style>
+        <p:txBody>
+          <a:bodyPr rtlCol="0" anchor="ctr"/>
+          <a:lstStyle/>
+          <a:p>
+            <a:pPr algn="ctr"/>
+            <a:endParaRPr lang="zh-TW" altLang="en-US"/>
+          </a:p>
+        </p:txBody>
+      </p:sp>
+      <p:sp>
+        <p:nvSpPr>
+          <p:cNvPr id="10" name="文字方塊 9"/>
+          <p:cNvSpPr txBox="1"/>
+          <p:nvPr/>
+        </p:nvSpPr>
+        <p:spPr>
+          <a:xfrm>
+            <a:off x="973976" y="4053578"/>
+            <a:ext cx="319318" cy="369332"/>
+          </a:xfrm>
+          <a:prstGeom prst="rect">
+            <a:avLst/>
+          </a:prstGeom>
+          <a:noFill/>
+        </p:spPr>
+        <p:txBody>
+          <a:bodyPr wrap="none" rtlCol="0">
+            <a:spAutoFit/>
+          </a:bodyPr>
+          <a:lstStyle/>
+          <a:p>
+            <a:r>
+              <a:rPr lang="en-US" altLang="zh-TW" b="1" dirty="0" smtClean="0">
+                <a:solidFill>
+                  <a:srgbClr val="FF0000"/>
+                </a:solidFill>
+              </a:rPr>
+              <a:t>1</a:t>
+            </a:r>
+            <a:endParaRPr lang="zh-TW" altLang="en-US" b="1" dirty="0">
+              <a:solidFill>
+                <a:srgbClr val="FF0000"/>
+              </a:solidFill>
+            </a:endParaRPr>
+          </a:p>
+        </p:txBody>
+      </p:sp>
+      <p:sp>
+        <p:nvSpPr>
+          <p:cNvPr id="11" name="文字方塊 10"/>
+          <p:cNvSpPr txBox="1"/>
+          <p:nvPr/>
+        </p:nvSpPr>
+        <p:spPr>
+          <a:xfrm>
+            <a:off x="3250064" y="4372096"/>
+            <a:ext cx="319318" cy="369332"/>
+          </a:xfrm>
+          <a:prstGeom prst="rect">
+            <a:avLst/>
+          </a:prstGeom>
+          <a:noFill/>
+        </p:spPr>
+        <p:txBody>
+          <a:bodyPr wrap="none" rtlCol="0">
+            <a:spAutoFit/>
+          </a:bodyPr>
+          <a:lstStyle/>
+          <a:p>
+            <a:r>
+              <a:rPr lang="en-US" altLang="zh-TW" b="1" dirty="0" smtClean="0">
+                <a:solidFill>
+                  <a:srgbClr val="FF0000"/>
+                </a:solidFill>
+              </a:rPr>
+              <a:t>2</a:t>
+            </a:r>
+            <a:endParaRPr lang="zh-TW" altLang="en-US" b="1" dirty="0">
+              <a:solidFill>
+                <a:srgbClr val="FF0000"/>
+              </a:solidFill>
+            </a:endParaRPr>
+          </a:p>
+        </p:txBody>
+      </p:sp>
+      <p:sp>
+        <p:nvSpPr>
+          <p:cNvPr id="12" name="文字方塊 11"/>
+          <p:cNvSpPr txBox="1"/>
+          <p:nvPr/>
+        </p:nvSpPr>
+        <p:spPr>
+          <a:xfrm>
+            <a:off x="3878741" y="5589734"/>
+            <a:ext cx="319318" cy="369332"/>
+          </a:xfrm>
+          <a:prstGeom prst="rect">
+            <a:avLst/>
+          </a:prstGeom>
+          <a:noFill/>
+        </p:spPr>
+        <p:txBody>
+          <a:bodyPr wrap="none" rtlCol="0">
+            <a:spAutoFit/>
+          </a:bodyPr>
+          <a:lstStyle/>
+          <a:p>
+            <a:r>
+              <a:rPr lang="en-US" altLang="zh-TW" b="1" dirty="0">
+                <a:solidFill>
+                  <a:srgbClr val="FF0000"/>
+                </a:solidFill>
+              </a:rPr>
+              <a:t>3</a:t>
+            </a:r>
+            <a:endParaRPr lang="zh-TW" altLang="en-US" b="1" dirty="0">
+              <a:solidFill>
+                <a:srgbClr val="FF0000"/>
+              </a:solidFill>
+            </a:endParaRPr>
+          </a:p>
+        </p:txBody>
+      </p:sp>
+      <p:pic>
+        <p:nvPicPr>
+          <p:cNvPr id="13" name="圖片 12"/>
+          <p:cNvPicPr>
+            <a:picLocks noChangeAspect="1"/>
+          </p:cNvPicPr>
+          <p:nvPr/>
+        </p:nvPicPr>
+        <p:blipFill>
+          <a:blip r:embed="rId4"/>
+          <a:stretch>
+            <a:fillRect/>
+          </a:stretch>
+        </p:blipFill>
+        <p:spPr>
+          <a:xfrm>
+            <a:off x="8324501" y="3834762"/>
+            <a:ext cx="3115564" cy="2182607"/>
+          </a:xfrm>
+          <a:prstGeom prst="rect">
+            <a:avLst/>
+          </a:prstGeom>
+          <a:ln>
+            <a:solidFill>
+              <a:schemeClr val="tx1"/>
+            </a:solidFill>
+          </a:ln>
+        </p:spPr>
+      </p:pic>
+      <p:sp>
+        <p:nvSpPr>
+          <p:cNvPr id="14" name="左大括弧 13"/>
+          <p:cNvSpPr/>
+          <p:nvPr/>
+        </p:nvSpPr>
+        <p:spPr>
+          <a:xfrm>
+            <a:off x="8324501" y="5164929"/>
+            <a:ext cx="327428" cy="644085"/>
+          </a:xfrm>
+          <a:prstGeom prst="leftBrace">
+            <a:avLst/>
+          </a:prstGeom>
+          <a:ln w="38100">
+            <a:solidFill>
+              <a:srgbClr val="FF0000"/>
+            </a:solidFill>
+          </a:ln>
+        </p:spPr>
+        <p:style>
+          <a:lnRef idx="1">
+            <a:schemeClr val="accent1"/>
+          </a:lnRef>
+          <a:fillRef idx="0">
+            <a:schemeClr val="accent1"/>
+          </a:fillRef>
+          <a:effectRef idx="0">
+            <a:schemeClr val="accent1"/>
+          </a:effectRef>
+          <a:fontRef idx="minor">
+            <a:schemeClr val="tx1"/>
+          </a:fontRef>
+        </p:style>
+        <p:txBody>
+          <a:bodyPr rtlCol="0" anchor="ctr"/>
+          <a:lstStyle/>
+          <a:p>
+            <a:pPr algn="ctr"/>
+            <a:endParaRPr lang="zh-TW" altLang="en-US"/>
+          </a:p>
+        </p:txBody>
+      </p:sp>
+      <p:sp>
+        <p:nvSpPr>
+          <p:cNvPr id="15" name="向右箭號 14"/>
+          <p:cNvSpPr/>
+          <p:nvPr/>
+        </p:nvSpPr>
+        <p:spPr>
+          <a:xfrm>
+            <a:off x="7599211" y="4739913"/>
+            <a:ext cx="510732" cy="704088"/>
+          </a:xfrm>
+          <a:prstGeom prst="rightArrow">
+            <a:avLst/>
+          </a:prstGeom>
+        </p:spPr>
+        <p:style>
+          <a:lnRef idx="2">
+            <a:schemeClr val="accent1">
+              <a:shade val="50000"/>
+            </a:schemeClr>
+          </a:lnRef>
+          <a:fillRef idx="1">
+            <a:schemeClr val="accent1"/>
+          </a:fillRef>
+          <a:effectRef idx="0">
+            <a:schemeClr val="accent1"/>
+          </a:effectRef>
+          <a:fontRef idx="minor">
+            <a:schemeClr val="lt1"/>
+          </a:fontRef>
+        </p:style>
+        <p:txBody>
+          <a:bodyPr rtlCol="0" anchor="ctr"/>
+          <a:lstStyle/>
+          <a:p>
+            <a:pPr algn="ctr"/>
+            <a:endParaRPr lang="zh-TW" altLang="en-US"/>
+          </a:p>
+        </p:txBody>
+      </p:sp>
+    </p:spTree>
+    <p:extLst>
+      <p:ext uri="{BB962C8B-B14F-4D97-AF65-F5344CB8AC3E}">
+        <p14:creationId xmlns:p14="http://schemas.microsoft.com/office/powerpoint/2010/main" val="2495796094"/>
+      </p:ext>
+    </p:extLst>
+  </p:cSld>
+  <p:clrMapOvr>
+    <a:masterClrMapping/>
+  </p:clrMapOvr>
+</p:sld>
+</file>
+
+<file path=ppt/slides/slide20.xml><?xml version="1.0" encoding="utf-8"?>
 <p:sld xmlns:a="http://schemas.openxmlformats.org/drawingml/2006/main" xmlns:r="http://schemas.openxmlformats.org/officeDocument/2006/relationships" xmlns:p="http://schemas.openxmlformats.org/presentationml/2006/main">
   <p:cSld>
     <p:spTree>
@@ -8726,6 +10661,2544 @@
 </p:sld>
 </file>
 
+<file path=ppt/slides/slide21.xml><?xml version="1.0" encoding="utf-8"?>
+<p:sld xmlns:a="http://schemas.openxmlformats.org/drawingml/2006/main" xmlns:r="http://schemas.openxmlformats.org/officeDocument/2006/relationships" xmlns:p="http://schemas.openxmlformats.org/presentationml/2006/main">
+  <p:cSld>
+    <p:spTree>
+      <p:nvGrpSpPr>
+        <p:cNvPr id="1" name=""/>
+        <p:cNvGrpSpPr/>
+        <p:nvPr/>
+      </p:nvGrpSpPr>
+      <p:grpSpPr>
+        <a:xfrm>
+          <a:off x="0" y="0"/>
+          <a:ext cx="0" cy="0"/>
+          <a:chOff x="0" y="0"/>
+          <a:chExt cx="0" cy="0"/>
+        </a:xfrm>
+      </p:grpSpPr>
+      <p:sp>
+        <p:nvSpPr>
+          <p:cNvPr id="2" name="標題 1"/>
+          <p:cNvSpPr>
+            <a:spLocks noGrp="1"/>
+          </p:cNvSpPr>
+          <p:nvPr>
+            <p:ph type="title"/>
+          </p:nvPr>
+        </p:nvSpPr>
+        <p:spPr/>
+        <p:txBody>
+          <a:bodyPr/>
+          <a:lstStyle/>
+          <a:p>
+            <a:r>
+              <a:rPr lang="zh-TW" altLang="en-US" dirty="0" smtClean="0"/>
+              <a:t>前世界重複開發率最高程式</a:t>
+            </a:r>
+            <a:r>
+              <a:rPr lang="en-US" altLang="zh-TW" dirty="0" smtClean="0"/>
+              <a:t/>
+            </a:r>
+            <a:br>
+              <a:rPr lang="en-US" altLang="zh-TW" dirty="0" smtClean="0"/>
+            </a:br>
+            <a:r>
+              <a:rPr lang="en-US" altLang="zh-TW" dirty="0" smtClean="0"/>
+              <a:t>Hello World!</a:t>
+            </a:r>
+            <a:endParaRPr lang="zh-TW" altLang="en-US" dirty="0"/>
+          </a:p>
+        </p:txBody>
+      </p:sp>
+      <p:sp>
+        <p:nvSpPr>
+          <p:cNvPr id="3" name="內容版面配置區 2"/>
+          <p:cNvSpPr>
+            <a:spLocks noGrp="1"/>
+          </p:cNvSpPr>
+          <p:nvPr>
+            <p:ph idx="1"/>
+          </p:nvPr>
+        </p:nvSpPr>
+        <p:spPr/>
+        <p:txBody>
+          <a:bodyPr/>
+          <a:lstStyle/>
+          <a:p>
+            <a:r>
+              <a:rPr lang="zh-TW" altLang="en-US" dirty="0"/>
+              <a:t>按照慣例</a:t>
+            </a:r>
+            <a:r>
+              <a:rPr lang="zh-TW" altLang="en-US" dirty="0" smtClean="0"/>
+              <a:t>，來個入門程式 </a:t>
+            </a:r>
+            <a:r>
+              <a:rPr lang="en-US" altLang="zh-TW" dirty="0" smtClean="0"/>
+              <a:t>Hello World</a:t>
+            </a:r>
+          </a:p>
+          <a:p>
+            <a:r>
+              <a:rPr lang="en-US" altLang="zh-TW" dirty="0" smtClean="0"/>
+              <a:t>Python</a:t>
+            </a:r>
+            <a:r>
+              <a:rPr lang="zh-TW" altLang="en-US" dirty="0" smtClean="0"/>
+              <a:t>寫的</a:t>
+            </a:r>
+            <a:r>
+              <a:rPr lang="en-US" altLang="zh-TW" dirty="0" smtClean="0"/>
+              <a:t>Hello world</a:t>
+            </a:r>
+            <a:r>
+              <a:rPr lang="zh-TW" altLang="en-US" dirty="0" smtClean="0"/>
+              <a:t>程式是最夭壽簡單的！</a:t>
+            </a:r>
+            <a:endParaRPr lang="en-US" altLang="zh-TW" dirty="0" smtClean="0"/>
+          </a:p>
+          <a:p>
+            <a:r>
+              <a:rPr lang="zh-TW" altLang="en-US" dirty="0"/>
+              <a:t>不必設定</a:t>
+            </a:r>
+            <a:r>
+              <a:rPr lang="zh-TW" altLang="en-US" dirty="0" smtClean="0"/>
+              <a:t>一堆</a:t>
+            </a:r>
+            <a:endParaRPr lang="en-US" altLang="zh-TW" dirty="0" smtClean="0"/>
+          </a:p>
+          <a:p>
+            <a:r>
+              <a:rPr lang="zh-TW" altLang="en-US" dirty="0"/>
+              <a:t>不必分好多</a:t>
+            </a:r>
+            <a:r>
+              <a:rPr lang="zh-TW" altLang="en-US" dirty="0" smtClean="0"/>
+              <a:t>步驟</a:t>
+            </a:r>
+            <a:endParaRPr lang="en-US" altLang="zh-TW" dirty="0" smtClean="0"/>
+          </a:p>
+          <a:p>
+            <a:r>
+              <a:rPr lang="zh-TW" altLang="en-US" dirty="0"/>
+              <a:t>幸福的新一代程式</a:t>
+            </a:r>
+            <a:r>
+              <a:rPr lang="zh-TW" altLang="en-US" dirty="0" smtClean="0"/>
+              <a:t>設計師！</a:t>
+            </a:r>
+            <a:endParaRPr lang="en-US" altLang="zh-TW" dirty="0" smtClean="0"/>
+          </a:p>
+          <a:p>
+            <a:endParaRPr lang="zh-TW" altLang="en-US" dirty="0"/>
+          </a:p>
+        </p:txBody>
+      </p:sp>
+    </p:spTree>
+    <p:extLst>
+      <p:ext uri="{BB962C8B-B14F-4D97-AF65-F5344CB8AC3E}">
+        <p14:creationId xmlns:p14="http://schemas.microsoft.com/office/powerpoint/2010/main" val="2100728066"/>
+      </p:ext>
+    </p:extLst>
+  </p:cSld>
+  <p:clrMapOvr>
+    <a:masterClrMapping/>
+  </p:clrMapOvr>
+  <p:timing>
+    <p:tnLst>
+      <p:par>
+        <p:cTn id="1" dur="indefinite" restart="never" nodeType="tmRoot"/>
+      </p:par>
+    </p:tnLst>
+  </p:timing>
+</p:sld>
+</file>
+
+<file path=ppt/slides/slide22.xml><?xml version="1.0" encoding="utf-8"?>
+<p:sld xmlns:a="http://schemas.openxmlformats.org/drawingml/2006/main" xmlns:r="http://schemas.openxmlformats.org/officeDocument/2006/relationships" xmlns:p="http://schemas.openxmlformats.org/presentationml/2006/main">
+  <p:cSld>
+    <p:spTree>
+      <p:nvGrpSpPr>
+        <p:cNvPr id="1" name=""/>
+        <p:cNvGrpSpPr/>
+        <p:nvPr/>
+      </p:nvGrpSpPr>
+      <p:grpSpPr>
+        <a:xfrm>
+          <a:off x="0" y="0"/>
+          <a:ext cx="0" cy="0"/>
+          <a:chOff x="0" y="0"/>
+          <a:chExt cx="0" cy="0"/>
+        </a:xfrm>
+      </p:grpSpPr>
+      <p:sp>
+        <p:nvSpPr>
+          <p:cNvPr id="2" name="標題 1"/>
+          <p:cNvSpPr>
+            <a:spLocks noGrp="1"/>
+          </p:cNvSpPr>
+          <p:nvPr>
+            <p:ph type="title"/>
+          </p:nvPr>
+        </p:nvSpPr>
+        <p:spPr/>
+        <p:txBody>
+          <a:bodyPr/>
+          <a:lstStyle/>
+          <a:p>
+            <a:r>
+              <a:rPr lang="en-US" altLang="zh-TW" dirty="0" smtClean="0"/>
+              <a:t>Hello World</a:t>
+            </a:r>
+            <a:br>
+              <a:rPr lang="en-US" altLang="zh-TW" dirty="0" smtClean="0"/>
+            </a:br>
+            <a:r>
+              <a:rPr lang="zh-TW" altLang="en-US" dirty="0"/>
+              <a:t>步驟</a:t>
+            </a:r>
+            <a:r>
+              <a:rPr lang="en-US" altLang="zh-TW" dirty="0"/>
+              <a:t>1</a:t>
+            </a:r>
+            <a:endParaRPr lang="zh-TW" altLang="en-US" dirty="0"/>
+          </a:p>
+        </p:txBody>
+      </p:sp>
+      <p:sp>
+        <p:nvSpPr>
+          <p:cNvPr id="3" name="內容版面配置區 2"/>
+          <p:cNvSpPr>
+            <a:spLocks noGrp="1"/>
+          </p:cNvSpPr>
+          <p:nvPr>
+            <p:ph idx="1"/>
+          </p:nvPr>
+        </p:nvSpPr>
+        <p:spPr/>
+        <p:txBody>
+          <a:bodyPr/>
+          <a:lstStyle/>
+          <a:p>
+            <a:r>
+              <a:rPr lang="zh-TW" altLang="en-US" dirty="0" smtClean="0"/>
+              <a:t>在於</a:t>
+            </a:r>
+            <a:r>
+              <a:rPr lang="en-US" altLang="zh-TW" dirty="0" err="1" smtClean="0"/>
+              <a:t>Spyder</a:t>
+            </a:r>
+            <a:r>
+              <a:rPr lang="zh-TW" altLang="en-US" dirty="0" smtClean="0"/>
+              <a:t>的程式編輯視窗中，輸入第三者</a:t>
+            </a:r>
+            <a:r>
+              <a:rPr lang="en-US" altLang="zh-TW" dirty="0" smtClean="0"/>
+              <a:t>7</a:t>
+            </a:r>
+            <a:r>
+              <a:rPr lang="zh-TW" altLang="en-US" dirty="0" smtClean="0"/>
+              <a:t>行，紅框的那些程式碼：</a:t>
+            </a:r>
+            <a:endParaRPr lang="en-US" altLang="zh-TW" dirty="0" smtClean="0"/>
+          </a:p>
+          <a:p>
+            <a:pPr lvl="1"/>
+            <a:r>
+              <a:rPr lang="en-US" altLang="zh-TW" dirty="0" smtClean="0"/>
+              <a:t>print(“Hello World!”)</a:t>
+            </a:r>
+            <a:endParaRPr lang="zh-TW" altLang="en-US" dirty="0"/>
+          </a:p>
+        </p:txBody>
+      </p:sp>
+      <p:pic>
+        <p:nvPicPr>
+          <p:cNvPr id="4" name="圖片 3"/>
+          <p:cNvPicPr>
+            <a:picLocks noChangeAspect="1"/>
+          </p:cNvPicPr>
+          <p:nvPr/>
+        </p:nvPicPr>
+        <p:blipFill>
+          <a:blip r:embed="rId2"/>
+          <a:stretch>
+            <a:fillRect/>
+          </a:stretch>
+        </p:blipFill>
+        <p:spPr>
+          <a:xfrm>
+            <a:off x="1343118" y="3005419"/>
+            <a:ext cx="7265099" cy="3531308"/>
+          </a:xfrm>
+          <a:prstGeom prst="rect">
+            <a:avLst/>
+          </a:prstGeom>
+          <a:ln>
+            <a:solidFill>
+              <a:schemeClr val="tx1"/>
+            </a:solidFill>
+          </a:ln>
+        </p:spPr>
+      </p:pic>
+      <p:sp>
+        <p:nvSpPr>
+          <p:cNvPr id="5" name="矩形 4"/>
+          <p:cNvSpPr/>
+          <p:nvPr/>
+        </p:nvSpPr>
+        <p:spPr>
+          <a:xfrm>
+            <a:off x="1939859" y="5593306"/>
+            <a:ext cx="3035808" cy="466344"/>
+          </a:xfrm>
+          <a:prstGeom prst="rect">
+            <a:avLst/>
+          </a:prstGeom>
+          <a:noFill/>
+          <a:ln w="38100">
+            <a:solidFill>
+              <a:srgbClr val="FF0000"/>
+            </a:solidFill>
+          </a:ln>
+        </p:spPr>
+        <p:style>
+          <a:lnRef idx="2">
+            <a:schemeClr val="accent1">
+              <a:shade val="50000"/>
+            </a:schemeClr>
+          </a:lnRef>
+          <a:fillRef idx="1">
+            <a:schemeClr val="accent1"/>
+          </a:fillRef>
+          <a:effectRef idx="0">
+            <a:schemeClr val="accent1"/>
+          </a:effectRef>
+          <a:fontRef idx="minor">
+            <a:schemeClr val="lt1"/>
+          </a:fontRef>
+        </p:style>
+        <p:txBody>
+          <a:bodyPr rtlCol="0" anchor="ctr"/>
+          <a:lstStyle/>
+          <a:p>
+            <a:pPr algn="ctr"/>
+            <a:endParaRPr lang="zh-TW" altLang="en-US"/>
+          </a:p>
+        </p:txBody>
+      </p:sp>
+      <p:sp>
+        <p:nvSpPr>
+          <p:cNvPr id="6" name="文字方塊 5"/>
+          <p:cNvSpPr txBox="1"/>
+          <p:nvPr/>
+        </p:nvSpPr>
+        <p:spPr>
+          <a:xfrm>
+            <a:off x="5908497" y="5593306"/>
+            <a:ext cx="2492990" cy="400110"/>
+          </a:xfrm>
+          <a:prstGeom prst="rect">
+            <a:avLst/>
+          </a:prstGeom>
+          <a:noFill/>
+        </p:spPr>
+        <p:txBody>
+          <a:bodyPr wrap="none" rtlCol="0">
+            <a:spAutoFit/>
+          </a:bodyPr>
+          <a:lstStyle/>
+          <a:p>
+            <a:r>
+              <a:rPr lang="zh-TW" altLang="en-US" sz="2000" b="1" dirty="0" smtClean="0">
+                <a:solidFill>
+                  <a:schemeClr val="accent5">
+                    <a:lumMod val="40000"/>
+                    <a:lumOff val="60000"/>
+                  </a:schemeClr>
+                </a:solidFill>
+              </a:rPr>
+              <a:t>沒錯，就一行程式！</a:t>
+            </a:r>
+            <a:endParaRPr lang="zh-TW" altLang="en-US" sz="2000" b="1" dirty="0">
+              <a:solidFill>
+                <a:schemeClr val="accent5">
+                  <a:lumMod val="40000"/>
+                  <a:lumOff val="60000"/>
+                </a:schemeClr>
+              </a:solidFill>
+            </a:endParaRPr>
+          </a:p>
+        </p:txBody>
+      </p:sp>
+    </p:spTree>
+    <p:extLst>
+      <p:ext uri="{BB962C8B-B14F-4D97-AF65-F5344CB8AC3E}">
+        <p14:creationId xmlns:p14="http://schemas.microsoft.com/office/powerpoint/2010/main" val="4119131964"/>
+      </p:ext>
+    </p:extLst>
+  </p:cSld>
+  <p:clrMapOvr>
+    <a:masterClrMapping/>
+  </p:clrMapOvr>
+  <p:timing>
+    <p:tnLst>
+      <p:par>
+        <p:cTn id="1" dur="indefinite" restart="never" nodeType="tmRoot">
+          <p:childTnLst>
+            <p:seq concurrent="1" nextAc="seek">
+              <p:cTn id="2" dur="indefinite" nodeType="mainSeq">
+                <p:childTnLst>
+                  <p:par>
+                    <p:cTn id="3" fill="hold">
+                      <p:stCondLst>
+                        <p:cond delay="indefinite"/>
+                      </p:stCondLst>
+                      <p:childTnLst>
+                        <p:par>
+                          <p:cTn id="4" fill="hold">
+                            <p:stCondLst>
+                              <p:cond delay="0"/>
+                            </p:stCondLst>
+                            <p:childTnLst>
+                              <p:par>
+                                <p:cTn id="5" presetID="1" presetClass="entr" presetSubtype="0" fill="hold" grpId="0" nodeType="clickEffect">
+                                  <p:stCondLst>
+                                    <p:cond delay="0"/>
+                                  </p:stCondLst>
+                                  <p:childTnLst>
+                                    <p:set>
+                                      <p:cBhvr>
+                                        <p:cTn id="6" dur="1" fill="hold">
+                                          <p:stCondLst>
+                                            <p:cond delay="0"/>
+                                          </p:stCondLst>
+                                        </p:cTn>
+                                        <p:tgtEl>
+                                          <p:spTgt spid="6"/>
+                                        </p:tgtEl>
+                                        <p:attrNameLst>
+                                          <p:attrName>style.visibility</p:attrName>
+                                        </p:attrNameLst>
+                                      </p:cBhvr>
+                                      <p:to>
+                                        <p:strVal val="visible"/>
+                                      </p:to>
+                                    </p:set>
+                                  </p:childTnLst>
+                                </p:cTn>
+                              </p:par>
+                            </p:childTnLst>
+                          </p:cTn>
+                        </p:par>
+                      </p:childTnLst>
+                    </p:cTn>
+                  </p:par>
+                </p:childTnLst>
+              </p:cTn>
+              <p:prevCondLst>
+                <p:cond evt="onPrev" delay="0">
+                  <p:tgtEl>
+                    <p:sldTgt/>
+                  </p:tgtEl>
+                </p:cond>
+              </p:prevCondLst>
+              <p:nextCondLst>
+                <p:cond evt="onNext" delay="0">
+                  <p:tgtEl>
+                    <p:sldTgt/>
+                  </p:tgtEl>
+                </p:cond>
+              </p:nextCondLst>
+            </p:seq>
+          </p:childTnLst>
+        </p:cTn>
+      </p:par>
+    </p:tnLst>
+    <p:bldLst>
+      <p:bldP spid="6" grpId="0"/>
+    </p:bldLst>
+  </p:timing>
+</p:sld>
+</file>
+
+<file path=ppt/slides/slide23.xml><?xml version="1.0" encoding="utf-8"?>
+<p:sld xmlns:a="http://schemas.openxmlformats.org/drawingml/2006/main" xmlns:r="http://schemas.openxmlformats.org/officeDocument/2006/relationships" xmlns:p="http://schemas.openxmlformats.org/presentationml/2006/main">
+  <p:cSld>
+    <p:spTree>
+      <p:nvGrpSpPr>
+        <p:cNvPr id="1" name=""/>
+        <p:cNvGrpSpPr/>
+        <p:nvPr/>
+      </p:nvGrpSpPr>
+      <p:grpSpPr>
+        <a:xfrm>
+          <a:off x="0" y="0"/>
+          <a:ext cx="0" cy="0"/>
+          <a:chOff x="0" y="0"/>
+          <a:chExt cx="0" cy="0"/>
+        </a:xfrm>
+      </p:grpSpPr>
+      <p:sp>
+        <p:nvSpPr>
+          <p:cNvPr id="2" name="標題 1"/>
+          <p:cNvSpPr>
+            <a:spLocks noGrp="1"/>
+          </p:cNvSpPr>
+          <p:nvPr>
+            <p:ph type="title"/>
+          </p:nvPr>
+        </p:nvSpPr>
+        <p:spPr/>
+        <p:txBody>
+          <a:bodyPr/>
+          <a:lstStyle/>
+          <a:p>
+            <a:r>
+              <a:rPr lang="en-US" altLang="zh-TW" dirty="0"/>
+              <a:t>Hello World</a:t>
+            </a:r>
+            <a:br>
+              <a:rPr lang="en-US" altLang="zh-TW" dirty="0"/>
+            </a:br>
+            <a:r>
+              <a:rPr lang="zh-TW" altLang="en-US" dirty="0" smtClean="0"/>
+              <a:t>步驟</a:t>
+            </a:r>
+            <a:r>
+              <a:rPr lang="en-US" altLang="zh-TW" dirty="0" smtClean="0"/>
+              <a:t>2</a:t>
+            </a:r>
+            <a:endParaRPr lang="zh-TW" altLang="en-US" dirty="0"/>
+          </a:p>
+        </p:txBody>
+      </p:sp>
+      <p:sp>
+        <p:nvSpPr>
+          <p:cNvPr id="3" name="內容版面配置區 2"/>
+          <p:cNvSpPr>
+            <a:spLocks noGrp="1"/>
+          </p:cNvSpPr>
+          <p:nvPr>
+            <p:ph idx="1"/>
+          </p:nvPr>
+        </p:nvSpPr>
+        <p:spPr/>
+        <p:txBody>
+          <a:bodyPr/>
+          <a:lstStyle/>
+          <a:p>
+            <a:r>
+              <a:rPr lang="zh-TW" altLang="en-US" dirty="0" smtClean="0"/>
+              <a:t>點選綠色小三角形按鈕，執行剛剛的程式！</a:t>
+            </a:r>
+            <a:endParaRPr lang="en-US" altLang="zh-TW" dirty="0" smtClean="0"/>
+          </a:p>
+          <a:p>
+            <a:endParaRPr lang="zh-TW" altLang="en-US" dirty="0"/>
+          </a:p>
+        </p:txBody>
+      </p:sp>
+      <p:pic>
+        <p:nvPicPr>
+          <p:cNvPr id="4" name="圖片 3"/>
+          <p:cNvPicPr>
+            <a:picLocks noChangeAspect="1"/>
+          </p:cNvPicPr>
+          <p:nvPr/>
+        </p:nvPicPr>
+        <p:blipFill>
+          <a:blip r:embed="rId2"/>
+          <a:stretch>
+            <a:fillRect/>
+          </a:stretch>
+        </p:blipFill>
+        <p:spPr>
+          <a:xfrm>
+            <a:off x="1004695" y="2897124"/>
+            <a:ext cx="7667625" cy="1447800"/>
+          </a:xfrm>
+          <a:prstGeom prst="rect">
+            <a:avLst/>
+          </a:prstGeom>
+          <a:ln>
+            <a:solidFill>
+              <a:schemeClr val="tx1"/>
+            </a:solidFill>
+          </a:ln>
+        </p:spPr>
+      </p:pic>
+      <p:sp>
+        <p:nvSpPr>
+          <p:cNvPr id="5" name="向右箭號 4"/>
+          <p:cNvSpPr/>
+          <p:nvPr/>
+        </p:nvSpPr>
+        <p:spPr>
+          <a:xfrm rot="19168050">
+            <a:off x="2567624" y="3852373"/>
+            <a:ext cx="539496" cy="237440"/>
+          </a:xfrm>
+          <a:prstGeom prst="rightArrow">
+            <a:avLst/>
+          </a:prstGeom>
+          <a:solidFill>
+            <a:srgbClr val="FF0000"/>
+          </a:solidFill>
+          <a:ln>
+            <a:solidFill>
+              <a:srgbClr val="FF0000"/>
+            </a:solidFill>
+          </a:ln>
+        </p:spPr>
+        <p:style>
+          <a:lnRef idx="2">
+            <a:schemeClr val="accent1">
+              <a:shade val="50000"/>
+            </a:schemeClr>
+          </a:lnRef>
+          <a:fillRef idx="1">
+            <a:schemeClr val="accent1"/>
+          </a:fillRef>
+          <a:effectRef idx="0">
+            <a:schemeClr val="accent1"/>
+          </a:effectRef>
+          <a:fontRef idx="minor">
+            <a:schemeClr val="lt1"/>
+          </a:fontRef>
+        </p:style>
+        <p:txBody>
+          <a:bodyPr rtlCol="0" anchor="ctr"/>
+          <a:lstStyle/>
+          <a:p>
+            <a:pPr algn="ctr"/>
+            <a:endParaRPr lang="zh-TW" altLang="en-US"/>
+          </a:p>
+        </p:txBody>
+      </p:sp>
+    </p:spTree>
+    <p:extLst>
+      <p:ext uri="{BB962C8B-B14F-4D97-AF65-F5344CB8AC3E}">
+        <p14:creationId xmlns:p14="http://schemas.microsoft.com/office/powerpoint/2010/main" val="627756226"/>
+      </p:ext>
+    </p:extLst>
+  </p:cSld>
+  <p:clrMapOvr>
+    <a:masterClrMapping/>
+  </p:clrMapOvr>
+  <p:timing>
+    <p:tnLst>
+      <p:par>
+        <p:cTn id="1" dur="indefinite" restart="never" nodeType="tmRoot">
+          <p:childTnLst>
+            <p:seq concurrent="1" nextAc="seek">
+              <p:cTn id="2" dur="indefinite" nodeType="mainSeq">
+                <p:childTnLst>
+                  <p:par>
+                    <p:cTn id="3" fill="hold">
+                      <p:stCondLst>
+                        <p:cond delay="indefinite"/>
+                      </p:stCondLst>
+                      <p:childTnLst>
+                        <p:par>
+                          <p:cTn id="4" fill="hold">
+                            <p:stCondLst>
+                              <p:cond delay="0"/>
+                            </p:stCondLst>
+                            <p:childTnLst>
+                              <p:par>
+                                <p:cTn id="5" presetID="1" presetClass="entr" presetSubtype="0" fill="hold" grpId="0" nodeType="clickEffect">
+                                  <p:stCondLst>
+                                    <p:cond delay="0"/>
+                                  </p:stCondLst>
+                                  <p:childTnLst>
+                                    <p:set>
+                                      <p:cBhvr>
+                                        <p:cTn id="6" dur="1" fill="hold">
+                                          <p:stCondLst>
+                                            <p:cond delay="0"/>
+                                          </p:stCondLst>
+                                        </p:cTn>
+                                        <p:tgtEl>
+                                          <p:spTgt spid="5"/>
+                                        </p:tgtEl>
+                                        <p:attrNameLst>
+                                          <p:attrName>style.visibility</p:attrName>
+                                        </p:attrNameLst>
+                                      </p:cBhvr>
+                                      <p:to>
+                                        <p:strVal val="visible"/>
+                                      </p:to>
+                                    </p:set>
+                                  </p:childTnLst>
+                                </p:cTn>
+                              </p:par>
+                            </p:childTnLst>
+                          </p:cTn>
+                        </p:par>
+                      </p:childTnLst>
+                    </p:cTn>
+                  </p:par>
+                </p:childTnLst>
+              </p:cTn>
+              <p:prevCondLst>
+                <p:cond evt="onPrev" delay="0">
+                  <p:tgtEl>
+                    <p:sldTgt/>
+                  </p:tgtEl>
+                </p:cond>
+              </p:prevCondLst>
+              <p:nextCondLst>
+                <p:cond evt="onNext" delay="0">
+                  <p:tgtEl>
+                    <p:sldTgt/>
+                  </p:tgtEl>
+                </p:cond>
+              </p:nextCondLst>
+            </p:seq>
+          </p:childTnLst>
+        </p:cTn>
+      </p:par>
+    </p:tnLst>
+    <p:bldLst>
+      <p:bldP spid="5" grpId="0" animBg="1"/>
+    </p:bldLst>
+  </p:timing>
+</p:sld>
+</file>
+
+<file path=ppt/slides/slide24.xml><?xml version="1.0" encoding="utf-8"?>
+<p:sld xmlns:a="http://schemas.openxmlformats.org/drawingml/2006/main" xmlns:r="http://schemas.openxmlformats.org/officeDocument/2006/relationships" xmlns:p="http://schemas.openxmlformats.org/presentationml/2006/main">
+  <p:cSld>
+    <p:spTree>
+      <p:nvGrpSpPr>
+        <p:cNvPr id="1" name=""/>
+        <p:cNvGrpSpPr/>
+        <p:nvPr/>
+      </p:nvGrpSpPr>
+      <p:grpSpPr>
+        <a:xfrm>
+          <a:off x="0" y="0"/>
+          <a:ext cx="0" cy="0"/>
+          <a:chOff x="0" y="0"/>
+          <a:chExt cx="0" cy="0"/>
+        </a:xfrm>
+      </p:grpSpPr>
+      <p:sp>
+        <p:nvSpPr>
+          <p:cNvPr id="2" name="標題 1"/>
+          <p:cNvSpPr>
+            <a:spLocks noGrp="1"/>
+          </p:cNvSpPr>
+          <p:nvPr>
+            <p:ph type="title"/>
+          </p:nvPr>
+        </p:nvSpPr>
+        <p:spPr/>
+        <p:txBody>
+          <a:bodyPr/>
+          <a:lstStyle/>
+          <a:p>
+            <a:r>
+              <a:rPr lang="en-US" altLang="zh-TW" dirty="0"/>
+              <a:t>Hello World</a:t>
+            </a:r>
+            <a:br>
+              <a:rPr lang="en-US" altLang="zh-TW" dirty="0"/>
+            </a:br>
+            <a:r>
+              <a:rPr lang="zh-TW" altLang="en-US" dirty="0" smtClean="0"/>
+              <a:t>步驟</a:t>
+            </a:r>
+            <a:r>
+              <a:rPr lang="en-US" altLang="zh-TW" dirty="0" smtClean="0"/>
+              <a:t>3</a:t>
+            </a:r>
+            <a:endParaRPr lang="zh-TW" altLang="en-US" dirty="0"/>
+          </a:p>
+        </p:txBody>
+      </p:sp>
+      <p:sp>
+        <p:nvSpPr>
+          <p:cNvPr id="3" name="內容版面配置區 2"/>
+          <p:cNvSpPr>
+            <a:spLocks noGrp="1"/>
+          </p:cNvSpPr>
+          <p:nvPr>
+            <p:ph idx="1"/>
+          </p:nvPr>
+        </p:nvSpPr>
+        <p:spPr/>
+        <p:txBody>
+          <a:bodyPr/>
+          <a:lstStyle/>
+          <a:p>
+            <a:r>
+              <a:rPr lang="zh-TW" altLang="en-US" dirty="0" smtClean="0"/>
+              <a:t>在右下角的</a:t>
+            </a:r>
+            <a:r>
+              <a:rPr lang="en-US" altLang="zh-TW" dirty="0" err="1" smtClean="0"/>
+              <a:t>IPython</a:t>
+            </a:r>
+            <a:r>
+              <a:rPr lang="en-US" altLang="zh-TW" dirty="0" smtClean="0"/>
+              <a:t> Console</a:t>
+            </a:r>
+            <a:r>
+              <a:rPr lang="zh-TW" altLang="en-US" dirty="0" smtClean="0"/>
+              <a:t>看結果。</a:t>
+            </a:r>
+            <a:endParaRPr lang="en-US" altLang="zh-TW" dirty="0" smtClean="0"/>
+          </a:p>
+          <a:p>
+            <a:endParaRPr lang="zh-TW" altLang="en-US" dirty="0"/>
+          </a:p>
+        </p:txBody>
+      </p:sp>
+      <p:pic>
+        <p:nvPicPr>
+          <p:cNvPr id="4" name="圖片 3"/>
+          <p:cNvPicPr>
+            <a:picLocks noChangeAspect="1"/>
+          </p:cNvPicPr>
+          <p:nvPr/>
+        </p:nvPicPr>
+        <p:blipFill>
+          <a:blip r:embed="rId2"/>
+          <a:stretch>
+            <a:fillRect/>
+          </a:stretch>
+        </p:blipFill>
+        <p:spPr>
+          <a:xfrm>
+            <a:off x="1209484" y="2724340"/>
+            <a:ext cx="7724775" cy="3457575"/>
+          </a:xfrm>
+          <a:prstGeom prst="rect">
+            <a:avLst/>
+          </a:prstGeom>
+        </p:spPr>
+      </p:pic>
+      <p:sp>
+        <p:nvSpPr>
+          <p:cNvPr id="5" name="向右箭號 4"/>
+          <p:cNvSpPr/>
+          <p:nvPr/>
+        </p:nvSpPr>
+        <p:spPr>
+          <a:xfrm rot="12839048">
+            <a:off x="2339023" y="5813974"/>
+            <a:ext cx="539496" cy="237440"/>
+          </a:xfrm>
+          <a:prstGeom prst="rightArrow">
+            <a:avLst/>
+          </a:prstGeom>
+          <a:solidFill>
+            <a:srgbClr val="FF0000"/>
+          </a:solidFill>
+          <a:ln>
+            <a:solidFill>
+              <a:srgbClr val="FF0000"/>
+            </a:solidFill>
+          </a:ln>
+        </p:spPr>
+        <p:style>
+          <a:lnRef idx="2">
+            <a:schemeClr val="accent1">
+              <a:shade val="50000"/>
+            </a:schemeClr>
+          </a:lnRef>
+          <a:fillRef idx="1">
+            <a:schemeClr val="accent1"/>
+          </a:fillRef>
+          <a:effectRef idx="0">
+            <a:schemeClr val="accent1"/>
+          </a:effectRef>
+          <a:fontRef idx="minor">
+            <a:schemeClr val="lt1"/>
+          </a:fontRef>
+        </p:style>
+        <p:txBody>
+          <a:bodyPr rtlCol="0" anchor="ctr"/>
+          <a:lstStyle/>
+          <a:p>
+            <a:pPr algn="ctr"/>
+            <a:endParaRPr lang="zh-TW" altLang="en-US"/>
+          </a:p>
+        </p:txBody>
+      </p:sp>
+      <p:sp>
+        <p:nvSpPr>
+          <p:cNvPr id="6" name="文字方塊 5"/>
+          <p:cNvSpPr txBox="1"/>
+          <p:nvPr/>
+        </p:nvSpPr>
+        <p:spPr>
+          <a:xfrm>
+            <a:off x="2898805" y="5711529"/>
+            <a:ext cx="1723549" cy="400110"/>
+          </a:xfrm>
+          <a:prstGeom prst="rect">
+            <a:avLst/>
+          </a:prstGeom>
+          <a:noFill/>
+        </p:spPr>
+        <p:txBody>
+          <a:bodyPr wrap="none" rtlCol="0">
+            <a:spAutoFit/>
+          </a:bodyPr>
+          <a:lstStyle/>
+          <a:p>
+            <a:r>
+              <a:rPr lang="zh-TW" altLang="en-US" sz="2000" b="1" dirty="0" smtClean="0">
+                <a:solidFill>
+                  <a:schemeClr val="accent5">
+                    <a:lumMod val="40000"/>
+                    <a:lumOff val="60000"/>
+                  </a:schemeClr>
+                </a:solidFill>
+              </a:rPr>
+              <a:t>就</a:t>
+            </a:r>
+            <a:r>
+              <a:rPr lang="zh-TW" altLang="en-US" sz="2000" b="1" dirty="0">
+                <a:solidFill>
+                  <a:schemeClr val="accent5">
+                    <a:lumMod val="40000"/>
+                    <a:lumOff val="60000"/>
+                  </a:schemeClr>
+                </a:solidFill>
+              </a:rPr>
+              <a:t>在這裡啦</a:t>
+            </a:r>
+            <a:r>
+              <a:rPr lang="zh-TW" altLang="en-US" sz="2000" b="1" dirty="0" smtClean="0">
+                <a:solidFill>
+                  <a:schemeClr val="accent5">
+                    <a:lumMod val="40000"/>
+                    <a:lumOff val="60000"/>
+                  </a:schemeClr>
+                </a:solidFill>
+              </a:rPr>
+              <a:t>！</a:t>
+            </a:r>
+            <a:endParaRPr lang="zh-TW" altLang="en-US" sz="2000" b="1" dirty="0">
+              <a:solidFill>
+                <a:schemeClr val="accent5">
+                  <a:lumMod val="40000"/>
+                  <a:lumOff val="60000"/>
+                </a:schemeClr>
+              </a:solidFill>
+            </a:endParaRPr>
+          </a:p>
+        </p:txBody>
+      </p:sp>
+      <p:sp>
+        <p:nvSpPr>
+          <p:cNvPr id="7" name="矩形 6"/>
+          <p:cNvSpPr/>
+          <p:nvPr/>
+        </p:nvSpPr>
+        <p:spPr>
+          <a:xfrm>
+            <a:off x="3594543" y="3845159"/>
+            <a:ext cx="2954656" cy="923330"/>
+          </a:xfrm>
+          <a:prstGeom prst="rect">
+            <a:avLst/>
+          </a:prstGeom>
+          <a:noFill/>
+        </p:spPr>
+        <p:txBody>
+          <a:bodyPr wrap="none" lIns="91440" tIns="45720" rIns="91440" bIns="45720">
+            <a:spAutoFit/>
+            <a:scene3d>
+              <a:camera prst="orthographicFront"/>
+              <a:lightRig rig="harsh" dir="t"/>
+            </a:scene3d>
+            <a:sp3d extrusionH="57150" prstMaterial="matte">
+              <a:bevelT w="63500" h="12700" prst="angle"/>
+              <a:contourClr>
+                <a:schemeClr val="bg1">
+                  <a:lumMod val="65000"/>
+                </a:schemeClr>
+              </a:contourClr>
+            </a:sp3d>
+          </a:bodyPr>
+          <a:lstStyle/>
+          <a:p>
+            <a:pPr algn="ctr"/>
+            <a:r>
+              <a:rPr lang="zh-TW" altLang="en-US" sz="5400" b="1" cap="none" spc="0" dirty="0" smtClean="0">
+                <a:ln/>
+                <a:solidFill>
+                  <a:schemeClr val="accent3"/>
+                </a:solidFill>
+                <a:effectLst/>
+              </a:rPr>
+              <a:t>完成了！</a:t>
+            </a:r>
+            <a:endParaRPr lang="zh-TW" altLang="en-US" sz="5400" b="1" cap="none" spc="0" dirty="0">
+              <a:ln/>
+              <a:solidFill>
+                <a:schemeClr val="accent3"/>
+              </a:solidFill>
+              <a:effectLst/>
+            </a:endParaRPr>
+          </a:p>
+        </p:txBody>
+      </p:sp>
+    </p:spTree>
+    <p:extLst>
+      <p:ext uri="{BB962C8B-B14F-4D97-AF65-F5344CB8AC3E}">
+        <p14:creationId xmlns:p14="http://schemas.microsoft.com/office/powerpoint/2010/main" val="643901471"/>
+      </p:ext>
+    </p:extLst>
+  </p:cSld>
+  <p:clrMapOvr>
+    <a:masterClrMapping/>
+  </p:clrMapOvr>
+  <p:timing>
+    <p:tnLst>
+      <p:par>
+        <p:cTn id="1" dur="indefinite" restart="never" nodeType="tmRoot">
+          <p:childTnLst>
+            <p:seq concurrent="1" nextAc="seek">
+              <p:cTn id="2" dur="indefinite" nodeType="mainSeq">
+                <p:childTnLst>
+                  <p:par>
+                    <p:cTn id="3" fill="hold">
+                      <p:stCondLst>
+                        <p:cond delay="indefinite"/>
+                      </p:stCondLst>
+                      <p:childTnLst>
+                        <p:par>
+                          <p:cTn id="4" fill="hold">
+                            <p:stCondLst>
+                              <p:cond delay="0"/>
+                            </p:stCondLst>
+                            <p:childTnLst>
+                              <p:par>
+                                <p:cTn id="5" presetID="1" presetClass="entr" presetSubtype="0" fill="hold" grpId="0" nodeType="clickEffect">
+                                  <p:stCondLst>
+                                    <p:cond delay="0"/>
+                                  </p:stCondLst>
+                                  <p:childTnLst>
+                                    <p:set>
+                                      <p:cBhvr>
+                                        <p:cTn id="6" dur="1" fill="hold">
+                                          <p:stCondLst>
+                                            <p:cond delay="0"/>
+                                          </p:stCondLst>
+                                        </p:cTn>
+                                        <p:tgtEl>
+                                          <p:spTgt spid="6"/>
+                                        </p:tgtEl>
+                                        <p:attrNameLst>
+                                          <p:attrName>style.visibility</p:attrName>
+                                        </p:attrNameLst>
+                                      </p:cBhvr>
+                                      <p:to>
+                                        <p:strVal val="visible"/>
+                                      </p:to>
+                                    </p:set>
+                                  </p:childTnLst>
+                                </p:cTn>
+                              </p:par>
+                              <p:par>
+                                <p:cTn id="7" presetID="1" presetClass="entr" presetSubtype="0" fill="hold" grpId="0" nodeType="withEffect">
+                                  <p:stCondLst>
+                                    <p:cond delay="0"/>
+                                  </p:stCondLst>
+                                  <p:childTnLst>
+                                    <p:set>
+                                      <p:cBhvr>
+                                        <p:cTn id="8" dur="1" fill="hold">
+                                          <p:stCondLst>
+                                            <p:cond delay="0"/>
+                                          </p:stCondLst>
+                                        </p:cTn>
+                                        <p:tgtEl>
+                                          <p:spTgt spid="5"/>
+                                        </p:tgtEl>
+                                        <p:attrNameLst>
+                                          <p:attrName>style.visibility</p:attrName>
+                                        </p:attrNameLst>
+                                      </p:cBhvr>
+                                      <p:to>
+                                        <p:strVal val="visible"/>
+                                      </p:to>
+                                    </p:set>
+                                  </p:childTnLst>
+                                </p:cTn>
+                              </p:par>
+                            </p:childTnLst>
+                          </p:cTn>
+                        </p:par>
+                      </p:childTnLst>
+                    </p:cTn>
+                  </p:par>
+                  <p:par>
+                    <p:cTn id="9" fill="hold">
+                      <p:stCondLst>
+                        <p:cond delay="indefinite"/>
+                      </p:stCondLst>
+                      <p:childTnLst>
+                        <p:par>
+                          <p:cTn id="10" fill="hold">
+                            <p:stCondLst>
+                              <p:cond delay="0"/>
+                            </p:stCondLst>
+                            <p:childTnLst>
+                              <p:par>
+                                <p:cTn id="11" presetID="1" presetClass="entr" presetSubtype="0" fill="hold" grpId="0" nodeType="clickEffect">
+                                  <p:stCondLst>
+                                    <p:cond delay="0"/>
+                                  </p:stCondLst>
+                                  <p:childTnLst>
+                                    <p:set>
+                                      <p:cBhvr>
+                                        <p:cTn id="12" dur="1" fill="hold">
+                                          <p:stCondLst>
+                                            <p:cond delay="0"/>
+                                          </p:stCondLst>
+                                        </p:cTn>
+                                        <p:tgtEl>
+                                          <p:spTgt spid="7"/>
+                                        </p:tgtEl>
+                                        <p:attrNameLst>
+                                          <p:attrName>style.visibility</p:attrName>
+                                        </p:attrNameLst>
+                                      </p:cBhvr>
+                                      <p:to>
+                                        <p:strVal val="visible"/>
+                                      </p:to>
+                                    </p:set>
+                                  </p:childTnLst>
+                                </p:cTn>
+                              </p:par>
+                            </p:childTnLst>
+                          </p:cTn>
+                        </p:par>
+                      </p:childTnLst>
+                    </p:cTn>
+                  </p:par>
+                </p:childTnLst>
+              </p:cTn>
+              <p:prevCondLst>
+                <p:cond evt="onPrev" delay="0">
+                  <p:tgtEl>
+                    <p:sldTgt/>
+                  </p:tgtEl>
+                </p:cond>
+              </p:prevCondLst>
+              <p:nextCondLst>
+                <p:cond evt="onNext" delay="0">
+                  <p:tgtEl>
+                    <p:sldTgt/>
+                  </p:tgtEl>
+                </p:cond>
+              </p:nextCondLst>
+            </p:seq>
+          </p:childTnLst>
+        </p:cTn>
+      </p:par>
+    </p:tnLst>
+    <p:bldLst>
+      <p:bldP spid="5" grpId="0" animBg="1"/>
+      <p:bldP spid="6" grpId="0"/>
+      <p:bldP spid="7" grpId="0"/>
+    </p:bldLst>
+  </p:timing>
+</p:sld>
+</file>
+
+<file path=ppt/slides/slide3.xml><?xml version="1.0" encoding="utf-8"?>
+<p:sld xmlns:a="http://schemas.openxmlformats.org/drawingml/2006/main" xmlns:r="http://schemas.openxmlformats.org/officeDocument/2006/relationships" xmlns:p="http://schemas.openxmlformats.org/presentationml/2006/main">
+  <p:cSld>
+    <p:spTree>
+      <p:nvGrpSpPr>
+        <p:cNvPr id="1" name=""/>
+        <p:cNvGrpSpPr/>
+        <p:nvPr/>
+      </p:nvGrpSpPr>
+      <p:grpSpPr>
+        <a:xfrm>
+          <a:off x="0" y="0"/>
+          <a:ext cx="0" cy="0"/>
+          <a:chOff x="0" y="0"/>
+          <a:chExt cx="0" cy="0"/>
+        </a:xfrm>
+      </p:grpSpPr>
+      <p:sp>
+        <p:nvSpPr>
+          <p:cNvPr id="2" name="標題 1"/>
+          <p:cNvSpPr>
+            <a:spLocks noGrp="1"/>
+          </p:cNvSpPr>
+          <p:nvPr>
+            <p:ph type="title"/>
+          </p:nvPr>
+        </p:nvSpPr>
+        <p:spPr/>
+        <p:txBody>
+          <a:bodyPr/>
+          <a:lstStyle/>
+          <a:p>
+            <a:r>
+              <a:rPr lang="zh-TW" altLang="en-US" dirty="0" smtClean="0"/>
+              <a:t>開始安裝</a:t>
+            </a:r>
+            <a:endParaRPr lang="zh-TW" altLang="en-US" dirty="0"/>
+          </a:p>
+        </p:txBody>
+      </p:sp>
+      <p:sp>
+        <p:nvSpPr>
+          <p:cNvPr id="3" name="內容版面配置區 2"/>
+          <p:cNvSpPr>
+            <a:spLocks noGrp="1"/>
+          </p:cNvSpPr>
+          <p:nvPr>
+            <p:ph idx="1"/>
+          </p:nvPr>
+        </p:nvSpPr>
+        <p:spPr/>
+        <p:txBody>
+          <a:bodyPr/>
+          <a:lstStyle/>
+          <a:p>
+            <a:r>
+              <a:rPr lang="zh-TW" altLang="en-US" dirty="0" smtClean="0"/>
+              <a:t>執行剛剛下載的：</a:t>
+            </a:r>
+            <a:r>
+              <a:rPr lang="en-US" altLang="zh-TW" dirty="0" smtClean="0"/>
+              <a:t>Anaconda3-2020.11-Windows-x86_64.exe</a:t>
+            </a:r>
+          </a:p>
+          <a:p>
+            <a:endParaRPr lang="zh-TW" altLang="en-US" dirty="0"/>
+          </a:p>
+        </p:txBody>
+      </p:sp>
+      <p:pic>
+        <p:nvPicPr>
+          <p:cNvPr id="5" name="圖片 4"/>
+          <p:cNvPicPr>
+            <a:picLocks noChangeAspect="1"/>
+          </p:cNvPicPr>
+          <p:nvPr/>
+        </p:nvPicPr>
+        <p:blipFill>
+          <a:blip r:embed="rId2"/>
+          <a:stretch>
+            <a:fillRect/>
+          </a:stretch>
+        </p:blipFill>
+        <p:spPr>
+          <a:xfrm>
+            <a:off x="677334" y="2980944"/>
+            <a:ext cx="3591056" cy="2798826"/>
+          </a:xfrm>
+          <a:prstGeom prst="rect">
+            <a:avLst/>
+          </a:prstGeom>
+          <a:ln>
+            <a:solidFill>
+              <a:schemeClr val="tx1"/>
+            </a:solidFill>
+          </a:ln>
+        </p:spPr>
+      </p:pic>
+      <p:sp>
+        <p:nvSpPr>
+          <p:cNvPr id="6" name="向右箭號 5"/>
+          <p:cNvSpPr/>
+          <p:nvPr/>
+        </p:nvSpPr>
+        <p:spPr>
+          <a:xfrm rot="1528218">
+            <a:off x="2528525" y="5384754"/>
+            <a:ext cx="516225" cy="202661"/>
+          </a:xfrm>
+          <a:prstGeom prst="rightArrow">
+            <a:avLst/>
+          </a:prstGeom>
+          <a:solidFill>
+            <a:srgbClr val="FF0000"/>
+          </a:solidFill>
+          <a:ln>
+            <a:solidFill>
+              <a:srgbClr val="FF0000"/>
+            </a:solidFill>
+          </a:ln>
+        </p:spPr>
+        <p:style>
+          <a:lnRef idx="2">
+            <a:schemeClr val="accent1">
+              <a:shade val="50000"/>
+            </a:schemeClr>
+          </a:lnRef>
+          <a:fillRef idx="1">
+            <a:schemeClr val="accent1"/>
+          </a:fillRef>
+          <a:effectRef idx="0">
+            <a:schemeClr val="accent1"/>
+          </a:effectRef>
+          <a:fontRef idx="minor">
+            <a:schemeClr val="lt1"/>
+          </a:fontRef>
+        </p:style>
+        <p:txBody>
+          <a:bodyPr rtlCol="0" anchor="ctr"/>
+          <a:lstStyle/>
+          <a:p>
+            <a:pPr algn="ctr"/>
+            <a:endParaRPr lang="zh-TW" altLang="en-US"/>
+          </a:p>
+        </p:txBody>
+      </p:sp>
+      <p:pic>
+        <p:nvPicPr>
+          <p:cNvPr id="7" name="圖片 6"/>
+          <p:cNvPicPr>
+            <a:picLocks noChangeAspect="1"/>
+          </p:cNvPicPr>
+          <p:nvPr/>
+        </p:nvPicPr>
+        <p:blipFill>
+          <a:blip r:embed="rId3"/>
+          <a:stretch>
+            <a:fillRect/>
+          </a:stretch>
+        </p:blipFill>
+        <p:spPr>
+          <a:xfrm>
+            <a:off x="4895941" y="2980944"/>
+            <a:ext cx="3607979" cy="2824897"/>
+          </a:xfrm>
+          <a:prstGeom prst="rect">
+            <a:avLst/>
+          </a:prstGeom>
+          <a:ln>
+            <a:solidFill>
+              <a:schemeClr val="tx1"/>
+            </a:solidFill>
+          </a:ln>
+        </p:spPr>
+      </p:pic>
+      <p:sp>
+        <p:nvSpPr>
+          <p:cNvPr id="8" name="向右箭號 7"/>
+          <p:cNvSpPr/>
+          <p:nvPr/>
+        </p:nvSpPr>
+        <p:spPr>
+          <a:xfrm rot="1528218">
+            <a:off x="6868878" y="5356650"/>
+            <a:ext cx="516225" cy="202661"/>
+          </a:xfrm>
+          <a:prstGeom prst="rightArrow">
+            <a:avLst/>
+          </a:prstGeom>
+          <a:solidFill>
+            <a:srgbClr val="FF0000"/>
+          </a:solidFill>
+          <a:ln>
+            <a:solidFill>
+              <a:srgbClr val="FF0000"/>
+            </a:solidFill>
+          </a:ln>
+        </p:spPr>
+        <p:style>
+          <a:lnRef idx="2">
+            <a:schemeClr val="accent1">
+              <a:shade val="50000"/>
+            </a:schemeClr>
+          </a:lnRef>
+          <a:fillRef idx="1">
+            <a:schemeClr val="accent1"/>
+          </a:fillRef>
+          <a:effectRef idx="0">
+            <a:schemeClr val="accent1"/>
+          </a:effectRef>
+          <a:fontRef idx="minor">
+            <a:schemeClr val="lt1"/>
+          </a:fontRef>
+        </p:style>
+        <p:txBody>
+          <a:bodyPr rtlCol="0" anchor="ctr"/>
+          <a:lstStyle/>
+          <a:p>
+            <a:pPr algn="ctr"/>
+            <a:endParaRPr lang="zh-TW" altLang="en-US"/>
+          </a:p>
+        </p:txBody>
+      </p:sp>
+    </p:spTree>
+    <p:extLst>
+      <p:ext uri="{BB962C8B-B14F-4D97-AF65-F5344CB8AC3E}">
+        <p14:creationId xmlns:p14="http://schemas.microsoft.com/office/powerpoint/2010/main" val="535046285"/>
+      </p:ext>
+    </p:extLst>
+  </p:cSld>
+  <p:clrMapOvr>
+    <a:masterClrMapping/>
+  </p:clrMapOvr>
+</p:sld>
+</file>
+
+<file path=ppt/slides/slide4.xml><?xml version="1.0" encoding="utf-8"?>
+<p:sld xmlns:a="http://schemas.openxmlformats.org/drawingml/2006/main" xmlns:r="http://schemas.openxmlformats.org/officeDocument/2006/relationships" xmlns:p="http://schemas.openxmlformats.org/presentationml/2006/main">
+  <p:cSld>
+    <p:spTree>
+      <p:nvGrpSpPr>
+        <p:cNvPr id="1" name=""/>
+        <p:cNvGrpSpPr/>
+        <p:nvPr/>
+      </p:nvGrpSpPr>
+      <p:grpSpPr>
+        <a:xfrm>
+          <a:off x="0" y="0"/>
+          <a:ext cx="0" cy="0"/>
+          <a:chOff x="0" y="0"/>
+          <a:chExt cx="0" cy="0"/>
+        </a:xfrm>
+      </p:grpSpPr>
+      <p:sp>
+        <p:nvSpPr>
+          <p:cNvPr id="2" name="標題 1"/>
+          <p:cNvSpPr>
+            <a:spLocks noGrp="1"/>
+          </p:cNvSpPr>
+          <p:nvPr>
+            <p:ph type="title"/>
+          </p:nvPr>
+        </p:nvSpPr>
+        <p:spPr/>
+        <p:txBody>
+          <a:bodyPr/>
+          <a:lstStyle/>
+          <a:p>
+            <a:r>
+              <a:rPr lang="zh-TW" altLang="en-US" dirty="0" smtClean="0"/>
+              <a:t>安裝前的步驟</a:t>
+            </a:r>
+            <a:endParaRPr lang="zh-TW" altLang="en-US" dirty="0"/>
+          </a:p>
+        </p:txBody>
+      </p:sp>
+      <p:sp>
+        <p:nvSpPr>
+          <p:cNvPr id="3" name="內容版面配置區 2"/>
+          <p:cNvSpPr>
+            <a:spLocks noGrp="1"/>
+          </p:cNvSpPr>
+          <p:nvPr>
+            <p:ph idx="1"/>
+          </p:nvPr>
+        </p:nvSpPr>
+        <p:spPr/>
+        <p:txBody>
+          <a:bodyPr/>
+          <a:lstStyle/>
+          <a:p>
+            <a:r>
+              <a:rPr lang="en-US" altLang="zh-TW" dirty="0" smtClean="0"/>
+              <a:t>Next</a:t>
+            </a:r>
+            <a:r>
+              <a:rPr lang="zh-TW" altLang="en-US" dirty="0" smtClean="0"/>
+              <a:t>大法</a:t>
+            </a:r>
+            <a:r>
+              <a:rPr lang="en-US" altLang="zh-TW" dirty="0" smtClean="0"/>
+              <a:t>………</a:t>
+            </a:r>
+            <a:endParaRPr lang="zh-TW" altLang="en-US" dirty="0"/>
+          </a:p>
+        </p:txBody>
+      </p:sp>
+      <p:pic>
+        <p:nvPicPr>
+          <p:cNvPr id="4" name="圖片 3"/>
+          <p:cNvPicPr>
+            <a:picLocks noChangeAspect="1"/>
+          </p:cNvPicPr>
+          <p:nvPr/>
+        </p:nvPicPr>
+        <p:blipFill>
+          <a:blip r:embed="rId2"/>
+          <a:stretch>
+            <a:fillRect/>
+          </a:stretch>
+        </p:blipFill>
+        <p:spPr>
+          <a:xfrm>
+            <a:off x="824674" y="2742004"/>
+            <a:ext cx="3994213" cy="3109460"/>
+          </a:xfrm>
+          <a:prstGeom prst="rect">
+            <a:avLst/>
+          </a:prstGeom>
+          <a:ln>
+            <a:solidFill>
+              <a:schemeClr val="tx1"/>
+            </a:solidFill>
+          </a:ln>
+        </p:spPr>
+      </p:pic>
+      <p:pic>
+        <p:nvPicPr>
+          <p:cNvPr id="5" name="圖片 4"/>
+          <p:cNvPicPr>
+            <a:picLocks noChangeAspect="1"/>
+          </p:cNvPicPr>
+          <p:nvPr/>
+        </p:nvPicPr>
+        <p:blipFill>
+          <a:blip r:embed="rId3"/>
+          <a:stretch>
+            <a:fillRect/>
+          </a:stretch>
+        </p:blipFill>
+        <p:spPr>
+          <a:xfrm>
+            <a:off x="5302485" y="2742004"/>
+            <a:ext cx="3987802" cy="3109460"/>
+          </a:xfrm>
+          <a:prstGeom prst="rect">
+            <a:avLst/>
+          </a:prstGeom>
+          <a:ln>
+            <a:solidFill>
+              <a:schemeClr val="tx1"/>
+            </a:solidFill>
+          </a:ln>
+        </p:spPr>
+      </p:pic>
+      <p:sp>
+        <p:nvSpPr>
+          <p:cNvPr id="6" name="向右箭號 5"/>
+          <p:cNvSpPr/>
+          <p:nvPr/>
+        </p:nvSpPr>
+        <p:spPr>
+          <a:xfrm rot="1528218">
+            <a:off x="3077165" y="5329891"/>
+            <a:ext cx="516225" cy="202661"/>
+          </a:xfrm>
+          <a:prstGeom prst="rightArrow">
+            <a:avLst/>
+          </a:prstGeom>
+          <a:solidFill>
+            <a:srgbClr val="FF0000"/>
+          </a:solidFill>
+          <a:ln>
+            <a:solidFill>
+              <a:srgbClr val="FF0000"/>
+            </a:solidFill>
+          </a:ln>
+        </p:spPr>
+        <p:style>
+          <a:lnRef idx="2">
+            <a:schemeClr val="accent1">
+              <a:shade val="50000"/>
+            </a:schemeClr>
+          </a:lnRef>
+          <a:fillRef idx="1">
+            <a:schemeClr val="accent1"/>
+          </a:fillRef>
+          <a:effectRef idx="0">
+            <a:schemeClr val="accent1"/>
+          </a:effectRef>
+          <a:fontRef idx="minor">
+            <a:schemeClr val="lt1"/>
+          </a:fontRef>
+        </p:style>
+        <p:txBody>
+          <a:bodyPr rtlCol="0" anchor="ctr"/>
+          <a:lstStyle/>
+          <a:p>
+            <a:pPr algn="ctr"/>
+            <a:endParaRPr lang="zh-TW" altLang="en-US"/>
+          </a:p>
+        </p:txBody>
+      </p:sp>
+      <p:sp>
+        <p:nvSpPr>
+          <p:cNvPr id="7" name="向右箭號 6"/>
+          <p:cNvSpPr/>
+          <p:nvPr/>
+        </p:nvSpPr>
+        <p:spPr>
+          <a:xfrm rot="1528218">
+            <a:off x="7499813" y="5329891"/>
+            <a:ext cx="516225" cy="202661"/>
+          </a:xfrm>
+          <a:prstGeom prst="rightArrow">
+            <a:avLst/>
+          </a:prstGeom>
+          <a:solidFill>
+            <a:srgbClr val="FF0000"/>
+          </a:solidFill>
+          <a:ln>
+            <a:solidFill>
+              <a:srgbClr val="FF0000"/>
+            </a:solidFill>
+          </a:ln>
+        </p:spPr>
+        <p:style>
+          <a:lnRef idx="2">
+            <a:schemeClr val="accent1">
+              <a:shade val="50000"/>
+            </a:schemeClr>
+          </a:lnRef>
+          <a:fillRef idx="1">
+            <a:schemeClr val="accent1"/>
+          </a:fillRef>
+          <a:effectRef idx="0">
+            <a:schemeClr val="accent1"/>
+          </a:effectRef>
+          <a:fontRef idx="minor">
+            <a:schemeClr val="lt1"/>
+          </a:fontRef>
+        </p:style>
+        <p:txBody>
+          <a:bodyPr rtlCol="0" anchor="ctr"/>
+          <a:lstStyle/>
+          <a:p>
+            <a:pPr algn="ctr"/>
+            <a:endParaRPr lang="zh-TW" altLang="en-US"/>
+          </a:p>
+        </p:txBody>
+      </p:sp>
+    </p:spTree>
+    <p:extLst>
+      <p:ext uri="{BB962C8B-B14F-4D97-AF65-F5344CB8AC3E}">
+        <p14:creationId xmlns:p14="http://schemas.microsoft.com/office/powerpoint/2010/main" val="764458436"/>
+      </p:ext>
+    </p:extLst>
+  </p:cSld>
+  <p:clrMapOvr>
+    <a:masterClrMapping/>
+  </p:clrMapOvr>
+</p:sld>
+</file>
+
+<file path=ppt/slides/slide5.xml><?xml version="1.0" encoding="utf-8"?>
+<p:sld xmlns:a="http://schemas.openxmlformats.org/drawingml/2006/main" xmlns:r="http://schemas.openxmlformats.org/officeDocument/2006/relationships" xmlns:p="http://schemas.openxmlformats.org/presentationml/2006/main">
+  <p:cSld>
+    <p:spTree>
+      <p:nvGrpSpPr>
+        <p:cNvPr id="1" name=""/>
+        <p:cNvGrpSpPr/>
+        <p:nvPr/>
+      </p:nvGrpSpPr>
+      <p:grpSpPr>
+        <a:xfrm>
+          <a:off x="0" y="0"/>
+          <a:ext cx="0" cy="0"/>
+          <a:chOff x="0" y="0"/>
+          <a:chExt cx="0" cy="0"/>
+        </a:xfrm>
+      </p:grpSpPr>
+      <p:sp>
+        <p:nvSpPr>
+          <p:cNvPr id="2" name="標題 1"/>
+          <p:cNvSpPr>
+            <a:spLocks noGrp="1"/>
+          </p:cNvSpPr>
+          <p:nvPr>
+            <p:ph type="title"/>
+          </p:nvPr>
+        </p:nvSpPr>
+        <p:spPr/>
+        <p:txBody>
+          <a:bodyPr/>
+          <a:lstStyle/>
+          <a:p>
+            <a:r>
+              <a:rPr lang="zh-TW" altLang="en-US" dirty="0" smtClean="0"/>
+              <a:t>開始安裝</a:t>
+            </a:r>
+            <a:endParaRPr lang="zh-TW" altLang="en-US" dirty="0"/>
+          </a:p>
+        </p:txBody>
+      </p:sp>
+      <p:sp>
+        <p:nvSpPr>
+          <p:cNvPr id="3" name="內容版面配置區 2"/>
+          <p:cNvSpPr>
+            <a:spLocks noGrp="1"/>
+          </p:cNvSpPr>
+          <p:nvPr>
+            <p:ph idx="1"/>
+          </p:nvPr>
+        </p:nvSpPr>
+        <p:spPr/>
+        <p:txBody>
+          <a:bodyPr/>
+          <a:lstStyle/>
+          <a:p>
+            <a:r>
+              <a:rPr lang="zh-TW" altLang="en-US" dirty="0" smtClean="0"/>
+              <a:t>一路</a:t>
+            </a:r>
+            <a:r>
+              <a:rPr lang="en-US" altLang="zh-TW" dirty="0" smtClean="0"/>
+              <a:t>Next</a:t>
+            </a:r>
+            <a:r>
+              <a:rPr lang="zh-TW" altLang="en-US" dirty="0" smtClean="0"/>
+              <a:t>大法，選預設值即可開始安裝。</a:t>
+            </a:r>
+            <a:endParaRPr lang="en-US" altLang="zh-TW" dirty="0" smtClean="0"/>
+          </a:p>
+          <a:p>
+            <a:endParaRPr lang="zh-TW" altLang="en-US" dirty="0"/>
+          </a:p>
+        </p:txBody>
+      </p:sp>
+      <p:pic>
+        <p:nvPicPr>
+          <p:cNvPr id="4" name="圖片 3"/>
+          <p:cNvPicPr>
+            <a:picLocks noChangeAspect="1"/>
+          </p:cNvPicPr>
+          <p:nvPr/>
+        </p:nvPicPr>
+        <p:blipFill>
+          <a:blip r:embed="rId2"/>
+          <a:stretch>
+            <a:fillRect/>
+          </a:stretch>
+        </p:blipFill>
+        <p:spPr>
+          <a:xfrm>
+            <a:off x="585893" y="2703800"/>
+            <a:ext cx="4298061" cy="3337561"/>
+          </a:xfrm>
+          <a:prstGeom prst="rect">
+            <a:avLst/>
+          </a:prstGeom>
+          <a:ln>
+            <a:solidFill>
+              <a:schemeClr val="tx1"/>
+            </a:solidFill>
+          </a:ln>
+        </p:spPr>
+      </p:pic>
+      <p:pic>
+        <p:nvPicPr>
+          <p:cNvPr id="5" name="圖片 4"/>
+          <p:cNvPicPr>
+            <a:picLocks noChangeAspect="1"/>
+          </p:cNvPicPr>
+          <p:nvPr/>
+        </p:nvPicPr>
+        <p:blipFill>
+          <a:blip r:embed="rId3"/>
+          <a:stretch>
+            <a:fillRect/>
+          </a:stretch>
+        </p:blipFill>
+        <p:spPr>
+          <a:xfrm>
+            <a:off x="5213412" y="2703799"/>
+            <a:ext cx="4285264" cy="3337561"/>
+          </a:xfrm>
+          <a:prstGeom prst="rect">
+            <a:avLst/>
+          </a:prstGeom>
+          <a:ln>
+            <a:solidFill>
+              <a:schemeClr val="tx1"/>
+            </a:solidFill>
+          </a:ln>
+        </p:spPr>
+      </p:pic>
+      <p:sp>
+        <p:nvSpPr>
+          <p:cNvPr id="6" name="向右箭號 5"/>
+          <p:cNvSpPr/>
+          <p:nvPr/>
+        </p:nvSpPr>
+        <p:spPr>
+          <a:xfrm rot="1528218">
+            <a:off x="2967436" y="5535068"/>
+            <a:ext cx="516225" cy="202661"/>
+          </a:xfrm>
+          <a:prstGeom prst="rightArrow">
+            <a:avLst/>
+          </a:prstGeom>
+          <a:solidFill>
+            <a:srgbClr val="FF0000"/>
+          </a:solidFill>
+          <a:ln>
+            <a:solidFill>
+              <a:srgbClr val="FF0000"/>
+            </a:solidFill>
+          </a:ln>
+        </p:spPr>
+        <p:style>
+          <a:lnRef idx="2">
+            <a:schemeClr val="accent1">
+              <a:shade val="50000"/>
+            </a:schemeClr>
+          </a:lnRef>
+          <a:fillRef idx="1">
+            <a:schemeClr val="accent1"/>
+          </a:fillRef>
+          <a:effectRef idx="0">
+            <a:schemeClr val="accent1"/>
+          </a:effectRef>
+          <a:fontRef idx="minor">
+            <a:schemeClr val="lt1"/>
+          </a:fontRef>
+        </p:style>
+        <p:txBody>
+          <a:bodyPr rtlCol="0" anchor="ctr"/>
+          <a:lstStyle/>
+          <a:p>
+            <a:pPr algn="ctr"/>
+            <a:endParaRPr lang="zh-TW" altLang="en-US"/>
+          </a:p>
+        </p:txBody>
+      </p:sp>
+    </p:spTree>
+    <p:extLst>
+      <p:ext uri="{BB962C8B-B14F-4D97-AF65-F5344CB8AC3E}">
+        <p14:creationId xmlns:p14="http://schemas.microsoft.com/office/powerpoint/2010/main" val="369454334"/>
+      </p:ext>
+    </p:extLst>
+  </p:cSld>
+  <p:clrMapOvr>
+    <a:masterClrMapping/>
+  </p:clrMapOvr>
+</p:sld>
+</file>
+
+<file path=ppt/slides/slide6.xml><?xml version="1.0" encoding="utf-8"?>
+<p:sld xmlns:a="http://schemas.openxmlformats.org/drawingml/2006/main" xmlns:r="http://schemas.openxmlformats.org/officeDocument/2006/relationships" xmlns:p="http://schemas.openxmlformats.org/presentationml/2006/main">
+  <p:cSld>
+    <p:spTree>
+      <p:nvGrpSpPr>
+        <p:cNvPr id="1" name=""/>
+        <p:cNvGrpSpPr/>
+        <p:nvPr/>
+      </p:nvGrpSpPr>
+      <p:grpSpPr>
+        <a:xfrm>
+          <a:off x="0" y="0"/>
+          <a:ext cx="0" cy="0"/>
+          <a:chOff x="0" y="0"/>
+          <a:chExt cx="0" cy="0"/>
+        </a:xfrm>
+      </p:grpSpPr>
+      <p:sp>
+        <p:nvSpPr>
+          <p:cNvPr id="2" name="標題 1"/>
+          <p:cNvSpPr>
+            <a:spLocks noGrp="1"/>
+          </p:cNvSpPr>
+          <p:nvPr>
+            <p:ph type="title"/>
+          </p:nvPr>
+        </p:nvSpPr>
+        <p:spPr/>
+        <p:txBody>
+          <a:bodyPr/>
+          <a:lstStyle/>
+          <a:p>
+            <a:r>
+              <a:rPr lang="zh-TW" altLang="en-US" dirty="0" smtClean="0"/>
+              <a:t>安裝完成</a:t>
+            </a:r>
+            <a:endParaRPr lang="zh-TW" altLang="en-US" dirty="0"/>
+          </a:p>
+        </p:txBody>
+      </p:sp>
+      <p:sp>
+        <p:nvSpPr>
+          <p:cNvPr id="3" name="內容版面配置區 2"/>
+          <p:cNvSpPr>
+            <a:spLocks noGrp="1"/>
+          </p:cNvSpPr>
+          <p:nvPr>
+            <p:ph idx="1"/>
+          </p:nvPr>
+        </p:nvSpPr>
+        <p:spPr/>
+        <p:txBody>
+          <a:bodyPr/>
+          <a:lstStyle/>
+          <a:p>
+            <a:r>
+              <a:rPr lang="zh-TW" altLang="en-US" dirty="0" smtClean="0"/>
+              <a:t>還是要按</a:t>
+            </a:r>
+            <a:r>
+              <a:rPr lang="en-US" altLang="zh-TW" dirty="0" smtClean="0"/>
+              <a:t>Next…..</a:t>
+            </a:r>
+            <a:r>
+              <a:rPr lang="zh-TW" altLang="en-US" dirty="0" smtClean="0"/>
+              <a:t>，然後又蹦出要安裝另一套</a:t>
+            </a:r>
+            <a:r>
+              <a:rPr lang="en-US" altLang="zh-TW" dirty="0" smtClean="0"/>
+              <a:t>…..</a:t>
+            </a:r>
+            <a:endParaRPr lang="zh-TW" altLang="en-US" dirty="0"/>
+          </a:p>
+        </p:txBody>
+      </p:sp>
+      <p:pic>
+        <p:nvPicPr>
+          <p:cNvPr id="4" name="圖片 3"/>
+          <p:cNvPicPr>
+            <a:picLocks noChangeAspect="1"/>
+          </p:cNvPicPr>
+          <p:nvPr/>
+        </p:nvPicPr>
+        <p:blipFill>
+          <a:blip r:embed="rId2"/>
+          <a:stretch>
+            <a:fillRect/>
+          </a:stretch>
+        </p:blipFill>
+        <p:spPr>
+          <a:xfrm>
+            <a:off x="677334" y="2631096"/>
+            <a:ext cx="4168986" cy="3249258"/>
+          </a:xfrm>
+          <a:prstGeom prst="rect">
+            <a:avLst/>
+          </a:prstGeom>
+          <a:ln>
+            <a:solidFill>
+              <a:schemeClr val="tx1"/>
+            </a:solidFill>
+          </a:ln>
+        </p:spPr>
+      </p:pic>
+      <p:sp>
+        <p:nvSpPr>
+          <p:cNvPr id="5" name="向右箭號 4"/>
+          <p:cNvSpPr/>
+          <p:nvPr/>
+        </p:nvSpPr>
+        <p:spPr>
+          <a:xfrm rot="1528218">
+            <a:off x="3004013" y="5384755"/>
+            <a:ext cx="516225" cy="202661"/>
+          </a:xfrm>
+          <a:prstGeom prst="rightArrow">
+            <a:avLst/>
+          </a:prstGeom>
+          <a:solidFill>
+            <a:srgbClr val="FF0000"/>
+          </a:solidFill>
+          <a:ln>
+            <a:solidFill>
+              <a:srgbClr val="FF0000"/>
+            </a:solidFill>
+          </a:ln>
+        </p:spPr>
+        <p:style>
+          <a:lnRef idx="2">
+            <a:schemeClr val="accent1">
+              <a:shade val="50000"/>
+            </a:schemeClr>
+          </a:lnRef>
+          <a:fillRef idx="1">
+            <a:schemeClr val="accent1"/>
+          </a:fillRef>
+          <a:effectRef idx="0">
+            <a:schemeClr val="accent1"/>
+          </a:effectRef>
+          <a:fontRef idx="minor">
+            <a:schemeClr val="lt1"/>
+          </a:fontRef>
+        </p:style>
+        <p:txBody>
+          <a:bodyPr rtlCol="0" anchor="ctr"/>
+          <a:lstStyle/>
+          <a:p>
+            <a:pPr algn="ctr"/>
+            <a:endParaRPr lang="zh-TW" altLang="en-US"/>
+          </a:p>
+        </p:txBody>
+      </p:sp>
+      <p:pic>
+        <p:nvPicPr>
+          <p:cNvPr id="6" name="圖片 5"/>
+          <p:cNvPicPr>
+            <a:picLocks noChangeAspect="1"/>
+          </p:cNvPicPr>
+          <p:nvPr/>
+        </p:nvPicPr>
+        <p:blipFill>
+          <a:blip r:embed="rId3"/>
+          <a:stretch>
+            <a:fillRect/>
+          </a:stretch>
+        </p:blipFill>
+        <p:spPr>
+          <a:xfrm>
+            <a:off x="5159311" y="2680039"/>
+            <a:ext cx="4114691" cy="3200315"/>
+          </a:xfrm>
+          <a:prstGeom prst="rect">
+            <a:avLst/>
+          </a:prstGeom>
+          <a:ln>
+            <a:solidFill>
+              <a:schemeClr val="tx1"/>
+            </a:solidFill>
+          </a:ln>
+        </p:spPr>
+      </p:pic>
+      <p:sp>
+        <p:nvSpPr>
+          <p:cNvPr id="7" name="向右箭號 6"/>
+          <p:cNvSpPr/>
+          <p:nvPr/>
+        </p:nvSpPr>
+        <p:spPr>
+          <a:xfrm rot="1528218">
+            <a:off x="7435805" y="5384753"/>
+            <a:ext cx="516225" cy="202661"/>
+          </a:xfrm>
+          <a:prstGeom prst="rightArrow">
+            <a:avLst/>
+          </a:prstGeom>
+          <a:solidFill>
+            <a:srgbClr val="FF0000"/>
+          </a:solidFill>
+          <a:ln>
+            <a:solidFill>
+              <a:srgbClr val="FF0000"/>
+            </a:solidFill>
+          </a:ln>
+        </p:spPr>
+        <p:style>
+          <a:lnRef idx="2">
+            <a:schemeClr val="accent1">
+              <a:shade val="50000"/>
+            </a:schemeClr>
+          </a:lnRef>
+          <a:fillRef idx="1">
+            <a:schemeClr val="accent1"/>
+          </a:fillRef>
+          <a:effectRef idx="0">
+            <a:schemeClr val="accent1"/>
+          </a:effectRef>
+          <a:fontRef idx="minor">
+            <a:schemeClr val="lt1"/>
+          </a:fontRef>
+        </p:style>
+        <p:txBody>
+          <a:bodyPr rtlCol="0" anchor="ctr"/>
+          <a:lstStyle/>
+          <a:p>
+            <a:pPr algn="ctr"/>
+            <a:endParaRPr lang="zh-TW" altLang="en-US"/>
+          </a:p>
+        </p:txBody>
+      </p:sp>
+    </p:spTree>
+    <p:extLst>
+      <p:ext uri="{BB962C8B-B14F-4D97-AF65-F5344CB8AC3E}">
+        <p14:creationId xmlns:p14="http://schemas.microsoft.com/office/powerpoint/2010/main" val="703526677"/>
+      </p:ext>
+    </p:extLst>
+  </p:cSld>
+  <p:clrMapOvr>
+    <a:masterClrMapping/>
+  </p:clrMapOvr>
+</p:sld>
+</file>
+
+<file path=ppt/slides/slide7.xml><?xml version="1.0" encoding="utf-8"?>
+<p:sld xmlns:a="http://schemas.openxmlformats.org/drawingml/2006/main" xmlns:r="http://schemas.openxmlformats.org/officeDocument/2006/relationships" xmlns:p="http://schemas.openxmlformats.org/presentationml/2006/main">
+  <p:cSld>
+    <p:spTree>
+      <p:nvGrpSpPr>
+        <p:cNvPr id="1" name=""/>
+        <p:cNvGrpSpPr/>
+        <p:nvPr/>
+      </p:nvGrpSpPr>
+      <p:grpSpPr>
+        <a:xfrm>
+          <a:off x="0" y="0"/>
+          <a:ext cx="0" cy="0"/>
+          <a:chOff x="0" y="0"/>
+          <a:chExt cx="0" cy="0"/>
+        </a:xfrm>
+      </p:grpSpPr>
+      <p:sp>
+        <p:nvSpPr>
+          <p:cNvPr id="2" name="標題 1"/>
+          <p:cNvSpPr>
+            <a:spLocks noGrp="1"/>
+          </p:cNvSpPr>
+          <p:nvPr>
+            <p:ph type="title"/>
+          </p:nvPr>
+        </p:nvSpPr>
+        <p:spPr/>
+        <p:txBody>
+          <a:bodyPr/>
+          <a:lstStyle/>
+          <a:p>
+            <a:r>
+              <a:rPr lang="zh-TW" altLang="en-US" dirty="0" smtClean="0"/>
+              <a:t>真的安裝完了</a:t>
+            </a:r>
+            <a:endParaRPr lang="zh-TW" altLang="en-US" dirty="0"/>
+          </a:p>
+        </p:txBody>
+      </p:sp>
+      <p:sp>
+        <p:nvSpPr>
+          <p:cNvPr id="3" name="內容版面配置區 2"/>
+          <p:cNvSpPr>
+            <a:spLocks noGrp="1"/>
+          </p:cNvSpPr>
+          <p:nvPr>
+            <p:ph idx="1"/>
+          </p:nvPr>
+        </p:nvSpPr>
+        <p:spPr/>
+        <p:txBody>
+          <a:bodyPr/>
+          <a:lstStyle/>
+          <a:p>
+            <a:r>
+              <a:rPr lang="zh-TW" altLang="en-US" dirty="0" smtClean="0"/>
+              <a:t>按下</a:t>
+            </a:r>
+            <a:r>
+              <a:rPr lang="en-US" altLang="zh-TW" dirty="0" smtClean="0"/>
+              <a:t>Finish</a:t>
+            </a:r>
+            <a:r>
+              <a:rPr lang="zh-TW" altLang="en-US" dirty="0" smtClean="0"/>
+              <a:t>，真的安裝完成</a:t>
+            </a:r>
+            <a:endParaRPr lang="zh-TW" altLang="en-US" dirty="0"/>
+          </a:p>
+        </p:txBody>
+      </p:sp>
+      <p:pic>
+        <p:nvPicPr>
+          <p:cNvPr id="4" name="圖片 3"/>
+          <p:cNvPicPr>
+            <a:picLocks noChangeAspect="1"/>
+          </p:cNvPicPr>
+          <p:nvPr/>
+        </p:nvPicPr>
+        <p:blipFill>
+          <a:blip r:embed="rId2"/>
+          <a:stretch>
+            <a:fillRect/>
+          </a:stretch>
+        </p:blipFill>
+        <p:spPr>
+          <a:xfrm>
+            <a:off x="885251" y="2868667"/>
+            <a:ext cx="4387189" cy="3402883"/>
+          </a:xfrm>
+          <a:prstGeom prst="rect">
+            <a:avLst/>
+          </a:prstGeom>
+          <a:ln>
+            <a:solidFill>
+              <a:schemeClr val="tx1"/>
+            </a:solidFill>
+          </a:ln>
+        </p:spPr>
+      </p:pic>
+      <p:sp>
+        <p:nvSpPr>
+          <p:cNvPr id="5" name="向右箭號 4"/>
+          <p:cNvSpPr/>
+          <p:nvPr/>
+        </p:nvSpPr>
+        <p:spPr>
+          <a:xfrm rot="1528218">
+            <a:off x="3324053" y="5737551"/>
+            <a:ext cx="516225" cy="202661"/>
+          </a:xfrm>
+          <a:prstGeom prst="rightArrow">
+            <a:avLst/>
+          </a:prstGeom>
+          <a:solidFill>
+            <a:srgbClr val="FF0000"/>
+          </a:solidFill>
+          <a:ln>
+            <a:solidFill>
+              <a:srgbClr val="FF0000"/>
+            </a:solidFill>
+          </a:ln>
+        </p:spPr>
+        <p:style>
+          <a:lnRef idx="2">
+            <a:schemeClr val="accent1">
+              <a:shade val="50000"/>
+            </a:schemeClr>
+          </a:lnRef>
+          <a:fillRef idx="1">
+            <a:schemeClr val="accent1"/>
+          </a:fillRef>
+          <a:effectRef idx="0">
+            <a:schemeClr val="accent1"/>
+          </a:effectRef>
+          <a:fontRef idx="minor">
+            <a:schemeClr val="lt1"/>
+          </a:fontRef>
+        </p:style>
+        <p:txBody>
+          <a:bodyPr rtlCol="0" anchor="ctr"/>
+          <a:lstStyle/>
+          <a:p>
+            <a:pPr algn="ctr"/>
+            <a:endParaRPr lang="zh-TW" altLang="en-US"/>
+          </a:p>
+        </p:txBody>
+      </p:sp>
+    </p:spTree>
+    <p:extLst>
+      <p:ext uri="{BB962C8B-B14F-4D97-AF65-F5344CB8AC3E}">
+        <p14:creationId xmlns:p14="http://schemas.microsoft.com/office/powerpoint/2010/main" val="1628337330"/>
+      </p:ext>
+    </p:extLst>
+  </p:cSld>
+  <p:clrMapOvr>
+    <a:masterClrMapping/>
+  </p:clrMapOvr>
+</p:sld>
+</file>
+
+<file path=ppt/slides/slide8.xml><?xml version="1.0" encoding="utf-8"?>
+<p:sld xmlns:a="http://schemas.openxmlformats.org/drawingml/2006/main" xmlns:r="http://schemas.openxmlformats.org/officeDocument/2006/relationships" xmlns:p="http://schemas.openxmlformats.org/presentationml/2006/main">
+  <p:cSld>
+    <p:spTree>
+      <p:nvGrpSpPr>
+        <p:cNvPr id="1" name=""/>
+        <p:cNvGrpSpPr/>
+        <p:nvPr/>
+      </p:nvGrpSpPr>
+      <p:grpSpPr>
+        <a:xfrm>
+          <a:off x="0" y="0"/>
+          <a:ext cx="0" cy="0"/>
+          <a:chOff x="0" y="0"/>
+          <a:chExt cx="0" cy="0"/>
+        </a:xfrm>
+      </p:grpSpPr>
+      <p:sp>
+        <p:nvSpPr>
+          <p:cNvPr id="2" name="標題 1"/>
+          <p:cNvSpPr>
+            <a:spLocks noGrp="1"/>
+          </p:cNvSpPr>
+          <p:nvPr>
+            <p:ph type="title"/>
+          </p:nvPr>
+        </p:nvSpPr>
+        <p:spPr/>
+        <p:txBody>
+          <a:bodyPr/>
+          <a:lstStyle/>
+          <a:p>
+            <a:r>
+              <a:rPr lang="zh-TW" altLang="en-US" dirty="0" smtClean="0"/>
+              <a:t>先開啟</a:t>
+            </a:r>
+            <a:r>
+              <a:rPr lang="en-US" altLang="zh-TW" dirty="0" smtClean="0"/>
+              <a:t>Anaconda navigator</a:t>
+            </a:r>
+            <a:endParaRPr lang="zh-TW" altLang="en-US" dirty="0"/>
+          </a:p>
+        </p:txBody>
+      </p:sp>
+      <p:sp>
+        <p:nvSpPr>
+          <p:cNvPr id="3" name="內容版面配置區 2"/>
+          <p:cNvSpPr>
+            <a:spLocks noGrp="1"/>
+          </p:cNvSpPr>
+          <p:nvPr>
+            <p:ph idx="1"/>
+          </p:nvPr>
+        </p:nvSpPr>
+        <p:spPr/>
+        <p:txBody>
+          <a:bodyPr/>
+          <a:lstStyle/>
+          <a:p>
+            <a:r>
+              <a:rPr lang="zh-TW" altLang="en-US" dirty="0" smtClean="0"/>
+              <a:t>點開</a:t>
+            </a:r>
+            <a:r>
+              <a:rPr lang="en-US" altLang="zh-TW" dirty="0" smtClean="0"/>
+              <a:t>Windows</a:t>
+            </a:r>
+            <a:r>
+              <a:rPr lang="zh-TW" altLang="en-US" dirty="0" smtClean="0"/>
+              <a:t>的開始</a:t>
+            </a:r>
+            <a:endParaRPr lang="en-US" altLang="zh-TW" dirty="0" smtClean="0"/>
+          </a:p>
+          <a:p>
+            <a:r>
+              <a:rPr lang="zh-TW" altLang="en-US" dirty="0"/>
+              <a:t>找到</a:t>
+            </a:r>
+            <a:r>
+              <a:rPr lang="en-US" altLang="zh-TW" dirty="0"/>
+              <a:t>Anaconda3(64bit</a:t>
+            </a:r>
+            <a:r>
+              <a:rPr lang="en-US" altLang="zh-TW" dirty="0" smtClean="0"/>
+              <a:t>)</a:t>
+            </a:r>
+          </a:p>
+          <a:p>
+            <a:r>
+              <a:rPr lang="zh-TW" altLang="en-US" dirty="0"/>
+              <a:t>點選裡面</a:t>
+            </a:r>
+            <a:r>
+              <a:rPr lang="zh-TW" altLang="en-US" dirty="0" smtClean="0"/>
+              <a:t>的</a:t>
+            </a:r>
+            <a:r>
+              <a:rPr lang="en-US" altLang="zh-TW" dirty="0" smtClean="0"/>
+              <a:t>Anaconda Navigator</a:t>
+            </a:r>
+          </a:p>
+        </p:txBody>
+      </p:sp>
+      <p:pic>
+        <p:nvPicPr>
+          <p:cNvPr id="4" name="圖片 3"/>
+          <p:cNvPicPr>
+            <a:picLocks noChangeAspect="1"/>
+          </p:cNvPicPr>
+          <p:nvPr/>
+        </p:nvPicPr>
+        <p:blipFill>
+          <a:blip r:embed="rId2"/>
+          <a:stretch>
+            <a:fillRect/>
+          </a:stretch>
+        </p:blipFill>
+        <p:spPr>
+          <a:xfrm>
+            <a:off x="5872286" y="2016333"/>
+            <a:ext cx="3401716" cy="4169283"/>
+          </a:xfrm>
+          <a:prstGeom prst="rect">
+            <a:avLst/>
+          </a:prstGeom>
+        </p:spPr>
+      </p:pic>
+      <p:sp>
+        <p:nvSpPr>
+          <p:cNvPr id="5" name="向右箭號 4"/>
+          <p:cNvSpPr/>
+          <p:nvPr/>
+        </p:nvSpPr>
+        <p:spPr>
+          <a:xfrm rot="1528218">
+            <a:off x="5445461" y="5751450"/>
+            <a:ext cx="516225" cy="202661"/>
+          </a:xfrm>
+          <a:prstGeom prst="rightArrow">
+            <a:avLst/>
+          </a:prstGeom>
+          <a:solidFill>
+            <a:srgbClr val="FF0000"/>
+          </a:solidFill>
+          <a:ln>
+            <a:solidFill>
+              <a:srgbClr val="FF0000"/>
+            </a:solidFill>
+          </a:ln>
+        </p:spPr>
+        <p:style>
+          <a:lnRef idx="2">
+            <a:schemeClr val="accent1">
+              <a:shade val="50000"/>
+            </a:schemeClr>
+          </a:lnRef>
+          <a:fillRef idx="1">
+            <a:schemeClr val="accent1"/>
+          </a:fillRef>
+          <a:effectRef idx="0">
+            <a:schemeClr val="accent1"/>
+          </a:effectRef>
+          <a:fontRef idx="minor">
+            <a:schemeClr val="lt1"/>
+          </a:fontRef>
+        </p:style>
+        <p:txBody>
+          <a:bodyPr rtlCol="0" anchor="ctr"/>
+          <a:lstStyle/>
+          <a:p>
+            <a:pPr algn="ctr"/>
+            <a:endParaRPr lang="zh-TW" altLang="en-US"/>
+          </a:p>
+        </p:txBody>
+      </p:sp>
+      <p:sp>
+        <p:nvSpPr>
+          <p:cNvPr id="6" name="向右箭號 5"/>
+          <p:cNvSpPr/>
+          <p:nvPr/>
+        </p:nvSpPr>
+        <p:spPr>
+          <a:xfrm rot="1528218">
+            <a:off x="6067253" y="3071323"/>
+            <a:ext cx="516225" cy="202661"/>
+          </a:xfrm>
+          <a:prstGeom prst="rightArrow">
+            <a:avLst/>
+          </a:prstGeom>
+          <a:solidFill>
+            <a:srgbClr val="FF0000"/>
+          </a:solidFill>
+          <a:ln>
+            <a:solidFill>
+              <a:srgbClr val="FF0000"/>
+            </a:solidFill>
+          </a:ln>
+        </p:spPr>
+        <p:style>
+          <a:lnRef idx="2">
+            <a:schemeClr val="accent1">
+              <a:shade val="50000"/>
+            </a:schemeClr>
+          </a:lnRef>
+          <a:fillRef idx="1">
+            <a:schemeClr val="accent1"/>
+          </a:fillRef>
+          <a:effectRef idx="0">
+            <a:schemeClr val="accent1"/>
+          </a:effectRef>
+          <a:fontRef idx="minor">
+            <a:schemeClr val="lt1"/>
+          </a:fontRef>
+        </p:style>
+        <p:txBody>
+          <a:bodyPr rtlCol="0" anchor="ctr"/>
+          <a:lstStyle/>
+          <a:p>
+            <a:pPr algn="ctr"/>
+            <a:endParaRPr lang="zh-TW" altLang="en-US"/>
+          </a:p>
+        </p:txBody>
+      </p:sp>
+      <p:sp>
+        <p:nvSpPr>
+          <p:cNvPr id="7" name="文字方塊 6"/>
+          <p:cNvSpPr txBox="1"/>
+          <p:nvPr/>
+        </p:nvSpPr>
+        <p:spPr>
+          <a:xfrm>
+            <a:off x="5267311" y="5816284"/>
+            <a:ext cx="319318" cy="369332"/>
+          </a:xfrm>
+          <a:prstGeom prst="rect">
+            <a:avLst/>
+          </a:prstGeom>
+          <a:noFill/>
+        </p:spPr>
+        <p:txBody>
+          <a:bodyPr wrap="none" rtlCol="0">
+            <a:spAutoFit/>
+          </a:bodyPr>
+          <a:lstStyle/>
+          <a:p>
+            <a:r>
+              <a:rPr lang="en-US" altLang="zh-TW" b="1" dirty="0" smtClean="0">
+                <a:solidFill>
+                  <a:srgbClr val="FF0000"/>
+                </a:solidFill>
+              </a:rPr>
+              <a:t>1</a:t>
+            </a:r>
+            <a:endParaRPr lang="zh-TW" altLang="en-US" b="1" dirty="0">
+              <a:solidFill>
+                <a:srgbClr val="FF0000"/>
+              </a:solidFill>
+            </a:endParaRPr>
+          </a:p>
+        </p:txBody>
+      </p:sp>
+      <p:sp>
+        <p:nvSpPr>
+          <p:cNvPr id="8" name="文字方塊 7"/>
+          <p:cNvSpPr txBox="1"/>
+          <p:nvPr/>
+        </p:nvSpPr>
+        <p:spPr>
+          <a:xfrm>
+            <a:off x="5820518" y="2739982"/>
+            <a:ext cx="319318" cy="369332"/>
+          </a:xfrm>
+          <a:prstGeom prst="rect">
+            <a:avLst/>
+          </a:prstGeom>
+          <a:noFill/>
+        </p:spPr>
+        <p:txBody>
+          <a:bodyPr wrap="none" rtlCol="0">
+            <a:spAutoFit/>
+          </a:bodyPr>
+          <a:lstStyle/>
+          <a:p>
+            <a:r>
+              <a:rPr lang="en-US" altLang="zh-TW" b="1" dirty="0" smtClean="0">
+                <a:solidFill>
+                  <a:srgbClr val="FF0000"/>
+                </a:solidFill>
+              </a:rPr>
+              <a:t>2</a:t>
+            </a:r>
+            <a:endParaRPr lang="zh-TW" altLang="en-US" b="1" dirty="0">
+              <a:solidFill>
+                <a:srgbClr val="FF0000"/>
+              </a:solidFill>
+            </a:endParaRPr>
+          </a:p>
+        </p:txBody>
+      </p:sp>
+    </p:spTree>
+    <p:extLst>
+      <p:ext uri="{BB962C8B-B14F-4D97-AF65-F5344CB8AC3E}">
+        <p14:creationId xmlns:p14="http://schemas.microsoft.com/office/powerpoint/2010/main" val="1985213539"/>
+      </p:ext>
+    </p:extLst>
+  </p:cSld>
+  <p:clrMapOvr>
+    <a:masterClrMapping/>
+  </p:clrMapOvr>
+</p:sld>
+</file>
+
 <file path=ppt/slides/slide9.xml><?xml version="1.0" encoding="utf-8"?>
 <p:sld xmlns:a="http://schemas.openxmlformats.org/drawingml/2006/main" xmlns:r="http://schemas.openxmlformats.org/officeDocument/2006/relationships" xmlns:p="http://schemas.openxmlformats.org/presentationml/2006/main">
   <p:cSld>
@@ -8759,19 +13232,12 @@
           <a:lstStyle/>
           <a:p>
             <a:r>
+              <a:rPr lang="en-US" altLang="zh-TW" dirty="0" smtClean="0"/>
+              <a:t>Anaconda Navigator</a:t>
+            </a:r>
+            <a:r>
               <a:rPr lang="zh-TW" altLang="en-US" dirty="0" smtClean="0"/>
-              <a:t>前世界重複開發率最高程式</a:t>
-            </a:r>
-            <a:r>
-              <a:rPr lang="en-US" altLang="zh-TW" dirty="0" smtClean="0"/>
-              <a:t/>
-            </a:r>
-            <a:br>
-              <a:rPr lang="en-US" altLang="zh-TW" dirty="0" smtClean="0"/>
-            </a:br>
-            <a:r>
-              <a:rPr lang="en-US" altLang="zh-TW" dirty="0" smtClean="0"/>
-              <a:t>Hello World!</a:t>
+              <a:t>執行畫面</a:t>
             </a:r>
             <a:endParaRPr lang="zh-TW" altLang="en-US" dirty="0"/>
           </a:p>
@@ -8792,80 +13258,43 @@
           <a:bodyPr/>
           <a:lstStyle/>
           <a:p>
-            <a:r>
-              <a:rPr lang="zh-TW" altLang="en-US" dirty="0"/>
-              <a:t>按照慣例</a:t>
-            </a:r>
-            <a:r>
-              <a:rPr lang="zh-TW" altLang="en-US" dirty="0" smtClean="0"/>
-              <a:t>，來個入門程式 </a:t>
-            </a:r>
-            <a:r>
-              <a:rPr lang="en-US" altLang="zh-TW" dirty="0" smtClean="0"/>
-              <a:t>Hello World</a:t>
-            </a:r>
-          </a:p>
-          <a:p>
-            <a:r>
-              <a:rPr lang="en-US" altLang="zh-TW" dirty="0" smtClean="0"/>
-              <a:t>Python</a:t>
-            </a:r>
-            <a:r>
-              <a:rPr lang="zh-TW" altLang="en-US" dirty="0" smtClean="0"/>
-              <a:t>寫的</a:t>
-            </a:r>
-            <a:r>
-              <a:rPr lang="en-US" altLang="zh-TW" dirty="0" smtClean="0"/>
-              <a:t>Hello world</a:t>
-            </a:r>
-            <a:r>
-              <a:rPr lang="zh-TW" altLang="en-US" dirty="0" smtClean="0"/>
-              <a:t>程式是最夭壽簡單的！</a:t>
-            </a:r>
-            <a:endParaRPr lang="en-US" altLang="zh-TW" dirty="0" smtClean="0"/>
-          </a:p>
-          <a:p>
-            <a:r>
-              <a:rPr lang="zh-TW" altLang="en-US" dirty="0"/>
-              <a:t>不必設定</a:t>
-            </a:r>
-            <a:r>
-              <a:rPr lang="zh-TW" altLang="en-US" dirty="0" smtClean="0"/>
-              <a:t>一堆</a:t>
-            </a:r>
-            <a:endParaRPr lang="en-US" altLang="zh-TW" dirty="0" smtClean="0"/>
-          </a:p>
-          <a:p>
-            <a:r>
-              <a:rPr lang="zh-TW" altLang="en-US" dirty="0"/>
-              <a:t>不必分好多</a:t>
-            </a:r>
-            <a:r>
-              <a:rPr lang="zh-TW" altLang="en-US" dirty="0" smtClean="0"/>
-              <a:t>步驟</a:t>
-            </a:r>
-            <a:endParaRPr lang="en-US" altLang="zh-TW" dirty="0" smtClean="0"/>
-          </a:p>
-          <a:p>
-            <a:r>
-              <a:rPr lang="zh-TW" altLang="en-US" dirty="0"/>
-              <a:t>幸福的新一代程式</a:t>
-            </a:r>
-            <a:r>
-              <a:rPr lang="zh-TW" altLang="en-US" dirty="0" smtClean="0"/>
-              <a:t>設計師！</a:t>
-            </a:r>
-            <a:endParaRPr lang="en-US" altLang="zh-TW" dirty="0" smtClean="0"/>
-          </a:p>
-          <a:p>
-            <a:endParaRPr lang="zh-TW" altLang="en-US" dirty="0"/>
-          </a:p>
-        </p:txBody>
-      </p:sp>
+            <a:endParaRPr lang="zh-TW" altLang="en-US"/>
+          </a:p>
+        </p:txBody>
+      </p:sp>
+      <p:pic>
+        <p:nvPicPr>
+          <p:cNvPr id="4" name="圖片 3"/>
+          <p:cNvPicPr>
+            <a:picLocks noChangeAspect="1"/>
+          </p:cNvPicPr>
+          <p:nvPr/>
+        </p:nvPicPr>
+        <p:blipFill>
+          <a:blip r:embed="rId2"/>
+          <a:stretch>
+            <a:fillRect/>
+          </a:stretch>
+        </p:blipFill>
+        <p:spPr>
+          <a:xfrm>
+            <a:off x="1098423" y="1690948"/>
+            <a:ext cx="6893433" cy="4963017"/>
+          </a:xfrm>
+          <a:prstGeom prst="rect">
+            <a:avLst/>
+          </a:prstGeom>
+          <a:ln>
+            <a:solidFill>
+              <a:schemeClr val="tx1"/>
+            </a:solidFill>
+          </a:ln>
+        </p:spPr>
+      </p:pic>
     </p:spTree>
     <p:extLst>
       <p:ext uri="{BB962C8B-B14F-4D97-AF65-F5344CB8AC3E}">
-        <p14:creationId xmlns:p14="http://schemas.microsoft.com/office/powerpoint/2010/main" val="2100728066"/>
+        <p14:creationId xmlns:p14="http://schemas.microsoft.com/office/powerpoint/2010/main" val="3104784519"/>
       </p:ext>
     </p:extLst>
   </p:cSld>

--- a/LCC/Python/00c_Spyder環境建置.pptx
+++ b/LCC/Python/00c_Spyder環境建置.pptx
@@ -892,7 +892,7 @@
             <a:fld id="{B61BEF0D-F0BB-DE4B-95CE-6DB70DBA9567}" type="datetimeFigureOut">
               <a:rPr lang="en-US" smtClean="0"/>
               <a:pPr/>
-              <a:t>1/21/2021</a:t>
+              <a:t>2/19/2021</a:t>
             </a:fld>
             <a:endParaRPr lang="en-US" dirty="0"/>
           </a:p>
@@ -1145,7 +1145,7 @@
             <a:fld id="{B61BEF0D-F0BB-DE4B-95CE-6DB70DBA9567}" type="datetimeFigureOut">
               <a:rPr lang="en-US" smtClean="0"/>
               <a:pPr/>
-              <a:t>1/21/2021</a:t>
+              <a:t>2/19/2021</a:t>
             </a:fld>
             <a:endParaRPr lang="en-US" dirty="0"/>
           </a:p>
@@ -1461,7 +1461,7 @@
             <a:fld id="{B61BEF0D-F0BB-DE4B-95CE-6DB70DBA9567}" type="datetimeFigureOut">
               <a:rPr lang="en-US" smtClean="0"/>
               <a:pPr/>
-              <a:t>1/21/2021</a:t>
+              <a:t>2/19/2021</a:t>
             </a:fld>
             <a:endParaRPr lang="en-US" dirty="0"/>
           </a:p>
@@ -1796,7 +1796,7 @@
             <a:fld id="{B61BEF0D-F0BB-DE4B-95CE-6DB70DBA9567}" type="datetimeFigureOut">
               <a:rPr lang="en-US" smtClean="0"/>
               <a:pPr/>
-              <a:t>1/21/2021</a:t>
+              <a:t>2/19/2021</a:t>
             </a:fld>
             <a:endParaRPr lang="en-US" dirty="0"/>
           </a:p>
@@ -2112,7 +2112,7 @@
             <a:fld id="{B61BEF0D-F0BB-DE4B-95CE-6DB70DBA9567}" type="datetimeFigureOut">
               <a:rPr lang="en-US" smtClean="0"/>
               <a:pPr/>
-              <a:t>1/21/2021</a:t>
+              <a:t>2/19/2021</a:t>
             </a:fld>
             <a:endParaRPr lang="en-US" dirty="0"/>
           </a:p>
@@ -2507,7 +2507,7 @@
             <a:fld id="{B61BEF0D-F0BB-DE4B-95CE-6DB70DBA9567}" type="datetimeFigureOut">
               <a:rPr lang="en-US" smtClean="0"/>
               <a:pPr/>
-              <a:t>1/21/2021</a:t>
+              <a:t>2/19/2021</a:t>
             </a:fld>
             <a:endParaRPr lang="en-US" dirty="0"/>
           </a:p>
@@ -2678,7 +2678,7 @@
           <a:p>
             <a:fld id="{55C6B4A9-1611-4792-9094-5F34BCA07E0B}" type="datetimeFigureOut">
               <a:rPr lang="en-US" smtClean="0"/>
-              <a:t>1/21/2021</a:t>
+              <a:t>2/19/2021</a:t>
             </a:fld>
             <a:endParaRPr lang="en-US" dirty="0"/>
           </a:p>
@@ -2859,7 +2859,7 @@
             <a:fld id="{B61BEF0D-F0BB-DE4B-95CE-6DB70DBA9567}" type="datetimeFigureOut">
               <a:rPr lang="en-US" smtClean="0"/>
               <a:pPr/>
-              <a:t>1/21/2021</a:t>
+              <a:t>2/19/2021</a:t>
             </a:fld>
             <a:endParaRPr lang="en-US" dirty="0"/>
           </a:p>
@@ -3031,7 +3031,7 @@
             <a:fld id="{B61BEF0D-F0BB-DE4B-95CE-6DB70DBA9567}" type="datetimeFigureOut">
               <a:rPr lang="en-US" smtClean="0"/>
               <a:pPr/>
-              <a:t>1/21/2021</a:t>
+              <a:t>2/19/2021</a:t>
             </a:fld>
             <a:endParaRPr lang="en-US" dirty="0"/>
           </a:p>
@@ -3280,7 +3280,7 @@
             <a:fld id="{B61BEF0D-F0BB-DE4B-95CE-6DB70DBA9567}" type="datetimeFigureOut">
               <a:rPr lang="en-US" smtClean="0"/>
               <a:pPr/>
-              <a:t>1/21/2021</a:t>
+              <a:t>2/19/2021</a:t>
             </a:fld>
             <a:endParaRPr lang="en-US" dirty="0"/>
           </a:p>
@@ -3513,7 +3513,7 @@
           <a:p>
             <a:fld id="{EB712588-04B1-427B-82EE-E8DB90309F08}" type="datetimeFigureOut">
               <a:rPr lang="en-US" smtClean="0"/>
-              <a:t>1/21/2021</a:t>
+              <a:t>2/19/2021</a:t>
             </a:fld>
             <a:endParaRPr lang="en-US" dirty="0"/>
           </a:p>
@@ -3888,7 +3888,7 @@
             <a:fld id="{B61BEF0D-F0BB-DE4B-95CE-6DB70DBA9567}" type="datetimeFigureOut">
               <a:rPr lang="en-US" smtClean="0"/>
               <a:pPr/>
-              <a:t>1/21/2021</a:t>
+              <a:t>2/19/2021</a:t>
             </a:fld>
             <a:endParaRPr lang="en-US" dirty="0"/>
           </a:p>
@@ -4013,7 +4013,7 @@
             <a:fld id="{B61BEF0D-F0BB-DE4B-95CE-6DB70DBA9567}" type="datetimeFigureOut">
               <a:rPr lang="en-US" smtClean="0"/>
               <a:pPr/>
-              <a:t>1/21/2021</a:t>
+              <a:t>2/19/2021</a:t>
             </a:fld>
             <a:endParaRPr lang="en-US" dirty="0"/>
           </a:p>
@@ -4110,7 +4110,7 @@
             <a:fld id="{B61BEF0D-F0BB-DE4B-95CE-6DB70DBA9567}" type="datetimeFigureOut">
               <a:rPr lang="en-US" smtClean="0"/>
               <a:pPr/>
-              <a:t>1/21/2021</a:t>
+              <a:t>2/19/2021</a:t>
             </a:fld>
             <a:endParaRPr lang="en-US" dirty="0"/>
           </a:p>
@@ -4366,7 +4366,7 @@
           <a:p>
             <a:fld id="{42A54C80-263E-416B-A8E0-580EDEADCBDC}" type="datetimeFigureOut">
               <a:rPr lang="en-US" smtClean="0"/>
-              <a:t>1/21/2021</a:t>
+              <a:t>2/19/2021</a:t>
             </a:fld>
             <a:endParaRPr lang="en-US" dirty="0"/>
           </a:p>
@@ -4673,7 +4673,7 @@
             <a:fld id="{B61BEF0D-F0BB-DE4B-95CE-6DB70DBA9567}" type="datetimeFigureOut">
               <a:rPr lang="en-US" smtClean="0"/>
               <a:pPr/>
-              <a:t>1/21/2021</a:t>
+              <a:t>2/19/2021</a:t>
             </a:fld>
             <a:endParaRPr lang="en-US" dirty="0"/>
           </a:p>
@@ -5376,7 +5376,7 @@
             <a:fld id="{B61BEF0D-F0BB-DE4B-95CE-6DB70DBA9567}" type="datetimeFigureOut">
               <a:rPr lang="en-US" smtClean="0"/>
               <a:pPr/>
-              <a:t>1/21/2021</a:t>
+              <a:t>2/19/2021</a:t>
             </a:fld>
             <a:endParaRPr lang="en-US" dirty="0"/>
           </a:p>
@@ -5989,6 +5989,44 @@
             <a:r>
               <a:rPr lang="zh-TW" altLang="en-US" dirty="0" smtClean="0"/>
               <a:t>的安裝與更新</a:t>
+            </a:r>
+            <a:endParaRPr lang="zh-TW" altLang="en-US" dirty="0"/>
+          </a:p>
+        </p:txBody>
+      </p:sp>
+      <p:sp>
+        <p:nvSpPr>
+          <p:cNvPr id="7" name="文字方塊 6"/>
+          <p:cNvSpPr txBox="1"/>
+          <p:nvPr/>
+        </p:nvSpPr>
+        <p:spPr>
+          <a:xfrm>
+            <a:off x="365760" y="5905661"/>
+            <a:ext cx="8468537" cy="369332"/>
+          </a:xfrm>
+          <a:prstGeom prst="rect">
+            <a:avLst/>
+          </a:prstGeom>
+          <a:noFill/>
+        </p:spPr>
+        <p:txBody>
+          <a:bodyPr wrap="none" rtlCol="0">
+            <a:spAutoFit/>
+          </a:bodyPr>
+          <a:lstStyle/>
+          <a:p>
+            <a:r>
+              <a:rPr lang="zh-TW" altLang="en-US" smtClean="0"/>
+              <a:t>投影片下載網址：</a:t>
+            </a:r>
+            <a:r>
+              <a:rPr lang="en-US" altLang="zh-TW" dirty="0" smtClean="0"/>
+              <a:t>https</a:t>
+            </a:r>
+            <a:r>
+              <a:rPr lang="en-US" altLang="zh-TW" dirty="0"/>
+              <a:t>://github.com/liulawsi/My_PPTs/tree/main/LCC/Python</a:t>
             </a:r>
             <a:endParaRPr lang="zh-TW" altLang="en-US" dirty="0"/>
           </a:p>
@@ -8236,11 +8274,7 @@
             </a:r>
             <a:r>
               <a:rPr lang="zh-TW" altLang="en-US" dirty="0" smtClean="0"/>
-              <a:t>環境</a:t>
-            </a:r>
-            <a:r>
-              <a:rPr lang="zh-TW" altLang="en-US" dirty="0" smtClean="0"/>
-              <a:t>建置</a:t>
+              <a:t>環境建置</a:t>
             </a:r>
             <a:endParaRPr lang="zh-TW" altLang="en-US" dirty="0"/>
           </a:p>
@@ -8720,6 +8754,44 @@
           <a:p>
             <a:pPr algn="ctr"/>
             <a:endParaRPr lang="zh-TW" altLang="en-US"/>
+          </a:p>
+        </p:txBody>
+      </p:sp>
+      <p:sp>
+        <p:nvSpPr>
+          <p:cNvPr id="8" name="文字方塊 7"/>
+          <p:cNvSpPr txBox="1"/>
+          <p:nvPr/>
+        </p:nvSpPr>
+        <p:spPr>
+          <a:xfrm>
+            <a:off x="6345936" y="2186215"/>
+            <a:ext cx="3278462" cy="369332"/>
+          </a:xfrm>
+          <a:prstGeom prst="rect">
+            <a:avLst/>
+          </a:prstGeom>
+          <a:noFill/>
+        </p:spPr>
+        <p:txBody>
+          <a:bodyPr wrap="none" rtlCol="0">
+            <a:spAutoFit/>
+          </a:bodyPr>
+          <a:lstStyle/>
+          <a:p>
+            <a:r>
+              <a:rPr lang="en-US" altLang="zh-TW" dirty="0">
+                <a:solidFill>
+                  <a:srgbClr val="FF0000"/>
+                </a:solidFill>
+              </a:rPr>
+              <a:t>https://tinyurl.com/y9gj77ag</a:t>
+            </a:r>
+            <a:endParaRPr lang="zh-TW" altLang="en-US" dirty="0">
+              <a:solidFill>
+                <a:srgbClr val="FF0000"/>
+              </a:solidFill>
+            </a:endParaRPr>
           </a:p>
         </p:txBody>
       </p:sp>
@@ -12037,6 +12109,44 @@
           <a:p>
             <a:pPr algn="ctr"/>
             <a:endParaRPr lang="zh-TW" altLang="en-US"/>
+          </a:p>
+        </p:txBody>
+      </p:sp>
+      <p:sp>
+        <p:nvSpPr>
+          <p:cNvPr id="4" name="文字方塊 3"/>
+          <p:cNvSpPr txBox="1"/>
+          <p:nvPr/>
+        </p:nvSpPr>
+        <p:spPr>
+          <a:xfrm>
+            <a:off x="7610726" y="2160589"/>
+            <a:ext cx="3326552" cy="369332"/>
+          </a:xfrm>
+          <a:prstGeom prst="rect">
+            <a:avLst/>
+          </a:prstGeom>
+          <a:noFill/>
+        </p:spPr>
+        <p:txBody>
+          <a:bodyPr wrap="none" rtlCol="0">
+            <a:spAutoFit/>
+          </a:bodyPr>
+          <a:lstStyle/>
+          <a:p>
+            <a:r>
+              <a:rPr lang="en-US" altLang="zh-TW">
+                <a:solidFill>
+                  <a:srgbClr val="FF0000"/>
+                </a:solidFill>
+              </a:rPr>
+              <a:t>https://tinyurl.com/y7jsm2x6</a:t>
+            </a:r>
+            <a:endParaRPr lang="zh-TW" altLang="en-US" dirty="0">
+              <a:solidFill>
+                <a:srgbClr val="FF0000"/>
+              </a:solidFill>
+            </a:endParaRPr>
           </a:p>
         </p:txBody>
       </p:sp>

--- a/LCC/Python/00c_Spyder環境建置.pptx
+++ b/LCC/Python/00c_Spyder環境建置.pptx
@@ -6002,7 +6002,7 @@
         </p:nvSpPr>
         <p:spPr>
           <a:xfrm>
-            <a:off x="365760" y="5905661"/>
+            <a:off x="292608" y="6216062"/>
             <a:ext cx="8468537" cy="369332"/>
           </a:xfrm>
           <a:prstGeom prst="rect">
@@ -6017,7 +6017,7 @@
           <a:lstStyle/>
           <a:p>
             <a:r>
-              <a:rPr lang="zh-TW" altLang="en-US" smtClean="0"/>
+              <a:rPr lang="zh-TW" altLang="en-US" dirty="0" smtClean="0"/>
               <a:t>投影片下載網址：</a:t>
             </a:r>
             <a:r>
@@ -6032,6 +6032,47 @@
           </a:p>
         </p:txBody>
       </p:sp>
+      <p:pic>
+        <p:nvPicPr>
+          <p:cNvPr id="5" name="Picture 2" descr="upload.wikimedia.org/wikipedia/commons/thumb/f/..."/>
+          <p:cNvPicPr>
+            <a:picLocks noChangeAspect="1" noChangeArrowheads="1"/>
+          </p:cNvPicPr>
+          <p:nvPr/>
+        </p:nvPicPr>
+        <p:blipFill>
+          <a:blip r:embed="rId2">
+            <a:extLst>
+              <a:ext uri="{28A0092B-C50C-407E-A947-70E740481C1C}">
+                <a14:useLocalDpi xmlns:a14="http://schemas.microsoft.com/office/drawing/2010/main" val="0"/>
+              </a:ext>
+            </a:extLst>
+          </a:blip>
+          <a:srcRect/>
+          <a:stretch>
+            <a:fillRect/>
+          </a:stretch>
+        </p:blipFill>
+        <p:spPr bwMode="auto">
+          <a:xfrm>
+            <a:off x="528866" y="4993541"/>
+            <a:ext cx="4743328" cy="1407187"/>
+          </a:xfrm>
+          <a:prstGeom prst="rect">
+            <a:avLst/>
+          </a:prstGeom>
+          <a:noFill/>
+          <a:extLst>
+            <a:ext uri="{909E8E84-426E-40DD-AFC4-6F175D3DCCD1}">
+              <a14:hiddenFill xmlns:a14="http://schemas.microsoft.com/office/drawing/2010/main">
+                <a:solidFill>
+                  <a:srgbClr val="FFFFFF"/>
+                </a:solidFill>
+              </a14:hiddenFill>
+            </a:ext>
+          </a:extLst>
+        </p:spPr>
+      </p:pic>
     </p:spTree>
     <p:extLst>
       <p:ext uri="{BB962C8B-B14F-4D97-AF65-F5344CB8AC3E}">

--- a/LCC/Python/00c_Spyder環境建置.pptx
+++ b/LCC/Python/00c_Spyder環境建置.pptx
@@ -892,7 +892,7 @@
             <a:fld id="{B61BEF0D-F0BB-DE4B-95CE-6DB70DBA9567}" type="datetimeFigureOut">
               <a:rPr lang="en-US" smtClean="0"/>
               <a:pPr/>
-              <a:t>2/19/2021</a:t>
+              <a:t>5/29/2021</a:t>
             </a:fld>
             <a:endParaRPr lang="en-US" dirty="0"/>
           </a:p>
@@ -1145,7 +1145,7 @@
             <a:fld id="{B61BEF0D-F0BB-DE4B-95CE-6DB70DBA9567}" type="datetimeFigureOut">
               <a:rPr lang="en-US" smtClean="0"/>
               <a:pPr/>
-              <a:t>2/19/2021</a:t>
+              <a:t>5/29/2021</a:t>
             </a:fld>
             <a:endParaRPr lang="en-US" dirty="0"/>
           </a:p>
@@ -1461,7 +1461,7 @@
             <a:fld id="{B61BEF0D-F0BB-DE4B-95CE-6DB70DBA9567}" type="datetimeFigureOut">
               <a:rPr lang="en-US" smtClean="0"/>
               <a:pPr/>
-              <a:t>2/19/2021</a:t>
+              <a:t>5/29/2021</a:t>
             </a:fld>
             <a:endParaRPr lang="en-US" dirty="0"/>
           </a:p>
@@ -1796,7 +1796,7 @@
             <a:fld id="{B61BEF0D-F0BB-DE4B-95CE-6DB70DBA9567}" type="datetimeFigureOut">
               <a:rPr lang="en-US" smtClean="0"/>
               <a:pPr/>
-              <a:t>2/19/2021</a:t>
+              <a:t>5/29/2021</a:t>
             </a:fld>
             <a:endParaRPr lang="en-US" dirty="0"/>
           </a:p>
@@ -2112,7 +2112,7 @@
             <a:fld id="{B61BEF0D-F0BB-DE4B-95CE-6DB70DBA9567}" type="datetimeFigureOut">
               <a:rPr lang="en-US" smtClean="0"/>
               <a:pPr/>
-              <a:t>2/19/2021</a:t>
+              <a:t>5/29/2021</a:t>
             </a:fld>
             <a:endParaRPr lang="en-US" dirty="0"/>
           </a:p>
@@ -2507,7 +2507,7 @@
             <a:fld id="{B61BEF0D-F0BB-DE4B-95CE-6DB70DBA9567}" type="datetimeFigureOut">
               <a:rPr lang="en-US" smtClean="0"/>
               <a:pPr/>
-              <a:t>2/19/2021</a:t>
+              <a:t>5/29/2021</a:t>
             </a:fld>
             <a:endParaRPr lang="en-US" dirty="0"/>
           </a:p>
@@ -2678,7 +2678,7 @@
           <a:p>
             <a:fld id="{55C6B4A9-1611-4792-9094-5F34BCA07E0B}" type="datetimeFigureOut">
               <a:rPr lang="en-US" smtClean="0"/>
-              <a:t>2/19/2021</a:t>
+              <a:t>5/29/2021</a:t>
             </a:fld>
             <a:endParaRPr lang="en-US" dirty="0"/>
           </a:p>
@@ -2859,7 +2859,7 @@
             <a:fld id="{B61BEF0D-F0BB-DE4B-95CE-6DB70DBA9567}" type="datetimeFigureOut">
               <a:rPr lang="en-US" smtClean="0"/>
               <a:pPr/>
-              <a:t>2/19/2021</a:t>
+              <a:t>5/29/2021</a:t>
             </a:fld>
             <a:endParaRPr lang="en-US" dirty="0"/>
           </a:p>
@@ -3031,7 +3031,7 @@
             <a:fld id="{B61BEF0D-F0BB-DE4B-95CE-6DB70DBA9567}" type="datetimeFigureOut">
               <a:rPr lang="en-US" smtClean="0"/>
               <a:pPr/>
-              <a:t>2/19/2021</a:t>
+              <a:t>5/29/2021</a:t>
             </a:fld>
             <a:endParaRPr lang="en-US" dirty="0"/>
           </a:p>
@@ -3280,7 +3280,7 @@
             <a:fld id="{B61BEF0D-F0BB-DE4B-95CE-6DB70DBA9567}" type="datetimeFigureOut">
               <a:rPr lang="en-US" smtClean="0"/>
               <a:pPr/>
-              <a:t>2/19/2021</a:t>
+              <a:t>5/29/2021</a:t>
             </a:fld>
             <a:endParaRPr lang="en-US" dirty="0"/>
           </a:p>
@@ -3513,7 +3513,7 @@
           <a:p>
             <a:fld id="{EB712588-04B1-427B-82EE-E8DB90309F08}" type="datetimeFigureOut">
               <a:rPr lang="en-US" smtClean="0"/>
-              <a:t>2/19/2021</a:t>
+              <a:t>5/29/2021</a:t>
             </a:fld>
             <a:endParaRPr lang="en-US" dirty="0"/>
           </a:p>
@@ -3888,7 +3888,7 @@
             <a:fld id="{B61BEF0D-F0BB-DE4B-95CE-6DB70DBA9567}" type="datetimeFigureOut">
               <a:rPr lang="en-US" smtClean="0"/>
               <a:pPr/>
-              <a:t>2/19/2021</a:t>
+              <a:t>5/29/2021</a:t>
             </a:fld>
             <a:endParaRPr lang="en-US" dirty="0"/>
           </a:p>
@@ -4013,7 +4013,7 @@
             <a:fld id="{B61BEF0D-F0BB-DE4B-95CE-6DB70DBA9567}" type="datetimeFigureOut">
               <a:rPr lang="en-US" smtClean="0"/>
               <a:pPr/>
-              <a:t>2/19/2021</a:t>
+              <a:t>5/29/2021</a:t>
             </a:fld>
             <a:endParaRPr lang="en-US" dirty="0"/>
           </a:p>
@@ -4110,7 +4110,7 @@
             <a:fld id="{B61BEF0D-F0BB-DE4B-95CE-6DB70DBA9567}" type="datetimeFigureOut">
               <a:rPr lang="en-US" smtClean="0"/>
               <a:pPr/>
-              <a:t>2/19/2021</a:t>
+              <a:t>5/29/2021</a:t>
             </a:fld>
             <a:endParaRPr lang="en-US" dirty="0"/>
           </a:p>
@@ -4366,7 +4366,7 @@
           <a:p>
             <a:fld id="{42A54C80-263E-416B-A8E0-580EDEADCBDC}" type="datetimeFigureOut">
               <a:rPr lang="en-US" smtClean="0"/>
-              <a:t>2/19/2021</a:t>
+              <a:t>5/29/2021</a:t>
             </a:fld>
             <a:endParaRPr lang="en-US" dirty="0"/>
           </a:p>
@@ -4673,7 +4673,7 @@
             <a:fld id="{B61BEF0D-F0BB-DE4B-95CE-6DB70DBA9567}" type="datetimeFigureOut">
               <a:rPr lang="en-US" smtClean="0"/>
               <a:pPr/>
-              <a:t>2/19/2021</a:t>
+              <a:t>5/29/2021</a:t>
             </a:fld>
             <a:endParaRPr lang="en-US" dirty="0"/>
           </a:p>
@@ -5376,7 +5376,7 @@
             <a:fld id="{B61BEF0D-F0BB-DE4B-95CE-6DB70DBA9567}" type="datetimeFigureOut">
               <a:rPr lang="en-US" smtClean="0"/>
               <a:pPr/>
-              <a:t>2/19/2021</a:t>
+              <a:t>5/29/2021</a:t>
             </a:fld>
             <a:endParaRPr lang="en-US" dirty="0"/>
           </a:p>
@@ -6071,6 +6071,68 @@
               </a14:hiddenFill>
             </a:ext>
           </a:extLst>
+        </p:spPr>
+      </p:pic>
+      <p:sp>
+        <p:nvSpPr>
+          <p:cNvPr id="6" name="文字方塊 5"/>
+          <p:cNvSpPr txBox="1"/>
+          <p:nvPr/>
+        </p:nvSpPr>
+        <p:spPr>
+          <a:xfrm>
+            <a:off x="310896" y="409622"/>
+            <a:ext cx="4647426" cy="369332"/>
+          </a:xfrm>
+          <a:prstGeom prst="rect">
+            <a:avLst/>
+          </a:prstGeom>
+          <a:noFill/>
+        </p:spPr>
+        <p:txBody>
+          <a:bodyPr wrap="none" rtlCol="0">
+            <a:spAutoFit/>
+          </a:bodyPr>
+          <a:lstStyle/>
+          <a:p>
+            <a:r>
+              <a:rPr lang="zh-TW" altLang="en-US" dirty="0" smtClean="0"/>
+              <a:t>投影片下載網址：</a:t>
+            </a:r>
+            <a:r>
+              <a:rPr lang="en-US" altLang="zh-TW" dirty="0"/>
+              <a:t>https://</a:t>
+            </a:r>
+            <a:r>
+              <a:rPr lang="en-US" altLang="zh-TW" dirty="0" smtClean="0"/>
+              <a:t>reurl.cc/Dg9Edm</a:t>
+            </a:r>
+            <a:endParaRPr lang="zh-TW" altLang="en-US" dirty="0"/>
+          </a:p>
+        </p:txBody>
+      </p:sp>
+      <p:pic>
+        <p:nvPicPr>
+          <p:cNvPr id="8" name="圖片 7"/>
+          <p:cNvPicPr>
+            <a:picLocks noChangeAspect="1"/>
+          </p:cNvPicPr>
+          <p:nvPr/>
+        </p:nvPicPr>
+        <p:blipFill>
+          <a:blip r:embed="rId3"/>
+          <a:stretch>
+            <a:fillRect/>
+          </a:stretch>
+        </p:blipFill>
+        <p:spPr>
+          <a:xfrm>
+            <a:off x="425577" y="867010"/>
+            <a:ext cx="1428750" cy="1428750"/>
+          </a:xfrm>
+          <a:prstGeom prst="rect">
+            <a:avLst/>
+          </a:prstGeom>
         </p:spPr>
       </p:pic>
     </p:spTree>
@@ -8798,44 +8860,6 @@
           </a:p>
         </p:txBody>
       </p:sp>
-      <p:sp>
-        <p:nvSpPr>
-          <p:cNvPr id="8" name="文字方塊 7"/>
-          <p:cNvSpPr txBox="1"/>
-          <p:nvPr/>
-        </p:nvSpPr>
-        <p:spPr>
-          <a:xfrm>
-            <a:off x="6345936" y="2186215"/>
-            <a:ext cx="3278462" cy="369332"/>
-          </a:xfrm>
-          <a:prstGeom prst="rect">
-            <a:avLst/>
-          </a:prstGeom>
-          <a:noFill/>
-        </p:spPr>
-        <p:txBody>
-          <a:bodyPr wrap="none" rtlCol="0">
-            <a:spAutoFit/>
-          </a:bodyPr>
-          <a:lstStyle/>
-          <a:p>
-            <a:r>
-              <a:rPr lang="en-US" altLang="zh-TW" dirty="0">
-                <a:solidFill>
-                  <a:srgbClr val="FF0000"/>
-                </a:solidFill>
-              </a:rPr>
-              <a:t>https://tinyurl.com/y9gj77ag</a:t>
-            </a:r>
-            <a:endParaRPr lang="zh-TW" altLang="en-US" dirty="0">
-              <a:solidFill>
-                <a:srgbClr val="FF0000"/>
-              </a:solidFill>
-            </a:endParaRPr>
-          </a:p>
-        </p:txBody>
-      </p:sp>
     </p:spTree>
     <p:extLst>
       <p:ext uri="{BB962C8B-B14F-4D97-AF65-F5344CB8AC3E}">
@@ -10361,6 +10385,76 @@
           </a:p>
         </p:txBody>
       </p:sp>
+      <p:sp>
+        <p:nvSpPr>
+          <p:cNvPr id="16" name="文字方塊 15"/>
+          <p:cNvSpPr txBox="1"/>
+          <p:nvPr/>
+        </p:nvSpPr>
+        <p:spPr>
+          <a:xfrm>
+            <a:off x="7061852" y="2982933"/>
+            <a:ext cx="4022255" cy="523220"/>
+          </a:xfrm>
+          <a:prstGeom prst="rect">
+            <a:avLst/>
+          </a:prstGeom>
+          <a:noFill/>
+        </p:spPr>
+        <p:txBody>
+          <a:bodyPr wrap="none" rtlCol="0">
+            <a:spAutoFit/>
+          </a:bodyPr>
+          <a:lstStyle/>
+          <a:p>
+            <a:r>
+              <a:rPr lang="en-US" altLang="zh-TW" sz="2800" dirty="0">
+                <a:solidFill>
+                  <a:srgbClr val="FF0000"/>
+                </a:solidFill>
+              </a:rPr>
+              <a:t>https://</a:t>
+            </a:r>
+            <a:r>
+              <a:rPr lang="en-US" altLang="zh-TW" sz="2800" dirty="0" smtClean="0">
+                <a:solidFill>
+                  <a:srgbClr val="FF0000"/>
+                </a:solidFill>
+              </a:rPr>
+              <a:t>reurl.cc/qgd6lg</a:t>
+            </a:r>
+            <a:endParaRPr lang="zh-TW" altLang="en-US" sz="2800" dirty="0">
+              <a:solidFill>
+                <a:srgbClr val="FF0000"/>
+              </a:solidFill>
+            </a:endParaRPr>
+          </a:p>
+        </p:txBody>
+      </p:sp>
+      <p:pic>
+        <p:nvPicPr>
+          <p:cNvPr id="17" name="圖片 16"/>
+          <p:cNvPicPr>
+            <a:picLocks noChangeAspect="1"/>
+          </p:cNvPicPr>
+          <p:nvPr/>
+        </p:nvPicPr>
+        <p:blipFill>
+          <a:blip r:embed="rId5"/>
+          <a:stretch>
+            <a:fillRect/>
+          </a:stretch>
+        </p:blipFill>
+        <p:spPr>
+          <a:xfrm>
+            <a:off x="7181402" y="1746505"/>
+            <a:ext cx="1143099" cy="1143099"/>
+          </a:xfrm>
+          <a:prstGeom prst="rect">
+            <a:avLst/>
+          </a:prstGeom>
+        </p:spPr>
+      </p:pic>
     </p:spTree>
     <p:extLst>
       <p:ext uri="{BB962C8B-B14F-4D97-AF65-F5344CB8AC3E}">
@@ -10371,6 +10465,13 @@
   <p:clrMapOvr>
     <a:masterClrMapping/>
   </p:clrMapOvr>
+  <p:timing>
+    <p:tnLst>
+      <p:par>
+        <p:cTn id="1" dur="indefinite" restart="never" nodeType="tmRoot"/>
+      </p:par>
+    </p:tnLst>
+  </p:timing>
 </p:sld>
 </file>
 
@@ -12201,6 +12302,13 @@
   <p:clrMapOvr>
     <a:masterClrMapping/>
   </p:clrMapOvr>
+  <p:timing>
+    <p:tnLst>
+      <p:par>
+        <p:cTn id="1" dur="indefinite" restart="never" nodeType="tmRoot"/>
+      </p:par>
+    </p:tnLst>
+  </p:timing>
 </p:sld>
 </file>
 
@@ -12439,6 +12547,13 @@
   <p:clrMapOvr>
     <a:masterClrMapping/>
   </p:clrMapOvr>
+  <p:timing>
+    <p:tnLst>
+      <p:par>
+        <p:cTn id="1" dur="indefinite" restart="never" nodeType="tmRoot"/>
+      </p:par>
+    </p:tnLst>
+  </p:timing>
 </p:sld>
 </file>
 
@@ -12632,6 +12747,13 @@
   <p:clrMapOvr>
     <a:masterClrMapping/>
   </p:clrMapOvr>
+  <p:timing>
+    <p:tnLst>
+      <p:par>
+        <p:cTn id="1" dur="indefinite" restart="never" nodeType="tmRoot"/>
+      </p:par>
+    </p:tnLst>
+  </p:timing>
 </p:sld>
 </file>
 
@@ -12874,6 +12996,13 @@
   <p:clrMapOvr>
     <a:masterClrMapping/>
   </p:clrMapOvr>
+  <p:timing>
+    <p:tnLst>
+      <p:par>
+        <p:cTn id="1" dur="indefinite" restart="never" nodeType="tmRoot"/>
+      </p:par>
+    </p:tnLst>
+  </p:timing>
 </p:sld>
 </file>
 
@@ -13035,6 +13164,13 @@
   <p:clrMapOvr>
     <a:masterClrMapping/>
   </p:clrMapOvr>
+  <p:timing>
+    <p:tnLst>
+      <p:par>
+        <p:cTn id="1" dur="indefinite" restart="never" nodeType="tmRoot"/>
+      </p:par>
+    </p:tnLst>
+  </p:timing>
 </p:sld>
 </file>
 
@@ -13347,6 +13483,13 @@
   <p:clrMapOvr>
     <a:masterClrMapping/>
   </p:clrMapOvr>
+  <p:timing>
+    <p:tnLst>
+      <p:par>
+        <p:cTn id="1" dur="indefinite" restart="never" nodeType="tmRoot"/>
+      </p:par>
+    </p:tnLst>
+  </p:timing>
 </p:sld>
 </file>
 

--- a/LCC/Python/00c_Spyder環境建置.pptx
+++ b/LCC/Python/00c_Spyder環境建置.pptx
@@ -5,30 +5,33 @@
     <p:sldMasterId id="2147483668" r:id="rId1"/>
   </p:sldMasterIdLst>
   <p:sldIdLst>
-    <p:sldId id="272" r:id="rId2"/>
-    <p:sldId id="273" r:id="rId3"/>
-    <p:sldId id="274" r:id="rId4"/>
-    <p:sldId id="275" r:id="rId5"/>
-    <p:sldId id="276" r:id="rId6"/>
-    <p:sldId id="277" r:id="rId7"/>
-    <p:sldId id="278" r:id="rId8"/>
-    <p:sldId id="279" r:id="rId9"/>
-    <p:sldId id="280" r:id="rId10"/>
-    <p:sldId id="281" r:id="rId11"/>
-    <p:sldId id="282" r:id="rId12"/>
-    <p:sldId id="283" r:id="rId13"/>
-    <p:sldId id="256" r:id="rId14"/>
-    <p:sldId id="257" r:id="rId15"/>
-    <p:sldId id="258" r:id="rId16"/>
-    <p:sldId id="259" r:id="rId17"/>
-    <p:sldId id="260" r:id="rId18"/>
-    <p:sldId id="261" r:id="rId19"/>
-    <p:sldId id="262" r:id="rId20"/>
-    <p:sldId id="267" r:id="rId21"/>
-    <p:sldId id="268" r:id="rId22"/>
-    <p:sldId id="269" r:id="rId23"/>
-    <p:sldId id="270" r:id="rId24"/>
-    <p:sldId id="271" r:id="rId25"/>
+    <p:sldId id="284" r:id="rId2"/>
+    <p:sldId id="285" r:id="rId3"/>
+    <p:sldId id="272" r:id="rId4"/>
+    <p:sldId id="273" r:id="rId5"/>
+    <p:sldId id="274" r:id="rId6"/>
+    <p:sldId id="275" r:id="rId7"/>
+    <p:sldId id="276" r:id="rId8"/>
+    <p:sldId id="277" r:id="rId9"/>
+    <p:sldId id="278" r:id="rId10"/>
+    <p:sldId id="279" r:id="rId11"/>
+    <p:sldId id="280" r:id="rId12"/>
+    <p:sldId id="281" r:id="rId13"/>
+    <p:sldId id="282" r:id="rId14"/>
+    <p:sldId id="283" r:id="rId15"/>
+    <p:sldId id="256" r:id="rId16"/>
+    <p:sldId id="257" r:id="rId17"/>
+    <p:sldId id="258" r:id="rId18"/>
+    <p:sldId id="259" r:id="rId19"/>
+    <p:sldId id="260" r:id="rId20"/>
+    <p:sldId id="261" r:id="rId21"/>
+    <p:sldId id="262" r:id="rId22"/>
+    <p:sldId id="267" r:id="rId23"/>
+    <p:sldId id="286" r:id="rId24"/>
+    <p:sldId id="268" r:id="rId25"/>
+    <p:sldId id="269" r:id="rId26"/>
+    <p:sldId id="270" r:id="rId27"/>
+    <p:sldId id="271" r:id="rId28"/>
   </p:sldIdLst>
   <p:sldSz cx="12192000" cy="6858000"/>
   <p:notesSz cx="6858000" cy="9144000"/>
@@ -892,7 +895,7 @@
             <a:fld id="{B61BEF0D-F0BB-DE4B-95CE-6DB70DBA9567}" type="datetimeFigureOut">
               <a:rPr lang="en-US" smtClean="0"/>
               <a:pPr/>
-              <a:t>5/29/2021</a:t>
+              <a:t>11/15/2021</a:t>
             </a:fld>
             <a:endParaRPr lang="en-US" dirty="0"/>
           </a:p>
@@ -1145,7 +1148,7 @@
             <a:fld id="{B61BEF0D-F0BB-DE4B-95CE-6DB70DBA9567}" type="datetimeFigureOut">
               <a:rPr lang="en-US" smtClean="0"/>
               <a:pPr/>
-              <a:t>5/29/2021</a:t>
+              <a:t>11/15/2021</a:t>
             </a:fld>
             <a:endParaRPr lang="en-US" dirty="0"/>
           </a:p>
@@ -1461,7 +1464,7 @@
             <a:fld id="{B61BEF0D-F0BB-DE4B-95CE-6DB70DBA9567}" type="datetimeFigureOut">
               <a:rPr lang="en-US" smtClean="0"/>
               <a:pPr/>
-              <a:t>5/29/2021</a:t>
+              <a:t>11/15/2021</a:t>
             </a:fld>
             <a:endParaRPr lang="en-US" dirty="0"/>
           </a:p>
@@ -1796,7 +1799,7 @@
             <a:fld id="{B61BEF0D-F0BB-DE4B-95CE-6DB70DBA9567}" type="datetimeFigureOut">
               <a:rPr lang="en-US" smtClean="0"/>
               <a:pPr/>
-              <a:t>5/29/2021</a:t>
+              <a:t>11/15/2021</a:t>
             </a:fld>
             <a:endParaRPr lang="en-US" dirty="0"/>
           </a:p>
@@ -2112,7 +2115,7 @@
             <a:fld id="{B61BEF0D-F0BB-DE4B-95CE-6DB70DBA9567}" type="datetimeFigureOut">
               <a:rPr lang="en-US" smtClean="0"/>
               <a:pPr/>
-              <a:t>5/29/2021</a:t>
+              <a:t>11/15/2021</a:t>
             </a:fld>
             <a:endParaRPr lang="en-US" dirty="0"/>
           </a:p>
@@ -2507,7 +2510,7 @@
             <a:fld id="{B61BEF0D-F0BB-DE4B-95CE-6DB70DBA9567}" type="datetimeFigureOut">
               <a:rPr lang="en-US" smtClean="0"/>
               <a:pPr/>
-              <a:t>5/29/2021</a:t>
+              <a:t>11/15/2021</a:t>
             </a:fld>
             <a:endParaRPr lang="en-US" dirty="0"/>
           </a:p>
@@ -2678,7 +2681,7 @@
           <a:p>
             <a:fld id="{55C6B4A9-1611-4792-9094-5F34BCA07E0B}" type="datetimeFigureOut">
               <a:rPr lang="en-US" smtClean="0"/>
-              <a:t>5/29/2021</a:t>
+              <a:t>11/15/2021</a:t>
             </a:fld>
             <a:endParaRPr lang="en-US" dirty="0"/>
           </a:p>
@@ -2859,7 +2862,7 @@
             <a:fld id="{B61BEF0D-F0BB-DE4B-95CE-6DB70DBA9567}" type="datetimeFigureOut">
               <a:rPr lang="en-US" smtClean="0"/>
               <a:pPr/>
-              <a:t>5/29/2021</a:t>
+              <a:t>11/15/2021</a:t>
             </a:fld>
             <a:endParaRPr lang="en-US" dirty="0"/>
           </a:p>
@@ -3031,7 +3034,7 @@
             <a:fld id="{B61BEF0D-F0BB-DE4B-95CE-6DB70DBA9567}" type="datetimeFigureOut">
               <a:rPr lang="en-US" smtClean="0"/>
               <a:pPr/>
-              <a:t>5/29/2021</a:t>
+              <a:t>11/15/2021</a:t>
             </a:fld>
             <a:endParaRPr lang="en-US" dirty="0"/>
           </a:p>
@@ -3280,7 +3283,7 @@
             <a:fld id="{B61BEF0D-F0BB-DE4B-95CE-6DB70DBA9567}" type="datetimeFigureOut">
               <a:rPr lang="en-US" smtClean="0"/>
               <a:pPr/>
-              <a:t>5/29/2021</a:t>
+              <a:t>11/15/2021</a:t>
             </a:fld>
             <a:endParaRPr lang="en-US" dirty="0"/>
           </a:p>
@@ -3513,7 +3516,7 @@
           <a:p>
             <a:fld id="{EB712588-04B1-427B-82EE-E8DB90309F08}" type="datetimeFigureOut">
               <a:rPr lang="en-US" smtClean="0"/>
-              <a:t>5/29/2021</a:t>
+              <a:t>11/15/2021</a:t>
             </a:fld>
             <a:endParaRPr lang="en-US" dirty="0"/>
           </a:p>
@@ -3888,7 +3891,7 @@
             <a:fld id="{B61BEF0D-F0BB-DE4B-95CE-6DB70DBA9567}" type="datetimeFigureOut">
               <a:rPr lang="en-US" smtClean="0"/>
               <a:pPr/>
-              <a:t>5/29/2021</a:t>
+              <a:t>11/15/2021</a:t>
             </a:fld>
             <a:endParaRPr lang="en-US" dirty="0"/>
           </a:p>
@@ -4013,7 +4016,7 @@
             <a:fld id="{B61BEF0D-F0BB-DE4B-95CE-6DB70DBA9567}" type="datetimeFigureOut">
               <a:rPr lang="en-US" smtClean="0"/>
               <a:pPr/>
-              <a:t>5/29/2021</a:t>
+              <a:t>11/15/2021</a:t>
             </a:fld>
             <a:endParaRPr lang="en-US" dirty="0"/>
           </a:p>
@@ -4110,7 +4113,7 @@
             <a:fld id="{B61BEF0D-F0BB-DE4B-95CE-6DB70DBA9567}" type="datetimeFigureOut">
               <a:rPr lang="en-US" smtClean="0"/>
               <a:pPr/>
-              <a:t>5/29/2021</a:t>
+              <a:t>11/15/2021</a:t>
             </a:fld>
             <a:endParaRPr lang="en-US" dirty="0"/>
           </a:p>
@@ -4366,7 +4369,7 @@
           <a:p>
             <a:fld id="{42A54C80-263E-416B-A8E0-580EDEADCBDC}" type="datetimeFigureOut">
               <a:rPr lang="en-US" smtClean="0"/>
-              <a:t>5/29/2021</a:t>
+              <a:t>11/15/2021</a:t>
             </a:fld>
             <a:endParaRPr lang="en-US" dirty="0"/>
           </a:p>
@@ -4673,7 +4676,7 @@
             <a:fld id="{B61BEF0D-F0BB-DE4B-95CE-6DB70DBA9567}" type="datetimeFigureOut">
               <a:rPr lang="en-US" smtClean="0"/>
               <a:pPr/>
-              <a:t>5/29/2021</a:t>
+              <a:t>11/15/2021</a:t>
             </a:fld>
             <a:endParaRPr lang="en-US" dirty="0"/>
           </a:p>
@@ -5376,7 +5379,7 @@
             <a:fld id="{B61BEF0D-F0BB-DE4B-95CE-6DB70DBA9567}" type="datetimeFigureOut">
               <a:rPr lang="en-US" smtClean="0"/>
               <a:pPr/>
-              <a:t>5/29/2021</a:t>
+              <a:t>11/15/2021</a:t>
             </a:fld>
             <a:endParaRPr lang="en-US" dirty="0"/>
           </a:p>
@@ -5500,6 +5503,44 @@
           </a:extLst>
         </p:spPr>
       </p:pic>
+      <p:sp>
+        <p:nvSpPr>
+          <p:cNvPr id="29" name="文字方塊 28"/>
+          <p:cNvSpPr txBox="1"/>
+          <p:nvPr userDrawn="1"/>
+        </p:nvSpPr>
+        <p:spPr>
+          <a:xfrm>
+            <a:off x="380316" y="6216062"/>
+            <a:ext cx="4652236" cy="369332"/>
+          </a:xfrm>
+          <a:prstGeom prst="rect">
+            <a:avLst/>
+          </a:prstGeom>
+          <a:noFill/>
+        </p:spPr>
+        <p:txBody>
+          <a:bodyPr wrap="none" rtlCol="0">
+            <a:spAutoFit/>
+          </a:bodyPr>
+          <a:lstStyle/>
+          <a:p>
+            <a:r>
+              <a:rPr lang="zh-TW" altLang="en-US" dirty="0"/>
+              <a:t>投影片下載網址</a:t>
+            </a:r>
+            <a:r>
+              <a:rPr lang="zh-TW" altLang="en-US" dirty="0" smtClean="0"/>
+              <a:t>：</a:t>
+            </a:r>
+            <a:r>
+              <a:rPr lang="en-US" altLang="zh-TW" dirty="0" smtClean="0"/>
+              <a:t>https://reurl.cc/Rbmz3D</a:t>
+            </a:r>
+            <a:endParaRPr lang="zh-TW" altLang="en-US" dirty="0"/>
+          </a:p>
+        </p:txBody>
+      </p:sp>
     </p:spTree>
     <p:extLst>
       <p:ext uri="{BB962C8B-B14F-4D97-AF65-F5344CB8AC3E}">
@@ -5938,7 +5979,7 @@
       </p:grpSpPr>
       <p:sp>
         <p:nvSpPr>
-          <p:cNvPr id="2" name="標題 1"/>
+          <p:cNvPr id="4" name="標題 3"/>
           <p:cNvSpPr>
             <a:spLocks noGrp="1"/>
           </p:cNvSpPr>
@@ -5952,12 +5993,8 @@
           <a:lstStyle/>
           <a:p>
             <a:r>
-              <a:rPr lang="en-US" altLang="zh-TW" dirty="0" smtClean="0"/>
-              <a:t>Anaconda</a:t>
-            </a:r>
-            <a:r>
               <a:rPr lang="zh-TW" altLang="en-US" dirty="0" smtClean="0"/>
-              <a:t>環境建置</a:t>
+              <a:t>開發環境安裝說明</a:t>
             </a:r>
             <a:endParaRPr lang="zh-TW" altLang="en-US" dirty="0"/>
           </a:p>
@@ -5965,7 +6002,7 @@
       </p:sp>
       <p:sp>
         <p:nvSpPr>
-          <p:cNvPr id="3" name="副標題 2"/>
+          <p:cNvPr id="5" name="副標題 4"/>
           <p:cNvSpPr>
             <a:spLocks noGrp="1"/>
           </p:cNvSpPr>
@@ -5978,32 +6015,20 @@
           <a:bodyPr/>
           <a:lstStyle/>
           <a:p>
-            <a:r>
-              <a:rPr lang="zh-TW" altLang="en-US" dirty="0" smtClean="0"/>
-              <a:t>含</a:t>
-            </a:r>
-            <a:r>
-              <a:rPr lang="en-US" altLang="zh-TW" dirty="0" err="1" smtClean="0"/>
-              <a:t>Spyder</a:t>
-            </a:r>
-            <a:r>
-              <a:rPr lang="zh-TW" altLang="en-US" dirty="0" smtClean="0"/>
-              <a:t>的安裝與更新</a:t>
-            </a:r>
             <a:endParaRPr lang="zh-TW" altLang="en-US" dirty="0"/>
           </a:p>
         </p:txBody>
       </p:sp>
       <p:sp>
         <p:nvSpPr>
-          <p:cNvPr id="7" name="文字方塊 6"/>
+          <p:cNvPr id="6" name="文字方塊 5"/>
           <p:cNvSpPr txBox="1"/>
           <p:nvPr/>
         </p:nvSpPr>
         <p:spPr>
           <a:xfrm>
-            <a:off x="292608" y="6216062"/>
-            <a:ext cx="8468537" cy="369332"/>
+            <a:off x="283464" y="412896"/>
+            <a:ext cx="4487126" cy="369332"/>
           </a:xfrm>
           <a:prstGeom prst="rect">
             <a:avLst/>
@@ -6021,12 +6046,12 @@
               <a:t>投影片下載網址：</a:t>
             </a:r>
             <a:r>
+              <a:rPr lang="en-US" altLang="zh-TW" dirty="0"/>
+              <a:t>https://</a:t>
+            </a:r>
+            <a:r>
               <a:rPr lang="en-US" altLang="zh-TW" dirty="0" smtClean="0"/>
-              <a:t>https</a:t>
-            </a:r>
-            <a:r>
-              <a:rPr lang="en-US" altLang="zh-TW" dirty="0"/>
-              <a:t>://github.com/liulawsi/My_PPTs/tree/main/LCC/Python</a:t>
+              <a:t>reurl.cc/l5ADbl</a:t>
             </a:r>
             <a:endParaRPr lang="zh-TW" altLang="en-US" dirty="0"/>
           </a:p>
@@ -6034,101 +6059,22 @@
       </p:sp>
       <p:pic>
         <p:nvPicPr>
-          <p:cNvPr id="5" name="Picture 2" descr="upload.wikimedia.org/wikipedia/commons/thumb/f/..."/>
-          <p:cNvPicPr>
-            <a:picLocks noChangeAspect="1" noChangeArrowheads="1"/>
-          </p:cNvPicPr>
-          <p:nvPr/>
-        </p:nvPicPr>
-        <p:blipFill>
-          <a:blip r:embed="rId2">
-            <a:extLst>
-              <a:ext uri="{28A0092B-C50C-407E-A947-70E740481C1C}">
-                <a14:useLocalDpi xmlns:a14="http://schemas.microsoft.com/office/drawing/2010/main" val="0"/>
-              </a:ext>
-            </a:extLst>
-          </a:blip>
-          <a:srcRect/>
-          <a:stretch>
-            <a:fillRect/>
-          </a:stretch>
-        </p:blipFill>
-        <p:spPr bwMode="auto">
-          <a:xfrm>
-            <a:off x="528866" y="4993541"/>
-            <a:ext cx="4743328" cy="1407187"/>
-          </a:xfrm>
-          <a:prstGeom prst="rect">
-            <a:avLst/>
-          </a:prstGeom>
-          <a:noFill/>
-          <a:extLst>
-            <a:ext uri="{909E8E84-426E-40DD-AFC4-6F175D3DCCD1}">
-              <a14:hiddenFill xmlns:a14="http://schemas.microsoft.com/office/drawing/2010/main">
-                <a:solidFill>
-                  <a:srgbClr val="FFFFFF"/>
-                </a:solidFill>
-              </a14:hiddenFill>
-            </a:ext>
-          </a:extLst>
-        </p:spPr>
-      </p:pic>
-      <p:sp>
-        <p:nvSpPr>
-          <p:cNvPr id="6" name="文字方塊 5"/>
-          <p:cNvSpPr txBox="1"/>
-          <p:nvPr/>
-        </p:nvSpPr>
-        <p:spPr>
-          <a:xfrm>
-            <a:off x="310896" y="409622"/>
-            <a:ext cx="4647426" cy="369332"/>
-          </a:xfrm>
-          <a:prstGeom prst="rect">
-            <a:avLst/>
-          </a:prstGeom>
-          <a:noFill/>
-        </p:spPr>
-        <p:txBody>
-          <a:bodyPr wrap="none" rtlCol="0">
-            <a:spAutoFit/>
-          </a:bodyPr>
-          <a:lstStyle/>
-          <a:p>
-            <a:r>
-              <a:rPr lang="zh-TW" altLang="en-US" dirty="0" smtClean="0"/>
-              <a:t>投影片下載網址：</a:t>
-            </a:r>
-            <a:r>
-              <a:rPr lang="en-US" altLang="zh-TW" dirty="0"/>
-              <a:t>https://</a:t>
-            </a:r>
-            <a:r>
-              <a:rPr lang="en-US" altLang="zh-TW" dirty="0" smtClean="0"/>
-              <a:t>reurl.cc/Dg9Edm</a:t>
-            </a:r>
-            <a:endParaRPr lang="zh-TW" altLang="en-US" dirty="0"/>
-          </a:p>
-        </p:txBody>
-      </p:sp>
-      <p:pic>
-        <p:nvPicPr>
-          <p:cNvPr id="8" name="圖片 7"/>
+          <p:cNvPr id="7" name="圖片 6"/>
           <p:cNvPicPr>
             <a:picLocks noChangeAspect="1"/>
           </p:cNvPicPr>
           <p:nvPr/>
         </p:nvPicPr>
         <p:blipFill>
-          <a:blip r:embed="rId3"/>
+          <a:blip r:embed="rId2"/>
           <a:stretch>
             <a:fillRect/>
           </a:stretch>
         </p:blipFill>
         <p:spPr>
           <a:xfrm>
-            <a:off x="425577" y="867010"/>
-            <a:ext cx="1428750" cy="1428750"/>
+            <a:off x="430506" y="846236"/>
+            <a:ext cx="1882925" cy="1882925"/>
           </a:xfrm>
           <a:prstGeom prst="rect">
             <a:avLst/>
@@ -6138,7 +6084,319 @@
     </p:spTree>
     <p:extLst>
       <p:ext uri="{BB962C8B-B14F-4D97-AF65-F5344CB8AC3E}">
-        <p14:creationId xmlns:p14="http://schemas.microsoft.com/office/powerpoint/2010/main" val="1037792930"/>
+        <p14:creationId xmlns:p14="http://schemas.microsoft.com/office/powerpoint/2010/main" val="4144850923"/>
+      </p:ext>
+    </p:extLst>
+  </p:cSld>
+  <p:clrMapOvr>
+    <a:masterClrMapping/>
+  </p:clrMapOvr>
+</p:sld>
+</file>
+
+<file path=ppt/slides/slide10.xml><?xml version="1.0" encoding="utf-8"?>
+<p:sld xmlns:a="http://schemas.openxmlformats.org/drawingml/2006/main" xmlns:r="http://schemas.openxmlformats.org/officeDocument/2006/relationships" xmlns:p="http://schemas.openxmlformats.org/presentationml/2006/main">
+  <p:cSld>
+    <p:spTree>
+      <p:nvGrpSpPr>
+        <p:cNvPr id="1" name=""/>
+        <p:cNvGrpSpPr/>
+        <p:nvPr/>
+      </p:nvGrpSpPr>
+      <p:grpSpPr>
+        <a:xfrm>
+          <a:off x="0" y="0"/>
+          <a:ext cx="0" cy="0"/>
+          <a:chOff x="0" y="0"/>
+          <a:chExt cx="0" cy="0"/>
+        </a:xfrm>
+      </p:grpSpPr>
+      <p:sp>
+        <p:nvSpPr>
+          <p:cNvPr id="2" name="標題 1"/>
+          <p:cNvSpPr>
+            <a:spLocks noGrp="1"/>
+          </p:cNvSpPr>
+          <p:nvPr>
+            <p:ph type="title"/>
+          </p:nvPr>
+        </p:nvSpPr>
+        <p:spPr/>
+        <p:txBody>
+          <a:bodyPr/>
+          <a:lstStyle/>
+          <a:p>
+            <a:r>
+              <a:rPr lang="zh-TW" altLang="en-US" dirty="0" smtClean="0"/>
+              <a:t>先開啟</a:t>
+            </a:r>
+            <a:r>
+              <a:rPr lang="en-US" altLang="zh-TW" dirty="0" smtClean="0"/>
+              <a:t>Anaconda navigator</a:t>
+            </a:r>
+            <a:endParaRPr lang="zh-TW" altLang="en-US" dirty="0"/>
+          </a:p>
+        </p:txBody>
+      </p:sp>
+      <p:sp>
+        <p:nvSpPr>
+          <p:cNvPr id="3" name="內容版面配置區 2"/>
+          <p:cNvSpPr>
+            <a:spLocks noGrp="1"/>
+          </p:cNvSpPr>
+          <p:nvPr>
+            <p:ph idx="1"/>
+          </p:nvPr>
+        </p:nvSpPr>
+        <p:spPr/>
+        <p:txBody>
+          <a:bodyPr/>
+          <a:lstStyle/>
+          <a:p>
+            <a:r>
+              <a:rPr lang="zh-TW" altLang="en-US" dirty="0" smtClean="0"/>
+              <a:t>點開</a:t>
+            </a:r>
+            <a:r>
+              <a:rPr lang="en-US" altLang="zh-TW" dirty="0" smtClean="0"/>
+              <a:t>Windows</a:t>
+            </a:r>
+            <a:r>
+              <a:rPr lang="zh-TW" altLang="en-US" dirty="0" smtClean="0"/>
+              <a:t>的開始</a:t>
+            </a:r>
+            <a:endParaRPr lang="en-US" altLang="zh-TW" dirty="0" smtClean="0"/>
+          </a:p>
+          <a:p>
+            <a:r>
+              <a:rPr lang="zh-TW" altLang="en-US" dirty="0"/>
+              <a:t>找到</a:t>
+            </a:r>
+            <a:r>
+              <a:rPr lang="en-US" altLang="zh-TW" dirty="0"/>
+              <a:t>Anaconda3(64bit</a:t>
+            </a:r>
+            <a:r>
+              <a:rPr lang="en-US" altLang="zh-TW" dirty="0" smtClean="0"/>
+              <a:t>)</a:t>
+            </a:r>
+          </a:p>
+          <a:p>
+            <a:r>
+              <a:rPr lang="zh-TW" altLang="en-US" dirty="0"/>
+              <a:t>點選裡面</a:t>
+            </a:r>
+            <a:r>
+              <a:rPr lang="zh-TW" altLang="en-US" dirty="0" smtClean="0"/>
+              <a:t>的</a:t>
+            </a:r>
+            <a:r>
+              <a:rPr lang="en-US" altLang="zh-TW" dirty="0" smtClean="0"/>
+              <a:t>Anaconda Navigator</a:t>
+            </a:r>
+          </a:p>
+        </p:txBody>
+      </p:sp>
+      <p:pic>
+        <p:nvPicPr>
+          <p:cNvPr id="4" name="圖片 3"/>
+          <p:cNvPicPr>
+            <a:picLocks noChangeAspect="1"/>
+          </p:cNvPicPr>
+          <p:nvPr/>
+        </p:nvPicPr>
+        <p:blipFill>
+          <a:blip r:embed="rId2"/>
+          <a:stretch>
+            <a:fillRect/>
+          </a:stretch>
+        </p:blipFill>
+        <p:spPr>
+          <a:xfrm>
+            <a:off x="5872286" y="2016333"/>
+            <a:ext cx="3401716" cy="4169283"/>
+          </a:xfrm>
+          <a:prstGeom prst="rect">
+            <a:avLst/>
+          </a:prstGeom>
+        </p:spPr>
+      </p:pic>
+      <p:sp>
+        <p:nvSpPr>
+          <p:cNvPr id="5" name="向右箭號 4"/>
+          <p:cNvSpPr/>
+          <p:nvPr/>
+        </p:nvSpPr>
+        <p:spPr>
+          <a:xfrm rot="1528218">
+            <a:off x="5445461" y="5751450"/>
+            <a:ext cx="516225" cy="202661"/>
+          </a:xfrm>
+          <a:prstGeom prst="rightArrow">
+            <a:avLst/>
+          </a:prstGeom>
+          <a:solidFill>
+            <a:srgbClr val="FF0000"/>
+          </a:solidFill>
+          <a:ln>
+            <a:solidFill>
+              <a:srgbClr val="FF0000"/>
+            </a:solidFill>
+          </a:ln>
+        </p:spPr>
+        <p:style>
+          <a:lnRef idx="2">
+            <a:schemeClr val="accent1">
+              <a:shade val="50000"/>
+            </a:schemeClr>
+          </a:lnRef>
+          <a:fillRef idx="1">
+            <a:schemeClr val="accent1"/>
+          </a:fillRef>
+          <a:effectRef idx="0">
+            <a:schemeClr val="accent1"/>
+          </a:effectRef>
+          <a:fontRef idx="minor">
+            <a:schemeClr val="lt1"/>
+          </a:fontRef>
+        </p:style>
+        <p:txBody>
+          <a:bodyPr rtlCol="0" anchor="ctr"/>
+          <a:lstStyle/>
+          <a:p>
+            <a:pPr algn="ctr"/>
+            <a:endParaRPr lang="zh-TW" altLang="en-US"/>
+          </a:p>
+        </p:txBody>
+      </p:sp>
+      <p:sp>
+        <p:nvSpPr>
+          <p:cNvPr id="6" name="向右箭號 5"/>
+          <p:cNvSpPr/>
+          <p:nvPr/>
+        </p:nvSpPr>
+        <p:spPr>
+          <a:xfrm rot="1528218">
+            <a:off x="6067253" y="3071323"/>
+            <a:ext cx="516225" cy="202661"/>
+          </a:xfrm>
+          <a:prstGeom prst="rightArrow">
+            <a:avLst/>
+          </a:prstGeom>
+          <a:solidFill>
+            <a:srgbClr val="FF0000"/>
+          </a:solidFill>
+          <a:ln>
+            <a:solidFill>
+              <a:srgbClr val="FF0000"/>
+            </a:solidFill>
+          </a:ln>
+        </p:spPr>
+        <p:style>
+          <a:lnRef idx="2">
+            <a:schemeClr val="accent1">
+              <a:shade val="50000"/>
+            </a:schemeClr>
+          </a:lnRef>
+          <a:fillRef idx="1">
+            <a:schemeClr val="accent1"/>
+          </a:fillRef>
+          <a:effectRef idx="0">
+            <a:schemeClr val="accent1"/>
+          </a:effectRef>
+          <a:fontRef idx="minor">
+            <a:schemeClr val="lt1"/>
+          </a:fontRef>
+        </p:style>
+        <p:txBody>
+          <a:bodyPr rtlCol="0" anchor="ctr"/>
+          <a:lstStyle/>
+          <a:p>
+            <a:pPr algn="ctr"/>
+            <a:endParaRPr lang="zh-TW" altLang="en-US"/>
+          </a:p>
+        </p:txBody>
+      </p:sp>
+      <p:sp>
+        <p:nvSpPr>
+          <p:cNvPr id="7" name="文字方塊 6"/>
+          <p:cNvSpPr txBox="1"/>
+          <p:nvPr/>
+        </p:nvSpPr>
+        <p:spPr>
+          <a:xfrm>
+            <a:off x="5267311" y="5816284"/>
+            <a:ext cx="319318" cy="369332"/>
+          </a:xfrm>
+          <a:prstGeom prst="rect">
+            <a:avLst/>
+          </a:prstGeom>
+          <a:noFill/>
+        </p:spPr>
+        <p:txBody>
+          <a:bodyPr wrap="none" rtlCol="0">
+            <a:spAutoFit/>
+          </a:bodyPr>
+          <a:lstStyle/>
+          <a:p>
+            <a:r>
+              <a:rPr lang="en-US" altLang="zh-TW" b="1" dirty="0" smtClean="0">
+                <a:solidFill>
+                  <a:srgbClr val="FF0000"/>
+                </a:solidFill>
+              </a:rPr>
+              <a:t>1</a:t>
+            </a:r>
+            <a:endParaRPr lang="zh-TW" altLang="en-US" b="1" dirty="0">
+              <a:solidFill>
+                <a:srgbClr val="FF0000"/>
+              </a:solidFill>
+            </a:endParaRPr>
+          </a:p>
+        </p:txBody>
+      </p:sp>
+      <p:sp>
+        <p:nvSpPr>
+          <p:cNvPr id="8" name="文字方塊 7"/>
+          <p:cNvSpPr txBox="1"/>
+          <p:nvPr/>
+        </p:nvSpPr>
+        <p:spPr>
+          <a:xfrm>
+            <a:off x="5820518" y="2739982"/>
+            <a:ext cx="319318" cy="369332"/>
+          </a:xfrm>
+          <a:prstGeom prst="rect">
+            <a:avLst/>
+          </a:prstGeom>
+          <a:noFill/>
+        </p:spPr>
+        <p:txBody>
+          <a:bodyPr wrap="none" rtlCol="0">
+            <a:spAutoFit/>
+          </a:bodyPr>
+          <a:lstStyle/>
+          <a:p>
+            <a:r>
+              <a:rPr lang="en-US" altLang="zh-TW" b="1" dirty="0" smtClean="0">
+                <a:solidFill>
+                  <a:srgbClr val="FF0000"/>
+                </a:solidFill>
+              </a:rPr>
+              <a:t>2</a:t>
+            </a:r>
+            <a:endParaRPr lang="zh-TW" altLang="en-US" b="1" dirty="0">
+              <a:solidFill>
+                <a:srgbClr val="FF0000"/>
+              </a:solidFill>
+            </a:endParaRPr>
+          </a:p>
+        </p:txBody>
+      </p:sp>
+    </p:spTree>
+    <p:extLst>
+      <p:ext uri="{BB962C8B-B14F-4D97-AF65-F5344CB8AC3E}">
+        <p14:creationId xmlns:p14="http://schemas.microsoft.com/office/powerpoint/2010/main" val="1985213539"/>
       </p:ext>
     </p:extLst>
   </p:cSld>
@@ -6155,7 +6413,119 @@
 </p:sld>
 </file>
 
-<file path=ppt/slides/slide10.xml><?xml version="1.0" encoding="utf-8"?>
+<file path=ppt/slides/slide11.xml><?xml version="1.0" encoding="utf-8"?>
+<p:sld xmlns:a="http://schemas.openxmlformats.org/drawingml/2006/main" xmlns:r="http://schemas.openxmlformats.org/officeDocument/2006/relationships" xmlns:p="http://schemas.openxmlformats.org/presentationml/2006/main">
+  <p:cSld>
+    <p:spTree>
+      <p:nvGrpSpPr>
+        <p:cNvPr id="1" name=""/>
+        <p:cNvGrpSpPr/>
+        <p:nvPr/>
+      </p:nvGrpSpPr>
+      <p:grpSpPr>
+        <a:xfrm>
+          <a:off x="0" y="0"/>
+          <a:ext cx="0" cy="0"/>
+          <a:chOff x="0" y="0"/>
+          <a:chExt cx="0" cy="0"/>
+        </a:xfrm>
+      </p:grpSpPr>
+      <p:sp>
+        <p:nvSpPr>
+          <p:cNvPr id="2" name="標題 1"/>
+          <p:cNvSpPr>
+            <a:spLocks noGrp="1"/>
+          </p:cNvSpPr>
+          <p:nvPr>
+            <p:ph type="title"/>
+          </p:nvPr>
+        </p:nvSpPr>
+        <p:spPr/>
+        <p:txBody>
+          <a:bodyPr/>
+          <a:lstStyle/>
+          <a:p>
+            <a:r>
+              <a:rPr lang="en-US" altLang="zh-TW" dirty="0" smtClean="0"/>
+              <a:t>Anaconda Navigator</a:t>
+            </a:r>
+            <a:r>
+              <a:rPr lang="zh-TW" altLang="en-US" dirty="0" smtClean="0"/>
+              <a:t>執行畫面</a:t>
+            </a:r>
+            <a:endParaRPr lang="zh-TW" altLang="en-US" dirty="0"/>
+          </a:p>
+        </p:txBody>
+      </p:sp>
+      <p:sp>
+        <p:nvSpPr>
+          <p:cNvPr id="3" name="內容版面配置區 2"/>
+          <p:cNvSpPr>
+            <a:spLocks noGrp="1"/>
+          </p:cNvSpPr>
+          <p:nvPr>
+            <p:ph idx="1"/>
+          </p:nvPr>
+        </p:nvSpPr>
+        <p:spPr/>
+        <p:txBody>
+          <a:bodyPr/>
+          <a:lstStyle/>
+          <a:p>
+            <a:endParaRPr lang="zh-TW" altLang="en-US"/>
+          </a:p>
+        </p:txBody>
+      </p:sp>
+      <p:pic>
+        <p:nvPicPr>
+          <p:cNvPr id="4" name="圖片 3"/>
+          <p:cNvPicPr>
+            <a:picLocks noChangeAspect="1"/>
+          </p:cNvPicPr>
+          <p:nvPr/>
+        </p:nvPicPr>
+        <p:blipFill>
+          <a:blip r:embed="rId2"/>
+          <a:stretch>
+            <a:fillRect/>
+          </a:stretch>
+        </p:blipFill>
+        <p:spPr>
+          <a:xfrm>
+            <a:off x="1098423" y="1690948"/>
+            <a:ext cx="6893433" cy="4963017"/>
+          </a:xfrm>
+          <a:prstGeom prst="rect">
+            <a:avLst/>
+          </a:prstGeom>
+          <a:ln>
+            <a:solidFill>
+              <a:schemeClr val="tx1"/>
+            </a:solidFill>
+          </a:ln>
+        </p:spPr>
+      </p:pic>
+    </p:spTree>
+    <p:extLst>
+      <p:ext uri="{BB962C8B-B14F-4D97-AF65-F5344CB8AC3E}">
+        <p14:creationId xmlns:p14="http://schemas.microsoft.com/office/powerpoint/2010/main" val="3104784519"/>
+      </p:ext>
+    </p:extLst>
+  </p:cSld>
+  <p:clrMapOvr>
+    <a:masterClrMapping/>
+  </p:clrMapOvr>
+  <p:timing>
+    <p:tnLst>
+      <p:par>
+        <p:cTn id="1" dur="indefinite" restart="never" nodeType="tmRoot"/>
+      </p:par>
+    </p:tnLst>
+  </p:timing>
+</p:sld>
+</file>
+
+<file path=ppt/slides/slide12.xml><?xml version="1.0" encoding="utf-8"?>
 <p:sld xmlns:a="http://schemas.openxmlformats.org/drawingml/2006/main" xmlns:r="http://schemas.openxmlformats.org/officeDocument/2006/relationships" xmlns:p="http://schemas.openxmlformats.org/presentationml/2006/main">
   <p:cSld>
     <p:spTree>
@@ -7345,7 +7715,7 @@
 </p:sld>
 </file>
 
-<file path=ppt/slides/slide11.xml><?xml version="1.0" encoding="utf-8"?>
+<file path=ppt/slides/slide13.xml><?xml version="1.0" encoding="utf-8"?>
 <p:sld xmlns:a="http://schemas.openxmlformats.org/drawingml/2006/main" xmlns:r="http://schemas.openxmlformats.org/officeDocument/2006/relationships" xmlns:p="http://schemas.openxmlformats.org/presentationml/2006/main">
   <p:cSld>
     <p:spTree>
@@ -8157,271 +8527,6 @@
 </p:sld>
 </file>
 
-<file path=ppt/slides/slide12.xml><?xml version="1.0" encoding="utf-8"?>
-<p:sld xmlns:a="http://schemas.openxmlformats.org/drawingml/2006/main" xmlns:r="http://schemas.openxmlformats.org/officeDocument/2006/relationships" xmlns:p="http://schemas.openxmlformats.org/presentationml/2006/main">
-  <p:cSld>
-    <p:spTree>
-      <p:nvGrpSpPr>
-        <p:cNvPr id="1" name=""/>
-        <p:cNvGrpSpPr/>
-        <p:nvPr/>
-      </p:nvGrpSpPr>
-      <p:grpSpPr>
-        <a:xfrm>
-          <a:off x="0" y="0"/>
-          <a:ext cx="0" cy="0"/>
-          <a:chOff x="0" y="0"/>
-          <a:chExt cx="0" cy="0"/>
-        </a:xfrm>
-      </p:grpSpPr>
-      <p:sp>
-        <p:nvSpPr>
-          <p:cNvPr id="2" name="標題 1"/>
-          <p:cNvSpPr>
-            <a:spLocks noGrp="1"/>
-          </p:cNvSpPr>
-          <p:nvPr>
-            <p:ph type="title"/>
-          </p:nvPr>
-        </p:nvSpPr>
-        <p:spPr/>
-        <p:txBody>
-          <a:bodyPr/>
-          <a:lstStyle/>
-          <a:p>
-            <a:r>
-              <a:rPr lang="zh-TW" altLang="en-US" dirty="0" smtClean="0"/>
-              <a:t>關於</a:t>
-            </a:r>
-            <a:r>
-              <a:rPr lang="en-US" altLang="zh-TW" dirty="0" smtClean="0"/>
-              <a:t>Anaconda</a:t>
-            </a:r>
-            <a:r>
-              <a:rPr lang="zh-TW" altLang="en-US" dirty="0" smtClean="0"/>
-              <a:t>環境</a:t>
-            </a:r>
-            <a:endParaRPr lang="zh-TW" altLang="en-US" dirty="0"/>
-          </a:p>
-        </p:txBody>
-      </p:sp>
-      <p:sp>
-        <p:nvSpPr>
-          <p:cNvPr id="3" name="內容版面配置區 2"/>
-          <p:cNvSpPr>
-            <a:spLocks noGrp="1"/>
-          </p:cNvSpPr>
-          <p:nvPr>
-            <p:ph idx="1"/>
-          </p:nvPr>
-        </p:nvSpPr>
-        <p:spPr/>
-        <p:txBody>
-          <a:bodyPr/>
-          <a:lstStyle/>
-          <a:p>
-            <a:r>
-              <a:rPr lang="en-US" altLang="zh-TW" dirty="0"/>
-              <a:t>Anaconda</a:t>
-            </a:r>
-            <a:r>
-              <a:rPr lang="zh-TW" altLang="en-US" dirty="0"/>
-              <a:t>是一套很大的工具，初學者建議先安裝</a:t>
-            </a:r>
-            <a:r>
-              <a:rPr lang="zh-TW" altLang="en-US" dirty="0" smtClean="0"/>
-              <a:t>後面接著說明</a:t>
-            </a:r>
-            <a:r>
-              <a:rPr lang="zh-TW" altLang="en-US" dirty="0"/>
-              <a:t>的單純版</a:t>
-            </a:r>
-            <a:r>
-              <a:rPr lang="en-US" altLang="zh-TW" dirty="0" err="1"/>
-              <a:t>Spyder</a:t>
-            </a:r>
-            <a:r>
-              <a:rPr lang="zh-TW" altLang="en-US" dirty="0" smtClean="0"/>
-              <a:t>即可</a:t>
-            </a:r>
-            <a:endParaRPr lang="en-US" altLang="zh-TW" dirty="0" smtClean="0"/>
-          </a:p>
-          <a:p>
-            <a:r>
-              <a:rPr lang="zh-TW" altLang="en-US" dirty="0"/>
-              <a:t>可以管理專案執行</a:t>
-            </a:r>
-            <a:r>
-              <a:rPr lang="zh-TW" altLang="en-US" dirty="0" smtClean="0"/>
-              <a:t>環境</a:t>
-            </a:r>
-            <a:endParaRPr lang="en-US" altLang="zh-TW" dirty="0" smtClean="0"/>
-          </a:p>
-          <a:p>
-            <a:pPr lvl="1"/>
-            <a:r>
-              <a:rPr lang="zh-TW" altLang="en-US" dirty="0"/>
-              <a:t>多種版本環境之建立與管理</a:t>
-            </a:r>
-            <a:endParaRPr lang="en-US" altLang="zh-TW" dirty="0" smtClean="0"/>
-          </a:p>
-          <a:p>
-            <a:r>
-              <a:rPr lang="zh-TW" altLang="en-US" dirty="0"/>
-              <a:t>可以管理相關工具如</a:t>
-            </a:r>
-            <a:r>
-              <a:rPr lang="en-US" altLang="zh-TW" dirty="0" err="1"/>
-              <a:t>pyinstaller</a:t>
-            </a:r>
-            <a:r>
-              <a:rPr lang="en-US" altLang="zh-TW" dirty="0" smtClean="0"/>
-              <a:t>, constructor, pip</a:t>
-            </a:r>
-            <a:r>
-              <a:rPr lang="zh-TW" altLang="en-US" dirty="0" smtClean="0"/>
-              <a:t>等</a:t>
-            </a:r>
-            <a:endParaRPr lang="en-US" altLang="zh-TW" dirty="0" smtClean="0"/>
-          </a:p>
-          <a:p>
-            <a:pPr lvl="1"/>
-            <a:r>
-              <a:rPr lang="zh-TW" altLang="en-US" dirty="0" smtClean="0"/>
-              <a:t>轉換成執行檔，模組管理等</a:t>
-            </a:r>
-            <a:endParaRPr lang="en-US" altLang="zh-TW" dirty="0" smtClean="0"/>
-          </a:p>
-          <a:p>
-            <a:r>
-              <a:rPr lang="zh-TW" altLang="en-US" dirty="0"/>
-              <a:t>還有</a:t>
-            </a:r>
-            <a:r>
-              <a:rPr lang="en-US" altLang="zh-TW" dirty="0"/>
-              <a:t>R</a:t>
-            </a:r>
-            <a:r>
-              <a:rPr lang="zh-TW" altLang="en-US" dirty="0"/>
-              <a:t>語言也可以用。</a:t>
-            </a:r>
-            <a:endParaRPr lang="en-US" altLang="zh-TW" dirty="0" smtClean="0"/>
-          </a:p>
-          <a:p>
-            <a:endParaRPr lang="zh-TW" altLang="en-US" dirty="0"/>
-          </a:p>
-          <a:p>
-            <a:endParaRPr lang="zh-TW" altLang="en-US" dirty="0"/>
-          </a:p>
-        </p:txBody>
-      </p:sp>
-    </p:spTree>
-    <p:extLst>
-      <p:ext uri="{BB962C8B-B14F-4D97-AF65-F5344CB8AC3E}">
-        <p14:creationId xmlns:p14="http://schemas.microsoft.com/office/powerpoint/2010/main" val="2508047565"/>
-      </p:ext>
-    </p:extLst>
-  </p:cSld>
-  <p:clrMapOvr>
-    <a:masterClrMapping/>
-  </p:clrMapOvr>
-  <p:timing>
-    <p:tnLst>
-      <p:par>
-        <p:cTn id="1" dur="indefinite" restart="never" nodeType="tmRoot"/>
-      </p:par>
-    </p:tnLst>
-  </p:timing>
-</p:sld>
-</file>
-
-<file path=ppt/slides/slide13.xml><?xml version="1.0" encoding="utf-8"?>
-<p:sld xmlns:a="http://schemas.openxmlformats.org/drawingml/2006/main" xmlns:r="http://schemas.openxmlformats.org/officeDocument/2006/relationships" xmlns:p="http://schemas.openxmlformats.org/presentationml/2006/main">
-  <p:cSld>
-    <p:spTree>
-      <p:nvGrpSpPr>
-        <p:cNvPr id="1" name=""/>
-        <p:cNvGrpSpPr/>
-        <p:nvPr/>
-      </p:nvGrpSpPr>
-      <p:grpSpPr>
-        <a:xfrm>
-          <a:off x="0" y="0"/>
-          <a:ext cx="0" cy="0"/>
-          <a:chOff x="0" y="0"/>
-          <a:chExt cx="0" cy="0"/>
-        </a:xfrm>
-      </p:grpSpPr>
-      <p:sp>
-        <p:nvSpPr>
-          <p:cNvPr id="2" name="標題 1"/>
-          <p:cNvSpPr>
-            <a:spLocks noGrp="1"/>
-          </p:cNvSpPr>
-          <p:nvPr>
-            <p:ph type="ctrTitle"/>
-          </p:nvPr>
-        </p:nvSpPr>
-        <p:spPr/>
-        <p:txBody>
-          <a:bodyPr/>
-          <a:lstStyle/>
-          <a:p>
-            <a:r>
-              <a:rPr lang="zh-TW" altLang="en-US" dirty="0" smtClean="0"/>
-              <a:t>單純</a:t>
-            </a:r>
-            <a:r>
-              <a:rPr lang="en-US" altLang="zh-TW" dirty="0" err="1" smtClean="0"/>
-              <a:t>Spyder</a:t>
-            </a:r>
-            <a:r>
-              <a:rPr lang="zh-TW" altLang="en-US" dirty="0" smtClean="0"/>
-              <a:t>環境建置</a:t>
-            </a:r>
-            <a:endParaRPr lang="zh-TW" altLang="en-US" dirty="0"/>
-          </a:p>
-        </p:txBody>
-      </p:sp>
-      <p:sp>
-        <p:nvSpPr>
-          <p:cNvPr id="3" name="副標題 2"/>
-          <p:cNvSpPr>
-            <a:spLocks noGrp="1"/>
-          </p:cNvSpPr>
-          <p:nvPr>
-            <p:ph type="subTitle" idx="1"/>
-          </p:nvPr>
-        </p:nvSpPr>
-        <p:spPr/>
-        <p:txBody>
-          <a:bodyPr/>
-          <a:lstStyle/>
-          <a:p>
-            <a:endParaRPr lang="zh-TW" altLang="en-US"/>
-          </a:p>
-        </p:txBody>
-      </p:sp>
-    </p:spTree>
-    <p:extLst>
-      <p:ext uri="{BB962C8B-B14F-4D97-AF65-F5344CB8AC3E}">
-        <p14:creationId xmlns:p14="http://schemas.microsoft.com/office/powerpoint/2010/main" val="990491748"/>
-      </p:ext>
-    </p:extLst>
-  </p:cSld>
-  <p:clrMapOvr>
-    <a:masterClrMapping/>
-  </p:clrMapOvr>
-  <p:timing>
-    <p:tnLst>
-      <p:par>
-        <p:cTn id="1" dur="indefinite" restart="never" nodeType="tmRoot"/>
-      </p:par>
-    </p:tnLst>
-  </p:timing>
-</p:sld>
-</file>
-
 <file path=ppt/slides/slide14.xml><?xml version="1.0" encoding="utf-8"?>
 <p:sld xmlns:a="http://schemas.openxmlformats.org/drawingml/2006/main" xmlns:r="http://schemas.openxmlformats.org/officeDocument/2006/relationships" xmlns:p="http://schemas.openxmlformats.org/presentationml/2006/main">
   <p:cSld>
@@ -8456,7 +8561,15 @@
           <a:p>
             <a:r>
               <a:rPr lang="zh-TW" altLang="en-US" dirty="0" smtClean="0"/>
-              <a:t>下載安裝包</a:t>
+              <a:t>關於</a:t>
+            </a:r>
+            <a:r>
+              <a:rPr lang="en-US" altLang="zh-TW" dirty="0" smtClean="0"/>
+              <a:t>Anaconda</a:t>
+            </a:r>
+            <a:r>
+              <a:rPr lang="zh-TW" altLang="en-US" dirty="0" smtClean="0"/>
+              <a:t>環境</a:t>
             </a:r>
             <a:endParaRPr lang="zh-TW" altLang="en-US" dirty="0"/>
           </a:p>
@@ -8478,157 +8591,104 @@
           <a:lstStyle/>
           <a:p>
             <a:r>
-              <a:rPr lang="en-US" altLang="zh-TW" dirty="0" err="1" smtClean="0"/>
+              <a:rPr lang="en-US" altLang="zh-TW" dirty="0"/>
+              <a:t>Anaconda</a:t>
+            </a:r>
+            <a:r>
+              <a:rPr lang="zh-TW" altLang="en-US" dirty="0"/>
+              <a:t>是一套很大的工具，初學者建議先安裝</a:t>
+            </a:r>
+            <a:r>
+              <a:rPr lang="zh-TW" altLang="en-US" dirty="0" smtClean="0"/>
+              <a:t>後面接著說明</a:t>
+            </a:r>
+            <a:r>
+              <a:rPr lang="zh-TW" altLang="en-US" dirty="0"/>
+              <a:t>的單純版</a:t>
+            </a:r>
+            <a:r>
+              <a:rPr lang="en-US" altLang="zh-TW" dirty="0" err="1"/>
               <a:t>Spyder</a:t>
             </a:r>
             <a:r>
               <a:rPr lang="zh-TW" altLang="en-US" dirty="0" smtClean="0"/>
-              <a:t>官網</a:t>
+              <a:t>即可</a:t>
             </a:r>
             <a:endParaRPr lang="en-US" altLang="zh-TW" dirty="0" smtClean="0"/>
           </a:p>
           <a:p>
+            <a:r>
+              <a:rPr lang="zh-TW" altLang="en-US" dirty="0"/>
+              <a:t>可以管理專案執行</a:t>
+            </a:r>
+            <a:r>
+              <a:rPr lang="zh-TW" altLang="en-US" dirty="0" smtClean="0"/>
+              <a:t>環境</a:t>
+            </a:r>
+            <a:endParaRPr lang="en-US" altLang="zh-TW" dirty="0" smtClean="0"/>
+          </a:p>
+          <a:p>
             <a:pPr lvl="1"/>
             <a:r>
+              <a:rPr lang="zh-TW" altLang="en-US" dirty="0"/>
+              <a:t>多種版本環境之建立與管理</a:t>
+            </a:r>
+            <a:endParaRPr lang="en-US" altLang="zh-TW" dirty="0" smtClean="0"/>
+          </a:p>
+          <a:p>
+            <a:r>
+              <a:rPr lang="zh-TW" altLang="en-US" dirty="0"/>
+              <a:t>可以管理相關工具如</a:t>
+            </a:r>
+            <a:r>
+              <a:rPr lang="en-US" altLang="zh-TW" dirty="0" err="1"/>
+              <a:t>pyinstaller</a:t>
+            </a:r>
+            <a:r>
+              <a:rPr lang="en-US" altLang="zh-TW" dirty="0" smtClean="0"/>
+              <a:t>, constructor, pip</a:t>
+            </a:r>
+            <a:r>
+              <a:rPr lang="zh-TW" altLang="en-US" dirty="0" smtClean="0"/>
+              <a:t>等</a:t>
+            </a:r>
+            <a:endParaRPr lang="en-US" altLang="zh-TW" dirty="0" smtClean="0"/>
+          </a:p>
+          <a:p>
+            <a:pPr lvl="1"/>
+            <a:r>
+              <a:rPr lang="zh-TW" altLang="en-US" dirty="0" smtClean="0"/>
+              <a:t>轉換成執行檔，模組管理等</a:t>
+            </a:r>
+            <a:endParaRPr lang="en-US" altLang="zh-TW" dirty="0" smtClean="0"/>
+          </a:p>
+          <a:p>
+            <a:r>
+              <a:rPr lang="zh-TW" altLang="en-US" dirty="0"/>
+              <a:t>還有</a:t>
+            </a:r>
+            <a:r>
               <a:rPr lang="en-US" altLang="zh-TW" dirty="0"/>
-              <a:t>https://www.spyder-ide.org</a:t>
-            </a:r>
-            <a:r>
-              <a:rPr lang="en-US" altLang="zh-TW" dirty="0" smtClean="0"/>
-              <a:t>/</a:t>
-            </a:r>
-          </a:p>
-          <a:p>
-            <a:r>
-              <a:rPr lang="zh-TW" altLang="en-US" dirty="0" smtClean="0"/>
-              <a:t>點選</a:t>
-            </a:r>
-            <a:r>
-              <a:rPr lang="en-US" altLang="zh-TW" dirty="0" smtClean="0"/>
-              <a:t>DOWNLOAD</a:t>
-            </a:r>
-            <a:r>
-              <a:rPr lang="zh-TW" altLang="en-US" dirty="0" smtClean="0"/>
-              <a:t>，再往下找到</a:t>
-            </a:r>
-            <a:r>
-              <a:rPr lang="en-US" altLang="zh-TW" dirty="0" smtClean="0"/>
-              <a:t>Download for Windows</a:t>
-            </a:r>
-            <a:r>
-              <a:rPr lang="zh-TW" altLang="en-US" dirty="0" smtClean="0"/>
-              <a:t>，點下去就下載了。</a:t>
+              <a:t>R</a:t>
+            </a:r>
+            <a:r>
+              <a:rPr lang="zh-TW" altLang="en-US" dirty="0"/>
+              <a:t>語言也可以用。</a:t>
             </a:r>
             <a:endParaRPr lang="en-US" altLang="zh-TW" dirty="0" smtClean="0"/>
           </a:p>
           <a:p>
             <a:endParaRPr lang="zh-TW" altLang="en-US" dirty="0"/>
           </a:p>
-        </p:txBody>
-      </p:sp>
-      <p:pic>
-        <p:nvPicPr>
-          <p:cNvPr id="4" name="圖片 3"/>
-          <p:cNvPicPr>
-            <a:picLocks noChangeAspect="1"/>
-          </p:cNvPicPr>
-          <p:nvPr/>
-        </p:nvPicPr>
-        <p:blipFill>
-          <a:blip r:embed="rId2"/>
-          <a:stretch>
-            <a:fillRect/>
-          </a:stretch>
-        </p:blipFill>
-        <p:spPr>
-          <a:xfrm>
-            <a:off x="940689" y="3825275"/>
-            <a:ext cx="9027655" cy="607505"/>
-          </a:xfrm>
-          <a:prstGeom prst="rect">
-            <a:avLst/>
-          </a:prstGeom>
-          <a:ln>
-            <a:solidFill>
-              <a:schemeClr val="accent1"/>
-            </a:solidFill>
-          </a:ln>
-        </p:spPr>
-      </p:pic>
-      <p:sp>
-        <p:nvSpPr>
-          <p:cNvPr id="5" name="矩形 4"/>
-          <p:cNvSpPr/>
-          <p:nvPr/>
-        </p:nvSpPr>
-        <p:spPr>
-          <a:xfrm>
-            <a:off x="6364224" y="3591532"/>
-            <a:ext cx="1060704" cy="987552"/>
-          </a:xfrm>
-          <a:prstGeom prst="rect">
-            <a:avLst/>
-          </a:prstGeom>
-          <a:noFill/>
-          <a:ln w="38100">
-            <a:solidFill>
-              <a:srgbClr val="FF0000"/>
-            </a:solidFill>
-          </a:ln>
-        </p:spPr>
-        <p:style>
-          <a:lnRef idx="2">
-            <a:schemeClr val="accent1">
-              <a:shade val="50000"/>
-            </a:schemeClr>
-          </a:lnRef>
-          <a:fillRef idx="1">
-            <a:schemeClr val="accent1"/>
-          </a:fillRef>
-          <a:effectRef idx="0">
-            <a:schemeClr val="accent1"/>
-          </a:effectRef>
-          <a:fontRef idx="minor">
-            <a:schemeClr val="lt1"/>
-          </a:fontRef>
-        </p:style>
-        <p:txBody>
-          <a:bodyPr rtlCol="0" anchor="ctr"/>
-          <a:lstStyle/>
-          <a:p>
-            <a:pPr algn="ctr"/>
-            <a:endParaRPr lang="zh-TW" altLang="en-US"/>
-          </a:p>
-        </p:txBody>
-      </p:sp>
-      <p:pic>
-        <p:nvPicPr>
-          <p:cNvPr id="6" name="圖片 5"/>
-          <p:cNvPicPr>
-            <a:picLocks noChangeAspect="1"/>
-          </p:cNvPicPr>
-          <p:nvPr/>
-        </p:nvPicPr>
-        <p:blipFill>
-          <a:blip r:embed="rId3"/>
-          <a:stretch>
-            <a:fillRect/>
-          </a:stretch>
-        </p:blipFill>
-        <p:spPr>
-          <a:xfrm>
-            <a:off x="2971227" y="4809273"/>
-            <a:ext cx="4008882" cy="967661"/>
-          </a:xfrm>
-          <a:prstGeom prst="rect">
-            <a:avLst/>
-          </a:prstGeom>
-        </p:spPr>
-      </p:pic>
+          <a:p>
+            <a:endParaRPr lang="zh-TW" altLang="en-US" dirty="0"/>
+          </a:p>
+        </p:txBody>
+      </p:sp>
     </p:spTree>
     <p:extLst>
       <p:ext uri="{BB962C8B-B14F-4D97-AF65-F5344CB8AC3E}">
-        <p14:creationId xmlns:p14="http://schemas.microsoft.com/office/powerpoint/2010/main" val="1368136064"/>
+        <p14:creationId xmlns:p14="http://schemas.microsoft.com/office/powerpoint/2010/main" val="2508047565"/>
       </p:ext>
     </p:extLst>
   </p:cSld>
@@ -8669,7 +8729,7 @@
             <a:spLocks noGrp="1"/>
           </p:cNvSpPr>
           <p:nvPr>
-            <p:ph type="title"/>
+            <p:ph type="ctrTitle"/>
           </p:nvPr>
         </p:nvSpPr>
         <p:spPr/>
@@ -8679,7 +8739,15 @@
           <a:p>
             <a:r>
               <a:rPr lang="zh-TW" altLang="en-US" dirty="0" smtClean="0"/>
-              <a:t>開始安裝</a:t>
+              <a:t>單純</a:t>
+            </a:r>
+            <a:r>
+              <a:rPr lang="en-US" altLang="zh-TW" dirty="0" err="1" smtClean="0"/>
+              <a:t>Spyder</a:t>
+            </a:r>
+            <a:r>
+              <a:rPr lang="zh-TW" altLang="en-US" dirty="0" smtClean="0"/>
+              <a:t>環境建置</a:t>
             </a:r>
             <a:endParaRPr lang="zh-TW" altLang="en-US" dirty="0"/>
           </a:p>
@@ -8687,12 +8755,12 @@
       </p:sp>
       <p:sp>
         <p:nvSpPr>
-          <p:cNvPr id="3" name="內容版面配置區 2"/>
+          <p:cNvPr id="3" name="副標題 2"/>
           <p:cNvSpPr>
             <a:spLocks noGrp="1"/>
           </p:cNvSpPr>
           <p:nvPr>
-            <p:ph idx="1"/>
+            <p:ph type="subTitle" idx="1"/>
           </p:nvPr>
         </p:nvSpPr>
         <p:spPr/>
@@ -8700,170 +8768,55 @@
           <a:bodyPr/>
           <a:lstStyle/>
           <a:p>
-            <a:r>
-              <a:rPr lang="zh-TW" altLang="en-US" dirty="0" smtClean="0"/>
-              <a:t>執行下載下來的：</a:t>
-            </a:r>
-            <a:r>
-              <a:rPr lang="en-US" altLang="zh-TW" dirty="0" smtClean="0"/>
-              <a:t>Spyder_64bit_full.exe</a:t>
-            </a:r>
+            <a:endParaRPr lang="zh-TW" altLang="en-US"/>
           </a:p>
         </p:txBody>
       </p:sp>
       <p:pic>
         <p:nvPicPr>
-          <p:cNvPr id="4" name="圖片 3"/>
+          <p:cNvPr id="2050" name="Picture 2" descr="Site Logo"/>
           <p:cNvPicPr>
-            <a:picLocks noChangeAspect="1"/>
+            <a:picLocks noChangeAspect="1" noChangeArrowheads="1"/>
           </p:cNvPicPr>
           <p:nvPr/>
         </p:nvPicPr>
         <p:blipFill>
-          <a:blip r:embed="rId2"/>
+          <a:blip r:embed="rId2">
+            <a:extLst>
+              <a:ext uri="{28A0092B-C50C-407E-A947-70E740481C1C}">
+                <a14:useLocalDpi xmlns:a14="http://schemas.microsoft.com/office/drawing/2010/main" val="0"/>
+              </a:ext>
+            </a:extLst>
+          </a:blip>
+          <a:srcRect/>
           <a:stretch>
             <a:fillRect/>
           </a:stretch>
         </p:blipFill>
-        <p:spPr>
+        <p:spPr bwMode="auto">
           <a:xfrm>
-            <a:off x="741376" y="2670641"/>
-            <a:ext cx="4234292" cy="3481042"/>
+            <a:off x="695071" y="793432"/>
+            <a:ext cx="3686175" cy="1304926"/>
           </a:xfrm>
           <a:prstGeom prst="rect">
             <a:avLst/>
           </a:prstGeom>
-          <a:ln>
-            <a:solidFill>
-              <a:schemeClr val="tx1"/>
-            </a:solidFill>
-          </a:ln>
+          <a:noFill/>
+          <a:extLst>
+            <a:ext uri="{909E8E84-426E-40DD-AFC4-6F175D3DCCD1}">
+              <a14:hiddenFill xmlns:a14="http://schemas.microsoft.com/office/drawing/2010/main">
+                <a:solidFill>
+                  <a:srgbClr val="FFFFFF"/>
+                </a:solidFill>
+              </a14:hiddenFill>
+            </a:ext>
+          </a:extLst>
         </p:spPr>
       </p:pic>
-      <p:sp>
-        <p:nvSpPr>
-          <p:cNvPr id="5" name="向右箭號 4"/>
-          <p:cNvSpPr/>
-          <p:nvPr/>
-        </p:nvSpPr>
-        <p:spPr>
-          <a:xfrm rot="2801805">
-            <a:off x="3438146" y="5461498"/>
-            <a:ext cx="539496" cy="274320"/>
-          </a:xfrm>
-          <a:prstGeom prst="rightArrow">
-            <a:avLst/>
-          </a:prstGeom>
-          <a:solidFill>
-            <a:srgbClr val="FF0000"/>
-          </a:solidFill>
-          <a:ln>
-            <a:solidFill>
-              <a:srgbClr val="FF0000"/>
-            </a:solidFill>
-          </a:ln>
-        </p:spPr>
-        <p:style>
-          <a:lnRef idx="2">
-            <a:schemeClr val="accent1">
-              <a:shade val="50000"/>
-            </a:schemeClr>
-          </a:lnRef>
-          <a:fillRef idx="1">
-            <a:schemeClr val="accent1"/>
-          </a:fillRef>
-          <a:effectRef idx="0">
-            <a:schemeClr val="accent1"/>
-          </a:effectRef>
-          <a:fontRef idx="minor">
-            <a:schemeClr val="lt1"/>
-          </a:fontRef>
-        </p:style>
-        <p:txBody>
-          <a:bodyPr rtlCol="0" anchor="ctr"/>
-          <a:lstStyle/>
-          <a:p>
-            <a:pPr algn="ctr"/>
-            <a:endParaRPr lang="zh-TW" altLang="en-US"/>
-          </a:p>
-        </p:txBody>
-      </p:sp>
-      <p:pic>
-        <p:nvPicPr>
-          <p:cNvPr id="6" name="圖片 5"/>
-          <p:cNvPicPr>
-            <a:picLocks noChangeAspect="1"/>
-          </p:cNvPicPr>
-          <p:nvPr/>
-        </p:nvPicPr>
-        <p:blipFill>
-          <a:blip r:embed="rId3"/>
-          <a:stretch>
-            <a:fillRect/>
-          </a:stretch>
-        </p:blipFill>
-        <p:spPr>
-          <a:xfrm>
-            <a:off x="5060761" y="2670641"/>
-            <a:ext cx="4241605" cy="3481042"/>
-          </a:xfrm>
-          <a:prstGeom prst="rect">
-            <a:avLst/>
-          </a:prstGeom>
-        </p:spPr>
-      </p:pic>
-      <p:sp>
-        <p:nvSpPr>
-          <p:cNvPr id="7" name="向右箭號 6"/>
-          <p:cNvSpPr/>
-          <p:nvPr/>
-        </p:nvSpPr>
-        <p:spPr>
-          <a:xfrm rot="2801805">
-            <a:off x="7549899" y="5470346"/>
-            <a:ext cx="539496" cy="274320"/>
-          </a:xfrm>
-          <a:prstGeom prst="rightArrow">
-            <a:avLst/>
-          </a:prstGeom>
-          <a:solidFill>
-            <a:srgbClr val="FF0000"/>
-          </a:solidFill>
-          <a:ln>
-            <a:solidFill>
-              <a:srgbClr val="FF0000"/>
-            </a:solidFill>
-          </a:ln>
-        </p:spPr>
-        <p:style>
-          <a:lnRef idx="2">
-            <a:schemeClr val="accent1">
-              <a:shade val="50000"/>
-            </a:schemeClr>
-          </a:lnRef>
-          <a:fillRef idx="1">
-            <a:schemeClr val="accent1"/>
-          </a:fillRef>
-          <a:effectRef idx="0">
-            <a:schemeClr val="accent1"/>
-          </a:effectRef>
-          <a:fontRef idx="minor">
-            <a:schemeClr val="lt1"/>
-          </a:fontRef>
-        </p:style>
-        <p:txBody>
-          <a:bodyPr rtlCol="0" anchor="ctr"/>
-          <a:lstStyle/>
-          <a:p>
-            <a:pPr algn="ctr"/>
-            <a:endParaRPr lang="zh-TW" altLang="en-US"/>
-          </a:p>
-        </p:txBody>
-      </p:sp>
     </p:spTree>
     <p:extLst>
       <p:ext uri="{BB962C8B-B14F-4D97-AF65-F5344CB8AC3E}">
-        <p14:creationId xmlns:p14="http://schemas.microsoft.com/office/powerpoint/2010/main" val="3491015286"/>
+        <p14:creationId xmlns:p14="http://schemas.microsoft.com/office/powerpoint/2010/main" val="990491748"/>
       </p:ext>
     </p:extLst>
   </p:cSld>
@@ -8914,7 +8867,7 @@
           <a:p>
             <a:r>
               <a:rPr lang="zh-TW" altLang="en-US" dirty="0" smtClean="0"/>
-              <a:t>安裝過程</a:t>
+              <a:t>下載安裝包</a:t>
             </a:r>
             <a:endParaRPr lang="zh-TW" altLang="en-US" dirty="0"/>
           </a:p>
@@ -8930,24 +8883,62 @@
             <p:ph idx="1"/>
           </p:nvPr>
         </p:nvSpPr>
-        <p:spPr/>
+        <p:spPr>
+          <a:xfrm>
+            <a:off x="677334" y="2498917"/>
+            <a:ext cx="8596668" cy="3880773"/>
+          </a:xfrm>
+        </p:spPr>
         <p:txBody>
           <a:bodyPr/>
           <a:lstStyle/>
           <a:p>
-            <a:r>
-              <a:rPr lang="zh-TW" altLang="en-US" dirty="0" smtClean="0"/>
-              <a:t>選擇個人或全體使用</a:t>
-            </a:r>
             <a:r>
               <a:rPr lang="en-US" altLang="zh-TW" dirty="0" err="1" smtClean="0"/>
               <a:t>Spyder</a:t>
             </a:r>
             <a:r>
               <a:rPr lang="zh-TW" altLang="en-US" dirty="0" smtClean="0"/>
-              <a:t>，選擇安裝目錄。</a:t>
+              <a:t>官網</a:t>
             </a:r>
             <a:endParaRPr lang="en-US" altLang="zh-TW" dirty="0" smtClean="0"/>
+          </a:p>
+          <a:p>
+            <a:pPr lvl="1"/>
+            <a:r>
+              <a:rPr lang="en-US" altLang="zh-TW" dirty="0"/>
+              <a:t>https://www.spyder-ide.org</a:t>
+            </a:r>
+            <a:r>
+              <a:rPr lang="en-US" altLang="zh-TW" dirty="0" smtClean="0"/>
+              <a:t>/</a:t>
+            </a:r>
+          </a:p>
+          <a:p>
+            <a:r>
+              <a:rPr lang="zh-TW" altLang="en-US" dirty="0" smtClean="0"/>
+              <a:t>點選</a:t>
+            </a:r>
+            <a:r>
+              <a:rPr lang="en-US" altLang="zh-TW" dirty="0" smtClean="0"/>
+              <a:t>DOWNLOAD</a:t>
+            </a:r>
+            <a:r>
+              <a:rPr lang="zh-TW" altLang="en-US" dirty="0" smtClean="0"/>
+              <a:t>，再往下找到</a:t>
+            </a:r>
+            <a:r>
+              <a:rPr lang="en-US" altLang="zh-TW" dirty="0" smtClean="0"/>
+              <a:t>Download for Windows</a:t>
+            </a:r>
+            <a:r>
+              <a:rPr lang="zh-TW" altLang="en-US" dirty="0" smtClean="0"/>
+              <a:t>，點下去就下載了。</a:t>
+            </a:r>
+            <a:endParaRPr lang="en-US" altLang="zh-TW" dirty="0" smtClean="0"/>
+          </a:p>
+          <a:p>
+            <a:endParaRPr lang="zh-TW" altLang="en-US" dirty="0"/>
           </a:p>
         </p:txBody>
       </p:sp>
@@ -8967,66 +8958,35 @@
         </p:blipFill>
         <p:spPr>
           <a:xfrm>
-            <a:off x="677334" y="2658082"/>
-            <a:ext cx="4122484" cy="3383280"/>
+            <a:off x="940689" y="4163603"/>
+            <a:ext cx="9027655" cy="607505"/>
           </a:xfrm>
           <a:prstGeom prst="rect">
             <a:avLst/>
           </a:prstGeom>
           <a:ln>
             <a:solidFill>
-              <a:schemeClr val="tx1"/>
+              <a:schemeClr val="accent1"/>
             </a:solidFill>
           </a:ln>
         </p:spPr>
       </p:pic>
-      <p:pic>
-        <p:nvPicPr>
-          <p:cNvPr id="5" name="圖片 4"/>
-          <p:cNvPicPr>
-            <a:picLocks noChangeAspect="1"/>
-          </p:cNvPicPr>
+      <p:sp>
+        <p:nvSpPr>
+          <p:cNvPr id="5" name="矩形 4"/>
+          <p:cNvSpPr/>
           <p:nvPr/>
-        </p:nvPicPr>
-        <p:blipFill>
-          <a:blip r:embed="rId3"/>
-          <a:stretch>
-            <a:fillRect/>
-          </a:stretch>
-        </p:blipFill>
+        </p:nvSpPr>
         <p:spPr>
           <a:xfrm>
-            <a:off x="4875803" y="2658082"/>
-            <a:ext cx="4124040" cy="3383280"/>
+            <a:off x="6364224" y="3929860"/>
+            <a:ext cx="1060704" cy="987552"/>
           </a:xfrm>
           <a:prstGeom prst="rect">
             <a:avLst/>
           </a:prstGeom>
-          <a:ln>
-            <a:solidFill>
-              <a:schemeClr val="tx1"/>
-            </a:solidFill>
-          </a:ln>
-        </p:spPr>
-      </p:pic>
-      <p:sp>
-        <p:nvSpPr>
-          <p:cNvPr id="6" name="向右箭號 5"/>
-          <p:cNvSpPr/>
-          <p:nvPr/>
-        </p:nvSpPr>
-        <p:spPr>
-          <a:xfrm rot="2801805">
-            <a:off x="3163825" y="5379722"/>
-            <a:ext cx="539496" cy="274320"/>
-          </a:xfrm>
-          <a:prstGeom prst="rightArrow">
-            <a:avLst/>
-          </a:prstGeom>
-          <a:solidFill>
-            <a:srgbClr val="FF0000"/>
-          </a:solidFill>
-          <a:ln>
+          <a:noFill/>
+          <a:ln w="38100">
             <a:solidFill>
               <a:srgbClr val="FF0000"/>
             </a:solidFill>
@@ -9057,58 +9017,95 @@
           </a:p>
         </p:txBody>
       </p:sp>
-      <p:sp>
-        <p:nvSpPr>
-          <p:cNvPr id="7" name="向右箭號 6"/>
+      <p:pic>
+        <p:nvPicPr>
+          <p:cNvPr id="6" name="圖片 5"/>
+          <p:cNvPicPr>
+            <a:picLocks noChangeAspect="1"/>
+          </p:cNvPicPr>
+          <p:nvPr/>
+        </p:nvPicPr>
+        <p:blipFill>
+          <a:blip r:embed="rId3"/>
+          <a:stretch>
+            <a:fillRect/>
+          </a:stretch>
+        </p:blipFill>
+        <p:spPr>
+          <a:xfrm>
+            <a:off x="2971227" y="5147601"/>
+            <a:ext cx="4008882" cy="967661"/>
+          </a:xfrm>
+          <a:prstGeom prst="rect">
+            <a:avLst/>
+          </a:prstGeom>
+        </p:spPr>
+      </p:pic>
+      <p:sp>
+        <p:nvSpPr>
+          <p:cNvPr id="7" name="矩形 6"/>
           <p:cNvSpPr/>
           <p:nvPr/>
         </p:nvSpPr>
         <p:spPr>
-          <a:xfrm rot="2801805">
-            <a:off x="7379210" y="5379722"/>
-            <a:ext cx="539496" cy="274320"/>
-          </a:xfrm>
-          <a:prstGeom prst="rightArrow">
+          <a:xfrm>
+            <a:off x="6800141" y="2518591"/>
+            <a:ext cx="3547766" cy="461665"/>
+          </a:xfrm>
+          <a:prstGeom prst="rect">
             <a:avLst/>
           </a:prstGeom>
-          <a:solidFill>
-            <a:srgbClr val="FF0000"/>
-          </a:solidFill>
-          <a:ln>
-            <a:solidFill>
-              <a:srgbClr val="FF0000"/>
-            </a:solidFill>
-          </a:ln>
-        </p:spPr>
-        <p:style>
-          <a:lnRef idx="2">
-            <a:schemeClr val="accent1">
-              <a:shade val="50000"/>
-            </a:schemeClr>
-          </a:lnRef>
-          <a:fillRef idx="1">
-            <a:schemeClr val="accent1"/>
-          </a:fillRef>
-          <a:effectRef idx="0">
-            <a:schemeClr val="accent1"/>
-          </a:effectRef>
-          <a:fontRef idx="minor">
-            <a:schemeClr val="lt1"/>
-          </a:fontRef>
-        </p:style>
-        <p:txBody>
-          <a:bodyPr rtlCol="0" anchor="ctr"/>
-          <a:lstStyle/>
-          <a:p>
-            <a:pPr algn="ctr"/>
-            <a:endParaRPr lang="zh-TW" altLang="en-US"/>
-          </a:p>
-        </p:txBody>
-      </p:sp>
+        </p:spPr>
+        <p:txBody>
+          <a:bodyPr wrap="none">
+            <a:spAutoFit/>
+          </a:bodyPr>
+          <a:lstStyle/>
+          <a:p>
+            <a:r>
+              <a:rPr lang="en-US" altLang="zh-TW" sz="2400" dirty="0">
+                <a:solidFill>
+                  <a:srgbClr val="FF0000"/>
+                </a:solidFill>
+              </a:rPr>
+              <a:t>https://reurl.cc/q16Lzp</a:t>
+            </a:r>
+            <a:endParaRPr lang="zh-TW" altLang="en-US" sz="2400" dirty="0">
+              <a:solidFill>
+                <a:srgbClr val="FF0000"/>
+              </a:solidFill>
+            </a:endParaRPr>
+          </a:p>
+        </p:txBody>
+      </p:sp>
+      <p:pic>
+        <p:nvPicPr>
+          <p:cNvPr id="9" name="圖片 8"/>
+          <p:cNvPicPr>
+            <a:picLocks noChangeAspect="1"/>
+          </p:cNvPicPr>
+          <p:nvPr/>
+        </p:nvPicPr>
+        <p:blipFill>
+          <a:blip r:embed="rId4"/>
+          <a:stretch>
+            <a:fillRect/>
+          </a:stretch>
+        </p:blipFill>
+        <p:spPr>
+          <a:xfrm>
+            <a:off x="8037276" y="1110734"/>
+            <a:ext cx="1428750" cy="1428750"/>
+          </a:xfrm>
+          <a:prstGeom prst="rect">
+            <a:avLst/>
+          </a:prstGeom>
+        </p:spPr>
+      </p:pic>
     </p:spTree>
     <p:extLst>
       <p:ext uri="{BB962C8B-B14F-4D97-AF65-F5344CB8AC3E}">
-        <p14:creationId xmlns:p14="http://schemas.microsoft.com/office/powerpoint/2010/main" val="379694555"/>
+        <p14:creationId xmlns:p14="http://schemas.microsoft.com/office/powerpoint/2010/main" val="1368136064"/>
       </p:ext>
     </p:extLst>
   </p:cSld>
@@ -9159,7 +9156,7 @@
           <a:p>
             <a:r>
               <a:rPr lang="zh-TW" altLang="en-US" dirty="0" smtClean="0"/>
-              <a:t>安裝完成</a:t>
+              <a:t>開始安裝</a:t>
             </a:r>
             <a:endParaRPr lang="zh-TW" altLang="en-US" dirty="0"/>
           </a:p>
@@ -9182,17 +9179,12 @@
           <a:p>
             <a:r>
               <a:rPr lang="zh-TW" altLang="en-US" dirty="0" smtClean="0"/>
-              <a:t>最後按下</a:t>
+              <a:t>執行下載下來的：</a:t>
             </a:r>
             <a:r>
               <a:rPr lang="en-US" altLang="zh-TW" dirty="0" smtClean="0"/>
-              <a:t>Finish</a:t>
-            </a:r>
-            <a:r>
-              <a:rPr lang="zh-TW" altLang="en-US" dirty="0" smtClean="0"/>
-              <a:t>即完成安裝。</a:t>
-            </a:r>
-            <a:endParaRPr lang="en-US" altLang="zh-TW" dirty="0" smtClean="0"/>
+              <a:t>Spyder_64bit_full.exe</a:t>
+            </a:r>
           </a:p>
         </p:txBody>
       </p:sp>
@@ -9212,8 +9204,8 @@
         </p:blipFill>
         <p:spPr>
           <a:xfrm>
-            <a:off x="677333" y="2606346"/>
-            <a:ext cx="4171091" cy="3435016"/>
+            <a:off x="741376" y="2670641"/>
+            <a:ext cx="4234292" cy="3481042"/>
           </a:xfrm>
           <a:prstGeom prst="rect">
             <a:avLst/>
@@ -9225,44 +9217,15 @@
           </a:ln>
         </p:spPr>
       </p:pic>
-      <p:pic>
-        <p:nvPicPr>
-          <p:cNvPr id="5" name="圖片 4"/>
-          <p:cNvPicPr>
-            <a:picLocks noChangeAspect="1"/>
-          </p:cNvPicPr>
-          <p:nvPr/>
-        </p:nvPicPr>
-        <p:blipFill>
-          <a:blip r:embed="rId3"/>
-          <a:stretch>
-            <a:fillRect/>
-          </a:stretch>
-        </p:blipFill>
-        <p:spPr>
-          <a:xfrm>
-            <a:off x="4977822" y="2606346"/>
-            <a:ext cx="4179872" cy="3435016"/>
-          </a:xfrm>
-          <a:prstGeom prst="rect">
-            <a:avLst/>
-          </a:prstGeom>
-          <a:ln>
-            <a:solidFill>
-              <a:schemeClr val="tx1"/>
-            </a:solidFill>
-          </a:ln>
-        </p:spPr>
-      </p:pic>
-      <p:sp>
-        <p:nvSpPr>
-          <p:cNvPr id="6" name="向右箭號 5"/>
+      <p:sp>
+        <p:nvSpPr>
+          <p:cNvPr id="5" name="向右箭號 4"/>
           <p:cNvSpPr/>
           <p:nvPr/>
         </p:nvSpPr>
         <p:spPr>
           <a:xfrm rot="2801805">
-            <a:off x="7379210" y="5379722"/>
+            <a:off x="3438146" y="5461498"/>
             <a:ext cx="539496" cy="274320"/>
           </a:xfrm>
           <a:prstGeom prst="rightArrow">
@@ -9302,10 +9265,136 @@
           </a:p>
         </p:txBody>
       </p:sp>
+      <p:pic>
+        <p:nvPicPr>
+          <p:cNvPr id="6" name="圖片 5"/>
+          <p:cNvPicPr>
+            <a:picLocks noChangeAspect="1"/>
+          </p:cNvPicPr>
+          <p:nvPr/>
+        </p:nvPicPr>
+        <p:blipFill>
+          <a:blip r:embed="rId3"/>
+          <a:stretch>
+            <a:fillRect/>
+          </a:stretch>
+        </p:blipFill>
+        <p:spPr>
+          <a:xfrm>
+            <a:off x="5060761" y="2670641"/>
+            <a:ext cx="4241605" cy="3481042"/>
+          </a:xfrm>
+          <a:prstGeom prst="rect">
+            <a:avLst/>
+          </a:prstGeom>
+        </p:spPr>
+      </p:pic>
+      <p:sp>
+        <p:nvSpPr>
+          <p:cNvPr id="7" name="向右箭號 6"/>
+          <p:cNvSpPr/>
+          <p:nvPr/>
+        </p:nvSpPr>
+        <p:spPr>
+          <a:xfrm rot="2801805">
+            <a:off x="7549899" y="5470346"/>
+            <a:ext cx="539496" cy="274320"/>
+          </a:xfrm>
+          <a:prstGeom prst="rightArrow">
+            <a:avLst/>
+          </a:prstGeom>
+          <a:solidFill>
+            <a:srgbClr val="FF0000"/>
+          </a:solidFill>
+          <a:ln>
+            <a:solidFill>
+              <a:srgbClr val="FF0000"/>
+            </a:solidFill>
+          </a:ln>
+        </p:spPr>
+        <p:style>
+          <a:lnRef idx="2">
+            <a:schemeClr val="accent1">
+              <a:shade val="50000"/>
+            </a:schemeClr>
+          </a:lnRef>
+          <a:fillRef idx="1">
+            <a:schemeClr val="accent1"/>
+          </a:fillRef>
+          <a:effectRef idx="0">
+            <a:schemeClr val="accent1"/>
+          </a:effectRef>
+          <a:fontRef idx="minor">
+            <a:schemeClr val="lt1"/>
+          </a:fontRef>
+        </p:style>
+        <p:txBody>
+          <a:bodyPr rtlCol="0" anchor="ctr"/>
+          <a:lstStyle/>
+          <a:p>
+            <a:pPr algn="ctr"/>
+            <a:endParaRPr lang="zh-TW" altLang="en-US"/>
+          </a:p>
+        </p:txBody>
+      </p:sp>
+      <p:sp>
+        <p:nvSpPr>
+          <p:cNvPr id="8" name="文字方塊 7"/>
+          <p:cNvSpPr txBox="1"/>
+          <p:nvPr/>
+        </p:nvSpPr>
+        <p:spPr>
+          <a:xfrm>
+            <a:off x="530352" y="6292403"/>
+            <a:ext cx="2180405" cy="369332"/>
+          </a:xfrm>
+          <a:prstGeom prst="rect">
+            <a:avLst/>
+          </a:prstGeom>
+          <a:noFill/>
+        </p:spPr>
+        <p:txBody>
+          <a:bodyPr wrap="none" rtlCol="0">
+            <a:spAutoFit/>
+          </a:bodyPr>
+          <a:lstStyle/>
+          <a:p>
+            <a:r>
+              <a:rPr lang="en-US" altLang="zh-TW" dirty="0" smtClean="0">
+                <a:solidFill>
+                  <a:srgbClr val="FF0000"/>
+                </a:solidFill>
+              </a:rPr>
+              <a:t>Ps.</a:t>
+            </a:r>
+            <a:r>
+              <a:rPr lang="zh-TW" altLang="en-US" dirty="0" smtClean="0">
+                <a:solidFill>
+                  <a:srgbClr val="FF0000"/>
+                </a:solidFill>
+              </a:rPr>
+              <a:t>目前版本：</a:t>
+            </a:r>
+            <a:r>
+              <a:rPr lang="en-US" altLang="zh-TW" dirty="0" smtClean="0">
+                <a:solidFill>
+                  <a:srgbClr val="FF0000"/>
+                </a:solidFill>
+              </a:rPr>
+              <a:t>5.1.5</a:t>
+            </a:r>
+            <a:endParaRPr lang="zh-TW" altLang="en-US" dirty="0">
+              <a:solidFill>
+                <a:srgbClr val="FF0000"/>
+              </a:solidFill>
+            </a:endParaRPr>
+          </a:p>
+        </p:txBody>
+      </p:sp>
     </p:spTree>
     <p:extLst>
       <p:ext uri="{BB962C8B-B14F-4D97-AF65-F5344CB8AC3E}">
-        <p14:creationId xmlns:p14="http://schemas.microsoft.com/office/powerpoint/2010/main" val="1292399389"/>
+        <p14:creationId xmlns:p14="http://schemas.microsoft.com/office/powerpoint/2010/main" val="3491015286"/>
       </p:ext>
     </p:extLst>
   </p:cSld>
@@ -9341,6 +9430,635 @@
       </p:grpSpPr>
       <p:sp>
         <p:nvSpPr>
+          <p:cNvPr id="2" name="標題 1"/>
+          <p:cNvSpPr>
+            <a:spLocks noGrp="1"/>
+          </p:cNvSpPr>
+          <p:nvPr>
+            <p:ph type="title"/>
+          </p:nvPr>
+        </p:nvSpPr>
+        <p:spPr/>
+        <p:txBody>
+          <a:bodyPr/>
+          <a:lstStyle/>
+          <a:p>
+            <a:r>
+              <a:rPr lang="zh-TW" altLang="en-US" dirty="0" smtClean="0"/>
+              <a:t>安裝過程</a:t>
+            </a:r>
+            <a:endParaRPr lang="zh-TW" altLang="en-US" dirty="0"/>
+          </a:p>
+        </p:txBody>
+      </p:sp>
+      <p:sp>
+        <p:nvSpPr>
+          <p:cNvPr id="3" name="內容版面配置區 2"/>
+          <p:cNvSpPr>
+            <a:spLocks noGrp="1"/>
+          </p:cNvSpPr>
+          <p:nvPr>
+            <p:ph idx="1"/>
+          </p:nvPr>
+        </p:nvSpPr>
+        <p:spPr/>
+        <p:txBody>
+          <a:bodyPr/>
+          <a:lstStyle/>
+          <a:p>
+            <a:r>
+              <a:rPr lang="zh-TW" altLang="en-US" dirty="0" smtClean="0"/>
+              <a:t>選擇個人或全體使用</a:t>
+            </a:r>
+            <a:r>
+              <a:rPr lang="en-US" altLang="zh-TW" dirty="0" err="1" smtClean="0"/>
+              <a:t>Spyder</a:t>
+            </a:r>
+            <a:r>
+              <a:rPr lang="zh-TW" altLang="en-US" dirty="0" smtClean="0"/>
+              <a:t>，選擇安裝目錄。</a:t>
+            </a:r>
+            <a:endParaRPr lang="en-US" altLang="zh-TW" dirty="0" smtClean="0"/>
+          </a:p>
+        </p:txBody>
+      </p:sp>
+      <p:pic>
+        <p:nvPicPr>
+          <p:cNvPr id="4" name="圖片 3"/>
+          <p:cNvPicPr>
+            <a:picLocks noChangeAspect="1"/>
+          </p:cNvPicPr>
+          <p:nvPr/>
+        </p:nvPicPr>
+        <p:blipFill>
+          <a:blip r:embed="rId2"/>
+          <a:stretch>
+            <a:fillRect/>
+          </a:stretch>
+        </p:blipFill>
+        <p:spPr>
+          <a:xfrm>
+            <a:off x="677334" y="2658082"/>
+            <a:ext cx="4122484" cy="3383280"/>
+          </a:xfrm>
+          <a:prstGeom prst="rect">
+            <a:avLst/>
+          </a:prstGeom>
+          <a:ln>
+            <a:solidFill>
+              <a:schemeClr val="tx1"/>
+            </a:solidFill>
+          </a:ln>
+        </p:spPr>
+      </p:pic>
+      <p:pic>
+        <p:nvPicPr>
+          <p:cNvPr id="5" name="圖片 4"/>
+          <p:cNvPicPr>
+            <a:picLocks noChangeAspect="1"/>
+          </p:cNvPicPr>
+          <p:nvPr/>
+        </p:nvPicPr>
+        <p:blipFill>
+          <a:blip r:embed="rId3"/>
+          <a:stretch>
+            <a:fillRect/>
+          </a:stretch>
+        </p:blipFill>
+        <p:spPr>
+          <a:xfrm>
+            <a:off x="4875803" y="2658082"/>
+            <a:ext cx="4124040" cy="3383280"/>
+          </a:xfrm>
+          <a:prstGeom prst="rect">
+            <a:avLst/>
+          </a:prstGeom>
+          <a:ln>
+            <a:solidFill>
+              <a:schemeClr val="tx1"/>
+            </a:solidFill>
+          </a:ln>
+        </p:spPr>
+      </p:pic>
+      <p:sp>
+        <p:nvSpPr>
+          <p:cNvPr id="6" name="向右箭號 5"/>
+          <p:cNvSpPr/>
+          <p:nvPr/>
+        </p:nvSpPr>
+        <p:spPr>
+          <a:xfrm rot="2801805">
+            <a:off x="3163825" y="5379722"/>
+            <a:ext cx="539496" cy="274320"/>
+          </a:xfrm>
+          <a:prstGeom prst="rightArrow">
+            <a:avLst/>
+          </a:prstGeom>
+          <a:solidFill>
+            <a:srgbClr val="FF0000"/>
+          </a:solidFill>
+          <a:ln>
+            <a:solidFill>
+              <a:srgbClr val="FF0000"/>
+            </a:solidFill>
+          </a:ln>
+        </p:spPr>
+        <p:style>
+          <a:lnRef idx="2">
+            <a:schemeClr val="accent1">
+              <a:shade val="50000"/>
+            </a:schemeClr>
+          </a:lnRef>
+          <a:fillRef idx="1">
+            <a:schemeClr val="accent1"/>
+          </a:fillRef>
+          <a:effectRef idx="0">
+            <a:schemeClr val="accent1"/>
+          </a:effectRef>
+          <a:fontRef idx="minor">
+            <a:schemeClr val="lt1"/>
+          </a:fontRef>
+        </p:style>
+        <p:txBody>
+          <a:bodyPr rtlCol="0" anchor="ctr"/>
+          <a:lstStyle/>
+          <a:p>
+            <a:pPr algn="ctr"/>
+            <a:endParaRPr lang="zh-TW" altLang="en-US"/>
+          </a:p>
+        </p:txBody>
+      </p:sp>
+      <p:sp>
+        <p:nvSpPr>
+          <p:cNvPr id="7" name="向右箭號 6"/>
+          <p:cNvSpPr/>
+          <p:nvPr/>
+        </p:nvSpPr>
+        <p:spPr>
+          <a:xfrm rot="2801805">
+            <a:off x="7379210" y="5379722"/>
+            <a:ext cx="539496" cy="274320"/>
+          </a:xfrm>
+          <a:prstGeom prst="rightArrow">
+            <a:avLst/>
+          </a:prstGeom>
+          <a:solidFill>
+            <a:srgbClr val="FF0000"/>
+          </a:solidFill>
+          <a:ln>
+            <a:solidFill>
+              <a:srgbClr val="FF0000"/>
+            </a:solidFill>
+          </a:ln>
+        </p:spPr>
+        <p:style>
+          <a:lnRef idx="2">
+            <a:schemeClr val="accent1">
+              <a:shade val="50000"/>
+            </a:schemeClr>
+          </a:lnRef>
+          <a:fillRef idx="1">
+            <a:schemeClr val="accent1"/>
+          </a:fillRef>
+          <a:effectRef idx="0">
+            <a:schemeClr val="accent1"/>
+          </a:effectRef>
+          <a:fontRef idx="minor">
+            <a:schemeClr val="lt1"/>
+          </a:fontRef>
+        </p:style>
+        <p:txBody>
+          <a:bodyPr rtlCol="0" anchor="ctr"/>
+          <a:lstStyle/>
+          <a:p>
+            <a:pPr algn="ctr"/>
+            <a:endParaRPr lang="zh-TW" altLang="en-US"/>
+          </a:p>
+        </p:txBody>
+      </p:sp>
+    </p:spTree>
+    <p:extLst>
+      <p:ext uri="{BB962C8B-B14F-4D97-AF65-F5344CB8AC3E}">
+        <p14:creationId xmlns:p14="http://schemas.microsoft.com/office/powerpoint/2010/main" val="379694555"/>
+      </p:ext>
+    </p:extLst>
+  </p:cSld>
+  <p:clrMapOvr>
+    <a:masterClrMapping/>
+  </p:clrMapOvr>
+  <p:timing>
+    <p:tnLst>
+      <p:par>
+        <p:cTn id="1" dur="indefinite" restart="never" nodeType="tmRoot"/>
+      </p:par>
+    </p:tnLst>
+  </p:timing>
+</p:sld>
+</file>
+
+<file path=ppt/slides/slide19.xml><?xml version="1.0" encoding="utf-8"?>
+<p:sld xmlns:a="http://schemas.openxmlformats.org/drawingml/2006/main" xmlns:r="http://schemas.openxmlformats.org/officeDocument/2006/relationships" xmlns:p="http://schemas.openxmlformats.org/presentationml/2006/main">
+  <p:cSld>
+    <p:spTree>
+      <p:nvGrpSpPr>
+        <p:cNvPr id="1" name=""/>
+        <p:cNvGrpSpPr/>
+        <p:nvPr/>
+      </p:nvGrpSpPr>
+      <p:grpSpPr>
+        <a:xfrm>
+          <a:off x="0" y="0"/>
+          <a:ext cx="0" cy="0"/>
+          <a:chOff x="0" y="0"/>
+          <a:chExt cx="0" cy="0"/>
+        </a:xfrm>
+      </p:grpSpPr>
+      <p:sp>
+        <p:nvSpPr>
+          <p:cNvPr id="2" name="標題 1"/>
+          <p:cNvSpPr>
+            <a:spLocks noGrp="1"/>
+          </p:cNvSpPr>
+          <p:nvPr>
+            <p:ph type="title"/>
+          </p:nvPr>
+        </p:nvSpPr>
+        <p:spPr/>
+        <p:txBody>
+          <a:bodyPr/>
+          <a:lstStyle/>
+          <a:p>
+            <a:r>
+              <a:rPr lang="zh-TW" altLang="en-US" dirty="0" smtClean="0"/>
+              <a:t>安裝完成</a:t>
+            </a:r>
+            <a:endParaRPr lang="zh-TW" altLang="en-US" dirty="0"/>
+          </a:p>
+        </p:txBody>
+      </p:sp>
+      <p:sp>
+        <p:nvSpPr>
+          <p:cNvPr id="3" name="內容版面配置區 2"/>
+          <p:cNvSpPr>
+            <a:spLocks noGrp="1"/>
+          </p:cNvSpPr>
+          <p:nvPr>
+            <p:ph idx="1"/>
+          </p:nvPr>
+        </p:nvSpPr>
+        <p:spPr/>
+        <p:txBody>
+          <a:bodyPr/>
+          <a:lstStyle/>
+          <a:p>
+            <a:r>
+              <a:rPr lang="zh-TW" altLang="en-US" dirty="0" smtClean="0"/>
+              <a:t>最後按下</a:t>
+            </a:r>
+            <a:r>
+              <a:rPr lang="en-US" altLang="zh-TW" dirty="0" smtClean="0"/>
+              <a:t>Finish</a:t>
+            </a:r>
+            <a:r>
+              <a:rPr lang="zh-TW" altLang="en-US" dirty="0" smtClean="0"/>
+              <a:t>即完成安裝。</a:t>
+            </a:r>
+            <a:endParaRPr lang="en-US" altLang="zh-TW" dirty="0" smtClean="0"/>
+          </a:p>
+        </p:txBody>
+      </p:sp>
+      <p:pic>
+        <p:nvPicPr>
+          <p:cNvPr id="4" name="圖片 3"/>
+          <p:cNvPicPr>
+            <a:picLocks noChangeAspect="1"/>
+          </p:cNvPicPr>
+          <p:nvPr/>
+        </p:nvPicPr>
+        <p:blipFill>
+          <a:blip r:embed="rId2"/>
+          <a:stretch>
+            <a:fillRect/>
+          </a:stretch>
+        </p:blipFill>
+        <p:spPr>
+          <a:xfrm>
+            <a:off x="677333" y="2606346"/>
+            <a:ext cx="4171091" cy="3435016"/>
+          </a:xfrm>
+          <a:prstGeom prst="rect">
+            <a:avLst/>
+          </a:prstGeom>
+          <a:ln>
+            <a:solidFill>
+              <a:schemeClr val="tx1"/>
+            </a:solidFill>
+          </a:ln>
+        </p:spPr>
+      </p:pic>
+      <p:pic>
+        <p:nvPicPr>
+          <p:cNvPr id="5" name="圖片 4"/>
+          <p:cNvPicPr>
+            <a:picLocks noChangeAspect="1"/>
+          </p:cNvPicPr>
+          <p:nvPr/>
+        </p:nvPicPr>
+        <p:blipFill>
+          <a:blip r:embed="rId3"/>
+          <a:stretch>
+            <a:fillRect/>
+          </a:stretch>
+        </p:blipFill>
+        <p:spPr>
+          <a:xfrm>
+            <a:off x="4977822" y="2606346"/>
+            <a:ext cx="4179872" cy="3435016"/>
+          </a:xfrm>
+          <a:prstGeom prst="rect">
+            <a:avLst/>
+          </a:prstGeom>
+          <a:ln>
+            <a:solidFill>
+              <a:schemeClr val="tx1"/>
+            </a:solidFill>
+          </a:ln>
+        </p:spPr>
+      </p:pic>
+      <p:sp>
+        <p:nvSpPr>
+          <p:cNvPr id="6" name="向右箭號 5"/>
+          <p:cNvSpPr/>
+          <p:nvPr/>
+        </p:nvSpPr>
+        <p:spPr>
+          <a:xfrm rot="2801805">
+            <a:off x="7379210" y="5379722"/>
+            <a:ext cx="539496" cy="274320"/>
+          </a:xfrm>
+          <a:prstGeom prst="rightArrow">
+            <a:avLst/>
+          </a:prstGeom>
+          <a:solidFill>
+            <a:srgbClr val="FF0000"/>
+          </a:solidFill>
+          <a:ln>
+            <a:solidFill>
+              <a:srgbClr val="FF0000"/>
+            </a:solidFill>
+          </a:ln>
+        </p:spPr>
+        <p:style>
+          <a:lnRef idx="2">
+            <a:schemeClr val="accent1">
+              <a:shade val="50000"/>
+            </a:schemeClr>
+          </a:lnRef>
+          <a:fillRef idx="1">
+            <a:schemeClr val="accent1"/>
+          </a:fillRef>
+          <a:effectRef idx="0">
+            <a:schemeClr val="accent1"/>
+          </a:effectRef>
+          <a:fontRef idx="minor">
+            <a:schemeClr val="lt1"/>
+          </a:fontRef>
+        </p:style>
+        <p:txBody>
+          <a:bodyPr rtlCol="0" anchor="ctr"/>
+          <a:lstStyle/>
+          <a:p>
+            <a:pPr algn="ctr"/>
+            <a:endParaRPr lang="zh-TW" altLang="en-US"/>
+          </a:p>
+        </p:txBody>
+      </p:sp>
+    </p:spTree>
+    <p:extLst>
+      <p:ext uri="{BB962C8B-B14F-4D97-AF65-F5344CB8AC3E}">
+        <p14:creationId xmlns:p14="http://schemas.microsoft.com/office/powerpoint/2010/main" val="1292399389"/>
+      </p:ext>
+    </p:extLst>
+  </p:cSld>
+  <p:clrMapOvr>
+    <a:masterClrMapping/>
+  </p:clrMapOvr>
+  <p:timing>
+    <p:tnLst>
+      <p:par>
+        <p:cTn id="1" dur="indefinite" restart="never" nodeType="tmRoot"/>
+      </p:par>
+    </p:tnLst>
+  </p:timing>
+</p:sld>
+</file>
+
+<file path=ppt/slides/slide2.xml><?xml version="1.0" encoding="utf-8"?>
+<p:sld xmlns:a="http://schemas.openxmlformats.org/drawingml/2006/main" xmlns:r="http://schemas.openxmlformats.org/officeDocument/2006/relationships" xmlns:p="http://schemas.openxmlformats.org/presentationml/2006/main">
+  <p:cSld>
+    <p:spTree>
+      <p:nvGrpSpPr>
+        <p:cNvPr id="1" name=""/>
+        <p:cNvGrpSpPr/>
+        <p:nvPr/>
+      </p:nvGrpSpPr>
+      <p:grpSpPr>
+        <a:xfrm>
+          <a:off x="0" y="0"/>
+          <a:ext cx="0" cy="0"/>
+          <a:chOff x="0" y="0"/>
+          <a:chExt cx="0" cy="0"/>
+        </a:xfrm>
+      </p:grpSpPr>
+      <p:sp>
+        <p:nvSpPr>
+          <p:cNvPr id="2" name="標題 1"/>
+          <p:cNvSpPr>
+            <a:spLocks noGrp="1"/>
+          </p:cNvSpPr>
+          <p:nvPr>
+            <p:ph type="title"/>
+          </p:nvPr>
+        </p:nvSpPr>
+        <p:spPr/>
+        <p:txBody>
+          <a:bodyPr/>
+          <a:lstStyle/>
+          <a:p>
+            <a:r>
+              <a:rPr lang="zh-TW" altLang="en-US" dirty="0" smtClean="0"/>
+              <a:t>關於</a:t>
+            </a:r>
+            <a:r>
+              <a:rPr lang="en-US" altLang="zh-TW" dirty="0" smtClean="0"/>
+              <a:t>Python</a:t>
+            </a:r>
+            <a:r>
+              <a:rPr lang="zh-TW" altLang="en-US" dirty="0" smtClean="0"/>
+              <a:t>開發環境的安裝</a:t>
+            </a:r>
+            <a:endParaRPr lang="zh-TW" altLang="en-US" dirty="0"/>
+          </a:p>
+        </p:txBody>
+      </p:sp>
+      <p:sp>
+        <p:nvSpPr>
+          <p:cNvPr id="3" name="內容版面配置區 2"/>
+          <p:cNvSpPr>
+            <a:spLocks noGrp="1"/>
+          </p:cNvSpPr>
+          <p:nvPr>
+            <p:ph idx="1"/>
+          </p:nvPr>
+        </p:nvSpPr>
+        <p:spPr/>
+        <p:txBody>
+          <a:bodyPr/>
+          <a:lstStyle/>
+          <a:p>
+            <a:r>
+              <a:rPr lang="zh-TW" altLang="en-US" dirty="0" smtClean="0"/>
+              <a:t>開發環境非常多，工具也很多。</a:t>
+            </a:r>
+            <a:endParaRPr lang="en-US" altLang="zh-TW" dirty="0" smtClean="0"/>
+          </a:p>
+          <a:p>
+            <a:r>
+              <a:rPr lang="zh-TW" altLang="en-US" dirty="0" smtClean="0"/>
+              <a:t>本課程將使用</a:t>
+            </a:r>
+            <a:r>
+              <a:rPr lang="en-US" altLang="zh-TW" dirty="0" err="1" smtClean="0"/>
+              <a:t>Spyder</a:t>
+            </a:r>
+            <a:r>
+              <a:rPr lang="zh-TW" altLang="en-US" dirty="0" smtClean="0"/>
+              <a:t>做為開發環境。</a:t>
+            </a:r>
+            <a:endParaRPr lang="en-US" altLang="zh-TW" dirty="0" smtClean="0"/>
+          </a:p>
+          <a:p>
+            <a:r>
+              <a:rPr lang="en-US" altLang="zh-TW" dirty="0" err="1" smtClean="0"/>
+              <a:t>Spyder</a:t>
+            </a:r>
+            <a:r>
+              <a:rPr lang="zh-TW" altLang="en-US" dirty="0" smtClean="0"/>
+              <a:t>的安裝有</a:t>
+            </a:r>
+            <a:r>
+              <a:rPr lang="zh-TW" altLang="en-US" dirty="0"/>
+              <a:t>兩</a:t>
+            </a:r>
+            <a:r>
+              <a:rPr lang="zh-TW" altLang="en-US" dirty="0" smtClean="0"/>
+              <a:t>種常用方式：</a:t>
+            </a:r>
+            <a:endParaRPr lang="en-US" altLang="zh-TW" dirty="0" smtClean="0"/>
+          </a:p>
+          <a:p>
+            <a:pPr lvl="1"/>
+            <a:r>
+              <a:rPr lang="en-US" altLang="zh-TW" dirty="0" smtClean="0">
+                <a:hlinkClick r:id="rId2" action="ppaction://hlinksldjump"/>
+              </a:rPr>
+              <a:t>Anaconda</a:t>
+            </a:r>
+            <a:r>
+              <a:rPr lang="zh-TW" altLang="en-US" dirty="0" smtClean="0">
+                <a:hlinkClick r:id="rId2" action="ppaction://hlinksldjump"/>
+              </a:rPr>
+              <a:t>安裝</a:t>
+            </a:r>
+            <a:r>
+              <a:rPr lang="zh-TW" altLang="en-US" dirty="0" smtClean="0"/>
+              <a:t>：一個整合度很好的環境。</a:t>
+            </a:r>
+            <a:endParaRPr lang="en-US" altLang="zh-TW" dirty="0" smtClean="0"/>
+          </a:p>
+          <a:p>
+            <a:pPr lvl="1"/>
+            <a:r>
+              <a:rPr lang="zh-TW" altLang="en-US" dirty="0" smtClean="0">
+                <a:hlinkClick r:id="rId3" action="ppaction://hlinksldjump"/>
+              </a:rPr>
+              <a:t>純</a:t>
+            </a:r>
+            <a:r>
+              <a:rPr lang="en-US" altLang="zh-TW" dirty="0" err="1">
+                <a:hlinkClick r:id="rId3" action="ppaction://hlinksldjump"/>
+              </a:rPr>
+              <a:t>Spyder</a:t>
+            </a:r>
+            <a:r>
+              <a:rPr lang="zh-TW" altLang="en-US" dirty="0" smtClean="0">
+                <a:hlinkClick r:id="rId3" action="ppaction://hlinksldjump"/>
+              </a:rPr>
+              <a:t>安裝</a:t>
+            </a:r>
+            <a:r>
+              <a:rPr lang="zh-TW" altLang="en-US" dirty="0" smtClean="0"/>
+              <a:t>：一個簡易單純的開發環境。</a:t>
+            </a:r>
+            <a:endParaRPr lang="zh-TW" altLang="en-US" dirty="0"/>
+          </a:p>
+          <a:p>
+            <a:r>
+              <a:rPr lang="zh-TW" altLang="en-US" dirty="0"/>
+              <a:t>本課程主要是體驗</a:t>
+            </a:r>
+            <a:r>
+              <a:rPr lang="en-US" altLang="zh-TW" dirty="0"/>
+              <a:t>Python</a:t>
+            </a:r>
+            <a:r>
+              <a:rPr lang="zh-TW" altLang="en-US" dirty="0"/>
+              <a:t>程式設計</a:t>
+            </a:r>
+            <a:r>
+              <a:rPr lang="zh-TW" altLang="en-US" dirty="0" smtClean="0"/>
+              <a:t>，所以建議採用後者即可。</a:t>
+            </a:r>
+            <a:r>
+              <a:rPr lang="en-US" altLang="zh-TW" dirty="0" smtClean="0"/>
+              <a:t>(p15)</a:t>
+            </a:r>
+            <a:endParaRPr lang="zh-TW" altLang="en-US" dirty="0"/>
+          </a:p>
+        </p:txBody>
+      </p:sp>
+    </p:spTree>
+    <p:extLst>
+      <p:ext uri="{BB962C8B-B14F-4D97-AF65-F5344CB8AC3E}">
+        <p14:creationId xmlns:p14="http://schemas.microsoft.com/office/powerpoint/2010/main" val="1734735272"/>
+      </p:ext>
+    </p:extLst>
+  </p:cSld>
+  <p:clrMapOvr>
+    <a:masterClrMapping/>
+  </p:clrMapOvr>
+</p:sld>
+</file>
+
+<file path=ppt/slides/slide20.xml><?xml version="1.0" encoding="utf-8"?>
+<p:sld xmlns:a="http://schemas.openxmlformats.org/drawingml/2006/main" xmlns:r="http://schemas.openxmlformats.org/officeDocument/2006/relationships" xmlns:p="http://schemas.openxmlformats.org/presentationml/2006/main">
+  <p:cSld>
+    <p:spTree>
+      <p:nvGrpSpPr>
+        <p:cNvPr id="1" name=""/>
+        <p:cNvGrpSpPr/>
+        <p:nvPr/>
+      </p:nvGrpSpPr>
+      <p:grpSpPr>
+        <a:xfrm>
+          <a:off x="0" y="0"/>
+          <a:ext cx="0" cy="0"/>
+          <a:chOff x="0" y="0"/>
+          <a:chExt cx="0" cy="0"/>
+        </a:xfrm>
+      </p:grpSpPr>
+      <p:sp>
+        <p:nvSpPr>
           <p:cNvPr id="4" name="標題 3"/>
           <p:cNvSpPr>
             <a:spLocks noGrp="1"/>
@@ -9405,7 +10123,7 @@
 </p:sld>
 </file>
 
-<file path=ppt/slides/slide19.xml><?xml version="1.0" encoding="utf-8"?>
+<file path=ppt/slides/slide21.xml><?xml version="1.0" encoding="utf-8"?>
 <p:sld xmlns:a="http://schemas.openxmlformats.org/drawingml/2006/main" xmlns:r="http://schemas.openxmlformats.org/officeDocument/2006/relationships" xmlns:p="http://schemas.openxmlformats.org/presentationml/2006/main">
   <p:cSld>
     <p:spTree>
@@ -9754,7 +10472,7 @@
 </p:sld>
 </file>
 
-<file path=ppt/slides/slide2.xml><?xml version="1.0" encoding="utf-8"?>
+<file path=ppt/slides/slide22.xml><?xml version="1.0" encoding="utf-8"?>
 <p:sld xmlns:a="http://schemas.openxmlformats.org/drawingml/2006/main" xmlns:r="http://schemas.openxmlformats.org/officeDocument/2006/relationships" xmlns:p="http://schemas.openxmlformats.org/presentationml/2006/main">
   <p:cSld>
     <p:spTree>
@@ -9788,736 +10506,23 @@
           <a:p>
             <a:r>
               <a:rPr lang="zh-TW" altLang="en-US" dirty="0"/>
-              <a:t>下載安裝包</a:t>
-            </a:r>
-          </a:p>
-        </p:txBody>
-      </p:sp>
-      <p:sp>
-        <p:nvSpPr>
-          <p:cNvPr id="3" name="內容版面配置區 2"/>
-          <p:cNvSpPr>
-            <a:spLocks noGrp="1"/>
-          </p:cNvSpPr>
-          <p:nvPr>
-            <p:ph idx="1"/>
-          </p:nvPr>
-        </p:nvSpPr>
-        <p:spPr>
-          <a:xfrm>
-            <a:off x="677334" y="1746505"/>
-            <a:ext cx="8596668" cy="4294858"/>
-          </a:xfrm>
-        </p:spPr>
-        <p:txBody>
-          <a:bodyPr/>
-          <a:lstStyle/>
-          <a:p>
+              <a:t>關於</a:t>
+            </a:r>
+            <a:r>
+              <a:rPr lang="en-US" altLang="zh-TW" dirty="0"/>
+              <a:t>Kite</a:t>
+            </a:r>
             <a:r>
               <a:rPr lang="en-US" altLang="zh-TW" dirty="0" smtClean="0"/>
-              <a:t>Anaconda</a:t>
-            </a:r>
-            <a:r>
-              <a:rPr lang="zh-TW" altLang="en-US" dirty="0" smtClean="0"/>
-              <a:t>官網：  </a:t>
-            </a:r>
-            <a:r>
-              <a:rPr lang="en-US" altLang="zh-TW" dirty="0" smtClean="0">
-                <a:solidFill>
-                  <a:srgbClr val="FF0000"/>
-                </a:solidFill>
-              </a:rPr>
-              <a:t>https</a:t>
-            </a:r>
-            <a:r>
-              <a:rPr lang="en-US" altLang="zh-TW" dirty="0">
-                <a:solidFill>
-                  <a:srgbClr val="FF0000"/>
-                </a:solidFill>
-              </a:rPr>
-              <a:t>://www.anaconda.com</a:t>
-            </a:r>
-            <a:r>
-              <a:rPr lang="en-US" altLang="zh-TW" dirty="0" smtClean="0">
-                <a:solidFill>
-                  <a:srgbClr val="FF0000"/>
-                </a:solidFill>
-              </a:rPr>
-              <a:t>/</a:t>
-            </a:r>
-            <a:endParaRPr lang="en-US" altLang="zh-TW" dirty="0">
-              <a:solidFill>
-                <a:srgbClr val="FF0000"/>
-              </a:solidFill>
-            </a:endParaRPr>
-          </a:p>
-          <a:p>
-            <a:r>
-              <a:rPr lang="zh-TW" altLang="en-US" dirty="0" smtClean="0"/>
-              <a:t>點選</a:t>
-            </a:r>
-            <a:r>
-              <a:rPr lang="en-US" altLang="zh-TW" dirty="0" smtClean="0"/>
-              <a:t>Products</a:t>
-            </a:r>
-            <a:r>
-              <a:rPr lang="zh-TW" altLang="en-US" dirty="0" smtClean="0"/>
-              <a:t>，</a:t>
-            </a:r>
-            <a:r>
-              <a:rPr lang="zh-TW" altLang="en-US" dirty="0"/>
-              <a:t>再往下</a:t>
-            </a:r>
-            <a:r>
-              <a:rPr lang="zh-TW" altLang="en-US" dirty="0" smtClean="0"/>
-              <a:t>找到</a:t>
-            </a:r>
-            <a:r>
-              <a:rPr lang="en-US" altLang="zh-TW" dirty="0" smtClean="0"/>
-              <a:t>Individual Edition</a:t>
-            </a:r>
-            <a:r>
-              <a:rPr lang="zh-TW" altLang="en-US" dirty="0" smtClean="0"/>
-              <a:t>，</a:t>
-            </a:r>
-            <a:r>
-              <a:rPr lang="zh-TW" altLang="en-US" dirty="0"/>
-              <a:t>點</a:t>
-            </a:r>
-            <a:r>
-              <a:rPr lang="zh-TW" altLang="en-US" dirty="0" smtClean="0"/>
-              <a:t>下去。</a:t>
-            </a:r>
-            <a:endParaRPr lang="en-US" altLang="zh-TW" dirty="0" smtClean="0"/>
-          </a:p>
-          <a:p>
-            <a:r>
-              <a:rPr lang="zh-TW" altLang="en-US" dirty="0"/>
-              <a:t>接著點選</a:t>
-            </a:r>
-            <a:r>
-              <a:rPr lang="en-US" altLang="zh-TW" dirty="0" smtClean="0"/>
-              <a:t>Download</a:t>
-            </a:r>
-            <a:r>
-              <a:rPr lang="zh-TW" altLang="en-US" dirty="0" smtClean="0"/>
-              <a:t>。</a:t>
-            </a:r>
-            <a:endParaRPr lang="en-US" altLang="zh-TW" dirty="0"/>
-          </a:p>
-          <a:p>
-            <a:r>
-              <a:rPr lang="zh-TW" altLang="en-US" dirty="0" smtClean="0"/>
-              <a:t>最後點選正確版本，就開始下載了。</a:t>
-            </a:r>
-            <a:endParaRPr lang="zh-TW" altLang="en-US" dirty="0"/>
-          </a:p>
-          <a:p>
-            <a:endParaRPr lang="zh-TW" altLang="en-US" dirty="0"/>
-          </a:p>
-        </p:txBody>
-      </p:sp>
-      <p:pic>
-        <p:nvPicPr>
-          <p:cNvPr id="4" name="圖片 3"/>
-          <p:cNvPicPr>
-            <a:picLocks noChangeAspect="1"/>
-          </p:cNvPicPr>
-          <p:nvPr/>
-        </p:nvPicPr>
-        <p:blipFill>
-          <a:blip r:embed="rId2"/>
-          <a:stretch>
-            <a:fillRect/>
-          </a:stretch>
-        </p:blipFill>
-        <p:spPr>
-          <a:xfrm>
-            <a:off x="483822" y="3781579"/>
-            <a:ext cx="3111738" cy="2671264"/>
-          </a:xfrm>
-          <a:prstGeom prst="rect">
-            <a:avLst/>
-          </a:prstGeom>
-          <a:ln>
-            <a:solidFill>
-              <a:schemeClr val="tx1"/>
-            </a:solidFill>
-          </a:ln>
-        </p:spPr>
-      </p:pic>
-      <p:pic>
-        <p:nvPicPr>
-          <p:cNvPr id="5" name="圖片 4"/>
-          <p:cNvPicPr>
-            <a:picLocks noChangeAspect="1"/>
-          </p:cNvPicPr>
-          <p:nvPr/>
-        </p:nvPicPr>
-        <p:blipFill>
-          <a:blip r:embed="rId3"/>
-          <a:stretch>
-            <a:fillRect/>
-          </a:stretch>
-        </p:blipFill>
-        <p:spPr>
-          <a:xfrm>
-            <a:off x="4477952" y="3838634"/>
-            <a:ext cx="3276160" cy="2632470"/>
-          </a:xfrm>
-          <a:prstGeom prst="rect">
-            <a:avLst/>
-          </a:prstGeom>
-          <a:ln>
-            <a:solidFill>
-              <a:schemeClr val="tx1"/>
-            </a:solidFill>
-          </a:ln>
-        </p:spPr>
-      </p:pic>
-      <p:sp>
-        <p:nvSpPr>
-          <p:cNvPr id="6" name="向右箭號 5"/>
-          <p:cNvSpPr/>
-          <p:nvPr/>
-        </p:nvSpPr>
-        <p:spPr>
-          <a:xfrm rot="19490402">
-            <a:off x="1197053" y="4123944"/>
-            <a:ext cx="507573" cy="228600"/>
-          </a:xfrm>
-          <a:prstGeom prst="rightArrow">
-            <a:avLst/>
-          </a:prstGeom>
-          <a:solidFill>
-            <a:srgbClr val="FF0000"/>
-          </a:solidFill>
-          <a:ln>
-            <a:solidFill>
-              <a:srgbClr val="FF0000"/>
-            </a:solidFill>
-          </a:ln>
-        </p:spPr>
-        <p:style>
-          <a:lnRef idx="2">
-            <a:schemeClr val="accent1">
-              <a:shade val="50000"/>
-            </a:schemeClr>
-          </a:lnRef>
-          <a:fillRef idx="1">
-            <a:schemeClr val="accent1"/>
-          </a:fillRef>
-          <a:effectRef idx="0">
-            <a:schemeClr val="accent1"/>
-          </a:effectRef>
-          <a:fontRef idx="minor">
-            <a:schemeClr val="lt1"/>
-          </a:fontRef>
-        </p:style>
-        <p:txBody>
-          <a:bodyPr rtlCol="0" anchor="ctr"/>
-          <a:lstStyle/>
-          <a:p>
-            <a:pPr algn="ctr"/>
-            <a:endParaRPr lang="zh-TW" altLang="en-US"/>
-          </a:p>
-        </p:txBody>
-      </p:sp>
-      <p:sp>
-        <p:nvSpPr>
-          <p:cNvPr id="7" name="向右箭號 6"/>
-          <p:cNvSpPr/>
-          <p:nvPr/>
-        </p:nvSpPr>
-        <p:spPr>
-          <a:xfrm rot="10800000">
-            <a:off x="2940706" y="4274212"/>
-            <a:ext cx="507573" cy="228600"/>
-          </a:xfrm>
-          <a:prstGeom prst="rightArrow">
-            <a:avLst/>
-          </a:prstGeom>
-          <a:solidFill>
-            <a:srgbClr val="FF0000"/>
-          </a:solidFill>
-          <a:ln>
-            <a:solidFill>
-              <a:srgbClr val="FF0000"/>
-            </a:solidFill>
-          </a:ln>
-        </p:spPr>
-        <p:style>
-          <a:lnRef idx="2">
-            <a:schemeClr val="accent1">
-              <a:shade val="50000"/>
-            </a:schemeClr>
-          </a:lnRef>
-          <a:fillRef idx="1">
-            <a:schemeClr val="accent1"/>
-          </a:fillRef>
-          <a:effectRef idx="0">
-            <a:schemeClr val="accent1"/>
-          </a:effectRef>
-          <a:fontRef idx="minor">
-            <a:schemeClr val="lt1"/>
-          </a:fontRef>
-        </p:style>
-        <p:txBody>
-          <a:bodyPr rtlCol="0" anchor="ctr"/>
-          <a:lstStyle/>
-          <a:p>
-            <a:pPr algn="ctr"/>
-            <a:endParaRPr lang="zh-TW" altLang="en-US"/>
-          </a:p>
-        </p:txBody>
-      </p:sp>
-      <p:sp>
-        <p:nvSpPr>
-          <p:cNvPr id="8" name="向右箭號 7"/>
-          <p:cNvSpPr/>
-          <p:nvPr/>
-        </p:nvSpPr>
-        <p:spPr>
-          <a:xfrm rot="1940742">
-            <a:off x="4143896" y="5927063"/>
-            <a:ext cx="507573" cy="228600"/>
-          </a:xfrm>
-          <a:prstGeom prst="rightArrow">
-            <a:avLst/>
-          </a:prstGeom>
-          <a:solidFill>
-            <a:srgbClr val="FF0000"/>
-          </a:solidFill>
-          <a:ln>
-            <a:solidFill>
-              <a:srgbClr val="FF0000"/>
-            </a:solidFill>
-          </a:ln>
-        </p:spPr>
-        <p:style>
-          <a:lnRef idx="2">
-            <a:schemeClr val="accent1">
-              <a:shade val="50000"/>
-            </a:schemeClr>
-          </a:lnRef>
-          <a:fillRef idx="1">
-            <a:schemeClr val="accent1"/>
-          </a:fillRef>
-          <a:effectRef idx="0">
-            <a:schemeClr val="accent1"/>
-          </a:effectRef>
-          <a:fontRef idx="minor">
-            <a:schemeClr val="lt1"/>
-          </a:fontRef>
-        </p:style>
-        <p:txBody>
-          <a:bodyPr rtlCol="0" anchor="ctr"/>
-          <a:lstStyle/>
-          <a:p>
-            <a:pPr algn="ctr"/>
-            <a:endParaRPr lang="zh-TW" altLang="en-US"/>
-          </a:p>
-        </p:txBody>
-      </p:sp>
-      <p:sp>
-        <p:nvSpPr>
-          <p:cNvPr id="9" name="向右箭號 8"/>
-          <p:cNvSpPr/>
-          <p:nvPr/>
-        </p:nvSpPr>
-        <p:spPr>
-          <a:xfrm>
-            <a:off x="3878741" y="4741428"/>
-            <a:ext cx="510732" cy="704088"/>
-          </a:xfrm>
-          <a:prstGeom prst="rightArrow">
-            <a:avLst/>
-          </a:prstGeom>
-        </p:spPr>
-        <p:style>
-          <a:lnRef idx="2">
-            <a:schemeClr val="accent1">
-              <a:shade val="50000"/>
-            </a:schemeClr>
-          </a:lnRef>
-          <a:fillRef idx="1">
-            <a:schemeClr val="accent1"/>
-          </a:fillRef>
-          <a:effectRef idx="0">
-            <a:schemeClr val="accent1"/>
-          </a:effectRef>
-          <a:fontRef idx="minor">
-            <a:schemeClr val="lt1"/>
-          </a:fontRef>
-        </p:style>
-        <p:txBody>
-          <a:bodyPr rtlCol="0" anchor="ctr"/>
-          <a:lstStyle/>
-          <a:p>
-            <a:pPr algn="ctr"/>
-            <a:endParaRPr lang="zh-TW" altLang="en-US"/>
-          </a:p>
-        </p:txBody>
-      </p:sp>
-      <p:sp>
-        <p:nvSpPr>
-          <p:cNvPr id="10" name="文字方塊 9"/>
-          <p:cNvSpPr txBox="1"/>
-          <p:nvPr/>
-        </p:nvSpPr>
-        <p:spPr>
-          <a:xfrm>
-            <a:off x="973976" y="4053578"/>
-            <a:ext cx="319318" cy="369332"/>
-          </a:xfrm>
-          <a:prstGeom prst="rect">
-            <a:avLst/>
-          </a:prstGeom>
-          <a:noFill/>
-        </p:spPr>
-        <p:txBody>
-          <a:bodyPr wrap="none" rtlCol="0">
-            <a:spAutoFit/>
-          </a:bodyPr>
-          <a:lstStyle/>
-          <a:p>
-            <a:r>
-              <a:rPr lang="en-US" altLang="zh-TW" b="1" dirty="0" smtClean="0">
-                <a:solidFill>
-                  <a:srgbClr val="FF0000"/>
-                </a:solidFill>
-              </a:rPr>
-              <a:t>1</a:t>
-            </a:r>
-            <a:endParaRPr lang="zh-TW" altLang="en-US" b="1" dirty="0">
-              <a:solidFill>
-                <a:srgbClr val="FF0000"/>
-              </a:solidFill>
-            </a:endParaRPr>
-          </a:p>
-        </p:txBody>
-      </p:sp>
-      <p:sp>
-        <p:nvSpPr>
-          <p:cNvPr id="11" name="文字方塊 10"/>
-          <p:cNvSpPr txBox="1"/>
-          <p:nvPr/>
-        </p:nvSpPr>
-        <p:spPr>
-          <a:xfrm>
-            <a:off x="3250064" y="4372096"/>
-            <a:ext cx="319318" cy="369332"/>
-          </a:xfrm>
-          <a:prstGeom prst="rect">
-            <a:avLst/>
-          </a:prstGeom>
-          <a:noFill/>
-        </p:spPr>
-        <p:txBody>
-          <a:bodyPr wrap="none" rtlCol="0">
-            <a:spAutoFit/>
-          </a:bodyPr>
-          <a:lstStyle/>
-          <a:p>
-            <a:r>
-              <a:rPr lang="en-US" altLang="zh-TW" b="1" dirty="0" smtClean="0">
-                <a:solidFill>
-                  <a:srgbClr val="FF0000"/>
-                </a:solidFill>
-              </a:rPr>
-              <a:t>2</a:t>
-            </a:r>
-            <a:endParaRPr lang="zh-TW" altLang="en-US" b="1" dirty="0">
-              <a:solidFill>
-                <a:srgbClr val="FF0000"/>
-              </a:solidFill>
-            </a:endParaRPr>
-          </a:p>
-        </p:txBody>
-      </p:sp>
-      <p:sp>
-        <p:nvSpPr>
-          <p:cNvPr id="12" name="文字方塊 11"/>
-          <p:cNvSpPr txBox="1"/>
-          <p:nvPr/>
-        </p:nvSpPr>
-        <p:spPr>
-          <a:xfrm>
-            <a:off x="3878741" y="5589734"/>
-            <a:ext cx="319318" cy="369332"/>
-          </a:xfrm>
-          <a:prstGeom prst="rect">
-            <a:avLst/>
-          </a:prstGeom>
-          <a:noFill/>
-        </p:spPr>
-        <p:txBody>
-          <a:bodyPr wrap="none" rtlCol="0">
-            <a:spAutoFit/>
-          </a:bodyPr>
-          <a:lstStyle/>
-          <a:p>
-            <a:r>
-              <a:rPr lang="en-US" altLang="zh-TW" b="1" dirty="0">
-                <a:solidFill>
-                  <a:srgbClr val="FF0000"/>
-                </a:solidFill>
-              </a:rPr>
-              <a:t>3</a:t>
-            </a:r>
-            <a:endParaRPr lang="zh-TW" altLang="en-US" b="1" dirty="0">
-              <a:solidFill>
-                <a:srgbClr val="FF0000"/>
-              </a:solidFill>
-            </a:endParaRPr>
-          </a:p>
-        </p:txBody>
-      </p:sp>
-      <p:pic>
-        <p:nvPicPr>
-          <p:cNvPr id="13" name="圖片 12"/>
-          <p:cNvPicPr>
-            <a:picLocks noChangeAspect="1"/>
-          </p:cNvPicPr>
-          <p:nvPr/>
-        </p:nvPicPr>
-        <p:blipFill>
-          <a:blip r:embed="rId4"/>
-          <a:stretch>
-            <a:fillRect/>
-          </a:stretch>
-        </p:blipFill>
-        <p:spPr>
-          <a:xfrm>
-            <a:off x="8324501" y="3834762"/>
-            <a:ext cx="3115564" cy="2182607"/>
-          </a:xfrm>
-          <a:prstGeom prst="rect">
-            <a:avLst/>
-          </a:prstGeom>
-          <a:ln>
-            <a:solidFill>
-              <a:schemeClr val="tx1"/>
-            </a:solidFill>
-          </a:ln>
-        </p:spPr>
-      </p:pic>
-      <p:sp>
-        <p:nvSpPr>
-          <p:cNvPr id="14" name="左大括弧 13"/>
-          <p:cNvSpPr/>
-          <p:nvPr/>
-        </p:nvSpPr>
-        <p:spPr>
-          <a:xfrm>
-            <a:off x="8324501" y="5164929"/>
-            <a:ext cx="327428" cy="644085"/>
-          </a:xfrm>
-          <a:prstGeom prst="leftBrace">
-            <a:avLst/>
-          </a:prstGeom>
-          <a:ln w="38100">
-            <a:solidFill>
-              <a:srgbClr val="FF0000"/>
-            </a:solidFill>
-          </a:ln>
-        </p:spPr>
-        <p:style>
-          <a:lnRef idx="1">
-            <a:schemeClr val="accent1"/>
-          </a:lnRef>
-          <a:fillRef idx="0">
-            <a:schemeClr val="accent1"/>
-          </a:fillRef>
-          <a:effectRef idx="0">
-            <a:schemeClr val="accent1"/>
-          </a:effectRef>
-          <a:fontRef idx="minor">
-            <a:schemeClr val="tx1"/>
-          </a:fontRef>
-        </p:style>
-        <p:txBody>
-          <a:bodyPr rtlCol="0" anchor="ctr"/>
-          <a:lstStyle/>
-          <a:p>
-            <a:pPr algn="ctr"/>
-            <a:endParaRPr lang="zh-TW" altLang="en-US"/>
-          </a:p>
-        </p:txBody>
-      </p:sp>
-      <p:sp>
-        <p:nvSpPr>
-          <p:cNvPr id="15" name="向右箭號 14"/>
-          <p:cNvSpPr/>
-          <p:nvPr/>
-        </p:nvSpPr>
-        <p:spPr>
-          <a:xfrm>
-            <a:off x="7599211" y="4739913"/>
-            <a:ext cx="510732" cy="704088"/>
-          </a:xfrm>
-          <a:prstGeom prst="rightArrow">
-            <a:avLst/>
-          </a:prstGeom>
-        </p:spPr>
-        <p:style>
-          <a:lnRef idx="2">
-            <a:schemeClr val="accent1">
-              <a:shade val="50000"/>
-            </a:schemeClr>
-          </a:lnRef>
-          <a:fillRef idx="1">
-            <a:schemeClr val="accent1"/>
-          </a:fillRef>
-          <a:effectRef idx="0">
-            <a:schemeClr val="accent1"/>
-          </a:effectRef>
-          <a:fontRef idx="minor">
-            <a:schemeClr val="lt1"/>
-          </a:fontRef>
-        </p:style>
-        <p:txBody>
-          <a:bodyPr rtlCol="0" anchor="ctr"/>
-          <a:lstStyle/>
-          <a:p>
-            <a:pPr algn="ctr"/>
-            <a:endParaRPr lang="zh-TW" altLang="en-US"/>
-          </a:p>
-        </p:txBody>
-      </p:sp>
-      <p:sp>
-        <p:nvSpPr>
-          <p:cNvPr id="16" name="文字方塊 15"/>
-          <p:cNvSpPr txBox="1"/>
-          <p:nvPr/>
-        </p:nvSpPr>
-        <p:spPr>
-          <a:xfrm>
-            <a:off x="7061852" y="2982933"/>
-            <a:ext cx="4022255" cy="523220"/>
-          </a:xfrm>
-          <a:prstGeom prst="rect">
-            <a:avLst/>
-          </a:prstGeom>
-          <a:noFill/>
-        </p:spPr>
-        <p:txBody>
-          <a:bodyPr wrap="none" rtlCol="0">
-            <a:spAutoFit/>
-          </a:bodyPr>
-          <a:lstStyle/>
-          <a:p>
-            <a:r>
-              <a:rPr lang="en-US" altLang="zh-TW" sz="2800" dirty="0">
-                <a:solidFill>
-                  <a:srgbClr val="FF0000"/>
-                </a:solidFill>
-              </a:rPr>
-              <a:t>https://</a:t>
-            </a:r>
-            <a:r>
-              <a:rPr lang="en-US" altLang="zh-TW" sz="2800" dirty="0" smtClean="0">
-                <a:solidFill>
-                  <a:srgbClr val="FF0000"/>
-                </a:solidFill>
-              </a:rPr>
-              <a:t>reurl.cc/qgd6lg</a:t>
-            </a:r>
-            <a:endParaRPr lang="zh-TW" altLang="en-US" sz="2800" dirty="0">
-              <a:solidFill>
-                <a:srgbClr val="FF0000"/>
-              </a:solidFill>
-            </a:endParaRPr>
-          </a:p>
-        </p:txBody>
-      </p:sp>
-      <p:pic>
-        <p:nvPicPr>
-          <p:cNvPr id="17" name="圖片 16"/>
-          <p:cNvPicPr>
-            <a:picLocks noChangeAspect="1"/>
-          </p:cNvPicPr>
-          <p:nvPr/>
-        </p:nvPicPr>
-        <p:blipFill>
-          <a:blip r:embed="rId5"/>
-          <a:stretch>
-            <a:fillRect/>
-          </a:stretch>
-        </p:blipFill>
-        <p:spPr>
-          <a:xfrm>
-            <a:off x="7181402" y="1746505"/>
-            <a:ext cx="1143099" cy="1143099"/>
-          </a:xfrm>
-          <a:prstGeom prst="rect">
-            <a:avLst/>
-          </a:prstGeom>
-        </p:spPr>
-      </p:pic>
-    </p:spTree>
-    <p:extLst>
-      <p:ext uri="{BB962C8B-B14F-4D97-AF65-F5344CB8AC3E}">
-        <p14:creationId xmlns:p14="http://schemas.microsoft.com/office/powerpoint/2010/main" val="2495796094"/>
-      </p:ext>
-    </p:extLst>
-  </p:cSld>
-  <p:clrMapOvr>
-    <a:masterClrMapping/>
-  </p:clrMapOvr>
-  <p:timing>
-    <p:tnLst>
-      <p:par>
-        <p:cTn id="1" dur="indefinite" restart="never" nodeType="tmRoot"/>
-      </p:par>
-    </p:tnLst>
-  </p:timing>
-</p:sld>
-</file>
-
-<file path=ppt/slides/slide20.xml><?xml version="1.0" encoding="utf-8"?>
-<p:sld xmlns:a="http://schemas.openxmlformats.org/drawingml/2006/main" xmlns:r="http://schemas.openxmlformats.org/officeDocument/2006/relationships" xmlns:p="http://schemas.openxmlformats.org/presentationml/2006/main">
-  <p:cSld>
-    <p:spTree>
-      <p:nvGrpSpPr>
-        <p:cNvPr id="1" name=""/>
-        <p:cNvGrpSpPr/>
-        <p:nvPr/>
-      </p:nvGrpSpPr>
-      <p:grpSpPr>
-        <a:xfrm>
-          <a:off x="0" y="0"/>
-          <a:ext cx="0" cy="0"/>
-          <a:chOff x="0" y="0"/>
-          <a:chExt cx="0" cy="0"/>
-        </a:xfrm>
-      </p:grpSpPr>
-      <p:sp>
-        <p:nvSpPr>
-          <p:cNvPr id="2" name="標題 1"/>
-          <p:cNvSpPr>
-            <a:spLocks noGrp="1"/>
-          </p:cNvSpPr>
-          <p:nvPr>
-            <p:ph type="title"/>
-          </p:nvPr>
-        </p:nvSpPr>
-        <p:spPr/>
-        <p:txBody>
-          <a:bodyPr/>
-          <a:lstStyle/>
-          <a:p>
-            <a:r>
-              <a:rPr lang="zh-TW" altLang="en-US" dirty="0" smtClean="0"/>
-              <a:t>安裝</a:t>
-            </a:r>
-            <a:r>
-              <a:rPr lang="en-US" altLang="zh-TW" dirty="0" smtClean="0"/>
-              <a:t>Kite</a:t>
+              <a:t/>
             </a:r>
             <a:br>
               <a:rPr lang="en-US" altLang="zh-TW" dirty="0" smtClean="0"/>
             </a:br>
+            <a:r>
+              <a:rPr lang="en-US" altLang="zh-TW" dirty="0" smtClean="0"/>
+              <a:t>				</a:t>
+            </a:r>
             <a:r>
               <a:rPr lang="zh-TW" altLang="en-US" dirty="0" smtClean="0"/>
               <a:t>一個程式碼自動補全工具</a:t>
@@ -10543,13 +10548,21 @@
           <a:p>
             <a:r>
               <a:rPr lang="zh-TW" altLang="en-US" dirty="0" smtClean="0"/>
-              <a:t>最新版的</a:t>
+              <a:t>新版的</a:t>
             </a:r>
             <a:r>
               <a:rPr lang="en-US" altLang="zh-TW" dirty="0" err="1" smtClean="0"/>
               <a:t>Spyder</a:t>
             </a:r>
             <a:r>
+              <a:rPr lang="zh-TW" altLang="en-US" dirty="0" smtClean="0">
+                <a:solidFill>
+                  <a:srgbClr val="FF0000"/>
+                </a:solidFill>
+              </a:rPr>
+              <a:t>有可能</a:t>
+            </a:r>
+            <a:r>
               <a:rPr lang="zh-TW" altLang="en-US" dirty="0" smtClean="0"/>
               <a:t>會自動問你要不要安裝</a:t>
             </a:r>
@@ -10559,6 +10572,18 @@
             </a:r>
             <a:r>
               <a:rPr lang="zh-TW" altLang="en-US" dirty="0" smtClean="0"/>
+              <a:t>，</a:t>
+            </a:r>
+            <a:r>
+              <a:rPr lang="zh-TW" altLang="en-US" dirty="0" smtClean="0">
+                <a:solidFill>
+                  <a:srgbClr val="FF0000"/>
+                </a:solidFill>
+              </a:rPr>
+              <a:t>或者已經一併安裝</a:t>
+            </a:r>
+            <a:r>
+              <a:rPr lang="zh-TW" altLang="en-US" dirty="0" smtClean="0"/>
               <a:t>。</a:t>
             </a:r>
             <a:endParaRPr lang="en-US" altLang="zh-TW" dirty="0" smtClean="0"/>
@@ -10566,7 +10591,7 @@
           <a:p>
             <a:r>
               <a:rPr lang="zh-TW" altLang="en-US" dirty="0" smtClean="0"/>
-              <a:t>蠻方便的工具，建議是安裝。</a:t>
+              <a:t>蠻方便的工具，如果出現詢問是否安裝，建議是安裝。</a:t>
             </a:r>
             <a:endParaRPr lang="en-US" altLang="zh-TW" dirty="0" smtClean="0"/>
           </a:p>
@@ -10875,7 +10900,221 @@
 </p:sld>
 </file>
 
-<file path=ppt/slides/slide21.xml><?xml version="1.0" encoding="utf-8"?>
+<file path=ppt/slides/slide23.xml><?xml version="1.0" encoding="utf-8"?>
+<p:sld xmlns:a="http://schemas.openxmlformats.org/drawingml/2006/main" xmlns:r="http://schemas.openxmlformats.org/officeDocument/2006/relationships" xmlns:p="http://schemas.openxmlformats.org/presentationml/2006/main">
+  <p:cSld>
+    <p:spTree>
+      <p:nvGrpSpPr>
+        <p:cNvPr id="1" name=""/>
+        <p:cNvGrpSpPr/>
+        <p:nvPr/>
+      </p:nvGrpSpPr>
+      <p:grpSpPr>
+        <a:xfrm>
+          <a:off x="0" y="0"/>
+          <a:ext cx="0" cy="0"/>
+          <a:chOff x="0" y="0"/>
+          <a:chExt cx="0" cy="0"/>
+        </a:xfrm>
+      </p:grpSpPr>
+      <p:sp>
+        <p:nvSpPr>
+          <p:cNvPr id="10" name="內容版面配置區 9"/>
+          <p:cNvSpPr>
+            <a:spLocks noGrp="1"/>
+          </p:cNvSpPr>
+          <p:nvPr>
+            <p:ph idx="1"/>
+          </p:nvPr>
+        </p:nvSpPr>
+        <p:spPr/>
+        <p:txBody>
+          <a:bodyPr/>
+          <a:lstStyle/>
+          <a:p>
+            <a:r>
+              <a:rPr lang="zh-TW" altLang="en-US" dirty="0" smtClean="0"/>
+              <a:t>如果，</a:t>
+            </a:r>
+            <a:r>
+              <a:rPr lang="en-US" altLang="zh-TW" dirty="0" err="1" smtClean="0"/>
+              <a:t>Spyder</a:t>
+            </a:r>
+            <a:r>
+              <a:rPr lang="zh-TW" altLang="en-US" dirty="0" smtClean="0"/>
+              <a:t>視窗的右下角出現：</a:t>
+            </a:r>
+            <a:r>
+              <a:rPr lang="en-US" altLang="zh-TW" dirty="0" err="1" smtClean="0"/>
+              <a:t>Kite:ready</a:t>
+            </a:r>
+            <a:r>
+              <a:rPr lang="en-US" altLang="zh-TW" dirty="0" smtClean="0"/>
+              <a:t> </a:t>
+            </a:r>
+            <a:r>
+              <a:rPr lang="zh-TW" altLang="en-US" dirty="0" smtClean="0"/>
+              <a:t>，表示</a:t>
+            </a:r>
+            <a:r>
+              <a:rPr lang="en-US" altLang="zh-TW" dirty="0" smtClean="0"/>
+              <a:t>Kite</a:t>
+            </a:r>
+            <a:r>
+              <a:rPr lang="zh-TW" altLang="en-US" dirty="0" smtClean="0"/>
+              <a:t>已經安裝好了。</a:t>
+            </a:r>
+            <a:endParaRPr lang="en-US" altLang="zh-TW" dirty="0" smtClean="0"/>
+          </a:p>
+          <a:p>
+            <a:pPr lvl="1"/>
+            <a:r>
+              <a:rPr lang="zh-TW" altLang="en-US" dirty="0"/>
+              <a:t>如下圖：</a:t>
+            </a:r>
+            <a:endParaRPr lang="en-US" altLang="zh-TW" dirty="0" smtClean="0"/>
+          </a:p>
+          <a:p>
+            <a:endParaRPr lang="en-US" altLang="zh-TW" dirty="0" smtClean="0"/>
+          </a:p>
+          <a:p>
+            <a:endParaRPr lang="en-US" altLang="zh-TW" dirty="0"/>
+          </a:p>
+          <a:p>
+            <a:endParaRPr lang="en-US" altLang="zh-TW" dirty="0" smtClean="0"/>
+          </a:p>
+          <a:p>
+            <a:r>
+              <a:rPr lang="zh-TW" altLang="en-US" dirty="0"/>
+              <a:t>如果沒有</a:t>
+            </a:r>
+            <a:r>
+              <a:rPr lang="zh-TW" altLang="en-US" dirty="0" smtClean="0"/>
+              <a:t>，可以自行上網搜尋官網，進行下載與安裝。</a:t>
+            </a:r>
+            <a:endParaRPr lang="zh-TW" altLang="en-US" dirty="0"/>
+          </a:p>
+        </p:txBody>
+      </p:sp>
+      <p:pic>
+        <p:nvPicPr>
+          <p:cNvPr id="11" name="圖片 10"/>
+          <p:cNvPicPr>
+            <a:picLocks noChangeAspect="1"/>
+          </p:cNvPicPr>
+          <p:nvPr/>
+        </p:nvPicPr>
+        <p:blipFill>
+          <a:blip r:embed="rId2"/>
+          <a:stretch>
+            <a:fillRect/>
+          </a:stretch>
+        </p:blipFill>
+        <p:spPr>
+          <a:xfrm>
+            <a:off x="1527048" y="2898648"/>
+            <a:ext cx="7239000" cy="942975"/>
+          </a:xfrm>
+          <a:prstGeom prst="rect">
+            <a:avLst/>
+          </a:prstGeom>
+        </p:spPr>
+      </p:pic>
+      <p:sp>
+        <p:nvSpPr>
+          <p:cNvPr id="9" name="標題 8"/>
+          <p:cNvSpPr>
+            <a:spLocks noGrp="1"/>
+          </p:cNvSpPr>
+          <p:nvPr>
+            <p:ph type="title"/>
+          </p:nvPr>
+        </p:nvSpPr>
+        <p:spPr/>
+        <p:txBody>
+          <a:bodyPr/>
+          <a:lstStyle/>
+          <a:p>
+            <a:r>
+              <a:rPr lang="zh-TW" altLang="en-US" dirty="0" smtClean="0"/>
+              <a:t>關於</a:t>
+            </a:r>
+            <a:r>
+              <a:rPr lang="en-US" altLang="zh-TW" dirty="0" smtClean="0"/>
+              <a:t>Kite(</a:t>
+            </a:r>
+            <a:r>
+              <a:rPr lang="zh-TW" altLang="en-US" dirty="0" smtClean="0"/>
+              <a:t>續</a:t>
+            </a:r>
+            <a:r>
+              <a:rPr lang="en-US" altLang="zh-TW" dirty="0" smtClean="0"/>
+              <a:t>)</a:t>
+            </a:r>
+            <a:endParaRPr lang="zh-TW" altLang="en-US" dirty="0"/>
+          </a:p>
+        </p:txBody>
+      </p:sp>
+      <p:sp>
+        <p:nvSpPr>
+          <p:cNvPr id="12" name="矩形 11"/>
+          <p:cNvSpPr/>
+          <p:nvPr/>
+        </p:nvSpPr>
+        <p:spPr>
+          <a:xfrm>
+            <a:off x="1453896" y="3401568"/>
+            <a:ext cx="1298448" cy="630936"/>
+          </a:xfrm>
+          <a:prstGeom prst="rect">
+            <a:avLst/>
+          </a:prstGeom>
+          <a:noFill/>
+          <a:ln w="38100">
+            <a:solidFill>
+              <a:srgbClr val="FF0000"/>
+            </a:solidFill>
+          </a:ln>
+        </p:spPr>
+        <p:style>
+          <a:lnRef idx="2">
+            <a:schemeClr val="accent1">
+              <a:shade val="50000"/>
+            </a:schemeClr>
+          </a:lnRef>
+          <a:fillRef idx="1">
+            <a:schemeClr val="accent1"/>
+          </a:fillRef>
+          <a:effectRef idx="0">
+            <a:schemeClr val="accent1"/>
+          </a:effectRef>
+          <a:fontRef idx="minor">
+            <a:schemeClr val="lt1"/>
+          </a:fontRef>
+        </p:style>
+        <p:txBody>
+          <a:bodyPr rtlCol="0" anchor="ctr"/>
+          <a:lstStyle/>
+          <a:p>
+            <a:pPr algn="ctr"/>
+            <a:endParaRPr lang="zh-TW" altLang="en-US"/>
+          </a:p>
+        </p:txBody>
+      </p:sp>
+    </p:spTree>
+    <p:extLst>
+      <p:ext uri="{BB962C8B-B14F-4D97-AF65-F5344CB8AC3E}">
+        <p14:creationId xmlns:p14="http://schemas.microsoft.com/office/powerpoint/2010/main" val="2280833044"/>
+      </p:ext>
+    </p:extLst>
+  </p:cSld>
+  <p:clrMapOvr>
+    <a:masterClrMapping/>
+  </p:clrMapOvr>
+</p:sld>
+</file>
+
+<file path=ppt/slides/slide24.xml><?xml version="1.0" encoding="utf-8"?>
 <p:sld xmlns:a="http://schemas.openxmlformats.org/drawingml/2006/main" xmlns:r="http://schemas.openxmlformats.org/officeDocument/2006/relationships" xmlns:p="http://schemas.openxmlformats.org/presentationml/2006/main">
   <p:cSld>
     <p:spTree>
@@ -11031,7 +11270,7 @@
 </p:sld>
 </file>
 
-<file path=ppt/slides/slide22.xml><?xml version="1.0" encoding="utf-8"?>
+<file path=ppt/slides/slide25.xml><?xml version="1.0" encoding="utf-8"?>
 <p:sld xmlns:a="http://schemas.openxmlformats.org/drawingml/2006/main" xmlns:r="http://schemas.openxmlformats.org/officeDocument/2006/relationships" xmlns:p="http://schemas.openxmlformats.org/presentationml/2006/main">
   <p:cSld>
     <p:spTree>
@@ -11339,7 +11578,7 @@
 </p:sld>
 </file>
 
-<file path=ppt/slides/slide23.xml><?xml version="1.0" encoding="utf-8"?>
+<file path=ppt/slides/slide26.xml><?xml version="1.0" encoding="utf-8"?>
 <p:sld xmlns:a="http://schemas.openxmlformats.org/drawingml/2006/main" xmlns:r="http://schemas.openxmlformats.org/officeDocument/2006/relationships" xmlns:p="http://schemas.openxmlformats.org/presentationml/2006/main">
   <p:cSld>
     <p:spTree>
@@ -11356,69 +11595,9 @@
           <a:chExt cx="0" cy="0"/>
         </a:xfrm>
       </p:grpSpPr>
-      <p:sp>
-        <p:nvSpPr>
-          <p:cNvPr id="2" name="標題 1"/>
-          <p:cNvSpPr>
-            <a:spLocks noGrp="1"/>
-          </p:cNvSpPr>
-          <p:nvPr>
-            <p:ph type="title"/>
-          </p:nvPr>
-        </p:nvSpPr>
-        <p:spPr/>
-        <p:txBody>
-          <a:bodyPr/>
-          <a:lstStyle/>
-          <a:p>
-            <a:r>
-              <a:rPr lang="en-US" altLang="zh-TW" dirty="0"/>
-              <a:t>Hello World</a:t>
-            </a:r>
-            <a:br>
-              <a:rPr lang="en-US" altLang="zh-TW" dirty="0"/>
-            </a:br>
-            <a:r>
-              <a:rPr lang="zh-TW" altLang="en-US" dirty="0" smtClean="0"/>
-              <a:t>步驟</a:t>
-            </a:r>
-            <a:r>
-              <a:rPr lang="en-US" altLang="zh-TW" dirty="0" smtClean="0"/>
-              <a:t>2</a:t>
-            </a:r>
-            <a:endParaRPr lang="zh-TW" altLang="en-US" dirty="0"/>
-          </a:p>
-        </p:txBody>
-      </p:sp>
-      <p:sp>
-        <p:nvSpPr>
-          <p:cNvPr id="3" name="內容版面配置區 2"/>
-          <p:cNvSpPr>
-            <a:spLocks noGrp="1"/>
-          </p:cNvSpPr>
-          <p:nvPr>
-            <p:ph idx="1"/>
-          </p:nvPr>
-        </p:nvSpPr>
-        <p:spPr/>
-        <p:txBody>
-          <a:bodyPr/>
-          <a:lstStyle/>
-          <a:p>
-            <a:r>
-              <a:rPr lang="zh-TW" altLang="en-US" dirty="0" smtClean="0"/>
-              <a:t>點選綠色小三角形按鈕，執行剛剛的程式！</a:t>
-            </a:r>
-            <a:endParaRPr lang="en-US" altLang="zh-TW" dirty="0" smtClean="0"/>
-          </a:p>
-          <a:p>
-            <a:endParaRPr lang="zh-TW" altLang="en-US" dirty="0"/>
-          </a:p>
-        </p:txBody>
-      </p:sp>
       <p:pic>
         <p:nvPicPr>
-          <p:cNvPr id="4" name="圖片 3"/>
+          <p:cNvPr id="7" name="圖片 6"/>
           <p:cNvPicPr>
             <a:picLocks noChangeAspect="1"/>
           </p:cNvPicPr>
@@ -11432,8 +11611,8 @@
         </p:blipFill>
         <p:spPr>
           <a:xfrm>
-            <a:off x="1004695" y="2897124"/>
-            <a:ext cx="7667625" cy="1447800"/>
+            <a:off x="1082992" y="2729021"/>
+            <a:ext cx="8562975" cy="2066925"/>
           </a:xfrm>
           <a:prstGeom prst="rect">
             <a:avLst/>
@@ -11447,13 +11626,73 @@
       </p:pic>
       <p:sp>
         <p:nvSpPr>
+          <p:cNvPr id="2" name="標題 1"/>
+          <p:cNvSpPr>
+            <a:spLocks noGrp="1"/>
+          </p:cNvSpPr>
+          <p:nvPr>
+            <p:ph type="title"/>
+          </p:nvPr>
+        </p:nvSpPr>
+        <p:spPr/>
+        <p:txBody>
+          <a:bodyPr/>
+          <a:lstStyle/>
+          <a:p>
+            <a:r>
+              <a:rPr lang="en-US" altLang="zh-TW" dirty="0"/>
+              <a:t>Hello World</a:t>
+            </a:r>
+            <a:br>
+              <a:rPr lang="en-US" altLang="zh-TW" dirty="0"/>
+            </a:br>
+            <a:r>
+              <a:rPr lang="zh-TW" altLang="en-US" dirty="0" smtClean="0"/>
+              <a:t>步驟</a:t>
+            </a:r>
+            <a:r>
+              <a:rPr lang="en-US" altLang="zh-TW" dirty="0" smtClean="0"/>
+              <a:t>2</a:t>
+            </a:r>
+            <a:endParaRPr lang="zh-TW" altLang="en-US" dirty="0"/>
+          </a:p>
+        </p:txBody>
+      </p:sp>
+      <p:sp>
+        <p:nvSpPr>
+          <p:cNvPr id="3" name="內容版面配置區 2"/>
+          <p:cNvSpPr>
+            <a:spLocks noGrp="1"/>
+          </p:cNvSpPr>
+          <p:nvPr>
+            <p:ph idx="1"/>
+          </p:nvPr>
+        </p:nvSpPr>
+        <p:spPr/>
+        <p:txBody>
+          <a:bodyPr/>
+          <a:lstStyle/>
+          <a:p>
+            <a:r>
+              <a:rPr lang="zh-TW" altLang="en-US" dirty="0" smtClean="0"/>
+              <a:t>點選綠色小三角形按鈕，執行剛剛的程式！</a:t>
+            </a:r>
+            <a:endParaRPr lang="en-US" altLang="zh-TW" dirty="0" smtClean="0"/>
+          </a:p>
+          <a:p>
+            <a:endParaRPr lang="zh-TW" altLang="en-US" dirty="0"/>
+          </a:p>
+        </p:txBody>
+      </p:sp>
+      <p:sp>
+        <p:nvSpPr>
           <p:cNvPr id="5" name="向右箭號 4"/>
           <p:cNvSpPr/>
           <p:nvPr/>
         </p:nvSpPr>
         <p:spPr>
-          <a:xfrm rot="19168050">
-            <a:off x="2567624" y="3852373"/>
+          <a:xfrm rot="14899221">
+            <a:off x="3212971" y="3833725"/>
             <a:ext cx="539496" cy="237440"/>
           </a:xfrm>
           <a:prstGeom prst="rightArrow">
@@ -11584,7 +11823,7 @@
 </p:sld>
 </file>
 
-<file path=ppt/slides/slide24.xml><?xml version="1.0" encoding="utf-8"?>
+<file path=ppt/slides/slide27.xml><?xml version="1.0" encoding="utf-8"?>
 <p:sld xmlns:a="http://schemas.openxmlformats.org/drawingml/2006/main" xmlns:r="http://schemas.openxmlformats.org/officeDocument/2006/relationships" xmlns:p="http://schemas.openxmlformats.org/presentationml/2006/main">
   <p:cSld>
     <p:spTree>
@@ -11675,7 +11914,7 @@
       </p:sp>
       <p:pic>
         <p:nvPicPr>
-          <p:cNvPr id="4" name="圖片 3"/>
+          <p:cNvPr id="8" name="圖片 7"/>
           <p:cNvPicPr>
             <a:picLocks noChangeAspect="1"/>
           </p:cNvPicPr>
@@ -11689,8 +11928,8 @@
         </p:blipFill>
         <p:spPr>
           <a:xfrm>
-            <a:off x="1209484" y="2724340"/>
-            <a:ext cx="7724775" cy="3457575"/>
+            <a:off x="1201674" y="2718876"/>
+            <a:ext cx="8801100" cy="1790700"/>
           </a:xfrm>
           <a:prstGeom prst="rect">
             <a:avLst/>
@@ -11704,8 +11943,8 @@
           <p:nvPr/>
         </p:nvSpPr>
         <p:spPr>
-          <a:xfrm rot="12839048">
-            <a:off x="2339023" y="5813974"/>
+          <a:xfrm rot="13859398">
+            <a:off x="2305990" y="4400548"/>
             <a:ext cx="539496" cy="237440"/>
           </a:xfrm>
           <a:prstGeom prst="rightArrow">
@@ -11753,7 +11992,7 @@
         </p:nvSpPr>
         <p:spPr>
           <a:xfrm>
-            <a:off x="2898805" y="5711529"/>
+            <a:off x="2368383" y="4705909"/>
             <a:ext cx="1723549" cy="400110"/>
           </a:xfrm>
           <a:prstGeom prst="rect">
@@ -11770,10 +12009,7 @@
             <a:r>
               <a:rPr lang="zh-TW" altLang="en-US" sz="2000" b="1" dirty="0" smtClean="0">
                 <a:solidFill>
-                  <a:schemeClr val="accent5">
-                    <a:lumMod val="40000"/>
-                    <a:lumOff val="60000"/>
-                  </a:schemeClr>
+                  <a:srgbClr val="C00000"/>
                 </a:solidFill>
               </a:rPr>
               <a:t>就</a:t>
@@ -11781,10 +12017,7 @@
             <a:r>
               <a:rPr lang="zh-TW" altLang="en-US" sz="2000" b="1" dirty="0">
                 <a:solidFill>
-                  <a:schemeClr val="accent5">
-                    <a:lumMod val="40000"/>
-                    <a:lumOff val="60000"/>
-                  </a:schemeClr>
+                  <a:srgbClr val="C00000"/>
                 </a:solidFill>
               </a:rPr>
               <a:t>在這裡啦</a:t>
@@ -11792,20 +12025,14 @@
             <a:r>
               <a:rPr lang="zh-TW" altLang="en-US" sz="2000" b="1" dirty="0" smtClean="0">
                 <a:solidFill>
-                  <a:schemeClr val="accent5">
-                    <a:lumMod val="40000"/>
-                    <a:lumOff val="60000"/>
-                  </a:schemeClr>
+                  <a:srgbClr val="C00000"/>
                 </a:solidFill>
               </a:rPr>
               <a:t>！</a:t>
             </a:r>
             <a:endParaRPr lang="zh-TW" altLang="en-US" sz="2000" b="1" dirty="0">
               <a:solidFill>
-                <a:schemeClr val="accent5">
-                  <a:lumMod val="40000"/>
-                  <a:lumOff val="60000"/>
-                </a:schemeClr>
+                <a:srgbClr val="C00000"/>
               </a:solidFill>
             </a:endParaRPr>
           </a:p>
@@ -11819,7 +12046,7 @@
         </p:nvSpPr>
         <p:spPr>
           <a:xfrm>
-            <a:off x="3594543" y="3845159"/>
+            <a:off x="4578564" y="4606198"/>
             <a:ext cx="2954656" cy="923330"/>
           </a:xfrm>
           <a:prstGeom prst="rect">
@@ -12055,7 +12282,7 @@
             <a:spLocks noGrp="1"/>
           </p:cNvSpPr>
           <p:nvPr>
-            <p:ph type="title"/>
+            <p:ph type="ctrTitle"/>
           </p:nvPr>
         </p:nvSpPr>
         <p:spPr/>
@@ -12064,8 +12291,12 @@
           <a:lstStyle/>
           <a:p>
             <a:r>
+              <a:rPr lang="en-US" altLang="zh-TW" dirty="0" smtClean="0"/>
+              <a:t>Anaconda</a:t>
+            </a:r>
+            <a:r>
               <a:rPr lang="zh-TW" altLang="en-US" dirty="0" smtClean="0"/>
-              <a:t>開始安裝</a:t>
+              <a:t>環境建置</a:t>
             </a:r>
             <a:endParaRPr lang="zh-TW" altLang="en-US" dirty="0"/>
           </a:p>
@@ -12073,12 +12304,12 @@
       </p:sp>
       <p:sp>
         <p:nvSpPr>
-          <p:cNvPr id="3" name="內容版面配置區 2"/>
+          <p:cNvPr id="3" name="副標題 2"/>
           <p:cNvSpPr>
             <a:spLocks noGrp="1"/>
           </p:cNvSpPr>
           <p:nvPr>
-            <p:ph idx="1"/>
+            <p:ph type="subTitle" idx="1"/>
           </p:nvPr>
         </p:nvSpPr>
         <p:spPr/>
@@ -12088,98 +12319,64 @@
           <a:p>
             <a:r>
               <a:rPr lang="zh-TW" altLang="en-US" dirty="0" smtClean="0"/>
-              <a:t>執行剛剛下載的：</a:t>
-            </a:r>
-            <a:r>
-              <a:rPr lang="en-US" altLang="zh-TW" dirty="0" smtClean="0"/>
-              <a:t>Anaconda3-2020.11-Windows-x86_64.exe</a:t>
-            </a:r>
-          </a:p>
-          <a:p>
+              <a:t>含</a:t>
+            </a:r>
+            <a:r>
+              <a:rPr lang="en-US" altLang="zh-TW" dirty="0" err="1" smtClean="0"/>
+              <a:t>Spyder</a:t>
+            </a:r>
+            <a:r>
+              <a:rPr lang="zh-TW" altLang="en-US" dirty="0" smtClean="0"/>
+              <a:t>的安裝與更新</a:t>
+            </a:r>
             <a:endParaRPr lang="zh-TW" altLang="en-US" dirty="0"/>
           </a:p>
         </p:txBody>
       </p:sp>
       <p:pic>
         <p:nvPicPr>
-          <p:cNvPr id="5" name="圖片 4"/>
+          <p:cNvPr id="5" name="Picture 2" descr="upload.wikimedia.org/wikipedia/commons/thumb/f/..."/>
           <p:cNvPicPr>
-            <a:picLocks noChangeAspect="1"/>
+            <a:picLocks noChangeAspect="1" noChangeArrowheads="1"/>
           </p:cNvPicPr>
           <p:nvPr/>
         </p:nvPicPr>
         <p:blipFill>
-          <a:blip r:embed="rId2"/>
+          <a:blip r:embed="rId2">
+            <a:extLst>
+              <a:ext uri="{28A0092B-C50C-407E-A947-70E740481C1C}">
+                <a14:useLocalDpi xmlns:a14="http://schemas.microsoft.com/office/drawing/2010/main" val="0"/>
+              </a:ext>
+            </a:extLst>
+          </a:blip>
+          <a:srcRect/>
           <a:stretch>
             <a:fillRect/>
           </a:stretch>
         </p:blipFill>
-        <p:spPr>
+        <p:spPr bwMode="auto">
           <a:xfrm>
-            <a:off x="677334" y="2980944"/>
-            <a:ext cx="3591056" cy="2798826"/>
+            <a:off x="528866" y="4993541"/>
+            <a:ext cx="4743328" cy="1407187"/>
           </a:xfrm>
           <a:prstGeom prst="rect">
             <a:avLst/>
           </a:prstGeom>
-          <a:ln>
-            <a:solidFill>
-              <a:schemeClr val="tx1"/>
-            </a:solidFill>
-          </a:ln>
+          <a:noFill/>
+          <a:extLst>
+            <a:ext uri="{909E8E84-426E-40DD-AFC4-6F175D3DCCD1}">
+              <a14:hiddenFill xmlns:a14="http://schemas.microsoft.com/office/drawing/2010/main">
+                <a:solidFill>
+                  <a:srgbClr val="FFFFFF"/>
+                </a:solidFill>
+              </a14:hiddenFill>
+            </a:ext>
+          </a:extLst>
         </p:spPr>
       </p:pic>
-      <p:sp>
-        <p:nvSpPr>
-          <p:cNvPr id="6" name="向右箭號 5"/>
-          <p:cNvSpPr/>
-          <p:nvPr/>
-        </p:nvSpPr>
-        <p:spPr>
-          <a:xfrm rot="1528218">
-            <a:off x="2528525" y="5384754"/>
-            <a:ext cx="516225" cy="202661"/>
-          </a:xfrm>
-          <a:prstGeom prst="rightArrow">
-            <a:avLst/>
-          </a:prstGeom>
-          <a:solidFill>
-            <a:srgbClr val="FF0000"/>
-          </a:solidFill>
-          <a:ln>
-            <a:solidFill>
-              <a:srgbClr val="FF0000"/>
-            </a:solidFill>
-          </a:ln>
-        </p:spPr>
-        <p:style>
-          <a:lnRef idx="2">
-            <a:schemeClr val="accent1">
-              <a:shade val="50000"/>
-            </a:schemeClr>
-          </a:lnRef>
-          <a:fillRef idx="1">
-            <a:schemeClr val="accent1"/>
-          </a:fillRef>
-          <a:effectRef idx="0">
-            <a:schemeClr val="accent1"/>
-          </a:effectRef>
-          <a:fontRef idx="minor">
-            <a:schemeClr val="lt1"/>
-          </a:fontRef>
-        </p:style>
-        <p:txBody>
-          <a:bodyPr rtlCol="0" anchor="ctr"/>
-          <a:lstStyle/>
-          <a:p>
-            <a:pPr algn="ctr"/>
-            <a:endParaRPr lang="zh-TW" altLang="en-US"/>
-          </a:p>
-        </p:txBody>
-      </p:sp>
       <p:pic>
         <p:nvPicPr>
-          <p:cNvPr id="7" name="圖片 6"/>
+          <p:cNvPr id="4" name="圖片 3"/>
           <p:cNvPicPr>
             <a:picLocks noChangeAspect="1"/>
           </p:cNvPicPr>
@@ -12193,109 +12390,18 @@
         </p:blipFill>
         <p:spPr>
           <a:xfrm>
-            <a:off x="4895941" y="2980944"/>
-            <a:ext cx="3607979" cy="2824897"/>
+            <a:off x="933617" y="240829"/>
+            <a:ext cx="3933825" cy="1095375"/>
           </a:xfrm>
           <a:prstGeom prst="rect">
             <a:avLst/>
           </a:prstGeom>
-          <a:ln>
-            <a:solidFill>
-              <a:schemeClr val="tx1"/>
-            </a:solidFill>
-          </a:ln>
         </p:spPr>
       </p:pic>
-      <p:sp>
-        <p:nvSpPr>
-          <p:cNvPr id="8" name="向右箭號 7"/>
-          <p:cNvSpPr/>
-          <p:nvPr/>
-        </p:nvSpPr>
-        <p:spPr>
-          <a:xfrm rot="1528218">
-            <a:off x="6868878" y="5356650"/>
-            <a:ext cx="516225" cy="202661"/>
-          </a:xfrm>
-          <a:prstGeom prst="rightArrow">
-            <a:avLst/>
-          </a:prstGeom>
-          <a:solidFill>
-            <a:srgbClr val="FF0000"/>
-          </a:solidFill>
-          <a:ln>
-            <a:solidFill>
-              <a:srgbClr val="FF0000"/>
-            </a:solidFill>
-          </a:ln>
-        </p:spPr>
-        <p:style>
-          <a:lnRef idx="2">
-            <a:schemeClr val="accent1">
-              <a:shade val="50000"/>
-            </a:schemeClr>
-          </a:lnRef>
-          <a:fillRef idx="1">
-            <a:schemeClr val="accent1"/>
-          </a:fillRef>
-          <a:effectRef idx="0">
-            <a:schemeClr val="accent1"/>
-          </a:effectRef>
-          <a:fontRef idx="minor">
-            <a:schemeClr val="lt1"/>
-          </a:fontRef>
-        </p:style>
-        <p:txBody>
-          <a:bodyPr rtlCol="0" anchor="ctr"/>
-          <a:lstStyle/>
-          <a:p>
-            <a:pPr algn="ctr"/>
-            <a:endParaRPr lang="zh-TW" altLang="en-US"/>
-          </a:p>
-        </p:txBody>
-      </p:sp>
-      <p:sp>
-        <p:nvSpPr>
-          <p:cNvPr id="4" name="文字方塊 3"/>
-          <p:cNvSpPr txBox="1"/>
-          <p:nvPr/>
-        </p:nvSpPr>
-        <p:spPr>
-          <a:xfrm>
-            <a:off x="7610726" y="2160589"/>
-            <a:ext cx="3326552" cy="369332"/>
-          </a:xfrm>
-          <a:prstGeom prst="rect">
-            <a:avLst/>
-          </a:prstGeom>
-          <a:noFill/>
-        </p:spPr>
-        <p:txBody>
-          <a:bodyPr wrap="none" rtlCol="0">
-            <a:spAutoFit/>
-          </a:bodyPr>
-          <a:lstStyle/>
-          <a:p>
-            <a:r>
-              <a:rPr lang="en-US" altLang="zh-TW">
-                <a:solidFill>
-                  <a:srgbClr val="FF0000"/>
-                </a:solidFill>
-              </a:rPr>
-              <a:t>https://tinyurl.com/y7jsm2x6</a:t>
-            </a:r>
-            <a:endParaRPr lang="zh-TW" altLang="en-US" dirty="0">
-              <a:solidFill>
-                <a:srgbClr val="FF0000"/>
-              </a:solidFill>
-            </a:endParaRPr>
-          </a:p>
-        </p:txBody>
-      </p:sp>
     </p:spTree>
     <p:extLst>
       <p:ext uri="{BB962C8B-B14F-4D97-AF65-F5344CB8AC3E}">
-        <p14:creationId xmlns:p14="http://schemas.microsoft.com/office/powerpoint/2010/main" val="535046285"/>
+        <p14:creationId xmlns:p14="http://schemas.microsoft.com/office/powerpoint/2010/main" val="1037792930"/>
       </p:ext>
     </p:extLst>
   </p:cSld>
@@ -12345,10 +12451,9 @@
           <a:lstStyle/>
           <a:p>
             <a:r>
-              <a:rPr lang="zh-TW" altLang="en-US" dirty="0" smtClean="0"/>
-              <a:t>安裝前的步驟</a:t>
-            </a:r>
-            <a:endParaRPr lang="zh-TW" altLang="en-US" dirty="0"/>
+              <a:rPr lang="zh-TW" altLang="en-US" dirty="0"/>
+              <a:t>下載安裝包</a:t>
+            </a:r>
           </a:p>
         </p:txBody>
       </p:sp>
@@ -12362,23 +12467,116 @@
             <p:ph idx="1"/>
           </p:nvPr>
         </p:nvSpPr>
-        <p:spPr/>
+        <p:spPr>
+          <a:xfrm>
+            <a:off x="677334" y="1746505"/>
+            <a:ext cx="8596668" cy="4294858"/>
+          </a:xfrm>
+        </p:spPr>
         <p:txBody>
           <a:bodyPr/>
           <a:lstStyle/>
           <a:p>
             <a:r>
               <a:rPr lang="en-US" altLang="zh-TW" dirty="0" smtClean="0"/>
-              <a:t>Next</a:t>
+              <a:t>Anaconda</a:t>
             </a:r>
             <a:r>
               <a:rPr lang="zh-TW" altLang="en-US" dirty="0" smtClean="0"/>
-              <a:t>大法</a:t>
+              <a:t>官網：  </a:t>
+            </a:r>
+            <a:r>
+              <a:rPr lang="en-US" altLang="zh-TW" dirty="0" smtClean="0">
+                <a:solidFill>
+                  <a:srgbClr val="FF0000"/>
+                </a:solidFill>
+              </a:rPr>
+              <a:t>https</a:t>
+            </a:r>
+            <a:r>
+              <a:rPr lang="en-US" altLang="zh-TW" dirty="0">
+                <a:solidFill>
+                  <a:srgbClr val="FF0000"/>
+                </a:solidFill>
+              </a:rPr>
+              <a:t>://www.anaconda.com</a:t>
+            </a:r>
+            <a:r>
+              <a:rPr lang="en-US" altLang="zh-TW" dirty="0" smtClean="0">
+                <a:solidFill>
+                  <a:srgbClr val="FF0000"/>
+                </a:solidFill>
+              </a:rPr>
+              <a:t>/</a:t>
+            </a:r>
+            <a:endParaRPr lang="en-US" altLang="zh-TW" dirty="0">
+              <a:solidFill>
+                <a:srgbClr val="FF0000"/>
+              </a:solidFill>
+            </a:endParaRPr>
+          </a:p>
+          <a:p>
+            <a:r>
+              <a:rPr lang="zh-TW" altLang="en-US" dirty="0" smtClean="0"/>
+              <a:t>點選</a:t>
             </a:r>
             <a:r>
               <a:rPr lang="en-US" altLang="zh-TW" dirty="0" smtClean="0"/>
-              <a:t>………</a:t>
-            </a:r>
+              <a:t>Products</a:t>
+            </a:r>
+            <a:r>
+              <a:rPr lang="zh-TW" altLang="en-US" dirty="0" smtClean="0"/>
+              <a:t>，</a:t>
+            </a:r>
+            <a:r>
+              <a:rPr lang="zh-TW" altLang="en-US" dirty="0"/>
+              <a:t>再往下</a:t>
+            </a:r>
+            <a:r>
+              <a:rPr lang="zh-TW" altLang="en-US" dirty="0" smtClean="0"/>
+              <a:t>找到</a:t>
+            </a:r>
+            <a:r>
+              <a:rPr lang="en-US" altLang="zh-TW" dirty="0" smtClean="0"/>
+              <a:t>Individual Edition</a:t>
+            </a:r>
+            <a:r>
+              <a:rPr lang="zh-TW" altLang="en-US" dirty="0" smtClean="0"/>
+              <a:t>，</a:t>
+            </a:r>
+            <a:r>
+              <a:rPr lang="zh-TW" altLang="en-US" dirty="0"/>
+              <a:t>點</a:t>
+            </a:r>
+            <a:r>
+              <a:rPr lang="zh-TW" altLang="en-US" dirty="0" smtClean="0"/>
+              <a:t>下去。</a:t>
+            </a:r>
+            <a:endParaRPr lang="en-US" altLang="zh-TW" dirty="0" smtClean="0"/>
+          </a:p>
+          <a:p>
+            <a:r>
+              <a:rPr lang="zh-TW" altLang="en-US" dirty="0"/>
+              <a:t>接著點選</a:t>
+            </a:r>
+            <a:r>
+              <a:rPr lang="en-US" altLang="zh-TW" dirty="0" smtClean="0"/>
+              <a:t>Download</a:t>
+            </a:r>
+            <a:r>
+              <a:rPr lang="zh-TW" altLang="en-US" dirty="0" smtClean="0"/>
+              <a:t>。</a:t>
+            </a:r>
+            <a:endParaRPr lang="en-US" altLang="zh-TW" dirty="0"/>
+          </a:p>
+          <a:p>
+            <a:r>
+              <a:rPr lang="zh-TW" altLang="en-US" dirty="0" smtClean="0"/>
+              <a:t>最後點選正確版本，就開始下載了。</a:t>
+            </a:r>
+            <a:endParaRPr lang="zh-TW" altLang="en-US" dirty="0"/>
+          </a:p>
+          <a:p>
             <a:endParaRPr lang="zh-TW" altLang="en-US" dirty="0"/>
           </a:p>
         </p:txBody>
@@ -12399,8 +12597,8 @@
         </p:blipFill>
         <p:spPr>
           <a:xfrm>
-            <a:off x="824674" y="2742004"/>
-            <a:ext cx="3994213" cy="3109460"/>
+            <a:off x="483822" y="3781579"/>
+            <a:ext cx="3111738" cy="2671264"/>
           </a:xfrm>
           <a:prstGeom prst="rect">
             <a:avLst/>
@@ -12428,8 +12626,8 @@
         </p:blipFill>
         <p:spPr>
           <a:xfrm>
-            <a:off x="5302485" y="2742004"/>
-            <a:ext cx="3987802" cy="3109460"/>
+            <a:off x="4477952" y="3838634"/>
+            <a:ext cx="3276160" cy="2632470"/>
           </a:xfrm>
           <a:prstGeom prst="rect">
             <a:avLst/>
@@ -12448,9 +12646,9 @@
           <p:nvPr/>
         </p:nvSpPr>
         <p:spPr>
-          <a:xfrm rot="1528218">
-            <a:off x="3077165" y="5329891"/>
-            <a:ext cx="516225" cy="202661"/>
+          <a:xfrm rot="19490402">
+            <a:off x="1197053" y="4123944"/>
+            <a:ext cx="507573" cy="228600"/>
           </a:xfrm>
           <a:prstGeom prst="rightArrow">
             <a:avLst/>
@@ -12496,9 +12694,9 @@
           <p:nvPr/>
         </p:nvSpPr>
         <p:spPr>
-          <a:xfrm rot="1528218">
-            <a:off x="7499813" y="5329891"/>
-            <a:ext cx="516225" cy="202661"/>
+          <a:xfrm rot="10800000">
+            <a:off x="2940706" y="4274212"/>
+            <a:ext cx="507573" cy="228600"/>
           </a:xfrm>
           <a:prstGeom prst="rightArrow">
             <a:avLst/>
@@ -12537,10 +12735,386 @@
           </a:p>
         </p:txBody>
       </p:sp>
+      <p:sp>
+        <p:nvSpPr>
+          <p:cNvPr id="8" name="向右箭號 7"/>
+          <p:cNvSpPr/>
+          <p:nvPr/>
+        </p:nvSpPr>
+        <p:spPr>
+          <a:xfrm rot="1940742">
+            <a:off x="4143896" y="5927063"/>
+            <a:ext cx="507573" cy="228600"/>
+          </a:xfrm>
+          <a:prstGeom prst="rightArrow">
+            <a:avLst/>
+          </a:prstGeom>
+          <a:solidFill>
+            <a:srgbClr val="FF0000"/>
+          </a:solidFill>
+          <a:ln>
+            <a:solidFill>
+              <a:srgbClr val="FF0000"/>
+            </a:solidFill>
+          </a:ln>
+        </p:spPr>
+        <p:style>
+          <a:lnRef idx="2">
+            <a:schemeClr val="accent1">
+              <a:shade val="50000"/>
+            </a:schemeClr>
+          </a:lnRef>
+          <a:fillRef idx="1">
+            <a:schemeClr val="accent1"/>
+          </a:fillRef>
+          <a:effectRef idx="0">
+            <a:schemeClr val="accent1"/>
+          </a:effectRef>
+          <a:fontRef idx="minor">
+            <a:schemeClr val="lt1"/>
+          </a:fontRef>
+        </p:style>
+        <p:txBody>
+          <a:bodyPr rtlCol="0" anchor="ctr"/>
+          <a:lstStyle/>
+          <a:p>
+            <a:pPr algn="ctr"/>
+            <a:endParaRPr lang="zh-TW" altLang="en-US"/>
+          </a:p>
+        </p:txBody>
+      </p:sp>
+      <p:sp>
+        <p:nvSpPr>
+          <p:cNvPr id="9" name="向右箭號 8"/>
+          <p:cNvSpPr/>
+          <p:nvPr/>
+        </p:nvSpPr>
+        <p:spPr>
+          <a:xfrm>
+            <a:off x="3878741" y="4741428"/>
+            <a:ext cx="510732" cy="704088"/>
+          </a:xfrm>
+          <a:prstGeom prst="rightArrow">
+            <a:avLst/>
+          </a:prstGeom>
+        </p:spPr>
+        <p:style>
+          <a:lnRef idx="2">
+            <a:schemeClr val="accent1">
+              <a:shade val="50000"/>
+            </a:schemeClr>
+          </a:lnRef>
+          <a:fillRef idx="1">
+            <a:schemeClr val="accent1"/>
+          </a:fillRef>
+          <a:effectRef idx="0">
+            <a:schemeClr val="accent1"/>
+          </a:effectRef>
+          <a:fontRef idx="minor">
+            <a:schemeClr val="lt1"/>
+          </a:fontRef>
+        </p:style>
+        <p:txBody>
+          <a:bodyPr rtlCol="0" anchor="ctr"/>
+          <a:lstStyle/>
+          <a:p>
+            <a:pPr algn="ctr"/>
+            <a:endParaRPr lang="zh-TW" altLang="en-US"/>
+          </a:p>
+        </p:txBody>
+      </p:sp>
+      <p:sp>
+        <p:nvSpPr>
+          <p:cNvPr id="10" name="文字方塊 9"/>
+          <p:cNvSpPr txBox="1"/>
+          <p:nvPr/>
+        </p:nvSpPr>
+        <p:spPr>
+          <a:xfrm>
+            <a:off x="973976" y="4053578"/>
+            <a:ext cx="319318" cy="369332"/>
+          </a:xfrm>
+          <a:prstGeom prst="rect">
+            <a:avLst/>
+          </a:prstGeom>
+          <a:noFill/>
+        </p:spPr>
+        <p:txBody>
+          <a:bodyPr wrap="none" rtlCol="0">
+            <a:spAutoFit/>
+          </a:bodyPr>
+          <a:lstStyle/>
+          <a:p>
+            <a:r>
+              <a:rPr lang="en-US" altLang="zh-TW" b="1" dirty="0" smtClean="0">
+                <a:solidFill>
+                  <a:srgbClr val="FF0000"/>
+                </a:solidFill>
+              </a:rPr>
+              <a:t>1</a:t>
+            </a:r>
+            <a:endParaRPr lang="zh-TW" altLang="en-US" b="1" dirty="0">
+              <a:solidFill>
+                <a:srgbClr val="FF0000"/>
+              </a:solidFill>
+            </a:endParaRPr>
+          </a:p>
+        </p:txBody>
+      </p:sp>
+      <p:sp>
+        <p:nvSpPr>
+          <p:cNvPr id="11" name="文字方塊 10"/>
+          <p:cNvSpPr txBox="1"/>
+          <p:nvPr/>
+        </p:nvSpPr>
+        <p:spPr>
+          <a:xfrm>
+            <a:off x="3250064" y="4372096"/>
+            <a:ext cx="319318" cy="369332"/>
+          </a:xfrm>
+          <a:prstGeom prst="rect">
+            <a:avLst/>
+          </a:prstGeom>
+          <a:noFill/>
+        </p:spPr>
+        <p:txBody>
+          <a:bodyPr wrap="none" rtlCol="0">
+            <a:spAutoFit/>
+          </a:bodyPr>
+          <a:lstStyle/>
+          <a:p>
+            <a:r>
+              <a:rPr lang="en-US" altLang="zh-TW" b="1" dirty="0" smtClean="0">
+                <a:solidFill>
+                  <a:srgbClr val="FF0000"/>
+                </a:solidFill>
+              </a:rPr>
+              <a:t>2</a:t>
+            </a:r>
+            <a:endParaRPr lang="zh-TW" altLang="en-US" b="1" dirty="0">
+              <a:solidFill>
+                <a:srgbClr val="FF0000"/>
+              </a:solidFill>
+            </a:endParaRPr>
+          </a:p>
+        </p:txBody>
+      </p:sp>
+      <p:sp>
+        <p:nvSpPr>
+          <p:cNvPr id="12" name="文字方塊 11"/>
+          <p:cNvSpPr txBox="1"/>
+          <p:nvPr/>
+        </p:nvSpPr>
+        <p:spPr>
+          <a:xfrm>
+            <a:off x="3878741" y="5589734"/>
+            <a:ext cx="319318" cy="369332"/>
+          </a:xfrm>
+          <a:prstGeom prst="rect">
+            <a:avLst/>
+          </a:prstGeom>
+          <a:noFill/>
+        </p:spPr>
+        <p:txBody>
+          <a:bodyPr wrap="none" rtlCol="0">
+            <a:spAutoFit/>
+          </a:bodyPr>
+          <a:lstStyle/>
+          <a:p>
+            <a:r>
+              <a:rPr lang="en-US" altLang="zh-TW" b="1" dirty="0">
+                <a:solidFill>
+                  <a:srgbClr val="FF0000"/>
+                </a:solidFill>
+              </a:rPr>
+              <a:t>3</a:t>
+            </a:r>
+            <a:endParaRPr lang="zh-TW" altLang="en-US" b="1" dirty="0">
+              <a:solidFill>
+                <a:srgbClr val="FF0000"/>
+              </a:solidFill>
+            </a:endParaRPr>
+          </a:p>
+        </p:txBody>
+      </p:sp>
+      <p:pic>
+        <p:nvPicPr>
+          <p:cNvPr id="13" name="圖片 12"/>
+          <p:cNvPicPr>
+            <a:picLocks noChangeAspect="1"/>
+          </p:cNvPicPr>
+          <p:nvPr/>
+        </p:nvPicPr>
+        <p:blipFill>
+          <a:blip r:embed="rId4"/>
+          <a:stretch>
+            <a:fillRect/>
+          </a:stretch>
+        </p:blipFill>
+        <p:spPr>
+          <a:xfrm>
+            <a:off x="8324501" y="3834762"/>
+            <a:ext cx="3115564" cy="2182607"/>
+          </a:xfrm>
+          <a:prstGeom prst="rect">
+            <a:avLst/>
+          </a:prstGeom>
+          <a:ln>
+            <a:solidFill>
+              <a:schemeClr val="tx1"/>
+            </a:solidFill>
+          </a:ln>
+        </p:spPr>
+      </p:pic>
+      <p:sp>
+        <p:nvSpPr>
+          <p:cNvPr id="14" name="左大括弧 13"/>
+          <p:cNvSpPr/>
+          <p:nvPr/>
+        </p:nvSpPr>
+        <p:spPr>
+          <a:xfrm>
+            <a:off x="8324501" y="5164929"/>
+            <a:ext cx="327428" cy="644085"/>
+          </a:xfrm>
+          <a:prstGeom prst="leftBrace">
+            <a:avLst/>
+          </a:prstGeom>
+          <a:ln w="38100">
+            <a:solidFill>
+              <a:srgbClr val="FF0000"/>
+            </a:solidFill>
+          </a:ln>
+        </p:spPr>
+        <p:style>
+          <a:lnRef idx="1">
+            <a:schemeClr val="accent1"/>
+          </a:lnRef>
+          <a:fillRef idx="0">
+            <a:schemeClr val="accent1"/>
+          </a:fillRef>
+          <a:effectRef idx="0">
+            <a:schemeClr val="accent1"/>
+          </a:effectRef>
+          <a:fontRef idx="minor">
+            <a:schemeClr val="tx1"/>
+          </a:fontRef>
+        </p:style>
+        <p:txBody>
+          <a:bodyPr rtlCol="0" anchor="ctr"/>
+          <a:lstStyle/>
+          <a:p>
+            <a:pPr algn="ctr"/>
+            <a:endParaRPr lang="zh-TW" altLang="en-US"/>
+          </a:p>
+        </p:txBody>
+      </p:sp>
+      <p:sp>
+        <p:nvSpPr>
+          <p:cNvPr id="15" name="向右箭號 14"/>
+          <p:cNvSpPr/>
+          <p:nvPr/>
+        </p:nvSpPr>
+        <p:spPr>
+          <a:xfrm>
+            <a:off x="7599211" y="4739913"/>
+            <a:ext cx="510732" cy="704088"/>
+          </a:xfrm>
+          <a:prstGeom prst="rightArrow">
+            <a:avLst/>
+          </a:prstGeom>
+        </p:spPr>
+        <p:style>
+          <a:lnRef idx="2">
+            <a:schemeClr val="accent1">
+              <a:shade val="50000"/>
+            </a:schemeClr>
+          </a:lnRef>
+          <a:fillRef idx="1">
+            <a:schemeClr val="accent1"/>
+          </a:fillRef>
+          <a:effectRef idx="0">
+            <a:schemeClr val="accent1"/>
+          </a:effectRef>
+          <a:fontRef idx="minor">
+            <a:schemeClr val="lt1"/>
+          </a:fontRef>
+        </p:style>
+        <p:txBody>
+          <a:bodyPr rtlCol="0" anchor="ctr"/>
+          <a:lstStyle/>
+          <a:p>
+            <a:pPr algn="ctr"/>
+            <a:endParaRPr lang="zh-TW" altLang="en-US"/>
+          </a:p>
+        </p:txBody>
+      </p:sp>
+      <p:sp>
+        <p:nvSpPr>
+          <p:cNvPr id="16" name="文字方塊 15"/>
+          <p:cNvSpPr txBox="1"/>
+          <p:nvPr/>
+        </p:nvSpPr>
+        <p:spPr>
+          <a:xfrm>
+            <a:off x="6979556" y="2920508"/>
+            <a:ext cx="4277133" cy="523220"/>
+          </a:xfrm>
+          <a:prstGeom prst="rect">
+            <a:avLst/>
+          </a:prstGeom>
+          <a:noFill/>
+        </p:spPr>
+        <p:txBody>
+          <a:bodyPr wrap="none" rtlCol="0">
+            <a:spAutoFit/>
+          </a:bodyPr>
+          <a:lstStyle/>
+          <a:p>
+            <a:r>
+              <a:rPr lang="en-US" altLang="zh-TW" sz="2800" dirty="0">
+                <a:solidFill>
+                  <a:srgbClr val="FF0000"/>
+                </a:solidFill>
+              </a:rPr>
+              <a:t>https://reurl.cc/emAXeK</a:t>
+            </a:r>
+            <a:endParaRPr lang="zh-TW" altLang="en-US" sz="2800" dirty="0">
+              <a:solidFill>
+                <a:srgbClr val="FF0000"/>
+              </a:solidFill>
+            </a:endParaRPr>
+          </a:p>
+        </p:txBody>
+      </p:sp>
+      <p:pic>
+        <p:nvPicPr>
+          <p:cNvPr id="18" name="圖片 17"/>
+          <p:cNvPicPr>
+            <a:picLocks noChangeAspect="1"/>
+          </p:cNvPicPr>
+          <p:nvPr/>
+        </p:nvPicPr>
+        <p:blipFill>
+          <a:blip r:embed="rId5"/>
+          <a:stretch>
+            <a:fillRect/>
+          </a:stretch>
+        </p:blipFill>
+        <p:spPr>
+          <a:xfrm>
+            <a:off x="8559626" y="1032401"/>
+            <a:ext cx="1965117" cy="1965117"/>
+          </a:xfrm>
+          <a:prstGeom prst="rect">
+            <a:avLst/>
+          </a:prstGeom>
+        </p:spPr>
+      </p:pic>
     </p:spTree>
     <p:extLst>
       <p:ext uri="{BB962C8B-B14F-4D97-AF65-F5344CB8AC3E}">
-        <p14:creationId xmlns:p14="http://schemas.microsoft.com/office/powerpoint/2010/main" val="764458436"/>
+        <p14:creationId xmlns:p14="http://schemas.microsoft.com/office/powerpoint/2010/main" val="2495796094"/>
       </p:ext>
     </p:extLst>
   </p:cSld>
@@ -12614,17 +13188,12 @@
           <a:p>
             <a:r>
               <a:rPr lang="zh-TW" altLang="en-US" dirty="0" smtClean="0"/>
-              <a:t>一路</a:t>
+              <a:t>執行剛剛下載的：</a:t>
             </a:r>
             <a:r>
               <a:rPr lang="en-US" altLang="zh-TW" dirty="0" smtClean="0"/>
-              <a:t>Next</a:t>
-            </a:r>
-            <a:r>
-              <a:rPr lang="zh-TW" altLang="en-US" dirty="0" smtClean="0"/>
-              <a:t>大法，選預設值即可開始安裝。</a:t>
-            </a:r>
-            <a:endParaRPr lang="en-US" altLang="zh-TW" dirty="0" smtClean="0"/>
+              <a:t>Anaconda3-2020.11-Windows-x86_64.exe</a:t>
+            </a:r>
           </a:p>
           <a:p>
             <a:endParaRPr lang="zh-TW" altLang="en-US" dirty="0"/>
@@ -12633,7 +13202,7 @@
       </p:sp>
       <p:pic>
         <p:nvPicPr>
-          <p:cNvPr id="4" name="圖片 3"/>
+          <p:cNvPr id="5" name="圖片 4"/>
           <p:cNvPicPr>
             <a:picLocks noChangeAspect="1"/>
           </p:cNvPicPr>
@@ -12647,8 +13216,8 @@
         </p:blipFill>
         <p:spPr>
           <a:xfrm>
-            <a:off x="585893" y="2703800"/>
-            <a:ext cx="4298061" cy="3337561"/>
+            <a:off x="677334" y="2980944"/>
+            <a:ext cx="3591056" cy="2798826"/>
           </a:xfrm>
           <a:prstGeom prst="rect">
             <a:avLst/>
@@ -12660,35 +13229,6 @@
           </a:ln>
         </p:spPr>
       </p:pic>
-      <p:pic>
-        <p:nvPicPr>
-          <p:cNvPr id="5" name="圖片 4"/>
-          <p:cNvPicPr>
-            <a:picLocks noChangeAspect="1"/>
-          </p:cNvPicPr>
-          <p:nvPr/>
-        </p:nvPicPr>
-        <p:blipFill>
-          <a:blip r:embed="rId3"/>
-          <a:stretch>
-            <a:fillRect/>
-          </a:stretch>
-        </p:blipFill>
-        <p:spPr>
-          <a:xfrm>
-            <a:off x="5213412" y="2703799"/>
-            <a:ext cx="4285264" cy="3337561"/>
-          </a:xfrm>
-          <a:prstGeom prst="rect">
-            <a:avLst/>
-          </a:prstGeom>
-          <a:ln>
-            <a:solidFill>
-              <a:schemeClr val="tx1"/>
-            </a:solidFill>
-          </a:ln>
-        </p:spPr>
-      </p:pic>
       <p:sp>
         <p:nvSpPr>
           <p:cNvPr id="6" name="向右箭號 5"/>
@@ -12697,7 +13237,7 @@
         </p:nvSpPr>
         <p:spPr>
           <a:xfrm rot="1528218">
-            <a:off x="2967436" y="5535068"/>
+            <a:off x="2528525" y="5384754"/>
             <a:ext cx="516225" cy="202661"/>
           </a:xfrm>
           <a:prstGeom prst="rightArrow">
@@ -12737,10 +13277,125 @@
           </a:p>
         </p:txBody>
       </p:sp>
+      <p:pic>
+        <p:nvPicPr>
+          <p:cNvPr id="7" name="圖片 6"/>
+          <p:cNvPicPr>
+            <a:picLocks noChangeAspect="1"/>
+          </p:cNvPicPr>
+          <p:nvPr/>
+        </p:nvPicPr>
+        <p:blipFill>
+          <a:blip r:embed="rId3"/>
+          <a:stretch>
+            <a:fillRect/>
+          </a:stretch>
+        </p:blipFill>
+        <p:spPr>
+          <a:xfrm>
+            <a:off x="4895941" y="2980944"/>
+            <a:ext cx="3607979" cy="2824897"/>
+          </a:xfrm>
+          <a:prstGeom prst="rect">
+            <a:avLst/>
+          </a:prstGeom>
+          <a:ln>
+            <a:solidFill>
+              <a:schemeClr val="tx1"/>
+            </a:solidFill>
+          </a:ln>
+        </p:spPr>
+      </p:pic>
+      <p:sp>
+        <p:nvSpPr>
+          <p:cNvPr id="8" name="向右箭號 7"/>
+          <p:cNvSpPr/>
+          <p:nvPr/>
+        </p:nvSpPr>
+        <p:spPr>
+          <a:xfrm rot="1528218">
+            <a:off x="6868878" y="5356650"/>
+            <a:ext cx="516225" cy="202661"/>
+          </a:xfrm>
+          <a:prstGeom prst="rightArrow">
+            <a:avLst/>
+          </a:prstGeom>
+          <a:solidFill>
+            <a:srgbClr val="FF0000"/>
+          </a:solidFill>
+          <a:ln>
+            <a:solidFill>
+              <a:srgbClr val="FF0000"/>
+            </a:solidFill>
+          </a:ln>
+        </p:spPr>
+        <p:style>
+          <a:lnRef idx="2">
+            <a:schemeClr val="accent1">
+              <a:shade val="50000"/>
+            </a:schemeClr>
+          </a:lnRef>
+          <a:fillRef idx="1">
+            <a:schemeClr val="accent1"/>
+          </a:fillRef>
+          <a:effectRef idx="0">
+            <a:schemeClr val="accent1"/>
+          </a:effectRef>
+          <a:fontRef idx="minor">
+            <a:schemeClr val="lt1"/>
+          </a:fontRef>
+        </p:style>
+        <p:txBody>
+          <a:bodyPr rtlCol="0" anchor="ctr"/>
+          <a:lstStyle/>
+          <a:p>
+            <a:pPr algn="ctr"/>
+            <a:endParaRPr lang="zh-TW" altLang="en-US"/>
+          </a:p>
+        </p:txBody>
+      </p:sp>
+      <p:sp>
+        <p:nvSpPr>
+          <p:cNvPr id="4" name="文字方塊 3"/>
+          <p:cNvSpPr txBox="1"/>
+          <p:nvPr/>
+        </p:nvSpPr>
+        <p:spPr>
+          <a:xfrm>
+            <a:off x="7610726" y="2160589"/>
+            <a:ext cx="3326552" cy="369332"/>
+          </a:xfrm>
+          <a:prstGeom prst="rect">
+            <a:avLst/>
+          </a:prstGeom>
+          <a:noFill/>
+        </p:spPr>
+        <p:txBody>
+          <a:bodyPr wrap="none" rtlCol="0">
+            <a:spAutoFit/>
+          </a:bodyPr>
+          <a:lstStyle/>
+          <a:p>
+            <a:r>
+              <a:rPr lang="en-US" altLang="zh-TW">
+                <a:solidFill>
+                  <a:srgbClr val="FF0000"/>
+                </a:solidFill>
+              </a:rPr>
+              <a:t>https://tinyurl.com/y7jsm2x6</a:t>
+            </a:r>
+            <a:endParaRPr lang="zh-TW" altLang="en-US" dirty="0">
+              <a:solidFill>
+                <a:srgbClr val="FF0000"/>
+              </a:solidFill>
+            </a:endParaRPr>
+          </a:p>
+        </p:txBody>
+      </p:sp>
     </p:spTree>
     <p:extLst>
       <p:ext uri="{BB962C8B-B14F-4D97-AF65-F5344CB8AC3E}">
-        <p14:creationId xmlns:p14="http://schemas.microsoft.com/office/powerpoint/2010/main" val="369454334"/>
+        <p14:creationId xmlns:p14="http://schemas.microsoft.com/office/powerpoint/2010/main" val="535046285"/>
       </p:ext>
     </p:extLst>
   </p:cSld>
@@ -12791,7 +13446,7 @@
           <a:p>
             <a:r>
               <a:rPr lang="zh-TW" altLang="en-US" dirty="0" smtClean="0"/>
-              <a:t>安裝完成</a:t>
+              <a:t>安裝前的步驟</a:t>
             </a:r>
             <a:endParaRPr lang="zh-TW" altLang="en-US" dirty="0"/>
           </a:p>
@@ -12813,20 +13468,16 @@
           <a:lstStyle/>
           <a:p>
             <a:r>
+              <a:rPr lang="en-US" altLang="zh-TW" dirty="0" smtClean="0"/>
+              <a:t>Next</a:t>
+            </a:r>
+            <a:r>
               <a:rPr lang="zh-TW" altLang="en-US" dirty="0" smtClean="0"/>
-              <a:t>還是要按</a:t>
+              <a:t>大法</a:t>
             </a:r>
             <a:r>
               <a:rPr lang="en-US" altLang="zh-TW" dirty="0" smtClean="0"/>
-              <a:t>Next…..</a:t>
-            </a:r>
-            <a:r>
-              <a:rPr lang="zh-TW" altLang="en-US" dirty="0" smtClean="0"/>
-              <a:t>，然後又蹦出要安裝另一套</a:t>
-            </a:r>
-            <a:r>
-              <a:rPr lang="en-US" altLang="zh-TW" dirty="0" smtClean="0"/>
-              <a:t>…..</a:t>
+              <a:t>………</a:t>
             </a:r>
             <a:endParaRPr lang="zh-TW" altLang="en-US" dirty="0"/>
           </a:p>
@@ -12848,8 +13499,8 @@
         </p:blipFill>
         <p:spPr>
           <a:xfrm>
-            <a:off x="677334" y="2631096"/>
-            <a:ext cx="4168986" cy="3249258"/>
+            <a:off x="824674" y="2742004"/>
+            <a:ext cx="3994213" cy="3109460"/>
           </a:xfrm>
           <a:prstGeom prst="rect">
             <a:avLst/>
@@ -12861,15 +13512,44 @@
           </a:ln>
         </p:spPr>
       </p:pic>
-      <p:sp>
-        <p:nvSpPr>
-          <p:cNvPr id="5" name="向右箭號 4"/>
+      <p:pic>
+        <p:nvPicPr>
+          <p:cNvPr id="5" name="圖片 4"/>
+          <p:cNvPicPr>
+            <a:picLocks noChangeAspect="1"/>
+          </p:cNvPicPr>
+          <p:nvPr/>
+        </p:nvPicPr>
+        <p:blipFill>
+          <a:blip r:embed="rId3"/>
+          <a:stretch>
+            <a:fillRect/>
+          </a:stretch>
+        </p:blipFill>
+        <p:spPr>
+          <a:xfrm>
+            <a:off x="5302485" y="2742004"/>
+            <a:ext cx="3987802" cy="3109460"/>
+          </a:xfrm>
+          <a:prstGeom prst="rect">
+            <a:avLst/>
+          </a:prstGeom>
+          <a:ln>
+            <a:solidFill>
+              <a:schemeClr val="tx1"/>
+            </a:solidFill>
+          </a:ln>
+        </p:spPr>
+      </p:pic>
+      <p:sp>
+        <p:nvSpPr>
+          <p:cNvPr id="6" name="向右箭號 5"/>
           <p:cNvSpPr/>
           <p:nvPr/>
         </p:nvSpPr>
         <p:spPr>
           <a:xfrm rot="1528218">
-            <a:off x="3004013" y="5384755"/>
+            <a:off x="3077165" y="5329891"/>
             <a:ext cx="516225" cy="202661"/>
           </a:xfrm>
           <a:prstGeom prst="rightArrow">
@@ -12909,35 +13589,6 @@
           </a:p>
         </p:txBody>
       </p:sp>
-      <p:pic>
-        <p:nvPicPr>
-          <p:cNvPr id="6" name="圖片 5"/>
-          <p:cNvPicPr>
-            <a:picLocks noChangeAspect="1"/>
-          </p:cNvPicPr>
-          <p:nvPr/>
-        </p:nvPicPr>
-        <p:blipFill>
-          <a:blip r:embed="rId3"/>
-          <a:stretch>
-            <a:fillRect/>
-          </a:stretch>
-        </p:blipFill>
-        <p:spPr>
-          <a:xfrm>
-            <a:off x="5159311" y="2680039"/>
-            <a:ext cx="4114691" cy="3200315"/>
-          </a:xfrm>
-          <a:prstGeom prst="rect">
-            <a:avLst/>
-          </a:prstGeom>
-          <a:ln>
-            <a:solidFill>
-              <a:schemeClr val="tx1"/>
-            </a:solidFill>
-          </a:ln>
-        </p:spPr>
-      </p:pic>
       <p:sp>
         <p:nvSpPr>
           <p:cNvPr id="7" name="向右箭號 6"/>
@@ -12946,7 +13597,7 @@
         </p:nvSpPr>
         <p:spPr>
           <a:xfrm rot="1528218">
-            <a:off x="7435805" y="5384753"/>
+            <a:off x="7499813" y="5329891"/>
             <a:ext cx="516225" cy="202661"/>
           </a:xfrm>
           <a:prstGeom prst="rightArrow">
@@ -12989,7 +13640,7 @@
     </p:spTree>
     <p:extLst>
       <p:ext uri="{BB962C8B-B14F-4D97-AF65-F5344CB8AC3E}">
-        <p14:creationId xmlns:p14="http://schemas.microsoft.com/office/powerpoint/2010/main" val="703526677"/>
+        <p14:creationId xmlns:p14="http://schemas.microsoft.com/office/powerpoint/2010/main" val="764458436"/>
       </p:ext>
     </p:extLst>
   </p:cSld>
@@ -13040,7 +13691,7 @@
           <a:p>
             <a:r>
               <a:rPr lang="zh-TW" altLang="en-US" dirty="0" smtClean="0"/>
-              <a:t>真的安裝完了</a:t>
+              <a:t>開始安裝</a:t>
             </a:r>
             <a:endParaRPr lang="zh-TW" altLang="en-US" dirty="0"/>
           </a:p>
@@ -13063,16 +13714,19 @@
           <a:p>
             <a:r>
               <a:rPr lang="zh-TW" altLang="en-US" dirty="0" smtClean="0"/>
-              <a:t>按下</a:t>
+              <a:t>一路</a:t>
             </a:r>
             <a:r>
               <a:rPr lang="en-US" altLang="zh-TW" dirty="0" smtClean="0"/>
-              <a:t>Finish</a:t>
+              <a:t>Next</a:t>
             </a:r>
             <a:r>
               <a:rPr lang="zh-TW" altLang="en-US" dirty="0" smtClean="0"/>
-              <a:t>，真的安裝完成</a:t>
-            </a:r>
+              <a:t>大法，選預設值即可開始安裝。</a:t>
+            </a:r>
+            <a:endParaRPr lang="en-US" altLang="zh-TW" dirty="0" smtClean="0"/>
+          </a:p>
+          <a:p>
             <a:endParaRPr lang="zh-TW" altLang="en-US" dirty="0"/>
           </a:p>
         </p:txBody>
@@ -13093,8 +13747,8 @@
         </p:blipFill>
         <p:spPr>
           <a:xfrm>
-            <a:off x="885251" y="2868667"/>
-            <a:ext cx="4387189" cy="3402883"/>
+            <a:off x="585893" y="2703800"/>
+            <a:ext cx="4298061" cy="3337561"/>
           </a:xfrm>
           <a:prstGeom prst="rect">
             <a:avLst/>
@@ -13106,15 +13760,44 @@
           </a:ln>
         </p:spPr>
       </p:pic>
-      <p:sp>
-        <p:nvSpPr>
-          <p:cNvPr id="5" name="向右箭號 4"/>
+      <p:pic>
+        <p:nvPicPr>
+          <p:cNvPr id="5" name="圖片 4"/>
+          <p:cNvPicPr>
+            <a:picLocks noChangeAspect="1"/>
+          </p:cNvPicPr>
+          <p:nvPr/>
+        </p:nvPicPr>
+        <p:blipFill>
+          <a:blip r:embed="rId3"/>
+          <a:stretch>
+            <a:fillRect/>
+          </a:stretch>
+        </p:blipFill>
+        <p:spPr>
+          <a:xfrm>
+            <a:off x="5213412" y="2703799"/>
+            <a:ext cx="4285264" cy="3337561"/>
+          </a:xfrm>
+          <a:prstGeom prst="rect">
+            <a:avLst/>
+          </a:prstGeom>
+          <a:ln>
+            <a:solidFill>
+              <a:schemeClr val="tx1"/>
+            </a:solidFill>
+          </a:ln>
+        </p:spPr>
+      </p:pic>
+      <p:sp>
+        <p:nvSpPr>
+          <p:cNvPr id="6" name="向右箭號 5"/>
           <p:cNvSpPr/>
           <p:nvPr/>
         </p:nvSpPr>
         <p:spPr>
           <a:xfrm rot="1528218">
-            <a:off x="3324053" y="5737551"/>
+            <a:off x="2967436" y="5535068"/>
             <a:ext cx="516225" cy="202661"/>
           </a:xfrm>
           <a:prstGeom prst="rightArrow">
@@ -13157,7 +13840,7 @@
     </p:spTree>
     <p:extLst>
       <p:ext uri="{BB962C8B-B14F-4D97-AF65-F5344CB8AC3E}">
-        <p14:creationId xmlns:p14="http://schemas.microsoft.com/office/powerpoint/2010/main" val="1628337330"/>
+        <p14:creationId xmlns:p14="http://schemas.microsoft.com/office/powerpoint/2010/main" val="369454334"/>
       </p:ext>
     </p:extLst>
   </p:cSld>
@@ -13208,11 +13891,7 @@
           <a:p>
             <a:r>
               <a:rPr lang="zh-TW" altLang="en-US" dirty="0" smtClean="0"/>
-              <a:t>先開啟</a:t>
-            </a:r>
-            <a:r>
-              <a:rPr lang="en-US" altLang="zh-TW" dirty="0" smtClean="0"/>
-              <a:t>Anaconda navigator</a:t>
+              <a:t>安裝完成</a:t>
             </a:r>
             <a:endParaRPr lang="zh-TW" altLang="en-US" dirty="0"/>
           </a:p>
@@ -13235,45 +13914,21 @@
           <a:p>
             <a:r>
               <a:rPr lang="zh-TW" altLang="en-US" dirty="0" smtClean="0"/>
-              <a:t>點開</a:t>
+              <a:t>還是要按</a:t>
             </a:r>
             <a:r>
               <a:rPr lang="en-US" altLang="zh-TW" dirty="0" smtClean="0"/>
-              <a:t>Windows</a:t>
+              <a:t>Next…..</a:t>
             </a:r>
             <a:r>
               <a:rPr lang="zh-TW" altLang="en-US" dirty="0" smtClean="0"/>
-              <a:t>的開始</a:t>
-            </a:r>
-            <a:endParaRPr lang="en-US" altLang="zh-TW" dirty="0" smtClean="0"/>
-          </a:p>
-          <a:p>
-            <a:r>
-              <a:rPr lang="zh-TW" altLang="en-US" dirty="0"/>
-              <a:t>找到</a:t>
-            </a:r>
-            <a:r>
-              <a:rPr lang="en-US" altLang="zh-TW" dirty="0"/>
-              <a:t>Anaconda3(64bit</a:t>
+              <a:t>，然後又蹦出要安裝另一套</a:t>
             </a:r>
             <a:r>
               <a:rPr lang="en-US" altLang="zh-TW" dirty="0" smtClean="0"/>
-              <a:t>)</a:t>
-            </a:r>
-          </a:p>
-          <a:p>
-            <a:r>
-              <a:rPr lang="zh-TW" altLang="en-US" dirty="0"/>
-              <a:t>點選裡面</a:t>
-            </a:r>
-            <a:r>
-              <a:rPr lang="zh-TW" altLang="en-US" dirty="0" smtClean="0"/>
-              <a:t>的</a:t>
-            </a:r>
-            <a:r>
-              <a:rPr lang="en-US" altLang="zh-TW" dirty="0" smtClean="0"/>
-              <a:t>Anaconda Navigator</a:t>
-            </a:r>
+              <a:t>…..</a:t>
+            </a:r>
+            <a:endParaRPr lang="zh-TW" altLang="en-US" dirty="0"/>
           </a:p>
         </p:txBody>
       </p:sp>
@@ -13293,12 +13948,17 @@
         </p:blipFill>
         <p:spPr>
           <a:xfrm>
-            <a:off x="5872286" y="2016333"/>
-            <a:ext cx="3401716" cy="4169283"/>
+            <a:off x="677334" y="2631096"/>
+            <a:ext cx="4168986" cy="3249258"/>
           </a:xfrm>
           <a:prstGeom prst="rect">
             <a:avLst/>
           </a:prstGeom>
+          <a:ln>
+            <a:solidFill>
+              <a:schemeClr val="tx1"/>
+            </a:solidFill>
+          </a:ln>
         </p:spPr>
       </p:pic>
       <p:sp>
@@ -13309,7 +13969,7 @@
         </p:nvSpPr>
         <p:spPr>
           <a:xfrm rot="1528218">
-            <a:off x="5445461" y="5751450"/>
+            <a:off x="3004013" y="5384755"/>
             <a:ext cx="516225" cy="202661"/>
           </a:xfrm>
           <a:prstGeom prst="rightArrow">
@@ -13349,15 +14009,44 @@
           </a:p>
         </p:txBody>
       </p:sp>
-      <p:sp>
-        <p:nvSpPr>
-          <p:cNvPr id="6" name="向右箭號 5"/>
+      <p:pic>
+        <p:nvPicPr>
+          <p:cNvPr id="6" name="圖片 5"/>
+          <p:cNvPicPr>
+            <a:picLocks noChangeAspect="1"/>
+          </p:cNvPicPr>
+          <p:nvPr/>
+        </p:nvPicPr>
+        <p:blipFill>
+          <a:blip r:embed="rId3"/>
+          <a:stretch>
+            <a:fillRect/>
+          </a:stretch>
+        </p:blipFill>
+        <p:spPr>
+          <a:xfrm>
+            <a:off x="5159311" y="2680039"/>
+            <a:ext cx="4114691" cy="3200315"/>
+          </a:xfrm>
+          <a:prstGeom prst="rect">
+            <a:avLst/>
+          </a:prstGeom>
+          <a:ln>
+            <a:solidFill>
+              <a:schemeClr val="tx1"/>
+            </a:solidFill>
+          </a:ln>
+        </p:spPr>
+      </p:pic>
+      <p:sp>
+        <p:nvSpPr>
+          <p:cNvPr id="7" name="向右箭號 6"/>
           <p:cNvSpPr/>
           <p:nvPr/>
         </p:nvSpPr>
         <p:spPr>
           <a:xfrm rot="1528218">
-            <a:off x="6067253" y="3071323"/>
+            <a:off x="7435805" y="5384753"/>
             <a:ext cx="516225" cy="202661"/>
           </a:xfrm>
           <a:prstGeom prst="rightArrow">
@@ -13397,86 +14086,10 @@
           </a:p>
         </p:txBody>
       </p:sp>
-      <p:sp>
-        <p:nvSpPr>
-          <p:cNvPr id="7" name="文字方塊 6"/>
-          <p:cNvSpPr txBox="1"/>
-          <p:nvPr/>
-        </p:nvSpPr>
-        <p:spPr>
-          <a:xfrm>
-            <a:off x="5267311" y="5816284"/>
-            <a:ext cx="319318" cy="369332"/>
-          </a:xfrm>
-          <a:prstGeom prst="rect">
-            <a:avLst/>
-          </a:prstGeom>
-          <a:noFill/>
-        </p:spPr>
-        <p:txBody>
-          <a:bodyPr wrap="none" rtlCol="0">
-            <a:spAutoFit/>
-          </a:bodyPr>
-          <a:lstStyle/>
-          <a:p>
-            <a:r>
-              <a:rPr lang="en-US" altLang="zh-TW" b="1" dirty="0" smtClean="0">
-                <a:solidFill>
-                  <a:srgbClr val="FF0000"/>
-                </a:solidFill>
-              </a:rPr>
-              <a:t>1</a:t>
-            </a:r>
-            <a:endParaRPr lang="zh-TW" altLang="en-US" b="1" dirty="0">
-              <a:solidFill>
-                <a:srgbClr val="FF0000"/>
-              </a:solidFill>
-            </a:endParaRPr>
-          </a:p>
-        </p:txBody>
-      </p:sp>
-      <p:sp>
-        <p:nvSpPr>
-          <p:cNvPr id="8" name="文字方塊 7"/>
-          <p:cNvSpPr txBox="1"/>
-          <p:nvPr/>
-        </p:nvSpPr>
-        <p:spPr>
-          <a:xfrm>
-            <a:off x="5820518" y="2739982"/>
-            <a:ext cx="319318" cy="369332"/>
-          </a:xfrm>
-          <a:prstGeom prst="rect">
-            <a:avLst/>
-          </a:prstGeom>
-          <a:noFill/>
-        </p:spPr>
-        <p:txBody>
-          <a:bodyPr wrap="none" rtlCol="0">
-            <a:spAutoFit/>
-          </a:bodyPr>
-          <a:lstStyle/>
-          <a:p>
-            <a:r>
-              <a:rPr lang="en-US" altLang="zh-TW" b="1" dirty="0" smtClean="0">
-                <a:solidFill>
-                  <a:srgbClr val="FF0000"/>
-                </a:solidFill>
-              </a:rPr>
-              <a:t>2</a:t>
-            </a:r>
-            <a:endParaRPr lang="zh-TW" altLang="en-US" b="1" dirty="0">
-              <a:solidFill>
-                <a:srgbClr val="FF0000"/>
-              </a:solidFill>
-            </a:endParaRPr>
-          </a:p>
-        </p:txBody>
-      </p:sp>
     </p:spTree>
     <p:extLst>
       <p:ext uri="{BB962C8B-B14F-4D97-AF65-F5344CB8AC3E}">
-        <p14:creationId xmlns:p14="http://schemas.microsoft.com/office/powerpoint/2010/main" val="1985213539"/>
+        <p14:creationId xmlns:p14="http://schemas.microsoft.com/office/powerpoint/2010/main" val="703526677"/>
       </p:ext>
     </p:extLst>
   </p:cSld>
@@ -13526,12 +14139,8 @@
           <a:lstStyle/>
           <a:p>
             <a:r>
-              <a:rPr lang="en-US" altLang="zh-TW" dirty="0" smtClean="0"/>
-              <a:t>Anaconda Navigator</a:t>
-            </a:r>
-            <a:r>
               <a:rPr lang="zh-TW" altLang="en-US" dirty="0" smtClean="0"/>
-              <a:t>執行畫面</a:t>
+              <a:t>真的安裝完了</a:t>
             </a:r>
             <a:endParaRPr lang="zh-TW" altLang="en-US" dirty="0"/>
           </a:p>
@@ -13552,7 +14161,19 @@
           <a:bodyPr/>
           <a:lstStyle/>
           <a:p>
-            <a:endParaRPr lang="zh-TW" altLang="en-US"/>
+            <a:r>
+              <a:rPr lang="zh-TW" altLang="en-US" dirty="0" smtClean="0"/>
+              <a:t>按下</a:t>
+            </a:r>
+            <a:r>
+              <a:rPr lang="en-US" altLang="zh-TW" dirty="0" smtClean="0"/>
+              <a:t>Finish</a:t>
+            </a:r>
+            <a:r>
+              <a:rPr lang="zh-TW" altLang="en-US" dirty="0" smtClean="0"/>
+              <a:t>，真的安裝完成</a:t>
+            </a:r>
+            <a:endParaRPr lang="zh-TW" altLang="en-US" dirty="0"/>
           </a:p>
         </p:txBody>
       </p:sp>
@@ -13572,8 +14193,8 @@
         </p:blipFill>
         <p:spPr>
           <a:xfrm>
-            <a:off x="1098423" y="1690948"/>
-            <a:ext cx="6893433" cy="4963017"/>
+            <a:off x="885251" y="2868667"/>
+            <a:ext cx="4387189" cy="3402883"/>
           </a:xfrm>
           <a:prstGeom prst="rect">
             <a:avLst/>
@@ -13585,10 +14206,58 @@
           </a:ln>
         </p:spPr>
       </p:pic>
+      <p:sp>
+        <p:nvSpPr>
+          <p:cNvPr id="5" name="向右箭號 4"/>
+          <p:cNvSpPr/>
+          <p:nvPr/>
+        </p:nvSpPr>
+        <p:spPr>
+          <a:xfrm rot="1528218">
+            <a:off x="3324053" y="5737551"/>
+            <a:ext cx="516225" cy="202661"/>
+          </a:xfrm>
+          <a:prstGeom prst="rightArrow">
+            <a:avLst/>
+          </a:prstGeom>
+          <a:solidFill>
+            <a:srgbClr val="FF0000"/>
+          </a:solidFill>
+          <a:ln>
+            <a:solidFill>
+              <a:srgbClr val="FF0000"/>
+            </a:solidFill>
+          </a:ln>
+        </p:spPr>
+        <p:style>
+          <a:lnRef idx="2">
+            <a:schemeClr val="accent1">
+              <a:shade val="50000"/>
+            </a:schemeClr>
+          </a:lnRef>
+          <a:fillRef idx="1">
+            <a:schemeClr val="accent1"/>
+          </a:fillRef>
+          <a:effectRef idx="0">
+            <a:schemeClr val="accent1"/>
+          </a:effectRef>
+          <a:fontRef idx="minor">
+            <a:schemeClr val="lt1"/>
+          </a:fontRef>
+        </p:style>
+        <p:txBody>
+          <a:bodyPr rtlCol="0" anchor="ctr"/>
+          <a:lstStyle/>
+          <a:p>
+            <a:pPr algn="ctr"/>
+            <a:endParaRPr lang="zh-TW" altLang="en-US"/>
+          </a:p>
+        </p:txBody>
+      </p:sp>
     </p:spTree>
     <p:extLst>
       <p:ext uri="{BB962C8B-B14F-4D97-AF65-F5344CB8AC3E}">
-        <p14:creationId xmlns:p14="http://schemas.microsoft.com/office/powerpoint/2010/main" val="3104784519"/>
+        <p14:creationId xmlns:p14="http://schemas.microsoft.com/office/powerpoint/2010/main" val="1628337330"/>
       </p:ext>
     </p:extLst>
   </p:cSld>

--- a/LCC/Python/00c_Spyder環境建置.pptx
+++ b/LCC/Python/00c_Spyder環境建置.pptx
@@ -895,7 +895,7 @@
             <a:fld id="{B61BEF0D-F0BB-DE4B-95CE-6DB70DBA9567}" type="datetimeFigureOut">
               <a:rPr lang="en-US" smtClean="0"/>
               <a:pPr/>
-              <a:t>11/15/2021</a:t>
+              <a:t>1/24/2022</a:t>
             </a:fld>
             <a:endParaRPr lang="en-US" dirty="0"/>
           </a:p>
@@ -1148,7 +1148,7 @@
             <a:fld id="{B61BEF0D-F0BB-DE4B-95CE-6DB70DBA9567}" type="datetimeFigureOut">
               <a:rPr lang="en-US" smtClean="0"/>
               <a:pPr/>
-              <a:t>11/15/2021</a:t>
+              <a:t>1/24/2022</a:t>
             </a:fld>
             <a:endParaRPr lang="en-US" dirty="0"/>
           </a:p>
@@ -1464,7 +1464,7 @@
             <a:fld id="{B61BEF0D-F0BB-DE4B-95CE-6DB70DBA9567}" type="datetimeFigureOut">
               <a:rPr lang="en-US" smtClean="0"/>
               <a:pPr/>
-              <a:t>11/15/2021</a:t>
+              <a:t>1/24/2022</a:t>
             </a:fld>
             <a:endParaRPr lang="en-US" dirty="0"/>
           </a:p>
@@ -1799,7 +1799,7 @@
             <a:fld id="{B61BEF0D-F0BB-DE4B-95CE-6DB70DBA9567}" type="datetimeFigureOut">
               <a:rPr lang="en-US" smtClean="0"/>
               <a:pPr/>
-              <a:t>11/15/2021</a:t>
+              <a:t>1/24/2022</a:t>
             </a:fld>
             <a:endParaRPr lang="en-US" dirty="0"/>
           </a:p>
@@ -2115,7 +2115,7 @@
             <a:fld id="{B61BEF0D-F0BB-DE4B-95CE-6DB70DBA9567}" type="datetimeFigureOut">
               <a:rPr lang="en-US" smtClean="0"/>
               <a:pPr/>
-              <a:t>11/15/2021</a:t>
+              <a:t>1/24/2022</a:t>
             </a:fld>
             <a:endParaRPr lang="en-US" dirty="0"/>
           </a:p>
@@ -2510,7 +2510,7 @@
             <a:fld id="{B61BEF0D-F0BB-DE4B-95CE-6DB70DBA9567}" type="datetimeFigureOut">
               <a:rPr lang="en-US" smtClean="0"/>
               <a:pPr/>
-              <a:t>11/15/2021</a:t>
+              <a:t>1/24/2022</a:t>
             </a:fld>
             <a:endParaRPr lang="en-US" dirty="0"/>
           </a:p>
@@ -2681,7 +2681,7 @@
           <a:p>
             <a:fld id="{55C6B4A9-1611-4792-9094-5F34BCA07E0B}" type="datetimeFigureOut">
               <a:rPr lang="en-US" smtClean="0"/>
-              <a:t>11/15/2021</a:t>
+              <a:t>1/24/2022</a:t>
             </a:fld>
             <a:endParaRPr lang="en-US" dirty="0"/>
           </a:p>
@@ -2862,7 +2862,7 @@
             <a:fld id="{B61BEF0D-F0BB-DE4B-95CE-6DB70DBA9567}" type="datetimeFigureOut">
               <a:rPr lang="en-US" smtClean="0"/>
               <a:pPr/>
-              <a:t>11/15/2021</a:t>
+              <a:t>1/24/2022</a:t>
             </a:fld>
             <a:endParaRPr lang="en-US" dirty="0"/>
           </a:p>
@@ -3034,7 +3034,7 @@
             <a:fld id="{B61BEF0D-F0BB-DE4B-95CE-6DB70DBA9567}" type="datetimeFigureOut">
               <a:rPr lang="en-US" smtClean="0"/>
               <a:pPr/>
-              <a:t>11/15/2021</a:t>
+              <a:t>1/24/2022</a:t>
             </a:fld>
             <a:endParaRPr lang="en-US" dirty="0"/>
           </a:p>
@@ -3283,7 +3283,7 @@
             <a:fld id="{B61BEF0D-F0BB-DE4B-95CE-6DB70DBA9567}" type="datetimeFigureOut">
               <a:rPr lang="en-US" smtClean="0"/>
               <a:pPr/>
-              <a:t>11/15/2021</a:t>
+              <a:t>1/24/2022</a:t>
             </a:fld>
             <a:endParaRPr lang="en-US" dirty="0"/>
           </a:p>
@@ -3516,7 +3516,7 @@
           <a:p>
             <a:fld id="{EB712588-04B1-427B-82EE-E8DB90309F08}" type="datetimeFigureOut">
               <a:rPr lang="en-US" smtClean="0"/>
-              <a:t>11/15/2021</a:t>
+              <a:t>1/24/2022</a:t>
             </a:fld>
             <a:endParaRPr lang="en-US" dirty="0"/>
           </a:p>
@@ -3891,7 +3891,7 @@
             <a:fld id="{B61BEF0D-F0BB-DE4B-95CE-6DB70DBA9567}" type="datetimeFigureOut">
               <a:rPr lang="en-US" smtClean="0"/>
               <a:pPr/>
-              <a:t>11/15/2021</a:t>
+              <a:t>1/24/2022</a:t>
             </a:fld>
             <a:endParaRPr lang="en-US" dirty="0"/>
           </a:p>
@@ -4016,7 +4016,7 @@
             <a:fld id="{B61BEF0D-F0BB-DE4B-95CE-6DB70DBA9567}" type="datetimeFigureOut">
               <a:rPr lang="en-US" smtClean="0"/>
               <a:pPr/>
-              <a:t>11/15/2021</a:t>
+              <a:t>1/24/2022</a:t>
             </a:fld>
             <a:endParaRPr lang="en-US" dirty="0"/>
           </a:p>
@@ -4113,7 +4113,7 @@
             <a:fld id="{B61BEF0D-F0BB-DE4B-95CE-6DB70DBA9567}" type="datetimeFigureOut">
               <a:rPr lang="en-US" smtClean="0"/>
               <a:pPr/>
-              <a:t>11/15/2021</a:t>
+              <a:t>1/24/2022</a:t>
             </a:fld>
             <a:endParaRPr lang="en-US" dirty="0"/>
           </a:p>
@@ -4369,7 +4369,7 @@
           <a:p>
             <a:fld id="{42A54C80-263E-416B-A8E0-580EDEADCBDC}" type="datetimeFigureOut">
               <a:rPr lang="en-US" smtClean="0"/>
-              <a:t>11/15/2021</a:t>
+              <a:t>1/24/2022</a:t>
             </a:fld>
             <a:endParaRPr lang="en-US" dirty="0"/>
           </a:p>
@@ -4676,7 +4676,7 @@
             <a:fld id="{B61BEF0D-F0BB-DE4B-95CE-6DB70DBA9567}" type="datetimeFigureOut">
               <a:rPr lang="en-US" smtClean="0"/>
               <a:pPr/>
-              <a:t>11/15/2021</a:t>
+              <a:t>1/24/2022</a:t>
             </a:fld>
             <a:endParaRPr lang="en-US" dirty="0"/>
           </a:p>
@@ -5379,7 +5379,7 @@
             <a:fld id="{B61BEF0D-F0BB-DE4B-95CE-6DB70DBA9567}" type="datetimeFigureOut">
               <a:rPr lang="en-US" smtClean="0"/>
               <a:pPr/>
-              <a:t>11/15/2021</a:t>
+              <a:t>1/24/2022</a:t>
             </a:fld>
             <a:endParaRPr lang="en-US" dirty="0"/>
           </a:p>
@@ -5505,37 +5505,28 @@
       </p:pic>
       <p:sp>
         <p:nvSpPr>
-          <p:cNvPr id="29" name="文字方塊 28"/>
-          <p:cNvSpPr txBox="1"/>
+          <p:cNvPr id="30" name="矩形 29"/>
+          <p:cNvSpPr/>
           <p:nvPr userDrawn="1"/>
         </p:nvSpPr>
         <p:spPr>
           <a:xfrm>
-            <a:off x="380316" y="6216062"/>
-            <a:ext cx="4652236" cy="369332"/>
+            <a:off x="383650" y="6488668"/>
+            <a:ext cx="2789546" cy="369332"/>
           </a:xfrm>
           <a:prstGeom prst="rect">
             <a:avLst/>
           </a:prstGeom>
-          <a:noFill/>
-        </p:spPr>
-        <p:txBody>
-          <a:bodyPr wrap="none" rtlCol="0">
+        </p:spPr>
+        <p:txBody>
+          <a:bodyPr wrap="none">
             <a:spAutoFit/>
           </a:bodyPr>
           <a:lstStyle/>
           <a:p>
             <a:r>
-              <a:rPr lang="zh-TW" altLang="en-US" dirty="0"/>
-              <a:t>投影片下載網址</a:t>
-            </a:r>
-            <a:r>
-              <a:rPr lang="zh-TW" altLang="en-US" dirty="0" smtClean="0"/>
-              <a:t>：</a:t>
-            </a:r>
-            <a:r>
               <a:rPr lang="en-US" altLang="zh-TW" dirty="0" smtClean="0"/>
-              <a:t>https://reurl.cc/Rbmz3D</a:t>
+              <a:t>https://reurl.cc/MbkNaK</a:t>
             </a:r>
             <a:endParaRPr lang="zh-TW" altLang="en-US" dirty="0"/>
           </a:p>
@@ -5993,6 +5984,10 @@
           <a:lstStyle/>
           <a:p>
             <a:r>
+              <a:rPr lang="en-US" altLang="zh-TW" dirty="0" smtClean="0"/>
+              <a:t>Python</a:t>
+            </a:r>
+            <a:r>
               <a:rPr lang="zh-TW" altLang="en-US" dirty="0" smtClean="0"/>
               <a:t>開發環境安裝說明</a:t>
             </a:r>
@@ -6021,14 +6016,14 @@
       </p:sp>
       <p:sp>
         <p:nvSpPr>
-          <p:cNvPr id="6" name="文字方塊 5"/>
+          <p:cNvPr id="7" name="文字方塊 6"/>
           <p:cNvSpPr txBox="1"/>
           <p:nvPr/>
         </p:nvSpPr>
         <p:spPr>
           <a:xfrm>
-            <a:off x="283464" y="412896"/>
-            <a:ext cx="4487126" cy="369332"/>
+            <a:off x="528866" y="341708"/>
+            <a:ext cx="4636206" cy="369332"/>
           </a:xfrm>
           <a:prstGeom prst="rect">
             <a:avLst/>
@@ -6047,11 +6042,7 @@
             </a:r>
             <a:r>
               <a:rPr lang="en-US" altLang="zh-TW" dirty="0"/>
-              <a:t>https://</a:t>
-            </a:r>
-            <a:r>
-              <a:rPr lang="en-US" altLang="zh-TW" dirty="0" smtClean="0"/>
-              <a:t>reurl.cc/l5ADbl</a:t>
+              <a:t>https://reurl.cc/MbkNaK</a:t>
             </a:r>
             <a:endParaRPr lang="zh-TW" altLang="en-US" dirty="0"/>
           </a:p>
@@ -6059,22 +6050,28 @@
       </p:sp>
       <p:pic>
         <p:nvPicPr>
-          <p:cNvPr id="7" name="圖片 6"/>
+          <p:cNvPr id="8" name="圖片 7"/>
           <p:cNvPicPr>
             <a:picLocks noChangeAspect="1"/>
           </p:cNvPicPr>
           <p:nvPr/>
         </p:nvPicPr>
         <p:blipFill>
-          <a:blip r:embed="rId2"/>
+          <a:blip r:embed="rId2">
+            <a:extLst>
+              <a:ext uri="{28A0092B-C50C-407E-A947-70E740481C1C}">
+                <a14:useLocalDpi xmlns:a14="http://schemas.microsoft.com/office/drawing/2010/main" val="0"/>
+              </a:ext>
+            </a:extLst>
+          </a:blip>
           <a:stretch>
             <a:fillRect/>
           </a:stretch>
         </p:blipFill>
         <p:spPr>
           <a:xfrm>
-            <a:off x="430506" y="846236"/>
-            <a:ext cx="1882925" cy="1882925"/>
+            <a:off x="792692" y="711040"/>
+            <a:ext cx="1428750" cy="1428750"/>
           </a:xfrm>
           <a:prstGeom prst="rect">
             <a:avLst/>
@@ -6091,6 +6088,13 @@
   <p:clrMapOvr>
     <a:masterClrMapping/>
   </p:clrMapOvr>
+  <p:timing>
+    <p:tnLst>
+      <p:par>
+        <p:cTn id="1" dur="indefinite" restart="never" nodeType="tmRoot"/>
+      </p:par>
+    </p:tnLst>
+  </p:timing>
 </p:sld>
 </file>
 
@@ -7122,6 +7126,68 @@
               <a:t>會花一點時間更新</a:t>
             </a:r>
             <a:endParaRPr lang="zh-TW" altLang="en-US" b="1" dirty="0"/>
+          </a:p>
+        </p:txBody>
+      </p:sp>
+      <p:sp>
+        <p:nvSpPr>
+          <p:cNvPr id="3" name="文字方塊 2"/>
+          <p:cNvSpPr txBox="1"/>
+          <p:nvPr/>
+        </p:nvSpPr>
+        <p:spPr>
+          <a:xfrm flipH="1">
+            <a:off x="417005" y="3668599"/>
+            <a:ext cx="3962685" cy="369332"/>
+          </a:xfrm>
+          <a:prstGeom prst="rect">
+            <a:avLst/>
+          </a:prstGeom>
+          <a:noFill/>
+        </p:spPr>
+        <p:txBody>
+          <a:bodyPr wrap="square" rtlCol="0">
+            <a:spAutoFit/>
+          </a:bodyPr>
+          <a:lstStyle/>
+          <a:p>
+            <a:r>
+              <a:rPr lang="zh-TW" altLang="en-US" b="1" dirty="0" smtClean="0">
+                <a:solidFill>
+                  <a:srgbClr val="FF0000"/>
+                </a:solidFill>
+              </a:rPr>
+              <a:t>如果沒有</a:t>
+            </a:r>
+            <a:r>
+              <a:rPr lang="en-US" altLang="zh-TW" b="1" dirty="0" err="1" smtClean="0">
+                <a:solidFill>
+                  <a:srgbClr val="FF0000"/>
+                </a:solidFill>
+              </a:rPr>
+              <a:t>conda</a:t>
+            </a:r>
+            <a:r>
+              <a:rPr lang="en-US" altLang="zh-TW" b="1" dirty="0" smtClean="0">
+                <a:solidFill>
+                  <a:srgbClr val="FF0000"/>
+                </a:solidFill>
+              </a:rPr>
+              <a:t>-forge</a:t>
+            </a:r>
+            <a:r>
+              <a:rPr lang="zh-TW" altLang="en-US" b="1" dirty="0" smtClean="0">
+                <a:solidFill>
+                  <a:srgbClr val="FF0000"/>
+                </a:solidFill>
+              </a:rPr>
+              <a:t>才要自己加入。</a:t>
+            </a:r>
+            <a:endParaRPr lang="zh-TW" altLang="en-US" b="1" dirty="0">
+              <a:solidFill>
+                <a:srgbClr val="FF0000"/>
+              </a:solidFill>
+            </a:endParaRPr>
           </a:p>
         </p:txBody>
       </p:sp>
@@ -7780,8 +7846,27 @@
           <a:lstStyle/>
           <a:p>
             <a:r>
+              <a:rPr lang="zh-TW" altLang="en-US" b="1" dirty="0" smtClean="0">
+                <a:solidFill>
+                  <a:srgbClr val="FF0000"/>
+                </a:solidFill>
+              </a:rPr>
+              <a:t>以下初學者先不要更新。</a:t>
+            </a:r>
+            <a:endParaRPr lang="en-US" altLang="zh-TW" b="1" dirty="0" smtClean="0">
+              <a:solidFill>
+                <a:srgbClr val="FF0000"/>
+              </a:solidFill>
+            </a:endParaRPr>
+          </a:p>
+          <a:p>
+            <a:r>
               <a:rPr lang="zh-TW" altLang="en-US" dirty="0" smtClean="0"/>
-              <a:t>請選擇最新版本。</a:t>
+              <a:t>請</a:t>
+            </a:r>
+            <a:r>
+              <a:rPr lang="zh-TW" altLang="en-US" dirty="0" smtClean="0"/>
+              <a:t>選擇最新版本。</a:t>
             </a:r>
             <a:endParaRPr lang="en-US" altLang="zh-TW" dirty="0" smtClean="0"/>
           </a:p>
@@ -7799,21 +7884,43 @@
           <a:p>
             <a:pPr lvl="1"/>
             <a:r>
-              <a:rPr lang="zh-TW" altLang="en-US" dirty="0"/>
+              <a:rPr lang="zh-TW" altLang="en-US" b="1" dirty="0"/>
               <a:t>很久很</a:t>
             </a:r>
             <a:r>
+              <a:rPr lang="zh-TW" altLang="en-US" b="1" dirty="0" smtClean="0"/>
+              <a:t>久</a:t>
+            </a:r>
+            <a:r>
+              <a:rPr lang="en-US" altLang="zh-TW" b="1" dirty="0" smtClean="0"/>
+              <a:t>….</a:t>
+            </a:r>
+          </a:p>
+          <a:p>
+            <a:pPr lvl="1"/>
+            <a:r>
+              <a:rPr lang="zh-TW" altLang="en-US" b="1" dirty="0"/>
+              <a:t>很久很久</a:t>
+            </a:r>
+            <a:r>
+              <a:rPr lang="en-US" altLang="zh-TW" b="1" dirty="0"/>
+              <a:t>….</a:t>
+            </a:r>
+          </a:p>
+          <a:p>
+            <a:pPr lvl="1"/>
+            <a:r>
+              <a:rPr lang="zh-TW" altLang="en-US" b="1" dirty="0"/>
+              <a:t>很久很久</a:t>
+            </a:r>
+            <a:r>
+              <a:rPr lang="en-US" altLang="zh-TW" b="1" dirty="0"/>
+              <a:t>….</a:t>
+            </a:r>
+          </a:p>
+          <a:p>
+            <a:r>
               <a:rPr lang="zh-TW" altLang="en-US" dirty="0" smtClean="0"/>
-              <a:t>久</a:t>
-            </a:r>
-            <a:r>
-              <a:rPr lang="en-US" altLang="zh-TW" dirty="0" smtClean="0"/>
-              <a:t>….</a:t>
-            </a:r>
-          </a:p>
-          <a:p>
-            <a:r>
-              <a:rPr lang="zh-TW" altLang="en-US" dirty="0"/>
               <a:t>初學者</a:t>
             </a:r>
             <a:r>
@@ -9068,7 +9175,7 @@
                   <a:srgbClr val="FF0000"/>
                 </a:solidFill>
               </a:rPr>
-              <a:t>https://reurl.cc/q16Lzp</a:t>
+              <a:t>https://reurl.cc/3jjvd0</a:t>
             </a:r>
             <a:endParaRPr lang="zh-TW" altLang="en-US" sz="2400" dirty="0">
               <a:solidFill>
@@ -9080,7 +9187,7 @@
       </p:sp>
       <p:pic>
         <p:nvPicPr>
-          <p:cNvPr id="9" name="圖片 8"/>
+          <p:cNvPr id="8" name="圖片 7"/>
           <p:cNvPicPr>
             <a:picLocks noChangeAspect="1"/>
           </p:cNvPicPr>
@@ -9094,7 +9201,7 @@
         </p:blipFill>
         <p:spPr>
           <a:xfrm>
-            <a:off x="8037276" y="1110734"/>
+            <a:off x="8006006" y="972970"/>
             <a:ext cx="1428750" cy="1428750"/>
           </a:xfrm>
           <a:prstGeom prst="rect">
@@ -10037,6 +10144,13 @@
   <p:clrMapOvr>
     <a:masterClrMapping/>
   </p:clrMapOvr>
+  <p:timing>
+    <p:tnLst>
+      <p:par>
+        <p:cTn id="1" dur="indefinite" restart="never" nodeType="tmRoot"/>
+      </p:par>
+    </p:tnLst>
+  </p:timing>
 </p:sld>
 </file>
 
@@ -11111,6 +11225,13 @@
   <p:clrMapOvr>
     <a:masterClrMapping/>
   </p:clrMapOvr>
+  <p:timing>
+    <p:tnLst>
+      <p:par>
+        <p:cTn id="1" dur="indefinite" restart="never" nodeType="tmRoot"/>
+      </p:par>
+    </p:tnLst>
+  </p:timing>
 </p:sld>
 </file>
 
